--- a/Swift/CoreMLResearching/CoreML.pptx
+++ b/Swift/CoreMLResearching/CoreML.pptx
@@ -4,11 +4,21 @@
   <p:sldMasterIdLst>
     <p:sldMasterId id="2147483720" r:id="rId1"/>
   </p:sldMasterIdLst>
+  <p:notesMasterIdLst>
+    <p:notesMasterId r:id="rId13"/>
+  </p:notesMasterIdLst>
   <p:sldIdLst>
     <p:sldId id="256" r:id="rId2"/>
     <p:sldId id="257" r:id="rId3"/>
-    <p:sldId id="258" r:id="rId4"/>
-    <p:sldId id="259" r:id="rId5"/>
+    <p:sldId id="260" r:id="rId4"/>
+    <p:sldId id="265" r:id="rId5"/>
+    <p:sldId id="261" r:id="rId6"/>
+    <p:sldId id="262" r:id="rId7"/>
+    <p:sldId id="263" r:id="rId8"/>
+    <p:sldId id="264" r:id="rId9"/>
+    <p:sldId id="258" r:id="rId10"/>
+    <p:sldId id="259" r:id="rId11"/>
+    <p:sldId id="266" r:id="rId12"/>
   </p:sldIdLst>
   <p:sldSz cx="12192000" cy="6858000"/>
   <p:notesSz cx="6858000" cy="9144000"/>
@@ -107,7 +117,374 @@
       </a:defRPr>
     </a:lvl9pPr>
   </p:defaultTextStyle>
+  <p:extLst>
+    <p:ext uri="{EFAFB233-063F-42B5-8137-9DF3F51BA10A}">
+      <p15:sldGuideLst xmlns:p15="http://schemas.microsoft.com/office/powerpoint/2012/main"/>
+    </p:ext>
+  </p:extLst>
 </p:presentation>
+</file>
+
+<file path=ppt/commentAuthors.xml><?xml version="1.0" encoding="utf-8"?>
+<p:cmAuthorLst xmlns:a="http://schemas.openxmlformats.org/drawingml/2006/main" xmlns:r="http://schemas.openxmlformats.org/officeDocument/2006/relationships" xmlns:p="http://schemas.openxmlformats.org/presentationml/2006/main">
+  <p:cmAuthor id="1" name="Microsoft Office User" initials="Office" lastIdx="1" clrIdx="0">
+    <p:extLst>
+      <p:ext uri="{19B8F6BF-5375-455C-9EA6-DF929625EA0E}">
+        <p15:presenceInfo xmlns:p15="http://schemas.microsoft.com/office/powerpoint/2012/main" userId="" providerId=""/>
+      </p:ext>
+    </p:extLst>
+  </p:cmAuthor>
+</p:cmAuthorLst>
+</file>
+
+<file path=ppt/notesMasters/notesMaster1.xml><?xml version="1.0" encoding="utf-8"?>
+<p:notesMaster xmlns:a="http://schemas.openxmlformats.org/drawingml/2006/main" xmlns:r="http://schemas.openxmlformats.org/officeDocument/2006/relationships" xmlns:p="http://schemas.openxmlformats.org/presentationml/2006/main">
+  <p:cSld>
+    <p:bg>
+      <p:bgRef idx="1001">
+        <a:schemeClr val="bg1"/>
+      </p:bgRef>
+    </p:bg>
+    <p:spTree>
+      <p:nvGrpSpPr>
+        <p:cNvPr id="1" name=""/>
+        <p:cNvGrpSpPr/>
+        <p:nvPr/>
+      </p:nvGrpSpPr>
+      <p:grpSpPr>
+        <a:xfrm>
+          <a:off x="0" y="0"/>
+          <a:ext cx="0" cy="0"/>
+          <a:chOff x="0" y="0"/>
+          <a:chExt cx="0" cy="0"/>
+        </a:xfrm>
+      </p:grpSpPr>
+      <p:sp>
+        <p:nvSpPr>
+          <p:cNvPr id="2" name="Header Placeholder 1"/>
+          <p:cNvSpPr>
+            <a:spLocks noGrp="1"/>
+          </p:cNvSpPr>
+          <p:nvPr>
+            <p:ph type="hdr" sz="quarter"/>
+          </p:nvPr>
+        </p:nvSpPr>
+        <p:spPr>
+          <a:xfrm>
+            <a:off x="0" y="0"/>
+            <a:ext cx="2971800" cy="458788"/>
+          </a:xfrm>
+          <a:prstGeom prst="rect">
+            <a:avLst/>
+          </a:prstGeom>
+        </p:spPr>
+        <p:txBody>
+          <a:bodyPr vert="horz" lIns="91440" tIns="45720" rIns="91440" bIns="45720" rtlCol="0"/>
+          <a:lstStyle>
+            <a:lvl1pPr algn="l">
+              <a:defRPr sz="1200"/>
+            </a:lvl1pPr>
+          </a:lstStyle>
+          <a:p>
+            <a:endParaRPr lang="en-US"/>
+          </a:p>
+        </p:txBody>
+      </p:sp>
+      <p:sp>
+        <p:nvSpPr>
+          <p:cNvPr id="3" name="Date Placeholder 2"/>
+          <p:cNvSpPr>
+            <a:spLocks noGrp="1"/>
+          </p:cNvSpPr>
+          <p:nvPr>
+            <p:ph type="dt" idx="1"/>
+          </p:nvPr>
+        </p:nvSpPr>
+        <p:spPr>
+          <a:xfrm>
+            <a:off x="3884613" y="0"/>
+            <a:ext cx="2971800" cy="458788"/>
+          </a:xfrm>
+          <a:prstGeom prst="rect">
+            <a:avLst/>
+          </a:prstGeom>
+        </p:spPr>
+        <p:txBody>
+          <a:bodyPr vert="horz" lIns="91440" tIns="45720" rIns="91440" bIns="45720" rtlCol="0"/>
+          <a:lstStyle>
+            <a:lvl1pPr algn="r">
+              <a:defRPr sz="1200"/>
+            </a:lvl1pPr>
+          </a:lstStyle>
+          <a:p>
+            <a:fld id="{4FC2CF7C-5765-CE4E-BFFD-685887162BFF}" type="datetimeFigureOut">
+              <a:rPr lang="en-US" smtClean="0"/>
+              <a:t>4/26/18</a:t>
+            </a:fld>
+            <a:endParaRPr lang="en-US"/>
+          </a:p>
+        </p:txBody>
+      </p:sp>
+      <p:sp>
+        <p:nvSpPr>
+          <p:cNvPr id="4" name="Slide Image Placeholder 3"/>
+          <p:cNvSpPr>
+            <a:spLocks noGrp="1" noRot="1" noChangeAspect="1"/>
+          </p:cNvSpPr>
+          <p:nvPr>
+            <p:ph type="sldImg" idx="2"/>
+          </p:nvPr>
+        </p:nvSpPr>
+        <p:spPr>
+          <a:xfrm>
+            <a:off x="685800" y="1143000"/>
+            <a:ext cx="5486400" cy="3086100"/>
+          </a:xfrm>
+          <a:prstGeom prst="rect">
+            <a:avLst/>
+          </a:prstGeom>
+          <a:noFill/>
+          <a:ln w="12700">
+            <a:solidFill>
+              <a:prstClr val="black"/>
+            </a:solidFill>
+          </a:ln>
+        </p:spPr>
+        <p:txBody>
+          <a:bodyPr vert="horz" lIns="91440" tIns="45720" rIns="91440" bIns="45720" rtlCol="0" anchor="ctr"/>
+          <a:lstStyle/>
+          <a:p>
+            <a:endParaRPr lang="en-US"/>
+          </a:p>
+        </p:txBody>
+      </p:sp>
+      <p:sp>
+        <p:nvSpPr>
+          <p:cNvPr id="5" name="Notes Placeholder 4"/>
+          <p:cNvSpPr>
+            <a:spLocks noGrp="1"/>
+          </p:cNvSpPr>
+          <p:nvPr>
+            <p:ph type="body" sz="quarter" idx="3"/>
+          </p:nvPr>
+        </p:nvSpPr>
+        <p:spPr>
+          <a:xfrm>
+            <a:off x="685800" y="4400550"/>
+            <a:ext cx="5486400" cy="3600450"/>
+          </a:xfrm>
+          <a:prstGeom prst="rect">
+            <a:avLst/>
+          </a:prstGeom>
+        </p:spPr>
+        <p:txBody>
+          <a:bodyPr vert="horz" lIns="91440" tIns="45720" rIns="91440" bIns="45720" rtlCol="0"/>
+          <a:lstStyle/>
+          <a:p>
+            <a:pPr lvl="0"/>
+            <a:r>
+              <a:rPr lang="en-US" smtClean="0"/>
+              <a:t>Click to edit Master text styles</a:t>
+            </a:r>
+          </a:p>
+          <a:p>
+            <a:pPr lvl="1"/>
+            <a:r>
+              <a:rPr lang="en-US" smtClean="0"/>
+              <a:t>Second level</a:t>
+            </a:r>
+          </a:p>
+          <a:p>
+            <a:pPr lvl="2"/>
+            <a:r>
+              <a:rPr lang="en-US" smtClean="0"/>
+              <a:t>Third level</a:t>
+            </a:r>
+          </a:p>
+          <a:p>
+            <a:pPr lvl="3"/>
+            <a:r>
+              <a:rPr lang="en-US" smtClean="0"/>
+              <a:t>Fourth level</a:t>
+            </a:r>
+          </a:p>
+          <a:p>
+            <a:pPr lvl="4"/>
+            <a:r>
+              <a:rPr lang="en-US" smtClean="0"/>
+              <a:t>Fifth level</a:t>
+            </a:r>
+            <a:endParaRPr lang="en-US"/>
+          </a:p>
+        </p:txBody>
+      </p:sp>
+      <p:sp>
+        <p:nvSpPr>
+          <p:cNvPr id="6" name="Footer Placeholder 5"/>
+          <p:cNvSpPr>
+            <a:spLocks noGrp="1"/>
+          </p:cNvSpPr>
+          <p:nvPr>
+            <p:ph type="ftr" sz="quarter" idx="4"/>
+          </p:nvPr>
+        </p:nvSpPr>
+        <p:spPr>
+          <a:xfrm>
+            <a:off x="0" y="8685213"/>
+            <a:ext cx="2971800" cy="458787"/>
+          </a:xfrm>
+          <a:prstGeom prst="rect">
+            <a:avLst/>
+          </a:prstGeom>
+        </p:spPr>
+        <p:txBody>
+          <a:bodyPr vert="horz" lIns="91440" tIns="45720" rIns="91440" bIns="45720" rtlCol="0" anchor="b"/>
+          <a:lstStyle>
+            <a:lvl1pPr algn="l">
+              <a:defRPr sz="1200"/>
+            </a:lvl1pPr>
+          </a:lstStyle>
+          <a:p>
+            <a:endParaRPr lang="en-US"/>
+          </a:p>
+        </p:txBody>
+      </p:sp>
+      <p:sp>
+        <p:nvSpPr>
+          <p:cNvPr id="7" name="Slide Number Placeholder 6"/>
+          <p:cNvSpPr>
+            <a:spLocks noGrp="1"/>
+          </p:cNvSpPr>
+          <p:nvPr>
+            <p:ph type="sldNum" sz="quarter" idx="5"/>
+          </p:nvPr>
+        </p:nvSpPr>
+        <p:spPr>
+          <a:xfrm>
+            <a:off x="3884613" y="8685213"/>
+            <a:ext cx="2971800" cy="458787"/>
+          </a:xfrm>
+          <a:prstGeom prst="rect">
+            <a:avLst/>
+          </a:prstGeom>
+        </p:spPr>
+        <p:txBody>
+          <a:bodyPr vert="horz" lIns="91440" tIns="45720" rIns="91440" bIns="45720" rtlCol="0" anchor="b"/>
+          <a:lstStyle>
+            <a:lvl1pPr algn="r">
+              <a:defRPr sz="1200"/>
+            </a:lvl1pPr>
+          </a:lstStyle>
+          <a:p>
+            <a:fld id="{FCD2B16F-63B2-D64B-B195-E5161564762F}" type="slidenum">
+              <a:rPr lang="en-US" smtClean="0"/>
+              <a:t>‹#›</a:t>
+            </a:fld>
+            <a:endParaRPr lang="en-US"/>
+          </a:p>
+        </p:txBody>
+      </p:sp>
+    </p:spTree>
+    <p:extLst>
+      <p:ext uri="{BB962C8B-B14F-4D97-AF65-F5344CB8AC3E}">
+        <p14:creationId xmlns:p14="http://schemas.microsoft.com/office/powerpoint/2010/main" val="418352377"/>
+      </p:ext>
+    </p:extLst>
+  </p:cSld>
+  <p:clrMap bg1="lt1" tx1="dk1" bg2="lt2" tx2="dk2" accent1="accent1" accent2="accent2" accent3="accent3" accent4="accent4" accent5="accent5" accent6="accent6" hlink="hlink" folHlink="folHlink"/>
+  <p:notesStyle>
+    <a:lvl1pPr marL="0" algn="l" defTabSz="914400" rtl="0" eaLnBrk="1" latinLnBrk="0" hangingPunct="1">
+      <a:defRPr sz="1200" kern="1200">
+        <a:solidFill>
+          <a:schemeClr val="tx1"/>
+        </a:solidFill>
+        <a:latin typeface="+mn-lt"/>
+        <a:ea typeface="+mn-ea"/>
+        <a:cs typeface="+mn-cs"/>
+      </a:defRPr>
+    </a:lvl1pPr>
+    <a:lvl2pPr marL="457200" algn="l" defTabSz="914400" rtl="0" eaLnBrk="1" latinLnBrk="0" hangingPunct="1">
+      <a:defRPr sz="1200" kern="1200">
+        <a:solidFill>
+          <a:schemeClr val="tx1"/>
+        </a:solidFill>
+        <a:latin typeface="+mn-lt"/>
+        <a:ea typeface="+mn-ea"/>
+        <a:cs typeface="+mn-cs"/>
+      </a:defRPr>
+    </a:lvl2pPr>
+    <a:lvl3pPr marL="914400" algn="l" defTabSz="914400" rtl="0" eaLnBrk="1" latinLnBrk="0" hangingPunct="1">
+      <a:defRPr sz="1200" kern="1200">
+        <a:solidFill>
+          <a:schemeClr val="tx1"/>
+        </a:solidFill>
+        <a:latin typeface="+mn-lt"/>
+        <a:ea typeface="+mn-ea"/>
+        <a:cs typeface="+mn-cs"/>
+      </a:defRPr>
+    </a:lvl3pPr>
+    <a:lvl4pPr marL="1371600" algn="l" defTabSz="914400" rtl="0" eaLnBrk="1" latinLnBrk="0" hangingPunct="1">
+      <a:defRPr sz="1200" kern="1200">
+        <a:solidFill>
+          <a:schemeClr val="tx1"/>
+        </a:solidFill>
+        <a:latin typeface="+mn-lt"/>
+        <a:ea typeface="+mn-ea"/>
+        <a:cs typeface="+mn-cs"/>
+      </a:defRPr>
+    </a:lvl4pPr>
+    <a:lvl5pPr marL="1828800" algn="l" defTabSz="914400" rtl="0" eaLnBrk="1" latinLnBrk="0" hangingPunct="1">
+      <a:defRPr sz="1200" kern="1200">
+        <a:solidFill>
+          <a:schemeClr val="tx1"/>
+        </a:solidFill>
+        <a:latin typeface="+mn-lt"/>
+        <a:ea typeface="+mn-ea"/>
+        <a:cs typeface="+mn-cs"/>
+      </a:defRPr>
+    </a:lvl5pPr>
+    <a:lvl6pPr marL="2286000" algn="l" defTabSz="914400" rtl="0" eaLnBrk="1" latinLnBrk="0" hangingPunct="1">
+      <a:defRPr sz="1200" kern="1200">
+        <a:solidFill>
+          <a:schemeClr val="tx1"/>
+        </a:solidFill>
+        <a:latin typeface="+mn-lt"/>
+        <a:ea typeface="+mn-ea"/>
+        <a:cs typeface="+mn-cs"/>
+      </a:defRPr>
+    </a:lvl6pPr>
+    <a:lvl7pPr marL="2743200" algn="l" defTabSz="914400" rtl="0" eaLnBrk="1" latinLnBrk="0" hangingPunct="1">
+      <a:defRPr sz="1200" kern="1200">
+        <a:solidFill>
+          <a:schemeClr val="tx1"/>
+        </a:solidFill>
+        <a:latin typeface="+mn-lt"/>
+        <a:ea typeface="+mn-ea"/>
+        <a:cs typeface="+mn-cs"/>
+      </a:defRPr>
+    </a:lvl7pPr>
+    <a:lvl8pPr marL="3200400" algn="l" defTabSz="914400" rtl="0" eaLnBrk="1" latinLnBrk="0" hangingPunct="1">
+      <a:defRPr sz="1200" kern="1200">
+        <a:solidFill>
+          <a:schemeClr val="tx1"/>
+        </a:solidFill>
+        <a:latin typeface="+mn-lt"/>
+        <a:ea typeface="+mn-ea"/>
+        <a:cs typeface="+mn-cs"/>
+      </a:defRPr>
+    </a:lvl8pPr>
+    <a:lvl9pPr marL="3657600" algn="l" defTabSz="914400" rtl="0" eaLnBrk="1" latinLnBrk="0" hangingPunct="1">
+      <a:defRPr sz="1200" kern="1200">
+        <a:solidFill>
+          <a:schemeClr val="tx1"/>
+        </a:solidFill>
+        <a:latin typeface="+mn-lt"/>
+        <a:ea typeface="+mn-ea"/>
+        <a:cs typeface="+mn-cs"/>
+      </a:defRPr>
+    </a:lvl9pPr>
+  </p:notesStyle>
+</p:notesMaster>
 </file>
 
 <file path=ppt/slideLayouts/slideLayout1.xml><?xml version="1.0" encoding="utf-8"?>
@@ -241,7 +618,7 @@
           <a:p>
             <a:fld id="{0453E19A-C280-FF4D-BC3F-DE628A190351}" type="datetimeFigureOut">
               <a:rPr lang="en-US" smtClean="0"/>
-              <a:t>4/25/18</a:t>
+              <a:t>4/26/18</a:t>
             </a:fld>
             <a:endParaRPr lang="en-US"/>
           </a:p>
@@ -406,7 +783,7 @@
           <a:p>
             <a:fld id="{0453E19A-C280-FF4D-BC3F-DE628A190351}" type="datetimeFigureOut">
               <a:rPr lang="en-US" smtClean="0"/>
-              <a:t>4/25/18</a:t>
+              <a:t>4/26/18</a:t>
             </a:fld>
             <a:endParaRPr lang="en-US"/>
           </a:p>
@@ -581,7 +958,7 @@
           <a:p>
             <a:fld id="{0453E19A-C280-FF4D-BC3F-DE628A190351}" type="datetimeFigureOut">
               <a:rPr lang="en-US" smtClean="0"/>
-              <a:t>4/25/18</a:t>
+              <a:t>4/26/18</a:t>
             </a:fld>
             <a:endParaRPr lang="en-US"/>
           </a:p>
@@ -746,7 +1123,7 @@
           <a:p>
             <a:fld id="{0453E19A-C280-FF4D-BC3F-DE628A190351}" type="datetimeFigureOut">
               <a:rPr lang="en-US" smtClean="0"/>
-              <a:t>4/25/18</a:t>
+              <a:t>4/26/18</a:t>
             </a:fld>
             <a:endParaRPr lang="en-US"/>
           </a:p>
@@ -987,7 +1364,7 @@
           <a:p>
             <a:fld id="{0453E19A-C280-FF4D-BC3F-DE628A190351}" type="datetimeFigureOut">
               <a:rPr lang="en-US" smtClean="0"/>
-              <a:t>4/25/18</a:t>
+              <a:t>4/26/18</a:t>
             </a:fld>
             <a:endParaRPr lang="en-US"/>
           </a:p>
@@ -1214,7 +1591,7 @@
           <a:p>
             <a:fld id="{0453E19A-C280-FF4D-BC3F-DE628A190351}" type="datetimeFigureOut">
               <a:rPr lang="en-US" smtClean="0"/>
-              <a:t>4/25/18</a:t>
+              <a:t>4/26/18</a:t>
             </a:fld>
             <a:endParaRPr lang="en-US"/>
           </a:p>
@@ -1576,7 +1953,7 @@
           <a:p>
             <a:fld id="{0453E19A-C280-FF4D-BC3F-DE628A190351}" type="datetimeFigureOut">
               <a:rPr lang="en-US" smtClean="0"/>
-              <a:t>4/25/18</a:t>
+              <a:t>4/26/18</a:t>
             </a:fld>
             <a:endParaRPr lang="en-US"/>
           </a:p>
@@ -1689,7 +2066,7 @@
           <a:p>
             <a:fld id="{0453E19A-C280-FF4D-BC3F-DE628A190351}" type="datetimeFigureOut">
               <a:rPr lang="en-US" smtClean="0"/>
-              <a:t>4/25/18</a:t>
+              <a:t>4/26/18</a:t>
             </a:fld>
             <a:endParaRPr lang="en-US"/>
           </a:p>
@@ -1779,7 +2156,7 @@
           <a:p>
             <a:fld id="{0453E19A-C280-FF4D-BC3F-DE628A190351}" type="datetimeFigureOut">
               <a:rPr lang="en-US" smtClean="0"/>
-              <a:t>4/25/18</a:t>
+              <a:t>4/26/18</a:t>
             </a:fld>
             <a:endParaRPr lang="en-US"/>
           </a:p>
@@ -2051,7 +2428,7 @@
           <a:p>
             <a:fld id="{0453E19A-C280-FF4D-BC3F-DE628A190351}" type="datetimeFigureOut">
               <a:rPr lang="en-US" smtClean="0"/>
-              <a:t>4/25/18</a:t>
+              <a:t>4/26/18</a:t>
             </a:fld>
             <a:endParaRPr lang="en-US"/>
           </a:p>
@@ -2303,7 +2680,7 @@
           <a:p>
             <a:fld id="{0453E19A-C280-FF4D-BC3F-DE628A190351}" type="datetimeFigureOut">
               <a:rPr lang="en-US" smtClean="0"/>
-              <a:t>4/25/18</a:t>
+              <a:t>4/26/18</a:t>
             </a:fld>
             <a:endParaRPr lang="en-US"/>
           </a:p>
@@ -2511,7 +2888,7 @@
           <a:p>
             <a:fld id="{0453E19A-C280-FF4D-BC3F-DE628A190351}" type="datetimeFigureOut">
               <a:rPr lang="en-US" smtClean="0"/>
-              <a:t>4/25/18</a:t>
+              <a:t>4/26/18</a:t>
             </a:fld>
             <a:endParaRPr lang="en-US"/>
           </a:p>
@@ -3015,6 +3392,353 @@
 </p:sld>
 </file>
 
+<file path=ppt/slides/slide10.xml><?xml version="1.0" encoding="utf-8"?>
+<p:sld xmlns:a="http://schemas.openxmlformats.org/drawingml/2006/main" xmlns:r="http://schemas.openxmlformats.org/officeDocument/2006/relationships" xmlns:p="http://schemas.openxmlformats.org/presentationml/2006/main">
+  <p:cSld>
+    <p:spTree>
+      <p:nvGrpSpPr>
+        <p:cNvPr id="1" name=""/>
+        <p:cNvGrpSpPr/>
+        <p:nvPr/>
+      </p:nvGrpSpPr>
+      <p:grpSpPr>
+        <a:xfrm>
+          <a:off x="0" y="0"/>
+          <a:ext cx="0" cy="0"/>
+          <a:chOff x="0" y="0"/>
+          <a:chExt cx="0" cy="0"/>
+        </a:xfrm>
+      </p:grpSpPr>
+      <p:sp>
+        <p:nvSpPr>
+          <p:cNvPr id="4" name="TextBox 3"/>
+          <p:cNvSpPr txBox="1"/>
+          <p:nvPr/>
+        </p:nvSpPr>
+        <p:spPr>
+          <a:xfrm>
+            <a:off x="925830" y="320040"/>
+            <a:ext cx="10904220" cy="1077218"/>
+          </a:xfrm>
+          <a:prstGeom prst="rect">
+            <a:avLst/>
+          </a:prstGeom>
+          <a:noFill/>
+        </p:spPr>
+        <p:txBody>
+          <a:bodyPr wrap="square" rtlCol="0">
+            <a:spAutoFit/>
+          </a:bodyPr>
+          <a:lstStyle/>
+          <a:p>
+            <a:r>
+              <a:rPr lang="zh-CN" altLang="en-US" sz="3000" dirty="0"/>
+              <a:t>苹果首先拿出了在已经自家应用中使用</a:t>
+            </a:r>
+            <a:r>
+              <a:rPr lang="zh-CN" altLang="en-US" sz="3000" dirty="0" smtClean="0"/>
+              <a:t>的</a:t>
+            </a:r>
+            <a:r>
+              <a:rPr lang="en-US" altLang="zh-CN" sz="3000" dirty="0" smtClean="0"/>
+              <a:t> Vision </a:t>
+            </a:r>
+            <a:r>
+              <a:rPr lang="zh-CN" altLang="en-US" sz="3000" dirty="0" smtClean="0"/>
+              <a:t>和</a:t>
+            </a:r>
+            <a:r>
+              <a:rPr lang="en-US" altLang="zh-CN" sz="3000" dirty="0" smtClean="0"/>
+              <a:t> </a:t>
+            </a:r>
+            <a:r>
+              <a:rPr lang="en-US" sz="3200" dirty="0"/>
+              <a:t>Natural</a:t>
+            </a:r>
+          </a:p>
+          <a:p>
+            <a:r>
+              <a:rPr lang="en-US" altLang="zh-CN" sz="3000" dirty="0" smtClean="0"/>
+              <a:t>Language </a:t>
+            </a:r>
+            <a:r>
+              <a:rPr lang="en-US" sz="3200" dirty="0" smtClean="0"/>
+              <a:t>Processing</a:t>
+            </a:r>
+            <a:endParaRPr lang="en-US" sz="3000" dirty="0"/>
+          </a:p>
+        </p:txBody>
+      </p:sp>
+      <p:sp>
+        <p:nvSpPr>
+          <p:cNvPr id="5" name="TextBox 4"/>
+          <p:cNvSpPr txBox="1"/>
+          <p:nvPr/>
+        </p:nvSpPr>
+        <p:spPr>
+          <a:xfrm>
+            <a:off x="1691640" y="1583948"/>
+            <a:ext cx="2857500" cy="4524315"/>
+          </a:xfrm>
+          <a:prstGeom prst="rect">
+            <a:avLst/>
+          </a:prstGeom>
+          <a:noFill/>
+        </p:spPr>
+        <p:txBody>
+          <a:bodyPr wrap="square" rtlCol="0">
+            <a:spAutoFit/>
+          </a:bodyPr>
+          <a:lstStyle/>
+          <a:p>
+            <a:r>
+              <a:rPr lang="en-US" sz="3000" dirty="0" smtClean="0"/>
+              <a:t>Vision:</a:t>
+            </a:r>
+          </a:p>
+          <a:p>
+            <a:pPr marL="285750" indent="-285750">
+              <a:buFont typeface="Arial" charset="0"/>
+              <a:buChar char="•"/>
+            </a:pPr>
+            <a:r>
+              <a:rPr lang="zh-CN" altLang="en-US" sz="3000" dirty="0" smtClean="0"/>
+              <a:t>面部追踪</a:t>
+            </a:r>
+            <a:endParaRPr lang="en-US" altLang="zh-CN" sz="3000" dirty="0" smtClean="0"/>
+          </a:p>
+          <a:p>
+            <a:pPr marL="285750" indent="-285750">
+              <a:buFont typeface="Arial" charset="0"/>
+              <a:buChar char="•"/>
+            </a:pPr>
+            <a:r>
+              <a:rPr lang="zh-CN" altLang="en-US" sz="3000" dirty="0" smtClean="0"/>
+              <a:t>面部识别</a:t>
+            </a:r>
+            <a:endParaRPr lang="en-US" altLang="zh-CN" sz="3000" dirty="0" smtClean="0"/>
+          </a:p>
+          <a:p>
+            <a:pPr marL="285750" indent="-285750">
+              <a:buFont typeface="Arial" charset="0"/>
+              <a:buChar char="•"/>
+            </a:pPr>
+            <a:r>
+              <a:rPr lang="zh-CN" altLang="en-US" sz="3000" dirty="0" smtClean="0"/>
+              <a:t>地标</a:t>
+            </a:r>
+            <a:endParaRPr lang="en-US" altLang="zh-CN" sz="3000" dirty="0" smtClean="0"/>
+          </a:p>
+          <a:p>
+            <a:pPr marL="285750" indent="-285750">
+              <a:buFont typeface="Arial" charset="0"/>
+              <a:buChar char="•"/>
+            </a:pPr>
+            <a:r>
+              <a:rPr lang="zh-CN" altLang="en-US" sz="3000" dirty="0" smtClean="0"/>
+              <a:t>文本识别</a:t>
+            </a:r>
+            <a:endParaRPr lang="en-US" altLang="zh-CN" sz="3000" dirty="0" smtClean="0"/>
+          </a:p>
+          <a:p>
+            <a:pPr marL="285750" indent="-285750">
+              <a:buFont typeface="Arial" charset="0"/>
+              <a:buChar char="•"/>
+            </a:pPr>
+            <a:r>
+              <a:rPr lang="zh-CN" altLang="en-US" sz="3000" dirty="0" smtClean="0"/>
+              <a:t>正方形识别</a:t>
+            </a:r>
+            <a:endParaRPr lang="en-US" altLang="zh-CN" sz="3000" dirty="0" smtClean="0"/>
+          </a:p>
+          <a:p>
+            <a:pPr marL="285750" indent="-285750">
+              <a:buFont typeface="Arial" charset="0"/>
+              <a:buChar char="•"/>
+            </a:pPr>
+            <a:r>
+              <a:rPr lang="zh-CN" altLang="en-US" sz="3000" dirty="0" smtClean="0"/>
+              <a:t>条码识别</a:t>
+            </a:r>
+            <a:endParaRPr lang="en-US" altLang="zh-CN" sz="3000" dirty="0" smtClean="0"/>
+          </a:p>
+          <a:p>
+            <a:pPr marL="285750" indent="-285750">
+              <a:buFont typeface="Arial" charset="0"/>
+              <a:buChar char="•"/>
+            </a:pPr>
+            <a:r>
+              <a:rPr lang="zh-CN" altLang="en-US" sz="3000" dirty="0" smtClean="0"/>
+              <a:t>物体追踪</a:t>
+            </a:r>
+            <a:endParaRPr lang="en-US" altLang="zh-CN" sz="3000" dirty="0" smtClean="0"/>
+          </a:p>
+          <a:p>
+            <a:pPr marL="285750" indent="-285750">
+              <a:buFont typeface="Arial" charset="0"/>
+              <a:buChar char="•"/>
+            </a:pPr>
+            <a:r>
+              <a:rPr lang="zh-CN" altLang="en-US" sz="3000" dirty="0" smtClean="0"/>
+              <a:t>图像匹配</a:t>
+            </a:r>
+            <a:endParaRPr lang="en-US" altLang="zh-CN" sz="3000" dirty="0" smtClean="0"/>
+          </a:p>
+          <a:p>
+            <a:pPr marL="285750" indent="-285750">
+              <a:buFont typeface="Arial" charset="0"/>
+              <a:buChar char="•"/>
+            </a:pPr>
+            <a:endParaRPr lang="en-US" dirty="0" smtClean="0"/>
+          </a:p>
+        </p:txBody>
+      </p:sp>
+      <p:sp>
+        <p:nvSpPr>
+          <p:cNvPr id="6" name="TextBox 5"/>
+          <p:cNvSpPr txBox="1"/>
+          <p:nvPr/>
+        </p:nvSpPr>
+        <p:spPr>
+          <a:xfrm>
+            <a:off x="7086600" y="1583948"/>
+            <a:ext cx="3291840" cy="2862322"/>
+          </a:xfrm>
+          <a:prstGeom prst="rect">
+            <a:avLst/>
+          </a:prstGeom>
+          <a:noFill/>
+        </p:spPr>
+        <p:txBody>
+          <a:bodyPr wrap="square" rtlCol="0">
+            <a:spAutoFit/>
+          </a:bodyPr>
+          <a:lstStyle/>
+          <a:p>
+            <a:r>
+              <a:rPr lang="en-US" altLang="zh-CN" sz="3000" dirty="0" smtClean="0"/>
+              <a:t>NLP</a:t>
+            </a:r>
+            <a:r>
+              <a:rPr lang="zh-CN" altLang="en-US" sz="3000" dirty="0" smtClean="0"/>
+              <a:t>：</a:t>
+            </a:r>
+            <a:endParaRPr lang="en-US" altLang="zh-CN" sz="3000" dirty="0" smtClean="0"/>
+          </a:p>
+          <a:p>
+            <a:pPr marL="285750" indent="-285750">
+              <a:buFont typeface="Arial" charset="0"/>
+              <a:buChar char="•"/>
+            </a:pPr>
+            <a:r>
+              <a:rPr lang="zh-CN" altLang="en-US" sz="3000" dirty="0" smtClean="0"/>
+              <a:t>语言检测</a:t>
+            </a:r>
+            <a:endParaRPr lang="en-US" altLang="zh-CN" sz="3000" dirty="0" smtClean="0"/>
+          </a:p>
+          <a:p>
+            <a:pPr marL="285750" indent="-285750">
+              <a:buFont typeface="Arial" charset="0"/>
+              <a:buChar char="•"/>
+            </a:pPr>
+            <a:r>
+              <a:rPr lang="zh-CN" altLang="en-US" sz="3000" dirty="0" smtClean="0"/>
+              <a:t>符号化识别</a:t>
+            </a:r>
+            <a:endParaRPr lang="en-US" altLang="zh-CN" sz="3000" dirty="0" smtClean="0"/>
+          </a:p>
+          <a:p>
+            <a:pPr marL="285750" indent="-285750">
+              <a:buFont typeface="Arial" charset="0"/>
+              <a:buChar char="•"/>
+            </a:pPr>
+            <a:r>
+              <a:rPr lang="zh-CN" altLang="en-US" sz="3000" dirty="0" smtClean="0"/>
+              <a:t>词形还原</a:t>
+            </a:r>
+            <a:endParaRPr lang="en-US" altLang="zh-CN" sz="3000" dirty="0" smtClean="0"/>
+          </a:p>
+          <a:p>
+            <a:pPr marL="285750" indent="-285750">
+              <a:buFont typeface="Arial" charset="0"/>
+              <a:buChar char="•"/>
+            </a:pPr>
+            <a:r>
+              <a:rPr lang="zh-CN" altLang="en-US" sz="3000" dirty="0" smtClean="0"/>
+              <a:t>对话分段</a:t>
+            </a:r>
+            <a:endParaRPr lang="en-US" altLang="zh-CN" sz="3000" dirty="0" smtClean="0"/>
+          </a:p>
+          <a:p>
+            <a:pPr marL="285750" indent="-285750">
+              <a:buFont typeface="Arial" charset="0"/>
+              <a:buChar char="•"/>
+            </a:pPr>
+            <a:r>
+              <a:rPr lang="zh-CN" altLang="en-US" sz="3000" dirty="0" smtClean="0"/>
+              <a:t>实体名称识别</a:t>
+            </a:r>
+            <a:endParaRPr lang="en-US" sz="3000" dirty="0"/>
+          </a:p>
+        </p:txBody>
+      </p:sp>
+    </p:spTree>
+    <p:extLst>
+      <p:ext uri="{BB962C8B-B14F-4D97-AF65-F5344CB8AC3E}">
+        <p14:creationId xmlns:p14="http://schemas.microsoft.com/office/powerpoint/2010/main" val="1531837236"/>
+      </p:ext>
+    </p:extLst>
+  </p:cSld>
+  <p:clrMapOvr>
+    <a:masterClrMapping/>
+  </p:clrMapOvr>
+  <p:timing>
+    <p:tnLst>
+      <p:par>
+        <p:cTn id="1" dur="indefinite" restart="never" nodeType="tmRoot"/>
+      </p:par>
+    </p:tnLst>
+  </p:timing>
+</p:sld>
+</file>
+
+<file path=ppt/slides/slide11.xml><?xml version="1.0" encoding="utf-8"?>
+<p:sld xmlns:a="http://schemas.openxmlformats.org/drawingml/2006/main" xmlns:r="http://schemas.openxmlformats.org/officeDocument/2006/relationships" xmlns:p="http://schemas.openxmlformats.org/presentationml/2006/main">
+  <p:cSld>
+    <p:spTree>
+      <p:nvGrpSpPr>
+        <p:cNvPr id="1" name=""/>
+        <p:cNvGrpSpPr/>
+        <p:nvPr/>
+      </p:nvGrpSpPr>
+      <p:grpSpPr>
+        <a:xfrm>
+          <a:off x="0" y="0"/>
+          <a:ext cx="0" cy="0"/>
+          <a:chOff x="0" y="0"/>
+          <a:chExt cx="0" cy="0"/>
+        </a:xfrm>
+      </p:grpSpPr>
+    </p:spTree>
+    <p:extLst>
+      <p:ext uri="{BB962C8B-B14F-4D97-AF65-F5344CB8AC3E}">
+        <p14:creationId xmlns:p14="http://schemas.microsoft.com/office/powerpoint/2010/main" val="819567566"/>
+      </p:ext>
+    </p:extLst>
+  </p:cSld>
+  <p:clrMapOvr>
+    <a:masterClrMapping/>
+  </p:clrMapOvr>
+  <p:timing>
+    <p:tnLst>
+      <p:par>
+        <p:cTn id="1" dur="indefinite" restart="never" nodeType="tmRoot"/>
+      </p:par>
+    </p:tnLst>
+  </p:timing>
+</p:sld>
+</file>
+
 <file path=ppt/slides/slide2.xml><?xml version="1.0" encoding="utf-8"?>
 <p:sld xmlns:a="http://schemas.openxmlformats.org/drawingml/2006/main" xmlns:r="http://schemas.openxmlformats.org/officeDocument/2006/relationships" xmlns:p="http://schemas.openxmlformats.org/presentationml/2006/main">
   <p:cSld>
@@ -3454,14 +4178,14 @@
       </p:grpSpPr>
       <p:sp>
         <p:nvSpPr>
-          <p:cNvPr id="4" name="TextBox 3"/>
+          <p:cNvPr id="11" name="TextBox 10"/>
           <p:cNvSpPr txBox="1"/>
           <p:nvPr/>
         </p:nvSpPr>
         <p:spPr>
           <a:xfrm>
-            <a:off x="1113182" y="576469"/>
-            <a:ext cx="10157792" cy="923330"/>
+            <a:off x="540000" y="540000"/>
+            <a:ext cx="1723549" cy="553998"/>
           </a:xfrm>
           <a:prstGeom prst="rect">
             <a:avLst/>
@@ -3469,89 +4193,41 @@
           <a:noFill/>
         </p:spPr>
         <p:txBody>
-          <a:bodyPr wrap="square" rtlCol="0">
+          <a:bodyPr wrap="none" rtlCol="0">
             <a:spAutoFit/>
           </a:bodyPr>
           <a:lstStyle/>
           <a:p>
             <a:r>
-              <a:rPr lang="zh-CN" altLang="en-US" dirty="0"/>
-              <a:t>在</a:t>
-            </a:r>
-            <a:r>
-              <a:rPr lang="en-US" altLang="zh-CN" dirty="0"/>
-              <a:t>iOS</a:t>
-            </a:r>
-            <a:r>
-              <a:rPr lang="zh-CN" altLang="en-US" dirty="0"/>
-              <a:t>的本身功能里，苹果已经尝试用机器学习带来更好的用户体验，比如在</a:t>
-            </a:r>
-            <a:r>
-              <a:rPr lang="en-US" altLang="zh-CN" dirty="0"/>
-              <a:t>iPad</a:t>
-            </a:r>
-            <a:r>
-              <a:rPr lang="zh-CN" altLang="en-US" dirty="0"/>
-              <a:t>上利用机器学习识别手写便签的文本、在</a:t>
-            </a:r>
-            <a:r>
-              <a:rPr lang="en-US" altLang="zh-CN" dirty="0"/>
-              <a:t>iPhone</a:t>
-            </a:r>
-            <a:r>
-              <a:rPr lang="zh-CN" altLang="en-US" dirty="0"/>
-              <a:t>上通过学习和预测用户的使用习惯来让</a:t>
-            </a:r>
-            <a:r>
-              <a:rPr lang="en-US" altLang="zh-CN" dirty="0"/>
-              <a:t>iOS</a:t>
-            </a:r>
-            <a:r>
-              <a:rPr lang="zh-CN" altLang="en-US" dirty="0"/>
-              <a:t>更省电、在照片</a:t>
-            </a:r>
-            <a:r>
-              <a:rPr lang="en-US" altLang="zh-CN" dirty="0"/>
-              <a:t>app</a:t>
-            </a:r>
-            <a:r>
-              <a:rPr lang="zh-CN" altLang="en-US" dirty="0"/>
-              <a:t>里自动创建的回忆相册以及面部识别</a:t>
-            </a:r>
-            <a:r>
-              <a:rPr lang="zh-CN" altLang="en-US" dirty="0" smtClean="0"/>
-              <a:t>，</a:t>
-            </a:r>
-            <a:r>
-              <a:rPr lang="en-US" altLang="zh-CN" dirty="0" smtClean="0"/>
-              <a:t>iOS11</a:t>
-            </a:r>
-            <a:r>
-              <a:rPr lang="zh-CN" altLang="en-US" dirty="0"/>
-              <a:t>中的</a:t>
-            </a:r>
-            <a:r>
-              <a:rPr lang="en-US" altLang="zh-CN" dirty="0"/>
-              <a:t>Siri</a:t>
-            </a:r>
-            <a:r>
-              <a:rPr lang="zh-CN" altLang="en-US" dirty="0"/>
-              <a:t>也利用机器学习带来了更多贴心的功能和更流畅的对答。</a:t>
-            </a:r>
-            <a:endParaRPr lang="en-US" dirty="0"/>
+              <a:rPr lang="zh-CN" altLang="en-US" sz="3000" b="1" dirty="0" smtClean="0">
+                <a:latin typeface="Helvetica Bold" charset="0"/>
+              </a:rPr>
+              <a:t>训练模型</a:t>
+            </a:r>
+            <a:endParaRPr lang="en-US" sz="3000" b="1" dirty="0">
+              <a:latin typeface="Helvetica Bold" charset="0"/>
+            </a:endParaRPr>
           </a:p>
         </p:txBody>
       </p:sp>
     </p:spTree>
     <p:extLst>
       <p:ext uri="{BB962C8B-B14F-4D97-AF65-F5344CB8AC3E}">
-        <p14:creationId xmlns:p14="http://schemas.microsoft.com/office/powerpoint/2010/main" val="528303943"/>
+        <p14:creationId xmlns:p14="http://schemas.microsoft.com/office/powerpoint/2010/main" val="1854688790"/>
       </p:ext>
     </p:extLst>
   </p:cSld>
   <p:clrMapOvr>
     <a:masterClrMapping/>
   </p:clrMapOvr>
+  <mc:AlternateContent xmlns:mc="http://schemas.openxmlformats.org/markup-compatibility/2006">
+    <mc:Choice xmlns:p14="http://schemas.microsoft.com/office/powerpoint/2010/main" Requires="p14">
+      <p:transition p14:dur="0"/>
+    </mc:Choice>
+    <mc:Fallback>
+      <p:transition/>
+    </mc:Fallback>
+  </mc:AlternateContent>
   <p:timing>
     <p:tnLst>
       <p:par>
@@ -3579,10 +4255,2045 @@
           <a:chExt cx="0" cy="0"/>
         </a:xfrm>
       </p:grpSpPr>
+      <p:pic>
+        <p:nvPicPr>
+          <p:cNvPr id="4" name="Picture 3"/>
+          <p:cNvPicPr>
+            <a:picLocks noChangeAspect="1"/>
+          </p:cNvPicPr>
+          <p:nvPr/>
+        </p:nvPicPr>
+        <p:blipFill>
+          <a:blip r:embed="rId2">
+            <a:extLst>
+              <a:ext uri="{28A0092B-C50C-407E-A947-70E740481C1C}">
+                <a14:useLocalDpi xmlns:a14="http://schemas.microsoft.com/office/drawing/2010/main" val="0"/>
+              </a:ext>
+            </a:extLst>
+          </a:blip>
+          <a:stretch>
+            <a:fillRect/>
+          </a:stretch>
+        </p:blipFill>
+        <p:spPr>
+          <a:xfrm>
+            <a:off x="1861185" y="1931670"/>
+            <a:ext cx="720090" cy="720090"/>
+          </a:xfrm>
+          <a:prstGeom prst="rect">
+            <a:avLst/>
+          </a:prstGeom>
+        </p:spPr>
+      </p:pic>
+      <p:pic>
+        <p:nvPicPr>
+          <p:cNvPr id="5" name="Picture 4"/>
+          <p:cNvPicPr>
+            <a:picLocks noChangeAspect="1"/>
+          </p:cNvPicPr>
+          <p:nvPr/>
+        </p:nvPicPr>
+        <p:blipFill>
+          <a:blip r:embed="rId3">
+            <a:extLst>
+              <a:ext uri="{28A0092B-C50C-407E-A947-70E740481C1C}">
+                <a14:useLocalDpi xmlns:a14="http://schemas.microsoft.com/office/drawing/2010/main" val="0"/>
+              </a:ext>
+            </a:extLst>
+          </a:blip>
+          <a:stretch>
+            <a:fillRect/>
+          </a:stretch>
+        </p:blipFill>
+        <p:spPr>
+          <a:xfrm>
+            <a:off x="1861185" y="2881630"/>
+            <a:ext cx="720090" cy="720090"/>
+          </a:xfrm>
+          <a:prstGeom prst="rect">
+            <a:avLst/>
+          </a:prstGeom>
+        </p:spPr>
+      </p:pic>
+      <p:pic>
+        <p:nvPicPr>
+          <p:cNvPr id="6" name="Picture 5"/>
+          <p:cNvPicPr>
+            <a:picLocks noChangeAspect="1"/>
+          </p:cNvPicPr>
+          <p:nvPr/>
+        </p:nvPicPr>
+        <p:blipFill>
+          <a:blip r:embed="rId4">
+            <a:extLst>
+              <a:ext uri="{28A0092B-C50C-407E-A947-70E740481C1C}">
+                <a14:useLocalDpi xmlns:a14="http://schemas.microsoft.com/office/drawing/2010/main" val="0"/>
+              </a:ext>
+            </a:extLst>
+          </a:blip>
+          <a:stretch>
+            <a:fillRect/>
+          </a:stretch>
+        </p:blipFill>
+        <p:spPr>
+          <a:xfrm>
+            <a:off x="2871788" y="1931670"/>
+            <a:ext cx="720090" cy="720090"/>
+          </a:xfrm>
+          <a:prstGeom prst="rect">
+            <a:avLst/>
+          </a:prstGeom>
+        </p:spPr>
+      </p:pic>
+      <p:pic>
+        <p:nvPicPr>
+          <p:cNvPr id="7" name="Picture 6"/>
+          <p:cNvPicPr>
+            <a:picLocks noChangeAspect="1"/>
+          </p:cNvPicPr>
+          <p:nvPr/>
+        </p:nvPicPr>
+        <p:blipFill>
+          <a:blip r:embed="rId5">
+            <a:extLst>
+              <a:ext uri="{28A0092B-C50C-407E-A947-70E740481C1C}">
+                <a14:useLocalDpi xmlns:a14="http://schemas.microsoft.com/office/drawing/2010/main" val="0"/>
+              </a:ext>
+            </a:extLst>
+          </a:blip>
+          <a:stretch>
+            <a:fillRect/>
+          </a:stretch>
+        </p:blipFill>
+        <p:spPr>
+          <a:xfrm>
+            <a:off x="2871788" y="2881630"/>
+            <a:ext cx="720090" cy="720090"/>
+          </a:xfrm>
+          <a:prstGeom prst="rect">
+            <a:avLst/>
+          </a:prstGeom>
+        </p:spPr>
+      </p:pic>
+      <p:pic>
+        <p:nvPicPr>
+          <p:cNvPr id="8" name="Picture 7"/>
+          <p:cNvPicPr>
+            <a:picLocks noChangeAspect="1"/>
+          </p:cNvPicPr>
+          <p:nvPr/>
+        </p:nvPicPr>
+        <p:blipFill>
+          <a:blip r:embed="rId6">
+            <a:extLst>
+              <a:ext uri="{28A0092B-C50C-407E-A947-70E740481C1C}">
+                <a14:useLocalDpi xmlns:a14="http://schemas.microsoft.com/office/drawing/2010/main" val="0"/>
+              </a:ext>
+            </a:extLst>
+          </a:blip>
+          <a:stretch>
+            <a:fillRect/>
+          </a:stretch>
+        </p:blipFill>
+        <p:spPr>
+          <a:xfrm>
+            <a:off x="1837055" y="3751580"/>
+            <a:ext cx="768350" cy="768350"/>
+          </a:xfrm>
+          <a:prstGeom prst="rect">
+            <a:avLst/>
+          </a:prstGeom>
+        </p:spPr>
+      </p:pic>
+      <p:pic>
+        <p:nvPicPr>
+          <p:cNvPr id="9" name="Picture 8"/>
+          <p:cNvPicPr>
+            <a:picLocks noChangeAspect="1"/>
+          </p:cNvPicPr>
+          <p:nvPr/>
+        </p:nvPicPr>
+        <p:blipFill>
+          <a:blip r:embed="rId7">
+            <a:extLst>
+              <a:ext uri="{28A0092B-C50C-407E-A947-70E740481C1C}">
+                <a14:useLocalDpi xmlns:a14="http://schemas.microsoft.com/office/drawing/2010/main" val="0"/>
+              </a:ext>
+            </a:extLst>
+          </a:blip>
+          <a:stretch>
+            <a:fillRect/>
+          </a:stretch>
+        </p:blipFill>
+        <p:spPr>
+          <a:xfrm>
+            <a:off x="2873058" y="3776345"/>
+            <a:ext cx="718820" cy="718820"/>
+          </a:xfrm>
+          <a:prstGeom prst="rect">
+            <a:avLst/>
+          </a:prstGeom>
+        </p:spPr>
+      </p:pic>
+      <p:sp>
+        <p:nvSpPr>
+          <p:cNvPr id="10" name="Rounded Rectangle 9"/>
+          <p:cNvSpPr/>
+          <p:nvPr/>
+        </p:nvSpPr>
+        <p:spPr>
+          <a:xfrm>
+            <a:off x="1577340" y="1691640"/>
+            <a:ext cx="2308860" cy="3086100"/>
+          </a:xfrm>
+          <a:prstGeom prst="roundRect">
+            <a:avLst/>
+          </a:prstGeom>
+          <a:solidFill>
+            <a:schemeClr val="accent1">
+              <a:alpha val="13000"/>
+            </a:schemeClr>
+          </a:solidFill>
+          <a:ln w="88900">
+            <a:solidFill>
+              <a:schemeClr val="accent1">
+                <a:shade val="50000"/>
+              </a:schemeClr>
+            </a:solidFill>
+            <a:prstDash val="sysDash"/>
+          </a:ln>
+          <a:effectLst>
+            <a:outerShdw sx="1000" sy="1000" algn="ctr" rotWithShape="0">
+              <a:srgbClr val="000000"/>
+            </a:outerShdw>
+            <a:softEdge rad="0"/>
+          </a:effectLst>
+        </p:spPr>
+        <p:style>
+          <a:lnRef idx="2">
+            <a:schemeClr val="accent1">
+              <a:shade val="50000"/>
+            </a:schemeClr>
+          </a:lnRef>
+          <a:fillRef idx="1">
+            <a:schemeClr val="accent1"/>
+          </a:fillRef>
+          <a:effectRef idx="0">
+            <a:schemeClr val="accent1"/>
+          </a:effectRef>
+          <a:fontRef idx="minor">
+            <a:schemeClr val="lt1"/>
+          </a:fontRef>
+        </p:style>
+        <p:txBody>
+          <a:bodyPr rtlCol="0" anchor="ctr"/>
+          <a:lstStyle/>
+          <a:p>
+            <a:pPr algn="ctr"/>
+            <a:endParaRPr lang="en-US"/>
+          </a:p>
+        </p:txBody>
+      </p:sp>
+      <p:sp>
+        <p:nvSpPr>
+          <p:cNvPr id="11" name="TextBox 10"/>
+          <p:cNvSpPr txBox="1"/>
+          <p:nvPr/>
+        </p:nvSpPr>
+        <p:spPr>
+          <a:xfrm>
+            <a:off x="540000" y="540000"/>
+            <a:ext cx="1723549" cy="553998"/>
+          </a:xfrm>
+          <a:prstGeom prst="rect">
+            <a:avLst/>
+          </a:prstGeom>
+          <a:noFill/>
+        </p:spPr>
+        <p:txBody>
+          <a:bodyPr wrap="none" rtlCol="0">
+            <a:spAutoFit/>
+          </a:bodyPr>
+          <a:lstStyle/>
+          <a:p>
+            <a:r>
+              <a:rPr lang="zh-CN" altLang="en-US" sz="3000" b="1" dirty="0" smtClean="0">
+                <a:latin typeface="Helvetica Bold" charset="0"/>
+              </a:rPr>
+              <a:t>训练模型</a:t>
+            </a:r>
+            <a:endParaRPr lang="en-US" sz="3000" b="1" dirty="0">
+              <a:latin typeface="Helvetica Bold" charset="0"/>
+            </a:endParaRPr>
+          </a:p>
+        </p:txBody>
+      </p:sp>
     </p:spTree>
     <p:extLst>
       <p:ext uri="{BB962C8B-B14F-4D97-AF65-F5344CB8AC3E}">
-        <p14:creationId xmlns:p14="http://schemas.microsoft.com/office/powerpoint/2010/main" val="1638349397"/>
+        <p14:creationId xmlns:p14="http://schemas.microsoft.com/office/powerpoint/2010/main" val="364199385"/>
+      </p:ext>
+    </p:extLst>
+  </p:cSld>
+  <p:clrMapOvr>
+    <a:masterClrMapping/>
+  </p:clrMapOvr>
+  <mc:AlternateContent xmlns:mc="http://schemas.openxmlformats.org/markup-compatibility/2006">
+    <mc:Choice xmlns:p14="http://schemas.microsoft.com/office/powerpoint/2010/main" Requires="p14">
+      <p:transition p14:dur="0"/>
+    </mc:Choice>
+    <mc:Fallback>
+      <p:transition/>
+    </mc:Fallback>
+  </mc:AlternateContent>
+  <p:timing>
+    <p:tnLst>
+      <p:par>
+        <p:cTn id="1" dur="indefinite" restart="never" nodeType="tmRoot"/>
+      </p:par>
+    </p:tnLst>
+  </p:timing>
+</p:sld>
+</file>
+
+<file path=ppt/slides/slide5.xml><?xml version="1.0" encoding="utf-8"?>
+<p:sld xmlns:a="http://schemas.openxmlformats.org/drawingml/2006/main" xmlns:r="http://schemas.openxmlformats.org/officeDocument/2006/relationships" xmlns:p="http://schemas.openxmlformats.org/presentationml/2006/main">
+  <p:cSld>
+    <p:spTree>
+      <p:nvGrpSpPr>
+        <p:cNvPr id="1" name=""/>
+        <p:cNvGrpSpPr/>
+        <p:nvPr/>
+      </p:nvGrpSpPr>
+      <p:grpSpPr>
+        <a:xfrm>
+          <a:off x="0" y="0"/>
+          <a:ext cx="0" cy="0"/>
+          <a:chOff x="0" y="0"/>
+          <a:chExt cx="0" cy="0"/>
+        </a:xfrm>
+      </p:grpSpPr>
+      <p:pic>
+        <p:nvPicPr>
+          <p:cNvPr id="4" name="Picture 3"/>
+          <p:cNvPicPr>
+            <a:picLocks noChangeAspect="1"/>
+          </p:cNvPicPr>
+          <p:nvPr/>
+        </p:nvPicPr>
+        <p:blipFill>
+          <a:blip r:embed="rId2">
+            <a:extLst>
+              <a:ext uri="{28A0092B-C50C-407E-A947-70E740481C1C}">
+                <a14:useLocalDpi xmlns:a14="http://schemas.microsoft.com/office/drawing/2010/main" val="0"/>
+              </a:ext>
+            </a:extLst>
+          </a:blip>
+          <a:stretch>
+            <a:fillRect/>
+          </a:stretch>
+        </p:blipFill>
+        <p:spPr>
+          <a:xfrm>
+            <a:off x="1861185" y="1931670"/>
+            <a:ext cx="720090" cy="720090"/>
+          </a:xfrm>
+          <a:prstGeom prst="rect">
+            <a:avLst/>
+          </a:prstGeom>
+        </p:spPr>
+      </p:pic>
+      <p:pic>
+        <p:nvPicPr>
+          <p:cNvPr id="5" name="Picture 4"/>
+          <p:cNvPicPr>
+            <a:picLocks noChangeAspect="1"/>
+          </p:cNvPicPr>
+          <p:nvPr/>
+        </p:nvPicPr>
+        <p:blipFill>
+          <a:blip r:embed="rId3">
+            <a:extLst>
+              <a:ext uri="{28A0092B-C50C-407E-A947-70E740481C1C}">
+                <a14:useLocalDpi xmlns:a14="http://schemas.microsoft.com/office/drawing/2010/main" val="0"/>
+              </a:ext>
+            </a:extLst>
+          </a:blip>
+          <a:stretch>
+            <a:fillRect/>
+          </a:stretch>
+        </p:blipFill>
+        <p:spPr>
+          <a:xfrm>
+            <a:off x="1861185" y="2881630"/>
+            <a:ext cx="720090" cy="720090"/>
+          </a:xfrm>
+          <a:prstGeom prst="rect">
+            <a:avLst/>
+          </a:prstGeom>
+        </p:spPr>
+      </p:pic>
+      <p:pic>
+        <p:nvPicPr>
+          <p:cNvPr id="6" name="Picture 5"/>
+          <p:cNvPicPr>
+            <a:picLocks noChangeAspect="1"/>
+          </p:cNvPicPr>
+          <p:nvPr/>
+        </p:nvPicPr>
+        <p:blipFill>
+          <a:blip r:embed="rId4">
+            <a:extLst>
+              <a:ext uri="{28A0092B-C50C-407E-A947-70E740481C1C}">
+                <a14:useLocalDpi xmlns:a14="http://schemas.microsoft.com/office/drawing/2010/main" val="0"/>
+              </a:ext>
+            </a:extLst>
+          </a:blip>
+          <a:stretch>
+            <a:fillRect/>
+          </a:stretch>
+        </p:blipFill>
+        <p:spPr>
+          <a:xfrm>
+            <a:off x="2871788" y="1931670"/>
+            <a:ext cx="720090" cy="720090"/>
+          </a:xfrm>
+          <a:prstGeom prst="rect">
+            <a:avLst/>
+          </a:prstGeom>
+        </p:spPr>
+      </p:pic>
+      <p:pic>
+        <p:nvPicPr>
+          <p:cNvPr id="7" name="Picture 6"/>
+          <p:cNvPicPr>
+            <a:picLocks noChangeAspect="1"/>
+          </p:cNvPicPr>
+          <p:nvPr/>
+        </p:nvPicPr>
+        <p:blipFill>
+          <a:blip r:embed="rId5">
+            <a:extLst>
+              <a:ext uri="{28A0092B-C50C-407E-A947-70E740481C1C}">
+                <a14:useLocalDpi xmlns:a14="http://schemas.microsoft.com/office/drawing/2010/main" val="0"/>
+              </a:ext>
+            </a:extLst>
+          </a:blip>
+          <a:stretch>
+            <a:fillRect/>
+          </a:stretch>
+        </p:blipFill>
+        <p:spPr>
+          <a:xfrm>
+            <a:off x="2871788" y="2881630"/>
+            <a:ext cx="720090" cy="720090"/>
+          </a:xfrm>
+          <a:prstGeom prst="rect">
+            <a:avLst/>
+          </a:prstGeom>
+        </p:spPr>
+      </p:pic>
+      <p:pic>
+        <p:nvPicPr>
+          <p:cNvPr id="8" name="Picture 7"/>
+          <p:cNvPicPr>
+            <a:picLocks noChangeAspect="1"/>
+          </p:cNvPicPr>
+          <p:nvPr/>
+        </p:nvPicPr>
+        <p:blipFill>
+          <a:blip r:embed="rId6">
+            <a:extLst>
+              <a:ext uri="{28A0092B-C50C-407E-A947-70E740481C1C}">
+                <a14:useLocalDpi xmlns:a14="http://schemas.microsoft.com/office/drawing/2010/main" val="0"/>
+              </a:ext>
+            </a:extLst>
+          </a:blip>
+          <a:stretch>
+            <a:fillRect/>
+          </a:stretch>
+        </p:blipFill>
+        <p:spPr>
+          <a:xfrm>
+            <a:off x="1837055" y="3751580"/>
+            <a:ext cx="768350" cy="768350"/>
+          </a:xfrm>
+          <a:prstGeom prst="rect">
+            <a:avLst/>
+          </a:prstGeom>
+        </p:spPr>
+      </p:pic>
+      <p:pic>
+        <p:nvPicPr>
+          <p:cNvPr id="9" name="Picture 8"/>
+          <p:cNvPicPr>
+            <a:picLocks noChangeAspect="1"/>
+          </p:cNvPicPr>
+          <p:nvPr/>
+        </p:nvPicPr>
+        <p:blipFill>
+          <a:blip r:embed="rId7">
+            <a:extLst>
+              <a:ext uri="{28A0092B-C50C-407E-A947-70E740481C1C}">
+                <a14:useLocalDpi xmlns:a14="http://schemas.microsoft.com/office/drawing/2010/main" val="0"/>
+              </a:ext>
+            </a:extLst>
+          </a:blip>
+          <a:stretch>
+            <a:fillRect/>
+          </a:stretch>
+        </p:blipFill>
+        <p:spPr>
+          <a:xfrm>
+            <a:off x="2873058" y="3776345"/>
+            <a:ext cx="718820" cy="718820"/>
+          </a:xfrm>
+          <a:prstGeom prst="rect">
+            <a:avLst/>
+          </a:prstGeom>
+        </p:spPr>
+      </p:pic>
+      <p:sp>
+        <p:nvSpPr>
+          <p:cNvPr id="10" name="Rounded Rectangle 9"/>
+          <p:cNvSpPr/>
+          <p:nvPr/>
+        </p:nvSpPr>
+        <p:spPr>
+          <a:xfrm>
+            <a:off x="1577340" y="1691640"/>
+            <a:ext cx="2308860" cy="3086100"/>
+          </a:xfrm>
+          <a:prstGeom prst="roundRect">
+            <a:avLst/>
+          </a:prstGeom>
+          <a:solidFill>
+            <a:schemeClr val="accent1">
+              <a:alpha val="13000"/>
+            </a:schemeClr>
+          </a:solidFill>
+          <a:ln w="88900">
+            <a:solidFill>
+              <a:schemeClr val="accent1">
+                <a:shade val="50000"/>
+              </a:schemeClr>
+            </a:solidFill>
+            <a:prstDash val="sysDash"/>
+          </a:ln>
+          <a:effectLst>
+            <a:outerShdw sx="1000" sy="1000" algn="ctr" rotWithShape="0">
+              <a:srgbClr val="000000"/>
+            </a:outerShdw>
+            <a:softEdge rad="0"/>
+          </a:effectLst>
+        </p:spPr>
+        <p:style>
+          <a:lnRef idx="2">
+            <a:schemeClr val="accent1">
+              <a:shade val="50000"/>
+            </a:schemeClr>
+          </a:lnRef>
+          <a:fillRef idx="1">
+            <a:schemeClr val="accent1"/>
+          </a:fillRef>
+          <a:effectRef idx="0">
+            <a:schemeClr val="accent1"/>
+          </a:effectRef>
+          <a:fontRef idx="minor">
+            <a:schemeClr val="lt1"/>
+          </a:fontRef>
+        </p:style>
+        <p:txBody>
+          <a:bodyPr rtlCol="0" anchor="ctr"/>
+          <a:lstStyle/>
+          <a:p>
+            <a:pPr algn="ctr"/>
+            <a:endParaRPr lang="en-US"/>
+          </a:p>
+        </p:txBody>
+      </p:sp>
+      <p:cxnSp>
+        <p:nvCxnSpPr>
+          <p:cNvPr id="3" name="Straight Arrow Connector 2"/>
+          <p:cNvCxnSpPr/>
+          <p:nvPr/>
+        </p:nvCxnSpPr>
+        <p:spPr>
+          <a:xfrm>
+            <a:off x="3886200" y="3291840"/>
+            <a:ext cx="1234440" cy="0"/>
+          </a:xfrm>
+          <a:prstGeom prst="straightConnector1">
+            <a:avLst/>
+          </a:prstGeom>
+          <a:ln w="63500">
+            <a:solidFill>
+              <a:schemeClr val="tx1"/>
+            </a:solidFill>
+            <a:tailEnd type="triangle"/>
+          </a:ln>
+        </p:spPr>
+        <p:style>
+          <a:lnRef idx="1">
+            <a:schemeClr val="accent1"/>
+          </a:lnRef>
+          <a:fillRef idx="0">
+            <a:schemeClr val="accent1"/>
+          </a:fillRef>
+          <a:effectRef idx="0">
+            <a:schemeClr val="accent1"/>
+          </a:effectRef>
+          <a:fontRef idx="minor">
+            <a:schemeClr val="tx1"/>
+          </a:fontRef>
+        </p:style>
+      </p:cxnSp>
+      <p:sp>
+        <p:nvSpPr>
+          <p:cNvPr id="11" name="Diamond 10"/>
+          <p:cNvSpPr/>
+          <p:nvPr/>
+        </p:nvSpPr>
+        <p:spPr>
+          <a:xfrm>
+            <a:off x="5120640" y="2013585"/>
+            <a:ext cx="2537460" cy="2563495"/>
+          </a:xfrm>
+          <a:prstGeom prst="diamond">
+            <a:avLst/>
+          </a:prstGeom>
+          <a:solidFill>
+            <a:schemeClr val="accent3"/>
+          </a:solidFill>
+          <a:ln>
+            <a:noFill/>
+          </a:ln>
+        </p:spPr>
+        <p:style>
+          <a:lnRef idx="2">
+            <a:schemeClr val="accent1">
+              <a:shade val="50000"/>
+            </a:schemeClr>
+          </a:lnRef>
+          <a:fillRef idx="1">
+            <a:schemeClr val="accent1"/>
+          </a:fillRef>
+          <a:effectRef idx="0">
+            <a:schemeClr val="accent1"/>
+          </a:effectRef>
+          <a:fontRef idx="minor">
+            <a:schemeClr val="lt1"/>
+          </a:fontRef>
+        </p:style>
+        <p:txBody>
+          <a:bodyPr rtlCol="0" anchor="ctr"/>
+          <a:lstStyle/>
+          <a:p>
+            <a:pPr algn="ctr"/>
+            <a:r>
+              <a:rPr lang="zh-CN" altLang="en-US" dirty="0" smtClean="0"/>
+              <a:t>看起来牛逼哄哄的算法</a:t>
+            </a:r>
+            <a:endParaRPr lang="en-US" dirty="0"/>
+          </a:p>
+        </p:txBody>
+      </p:sp>
+      <p:sp>
+        <p:nvSpPr>
+          <p:cNvPr id="14" name="Rectangle 13"/>
+          <p:cNvSpPr/>
+          <p:nvPr/>
+        </p:nvSpPr>
+        <p:spPr>
+          <a:xfrm>
+            <a:off x="540000" y="540000"/>
+            <a:ext cx="2249120" cy="553998"/>
+          </a:xfrm>
+          <a:prstGeom prst="rect">
+            <a:avLst/>
+          </a:prstGeom>
+        </p:spPr>
+        <p:txBody>
+          <a:bodyPr wrap="square">
+            <a:spAutoFit/>
+          </a:bodyPr>
+          <a:lstStyle/>
+          <a:p>
+            <a:r>
+              <a:rPr lang="zh-CN" altLang="en-US" sz="3000" b="1" dirty="0" smtClean="0">
+                <a:latin typeface="Helvetica Bold" charset="0"/>
+              </a:rPr>
+              <a:t>训练模型</a:t>
+            </a:r>
+            <a:endParaRPr lang="en-US" sz="3000" dirty="0"/>
+          </a:p>
+        </p:txBody>
+      </p:sp>
+    </p:spTree>
+    <p:extLst>
+      <p:ext uri="{BB962C8B-B14F-4D97-AF65-F5344CB8AC3E}">
+        <p14:creationId xmlns:p14="http://schemas.microsoft.com/office/powerpoint/2010/main" val="386939961"/>
+      </p:ext>
+    </p:extLst>
+  </p:cSld>
+  <p:clrMapOvr>
+    <a:masterClrMapping/>
+  </p:clrMapOvr>
+  <mc:AlternateContent xmlns:mc="http://schemas.openxmlformats.org/markup-compatibility/2006">
+    <mc:Choice xmlns:p14="http://schemas.microsoft.com/office/powerpoint/2010/main" Requires="p14">
+      <p:transition p14:dur="0"/>
+    </mc:Choice>
+    <mc:Fallback>
+      <p:transition/>
+    </mc:Fallback>
+  </mc:AlternateContent>
+  <p:timing>
+    <p:tnLst>
+      <p:par>
+        <p:cTn id="1" dur="indefinite" restart="never" nodeType="tmRoot"/>
+      </p:par>
+    </p:tnLst>
+  </p:timing>
+</p:sld>
+</file>
+
+<file path=ppt/slides/slide6.xml><?xml version="1.0" encoding="utf-8"?>
+<p:sld xmlns:a="http://schemas.openxmlformats.org/drawingml/2006/main" xmlns:r="http://schemas.openxmlformats.org/officeDocument/2006/relationships" xmlns:p="http://schemas.openxmlformats.org/presentationml/2006/main">
+  <p:cSld>
+    <p:spTree>
+      <p:nvGrpSpPr>
+        <p:cNvPr id="1" name=""/>
+        <p:cNvGrpSpPr/>
+        <p:nvPr/>
+      </p:nvGrpSpPr>
+      <p:grpSpPr>
+        <a:xfrm>
+          <a:off x="0" y="0"/>
+          <a:ext cx="0" cy="0"/>
+          <a:chOff x="0" y="0"/>
+          <a:chExt cx="0" cy="0"/>
+        </a:xfrm>
+      </p:grpSpPr>
+      <p:pic>
+        <p:nvPicPr>
+          <p:cNvPr id="4" name="Picture 3"/>
+          <p:cNvPicPr>
+            <a:picLocks noChangeAspect="1"/>
+          </p:cNvPicPr>
+          <p:nvPr/>
+        </p:nvPicPr>
+        <p:blipFill>
+          <a:blip r:embed="rId2">
+            <a:extLst>
+              <a:ext uri="{28A0092B-C50C-407E-A947-70E740481C1C}">
+                <a14:useLocalDpi xmlns:a14="http://schemas.microsoft.com/office/drawing/2010/main" val="0"/>
+              </a:ext>
+            </a:extLst>
+          </a:blip>
+          <a:stretch>
+            <a:fillRect/>
+          </a:stretch>
+        </p:blipFill>
+        <p:spPr>
+          <a:xfrm>
+            <a:off x="1861185" y="1931670"/>
+            <a:ext cx="720090" cy="720090"/>
+          </a:xfrm>
+          <a:prstGeom prst="rect">
+            <a:avLst/>
+          </a:prstGeom>
+        </p:spPr>
+      </p:pic>
+      <p:pic>
+        <p:nvPicPr>
+          <p:cNvPr id="5" name="Picture 4"/>
+          <p:cNvPicPr>
+            <a:picLocks noChangeAspect="1"/>
+          </p:cNvPicPr>
+          <p:nvPr/>
+        </p:nvPicPr>
+        <p:blipFill>
+          <a:blip r:embed="rId3">
+            <a:extLst>
+              <a:ext uri="{28A0092B-C50C-407E-A947-70E740481C1C}">
+                <a14:useLocalDpi xmlns:a14="http://schemas.microsoft.com/office/drawing/2010/main" val="0"/>
+              </a:ext>
+            </a:extLst>
+          </a:blip>
+          <a:stretch>
+            <a:fillRect/>
+          </a:stretch>
+        </p:blipFill>
+        <p:spPr>
+          <a:xfrm>
+            <a:off x="1861185" y="2881630"/>
+            <a:ext cx="720090" cy="720090"/>
+          </a:xfrm>
+          <a:prstGeom prst="rect">
+            <a:avLst/>
+          </a:prstGeom>
+        </p:spPr>
+      </p:pic>
+      <p:pic>
+        <p:nvPicPr>
+          <p:cNvPr id="6" name="Picture 5"/>
+          <p:cNvPicPr>
+            <a:picLocks noChangeAspect="1"/>
+          </p:cNvPicPr>
+          <p:nvPr/>
+        </p:nvPicPr>
+        <p:blipFill>
+          <a:blip r:embed="rId4">
+            <a:extLst>
+              <a:ext uri="{28A0092B-C50C-407E-A947-70E740481C1C}">
+                <a14:useLocalDpi xmlns:a14="http://schemas.microsoft.com/office/drawing/2010/main" val="0"/>
+              </a:ext>
+            </a:extLst>
+          </a:blip>
+          <a:stretch>
+            <a:fillRect/>
+          </a:stretch>
+        </p:blipFill>
+        <p:spPr>
+          <a:xfrm>
+            <a:off x="2871788" y="1931670"/>
+            <a:ext cx="720090" cy="720090"/>
+          </a:xfrm>
+          <a:prstGeom prst="rect">
+            <a:avLst/>
+          </a:prstGeom>
+        </p:spPr>
+      </p:pic>
+      <p:pic>
+        <p:nvPicPr>
+          <p:cNvPr id="7" name="Picture 6"/>
+          <p:cNvPicPr>
+            <a:picLocks noChangeAspect="1"/>
+          </p:cNvPicPr>
+          <p:nvPr/>
+        </p:nvPicPr>
+        <p:blipFill>
+          <a:blip r:embed="rId5">
+            <a:extLst>
+              <a:ext uri="{28A0092B-C50C-407E-A947-70E740481C1C}">
+                <a14:useLocalDpi xmlns:a14="http://schemas.microsoft.com/office/drawing/2010/main" val="0"/>
+              </a:ext>
+            </a:extLst>
+          </a:blip>
+          <a:stretch>
+            <a:fillRect/>
+          </a:stretch>
+        </p:blipFill>
+        <p:spPr>
+          <a:xfrm>
+            <a:off x="2871788" y="2881630"/>
+            <a:ext cx="720090" cy="720090"/>
+          </a:xfrm>
+          <a:prstGeom prst="rect">
+            <a:avLst/>
+          </a:prstGeom>
+        </p:spPr>
+      </p:pic>
+      <p:pic>
+        <p:nvPicPr>
+          <p:cNvPr id="8" name="Picture 7"/>
+          <p:cNvPicPr>
+            <a:picLocks noChangeAspect="1"/>
+          </p:cNvPicPr>
+          <p:nvPr/>
+        </p:nvPicPr>
+        <p:blipFill>
+          <a:blip r:embed="rId6">
+            <a:extLst>
+              <a:ext uri="{28A0092B-C50C-407E-A947-70E740481C1C}">
+                <a14:useLocalDpi xmlns:a14="http://schemas.microsoft.com/office/drawing/2010/main" val="0"/>
+              </a:ext>
+            </a:extLst>
+          </a:blip>
+          <a:stretch>
+            <a:fillRect/>
+          </a:stretch>
+        </p:blipFill>
+        <p:spPr>
+          <a:xfrm>
+            <a:off x="1837055" y="3751580"/>
+            <a:ext cx="768350" cy="768350"/>
+          </a:xfrm>
+          <a:prstGeom prst="rect">
+            <a:avLst/>
+          </a:prstGeom>
+        </p:spPr>
+      </p:pic>
+      <p:pic>
+        <p:nvPicPr>
+          <p:cNvPr id="9" name="Picture 8"/>
+          <p:cNvPicPr>
+            <a:picLocks noChangeAspect="1"/>
+          </p:cNvPicPr>
+          <p:nvPr/>
+        </p:nvPicPr>
+        <p:blipFill>
+          <a:blip r:embed="rId7">
+            <a:extLst>
+              <a:ext uri="{28A0092B-C50C-407E-A947-70E740481C1C}">
+                <a14:useLocalDpi xmlns:a14="http://schemas.microsoft.com/office/drawing/2010/main" val="0"/>
+              </a:ext>
+            </a:extLst>
+          </a:blip>
+          <a:stretch>
+            <a:fillRect/>
+          </a:stretch>
+        </p:blipFill>
+        <p:spPr>
+          <a:xfrm>
+            <a:off x="2873058" y="3776345"/>
+            <a:ext cx="718820" cy="718820"/>
+          </a:xfrm>
+          <a:prstGeom prst="rect">
+            <a:avLst/>
+          </a:prstGeom>
+        </p:spPr>
+      </p:pic>
+      <p:sp>
+        <p:nvSpPr>
+          <p:cNvPr id="10" name="Rounded Rectangle 9"/>
+          <p:cNvSpPr/>
+          <p:nvPr/>
+        </p:nvSpPr>
+        <p:spPr>
+          <a:xfrm>
+            <a:off x="1577340" y="1691640"/>
+            <a:ext cx="2308860" cy="3086100"/>
+          </a:xfrm>
+          <a:prstGeom prst="roundRect">
+            <a:avLst/>
+          </a:prstGeom>
+          <a:solidFill>
+            <a:schemeClr val="accent1">
+              <a:alpha val="13000"/>
+            </a:schemeClr>
+          </a:solidFill>
+          <a:ln w="88900">
+            <a:solidFill>
+              <a:schemeClr val="accent1">
+                <a:shade val="50000"/>
+              </a:schemeClr>
+            </a:solidFill>
+            <a:prstDash val="sysDash"/>
+          </a:ln>
+          <a:effectLst>
+            <a:outerShdw sx="1000" sy="1000" algn="ctr" rotWithShape="0">
+              <a:srgbClr val="000000"/>
+            </a:outerShdw>
+            <a:softEdge rad="0"/>
+          </a:effectLst>
+        </p:spPr>
+        <p:style>
+          <a:lnRef idx="2">
+            <a:schemeClr val="accent1">
+              <a:shade val="50000"/>
+            </a:schemeClr>
+          </a:lnRef>
+          <a:fillRef idx="1">
+            <a:schemeClr val="accent1"/>
+          </a:fillRef>
+          <a:effectRef idx="0">
+            <a:schemeClr val="accent1"/>
+          </a:effectRef>
+          <a:fontRef idx="minor">
+            <a:schemeClr val="lt1"/>
+          </a:fontRef>
+        </p:style>
+        <p:txBody>
+          <a:bodyPr rtlCol="0" anchor="ctr"/>
+          <a:lstStyle/>
+          <a:p>
+            <a:pPr algn="ctr"/>
+            <a:endParaRPr lang="en-US"/>
+          </a:p>
+        </p:txBody>
+      </p:sp>
+      <p:cxnSp>
+        <p:nvCxnSpPr>
+          <p:cNvPr id="3" name="Straight Arrow Connector 2"/>
+          <p:cNvCxnSpPr/>
+          <p:nvPr/>
+        </p:nvCxnSpPr>
+        <p:spPr>
+          <a:xfrm>
+            <a:off x="3886200" y="3291840"/>
+            <a:ext cx="1234440" cy="0"/>
+          </a:xfrm>
+          <a:prstGeom prst="straightConnector1">
+            <a:avLst/>
+          </a:prstGeom>
+          <a:ln w="63500">
+            <a:solidFill>
+              <a:schemeClr val="tx1"/>
+            </a:solidFill>
+            <a:tailEnd type="triangle"/>
+          </a:ln>
+        </p:spPr>
+        <p:style>
+          <a:lnRef idx="1">
+            <a:schemeClr val="accent1"/>
+          </a:lnRef>
+          <a:fillRef idx="0">
+            <a:schemeClr val="accent1"/>
+          </a:fillRef>
+          <a:effectRef idx="0">
+            <a:schemeClr val="accent1"/>
+          </a:effectRef>
+          <a:fontRef idx="minor">
+            <a:schemeClr val="tx1"/>
+          </a:fontRef>
+        </p:style>
+      </p:cxnSp>
+      <p:sp>
+        <p:nvSpPr>
+          <p:cNvPr id="11" name="Diamond 10"/>
+          <p:cNvSpPr/>
+          <p:nvPr/>
+        </p:nvSpPr>
+        <p:spPr>
+          <a:xfrm>
+            <a:off x="5120640" y="2013585"/>
+            <a:ext cx="2537460" cy="2563495"/>
+          </a:xfrm>
+          <a:prstGeom prst="diamond">
+            <a:avLst/>
+          </a:prstGeom>
+          <a:solidFill>
+            <a:schemeClr val="accent3"/>
+          </a:solidFill>
+          <a:ln>
+            <a:noFill/>
+          </a:ln>
+        </p:spPr>
+        <p:style>
+          <a:lnRef idx="2">
+            <a:schemeClr val="accent1">
+              <a:shade val="50000"/>
+            </a:schemeClr>
+          </a:lnRef>
+          <a:fillRef idx="1">
+            <a:schemeClr val="accent1"/>
+          </a:fillRef>
+          <a:effectRef idx="0">
+            <a:schemeClr val="accent1"/>
+          </a:effectRef>
+          <a:fontRef idx="minor">
+            <a:schemeClr val="lt1"/>
+          </a:fontRef>
+        </p:style>
+        <p:txBody>
+          <a:bodyPr rtlCol="0" anchor="ctr"/>
+          <a:lstStyle/>
+          <a:p>
+            <a:pPr algn="ctr"/>
+            <a:r>
+              <a:rPr lang="zh-CN" altLang="en-US" dirty="0" smtClean="0"/>
+              <a:t>看起来牛逼哄哄的算法</a:t>
+            </a:r>
+            <a:endParaRPr lang="en-US" dirty="0"/>
+          </a:p>
+        </p:txBody>
+      </p:sp>
+      <p:cxnSp>
+        <p:nvCxnSpPr>
+          <p:cNvPr id="12" name="Straight Arrow Connector 11"/>
+          <p:cNvCxnSpPr/>
+          <p:nvPr/>
+        </p:nvCxnSpPr>
+        <p:spPr>
+          <a:xfrm>
+            <a:off x="7658100" y="3261360"/>
+            <a:ext cx="1234440" cy="0"/>
+          </a:xfrm>
+          <a:prstGeom prst="straightConnector1">
+            <a:avLst/>
+          </a:prstGeom>
+          <a:ln w="63500">
+            <a:solidFill>
+              <a:schemeClr val="tx1"/>
+            </a:solidFill>
+            <a:tailEnd type="triangle"/>
+          </a:ln>
+        </p:spPr>
+        <p:style>
+          <a:lnRef idx="1">
+            <a:schemeClr val="accent1"/>
+          </a:lnRef>
+          <a:fillRef idx="0">
+            <a:schemeClr val="accent1"/>
+          </a:fillRef>
+          <a:effectRef idx="0">
+            <a:schemeClr val="accent1"/>
+          </a:effectRef>
+          <a:fontRef idx="minor">
+            <a:schemeClr val="tx1"/>
+          </a:fontRef>
+        </p:style>
+      </p:cxnSp>
+      <p:sp>
+        <p:nvSpPr>
+          <p:cNvPr id="2" name="Rounded Rectangle 1"/>
+          <p:cNvSpPr/>
+          <p:nvPr/>
+        </p:nvSpPr>
+        <p:spPr>
+          <a:xfrm>
+            <a:off x="8892540" y="2381885"/>
+            <a:ext cx="1805940" cy="1819910"/>
+          </a:xfrm>
+          <a:prstGeom prst="roundRect">
+            <a:avLst/>
+          </a:prstGeom>
+        </p:spPr>
+        <p:style>
+          <a:lnRef idx="2">
+            <a:schemeClr val="accent1">
+              <a:shade val="50000"/>
+            </a:schemeClr>
+          </a:lnRef>
+          <a:fillRef idx="1">
+            <a:schemeClr val="accent1"/>
+          </a:fillRef>
+          <a:effectRef idx="0">
+            <a:schemeClr val="accent1"/>
+          </a:effectRef>
+          <a:fontRef idx="minor">
+            <a:schemeClr val="lt1"/>
+          </a:fontRef>
+        </p:style>
+        <p:txBody>
+          <a:bodyPr rtlCol="0" anchor="ctr"/>
+          <a:lstStyle/>
+          <a:p>
+            <a:pPr algn="ctr"/>
+            <a:r>
+              <a:rPr lang="zh-CN" altLang="en-US" dirty="0" smtClean="0"/>
+              <a:t>传说中的模型</a:t>
+            </a:r>
+            <a:endParaRPr lang="en-US" dirty="0"/>
+          </a:p>
+        </p:txBody>
+      </p:sp>
+      <p:sp>
+        <p:nvSpPr>
+          <p:cNvPr id="16" name="TextBox 15"/>
+          <p:cNvSpPr txBox="1"/>
+          <p:nvPr/>
+        </p:nvSpPr>
+        <p:spPr>
+          <a:xfrm>
+            <a:off x="540000" y="540000"/>
+            <a:ext cx="1723549" cy="553998"/>
+          </a:xfrm>
+          <a:prstGeom prst="rect">
+            <a:avLst/>
+          </a:prstGeom>
+          <a:noFill/>
+        </p:spPr>
+        <p:txBody>
+          <a:bodyPr wrap="none" rtlCol="0">
+            <a:spAutoFit/>
+          </a:bodyPr>
+          <a:lstStyle/>
+          <a:p>
+            <a:r>
+              <a:rPr lang="zh-CN" altLang="en-US" sz="3000" b="1" dirty="0" smtClean="0">
+                <a:latin typeface="Helvetica Bold" charset="0"/>
+              </a:rPr>
+              <a:t>训练模型</a:t>
+            </a:r>
+            <a:endParaRPr lang="en-US" sz="3000" b="1" dirty="0">
+              <a:latin typeface="Helvetica Bold" charset="0"/>
+            </a:endParaRPr>
+          </a:p>
+        </p:txBody>
+      </p:sp>
+    </p:spTree>
+    <p:extLst>
+      <p:ext uri="{BB962C8B-B14F-4D97-AF65-F5344CB8AC3E}">
+        <p14:creationId xmlns:p14="http://schemas.microsoft.com/office/powerpoint/2010/main" val="839538621"/>
+      </p:ext>
+    </p:extLst>
+  </p:cSld>
+  <p:clrMapOvr>
+    <a:masterClrMapping/>
+  </p:clrMapOvr>
+  <mc:AlternateContent xmlns:mc="http://schemas.openxmlformats.org/markup-compatibility/2006">
+    <mc:Choice xmlns:p14="http://schemas.microsoft.com/office/powerpoint/2010/main" Requires="p14">
+      <p:transition p14:dur="0"/>
+    </mc:Choice>
+    <mc:Fallback>
+      <p:transition/>
+    </mc:Fallback>
+  </mc:AlternateContent>
+  <p:timing>
+    <p:tnLst>
+      <p:par>
+        <p:cTn id="1" dur="indefinite" restart="never" nodeType="tmRoot"/>
+      </p:par>
+    </p:tnLst>
+  </p:timing>
+</p:sld>
+</file>
+
+<file path=ppt/slides/slide7.xml><?xml version="1.0" encoding="utf-8"?>
+<p:sld xmlns:a="http://schemas.openxmlformats.org/drawingml/2006/main" xmlns:r="http://schemas.openxmlformats.org/officeDocument/2006/relationships" xmlns:p="http://schemas.openxmlformats.org/presentationml/2006/main">
+  <p:cSld>
+    <p:spTree>
+      <p:nvGrpSpPr>
+        <p:cNvPr id="1" name=""/>
+        <p:cNvGrpSpPr/>
+        <p:nvPr/>
+      </p:nvGrpSpPr>
+      <p:grpSpPr>
+        <a:xfrm>
+          <a:off x="0" y="0"/>
+          <a:ext cx="0" cy="0"/>
+          <a:chOff x="0" y="0"/>
+          <a:chExt cx="0" cy="0"/>
+        </a:xfrm>
+      </p:grpSpPr>
+      <p:sp>
+        <p:nvSpPr>
+          <p:cNvPr id="4" name="Rounded Rectangle 3"/>
+          <p:cNvSpPr/>
+          <p:nvPr/>
+        </p:nvSpPr>
+        <p:spPr>
+          <a:xfrm>
+            <a:off x="4755600" y="2494800"/>
+            <a:ext cx="1805940" cy="1819910"/>
+          </a:xfrm>
+          <a:prstGeom prst="roundRect">
+            <a:avLst/>
+          </a:prstGeom>
+        </p:spPr>
+        <p:style>
+          <a:lnRef idx="2">
+            <a:schemeClr val="accent1">
+              <a:shade val="50000"/>
+            </a:schemeClr>
+          </a:lnRef>
+          <a:fillRef idx="1">
+            <a:schemeClr val="accent1"/>
+          </a:fillRef>
+          <a:effectRef idx="0">
+            <a:schemeClr val="accent1"/>
+          </a:effectRef>
+          <a:fontRef idx="minor">
+            <a:schemeClr val="lt1"/>
+          </a:fontRef>
+        </p:style>
+        <p:txBody>
+          <a:bodyPr rtlCol="0" anchor="ctr"/>
+          <a:lstStyle/>
+          <a:p>
+            <a:pPr algn="ctr"/>
+            <a:r>
+              <a:rPr lang="zh-CN" altLang="en-US" dirty="0" smtClean="0"/>
+              <a:t>传说中的模型</a:t>
+            </a:r>
+            <a:endParaRPr lang="en-US" dirty="0"/>
+          </a:p>
+        </p:txBody>
+      </p:sp>
+      <p:sp>
+        <p:nvSpPr>
+          <p:cNvPr id="5" name="TextBox 4"/>
+          <p:cNvSpPr txBox="1"/>
+          <p:nvPr/>
+        </p:nvSpPr>
+        <p:spPr>
+          <a:xfrm>
+            <a:off x="540000" y="540000"/>
+            <a:ext cx="1723549" cy="553998"/>
+          </a:xfrm>
+          <a:prstGeom prst="rect">
+            <a:avLst/>
+          </a:prstGeom>
+          <a:noFill/>
+        </p:spPr>
+        <p:txBody>
+          <a:bodyPr wrap="none" rtlCol="0">
+            <a:spAutoFit/>
+          </a:bodyPr>
+          <a:lstStyle/>
+          <a:p>
+            <a:r>
+              <a:rPr lang="zh-CN" altLang="en-US" sz="3000" b="1" dirty="0" smtClean="0">
+                <a:latin typeface="Helvetica Bold" charset="0"/>
+              </a:rPr>
+              <a:t>使用模型</a:t>
+            </a:r>
+            <a:endParaRPr lang="en-US" sz="3000" b="1" dirty="0">
+              <a:latin typeface="Helvetica Bold" charset="0"/>
+            </a:endParaRPr>
+          </a:p>
+        </p:txBody>
+      </p:sp>
+    </p:spTree>
+    <p:extLst>
+      <p:ext uri="{BB962C8B-B14F-4D97-AF65-F5344CB8AC3E}">
+        <p14:creationId xmlns:p14="http://schemas.microsoft.com/office/powerpoint/2010/main" val="1468293187"/>
+      </p:ext>
+    </p:extLst>
+  </p:cSld>
+  <p:clrMapOvr>
+    <a:masterClrMapping/>
+  </p:clrMapOvr>
+  <p:timing>
+    <p:tnLst>
+      <p:par>
+        <p:cTn id="1" dur="indefinite" restart="never" nodeType="tmRoot"/>
+      </p:par>
+    </p:tnLst>
+  </p:timing>
+</p:sld>
+</file>
+
+<file path=ppt/slides/slide8.xml><?xml version="1.0" encoding="utf-8"?>
+<p:sld xmlns:a="http://schemas.openxmlformats.org/drawingml/2006/main" xmlns:r="http://schemas.openxmlformats.org/officeDocument/2006/relationships" xmlns:p="http://schemas.openxmlformats.org/presentationml/2006/main">
+  <p:cSld>
+    <p:spTree>
+      <p:nvGrpSpPr>
+        <p:cNvPr id="1" name=""/>
+        <p:cNvGrpSpPr/>
+        <p:nvPr/>
+      </p:nvGrpSpPr>
+      <p:grpSpPr>
+        <a:xfrm>
+          <a:off x="0" y="0"/>
+          <a:ext cx="0" cy="0"/>
+          <a:chOff x="0" y="0"/>
+          <a:chExt cx="0" cy="0"/>
+        </a:xfrm>
+      </p:grpSpPr>
+      <p:sp>
+        <p:nvSpPr>
+          <p:cNvPr id="4" name="Rounded Rectangle 3"/>
+          <p:cNvSpPr/>
+          <p:nvPr/>
+        </p:nvSpPr>
+        <p:spPr>
+          <a:xfrm>
+            <a:off x="4754880" y="2496185"/>
+            <a:ext cx="1805940" cy="1819910"/>
+          </a:xfrm>
+          <a:prstGeom prst="roundRect">
+            <a:avLst/>
+          </a:prstGeom>
+        </p:spPr>
+        <p:style>
+          <a:lnRef idx="2">
+            <a:schemeClr val="accent1">
+              <a:shade val="50000"/>
+            </a:schemeClr>
+          </a:lnRef>
+          <a:fillRef idx="1">
+            <a:schemeClr val="accent1"/>
+          </a:fillRef>
+          <a:effectRef idx="0">
+            <a:schemeClr val="accent1"/>
+          </a:effectRef>
+          <a:fontRef idx="minor">
+            <a:schemeClr val="lt1"/>
+          </a:fontRef>
+        </p:style>
+        <p:txBody>
+          <a:bodyPr rtlCol="0" anchor="ctr"/>
+          <a:lstStyle/>
+          <a:p>
+            <a:pPr algn="ctr"/>
+            <a:r>
+              <a:rPr lang="zh-CN" altLang="en-US" dirty="0" smtClean="0"/>
+              <a:t>传说中的模型</a:t>
+            </a:r>
+            <a:endParaRPr lang="en-US" dirty="0"/>
+          </a:p>
+        </p:txBody>
+      </p:sp>
+      <p:sp>
+        <p:nvSpPr>
+          <p:cNvPr id="5" name="TextBox 4"/>
+          <p:cNvSpPr txBox="1"/>
+          <p:nvPr/>
+        </p:nvSpPr>
+        <p:spPr>
+          <a:xfrm>
+            <a:off x="540000" y="540000"/>
+            <a:ext cx="1723549" cy="553998"/>
+          </a:xfrm>
+          <a:prstGeom prst="rect">
+            <a:avLst/>
+          </a:prstGeom>
+          <a:noFill/>
+        </p:spPr>
+        <p:txBody>
+          <a:bodyPr wrap="none" rtlCol="0">
+            <a:spAutoFit/>
+          </a:bodyPr>
+          <a:lstStyle/>
+          <a:p>
+            <a:r>
+              <a:rPr lang="zh-CN" altLang="en-US" sz="3000" b="1" dirty="0" smtClean="0">
+                <a:latin typeface="Helvetica Bold" charset="0"/>
+              </a:rPr>
+              <a:t>使用模型</a:t>
+            </a:r>
+            <a:endParaRPr lang="en-US" sz="3000" b="1" dirty="0">
+              <a:latin typeface="Helvetica Bold" charset="0"/>
+            </a:endParaRPr>
+          </a:p>
+        </p:txBody>
+      </p:sp>
+      <p:pic>
+        <p:nvPicPr>
+          <p:cNvPr id="2" name="Picture 1"/>
+          <p:cNvPicPr>
+            <a:picLocks noChangeAspect="1"/>
+          </p:cNvPicPr>
+          <p:nvPr/>
+        </p:nvPicPr>
+        <p:blipFill>
+          <a:blip r:embed="rId2">
+            <a:extLst>
+              <a:ext uri="{28A0092B-C50C-407E-A947-70E740481C1C}">
+                <a14:useLocalDpi xmlns:a14="http://schemas.microsoft.com/office/drawing/2010/main" val="0"/>
+              </a:ext>
+            </a:extLst>
+          </a:blip>
+          <a:stretch>
+            <a:fillRect/>
+          </a:stretch>
+        </p:blipFill>
+        <p:spPr>
+          <a:xfrm>
+            <a:off x="1037999" y="2637790"/>
+            <a:ext cx="1536700" cy="1536700"/>
+          </a:xfrm>
+          <a:prstGeom prst="rect">
+            <a:avLst/>
+          </a:prstGeom>
+        </p:spPr>
+      </p:pic>
+      <p:cxnSp>
+        <p:nvCxnSpPr>
+          <p:cNvPr id="6" name="Straight Arrow Connector 5"/>
+          <p:cNvCxnSpPr>
+            <a:stCxn id="2" idx="3"/>
+            <a:endCxn id="4" idx="1"/>
+          </p:cNvCxnSpPr>
+          <p:nvPr/>
+        </p:nvCxnSpPr>
+        <p:spPr>
+          <a:xfrm>
+            <a:off x="2574699" y="3406140"/>
+            <a:ext cx="2180181" cy="0"/>
+          </a:xfrm>
+          <a:prstGeom prst="straightConnector1">
+            <a:avLst/>
+          </a:prstGeom>
+          <a:ln w="50800">
+            <a:solidFill>
+              <a:schemeClr val="tx1"/>
+            </a:solidFill>
+            <a:tailEnd type="triangle"/>
+          </a:ln>
+        </p:spPr>
+        <p:style>
+          <a:lnRef idx="1">
+            <a:schemeClr val="accent1"/>
+          </a:lnRef>
+          <a:fillRef idx="0">
+            <a:schemeClr val="accent1"/>
+          </a:fillRef>
+          <a:effectRef idx="0">
+            <a:schemeClr val="accent1"/>
+          </a:effectRef>
+          <a:fontRef idx="minor">
+            <a:schemeClr val="tx1"/>
+          </a:fontRef>
+        </p:style>
+      </p:cxnSp>
+      <p:cxnSp>
+        <p:nvCxnSpPr>
+          <p:cNvPr id="7" name="Straight Arrow Connector 6"/>
+          <p:cNvCxnSpPr>
+            <a:stCxn id="7" idx="3"/>
+          </p:cNvCxnSpPr>
+          <p:nvPr/>
+        </p:nvCxnSpPr>
+        <p:spPr>
+          <a:xfrm>
+            <a:off x="6560820" y="3406140"/>
+            <a:ext cx="2180181" cy="0"/>
+          </a:xfrm>
+          <a:prstGeom prst="straightConnector1">
+            <a:avLst/>
+          </a:prstGeom>
+          <a:ln w="50800">
+            <a:solidFill>
+              <a:schemeClr val="tx1"/>
+            </a:solidFill>
+            <a:tailEnd type="triangle"/>
+          </a:ln>
+        </p:spPr>
+        <p:style>
+          <a:lnRef idx="1">
+            <a:schemeClr val="accent1"/>
+          </a:lnRef>
+          <a:fillRef idx="0">
+            <a:schemeClr val="accent1"/>
+          </a:fillRef>
+          <a:effectRef idx="0">
+            <a:schemeClr val="accent1"/>
+          </a:effectRef>
+          <a:fontRef idx="minor">
+            <a:schemeClr val="tx1"/>
+          </a:fontRef>
+        </p:style>
+      </p:cxnSp>
+      <p:sp>
+        <p:nvSpPr>
+          <p:cNvPr id="8" name="TextBox 7"/>
+          <p:cNvSpPr txBox="1"/>
+          <p:nvPr/>
+        </p:nvSpPr>
+        <p:spPr>
+          <a:xfrm>
+            <a:off x="8741001" y="3082974"/>
+            <a:ext cx="2130711" cy="646331"/>
+          </a:xfrm>
+          <a:prstGeom prst="rect">
+            <a:avLst/>
+          </a:prstGeom>
+          <a:noFill/>
+        </p:spPr>
+        <p:txBody>
+          <a:bodyPr wrap="none" rtlCol="0">
+            <a:spAutoFit/>
+          </a:bodyPr>
+          <a:lstStyle/>
+          <a:p>
+            <a:r>
+              <a:rPr lang="en-US" altLang="zh-CN" dirty="0" smtClean="0"/>
+              <a:t>Label:</a:t>
+            </a:r>
+            <a:r>
+              <a:rPr lang="zh-CN" altLang="en-US" dirty="0" smtClean="0"/>
+              <a:t>苏格兰折耳猫</a:t>
+            </a:r>
+            <a:endParaRPr lang="en-US" altLang="zh-CN" dirty="0"/>
+          </a:p>
+          <a:p>
+            <a:r>
+              <a:rPr lang="en-US" dirty="0" smtClean="0"/>
+              <a:t>Confidence:95%</a:t>
+            </a:r>
+            <a:endParaRPr lang="en-US" dirty="0"/>
+          </a:p>
+        </p:txBody>
+      </p:sp>
+    </p:spTree>
+    <p:extLst>
+      <p:ext uri="{BB962C8B-B14F-4D97-AF65-F5344CB8AC3E}">
+        <p14:creationId xmlns:p14="http://schemas.microsoft.com/office/powerpoint/2010/main" val="519547946"/>
+      </p:ext>
+    </p:extLst>
+  </p:cSld>
+  <p:clrMapOvr>
+    <a:masterClrMapping/>
+  </p:clrMapOvr>
+  <p:timing>
+    <p:tnLst>
+      <p:par>
+        <p:cTn id="1" dur="indefinite" restart="never" nodeType="tmRoot"/>
+      </p:par>
+    </p:tnLst>
+  </p:timing>
+</p:sld>
+</file>
+
+<file path=ppt/slides/slide9.xml><?xml version="1.0" encoding="utf-8"?>
+<p:sld xmlns:a="http://schemas.openxmlformats.org/drawingml/2006/main" xmlns:r="http://schemas.openxmlformats.org/officeDocument/2006/relationships" xmlns:p="http://schemas.openxmlformats.org/presentationml/2006/main">
+  <p:cSld>
+    <p:spTree>
+      <p:nvGrpSpPr>
+        <p:cNvPr id="1" name=""/>
+        <p:cNvGrpSpPr/>
+        <p:nvPr/>
+      </p:nvGrpSpPr>
+      <p:grpSpPr>
+        <a:xfrm>
+          <a:off x="0" y="0"/>
+          <a:ext cx="0" cy="0"/>
+          <a:chOff x="0" y="0"/>
+          <a:chExt cx="0" cy="0"/>
+        </a:xfrm>
+      </p:grpSpPr>
+      <p:sp>
+        <p:nvSpPr>
+          <p:cNvPr id="5" name="TextBox 4"/>
+          <p:cNvSpPr txBox="1"/>
+          <p:nvPr/>
+        </p:nvSpPr>
+        <p:spPr>
+          <a:xfrm>
+            <a:off x="540000" y="540000"/>
+            <a:ext cx="1723549" cy="553998"/>
+          </a:xfrm>
+          <a:prstGeom prst="rect">
+            <a:avLst/>
+          </a:prstGeom>
+          <a:noFill/>
+        </p:spPr>
+        <p:txBody>
+          <a:bodyPr wrap="none" rtlCol="0">
+            <a:spAutoFit/>
+          </a:bodyPr>
+          <a:lstStyle/>
+          <a:p>
+            <a:r>
+              <a:rPr lang="en-US" altLang="zh-CN" sz="3000" b="1" dirty="0" smtClean="0">
+                <a:latin typeface="Helvetica Bold" charset="0"/>
+              </a:rPr>
+              <a:t>Core</a:t>
+            </a:r>
+            <a:r>
+              <a:rPr lang="zh-CN" altLang="en-US" sz="3000" b="1" dirty="0" smtClean="0">
+                <a:latin typeface="Helvetica Bold" charset="0"/>
+              </a:rPr>
+              <a:t> </a:t>
+            </a:r>
+            <a:r>
+              <a:rPr lang="en-US" altLang="zh-CN" sz="3000" b="1" dirty="0" smtClean="0">
+                <a:latin typeface="Helvetica Bold" charset="0"/>
+              </a:rPr>
+              <a:t>ML</a:t>
+            </a:r>
+            <a:endParaRPr lang="en-US" sz="3000" b="1" dirty="0">
+              <a:latin typeface="Helvetica Bold" charset="0"/>
+            </a:endParaRPr>
+          </a:p>
+        </p:txBody>
+      </p:sp>
+      <p:sp>
+        <p:nvSpPr>
+          <p:cNvPr id="6" name="Rounded Rectangle 5"/>
+          <p:cNvSpPr/>
+          <p:nvPr/>
+        </p:nvSpPr>
+        <p:spPr>
+          <a:xfrm>
+            <a:off x="2829130" y="1449657"/>
+            <a:ext cx="6579220" cy="869795"/>
+          </a:xfrm>
+          <a:prstGeom prst="roundRect">
+            <a:avLst/>
+          </a:prstGeom>
+          <a:solidFill>
+            <a:schemeClr val="accent4">
+              <a:lumMod val="60000"/>
+              <a:lumOff val="40000"/>
+            </a:schemeClr>
+          </a:solidFill>
+          <a:ln>
+            <a:noFill/>
+          </a:ln>
+        </p:spPr>
+        <p:style>
+          <a:lnRef idx="2">
+            <a:schemeClr val="accent1">
+              <a:shade val="50000"/>
+            </a:schemeClr>
+          </a:lnRef>
+          <a:fillRef idx="1">
+            <a:schemeClr val="accent1"/>
+          </a:fillRef>
+          <a:effectRef idx="0">
+            <a:schemeClr val="accent1"/>
+          </a:effectRef>
+          <a:fontRef idx="minor">
+            <a:schemeClr val="lt1"/>
+          </a:fontRef>
+        </p:style>
+        <p:txBody>
+          <a:bodyPr rtlCol="0" anchor="ctr"/>
+          <a:lstStyle/>
+          <a:p>
+            <a:pPr algn="ctr"/>
+            <a:r>
+              <a:rPr lang="en-US" altLang="zh-CN" dirty="0" smtClean="0">
+                <a:solidFill>
+                  <a:sysClr val="windowText" lastClr="000000"/>
+                </a:solidFill>
+              </a:rPr>
+              <a:t>Your</a:t>
+            </a:r>
+            <a:r>
+              <a:rPr lang="zh-CN" altLang="en-US" dirty="0" smtClean="0">
+                <a:solidFill>
+                  <a:sysClr val="windowText" lastClr="000000"/>
+                </a:solidFill>
+              </a:rPr>
+              <a:t> </a:t>
+            </a:r>
+            <a:r>
+              <a:rPr lang="en-US" altLang="zh-CN" dirty="0" smtClean="0">
+                <a:solidFill>
+                  <a:sysClr val="windowText" lastClr="000000"/>
+                </a:solidFill>
+              </a:rPr>
+              <a:t>APP</a:t>
+            </a:r>
+            <a:endParaRPr lang="en-US" dirty="0">
+              <a:solidFill>
+                <a:sysClr val="windowText" lastClr="000000"/>
+              </a:solidFill>
+            </a:endParaRPr>
+          </a:p>
+        </p:txBody>
+      </p:sp>
+      <p:sp>
+        <p:nvSpPr>
+          <p:cNvPr id="7" name="Rounded Rectangle 6"/>
+          <p:cNvSpPr/>
+          <p:nvPr/>
+        </p:nvSpPr>
+        <p:spPr>
+          <a:xfrm>
+            <a:off x="2829130" y="2542478"/>
+            <a:ext cx="1408333" cy="780586"/>
+          </a:xfrm>
+          <a:prstGeom prst="roundRect">
+            <a:avLst/>
+          </a:prstGeom>
+        </p:spPr>
+        <p:style>
+          <a:lnRef idx="2">
+            <a:schemeClr val="accent1">
+              <a:shade val="50000"/>
+            </a:schemeClr>
+          </a:lnRef>
+          <a:fillRef idx="1">
+            <a:schemeClr val="accent1"/>
+          </a:fillRef>
+          <a:effectRef idx="0">
+            <a:schemeClr val="accent1"/>
+          </a:effectRef>
+          <a:fontRef idx="minor">
+            <a:schemeClr val="lt1"/>
+          </a:fontRef>
+        </p:style>
+        <p:txBody>
+          <a:bodyPr rtlCol="0" anchor="ctr"/>
+          <a:lstStyle/>
+          <a:p>
+            <a:pPr algn="ctr"/>
+            <a:r>
+              <a:rPr lang="en-US" altLang="zh-CN" dirty="0" smtClean="0">
+                <a:solidFill>
+                  <a:sysClr val="windowText" lastClr="000000"/>
+                </a:solidFill>
+              </a:rPr>
+              <a:t>Vision</a:t>
+            </a:r>
+            <a:endParaRPr lang="en-US" dirty="0">
+              <a:solidFill>
+                <a:sysClr val="windowText" lastClr="000000"/>
+              </a:solidFill>
+            </a:endParaRPr>
+          </a:p>
+        </p:txBody>
+      </p:sp>
+      <p:sp>
+        <p:nvSpPr>
+          <p:cNvPr id="8" name="Rounded Rectangle 7"/>
+          <p:cNvSpPr/>
+          <p:nvPr/>
+        </p:nvSpPr>
+        <p:spPr>
+          <a:xfrm>
+            <a:off x="4438186" y="2542478"/>
+            <a:ext cx="3233854" cy="780586"/>
+          </a:xfrm>
+          <a:prstGeom prst="roundRect">
+            <a:avLst/>
+          </a:prstGeom>
+        </p:spPr>
+        <p:style>
+          <a:lnRef idx="2">
+            <a:schemeClr val="accent1">
+              <a:shade val="50000"/>
+            </a:schemeClr>
+          </a:lnRef>
+          <a:fillRef idx="1">
+            <a:schemeClr val="accent1"/>
+          </a:fillRef>
+          <a:effectRef idx="0">
+            <a:schemeClr val="accent1"/>
+          </a:effectRef>
+          <a:fontRef idx="minor">
+            <a:schemeClr val="lt1"/>
+          </a:fontRef>
+        </p:style>
+        <p:txBody>
+          <a:bodyPr rtlCol="0" anchor="ctr"/>
+          <a:lstStyle/>
+          <a:p>
+            <a:pPr algn="ctr"/>
+            <a:r>
+              <a:rPr lang="en-US" altLang="zh-CN" dirty="0" smtClean="0">
+                <a:solidFill>
+                  <a:sysClr val="windowText" lastClr="000000"/>
+                </a:solidFill>
+              </a:rPr>
+              <a:t>Natural</a:t>
+            </a:r>
+            <a:r>
+              <a:rPr lang="zh-CN" altLang="en-US" dirty="0" smtClean="0">
+                <a:solidFill>
+                  <a:sysClr val="windowText" lastClr="000000"/>
+                </a:solidFill>
+              </a:rPr>
+              <a:t> </a:t>
+            </a:r>
+            <a:r>
+              <a:rPr lang="en-US" altLang="zh-CN" dirty="0" smtClean="0">
+                <a:solidFill>
+                  <a:sysClr val="windowText" lastClr="000000"/>
+                </a:solidFill>
+              </a:rPr>
+              <a:t>language processing</a:t>
+            </a:r>
+          </a:p>
+        </p:txBody>
+      </p:sp>
+      <p:sp>
+        <p:nvSpPr>
+          <p:cNvPr id="9" name="Rounded Rectangle 8"/>
+          <p:cNvSpPr/>
+          <p:nvPr/>
+        </p:nvSpPr>
+        <p:spPr>
+          <a:xfrm>
+            <a:off x="7872763" y="2542478"/>
+            <a:ext cx="1535589" cy="780586"/>
+          </a:xfrm>
+          <a:prstGeom prst="roundRect">
+            <a:avLst/>
+          </a:prstGeom>
+        </p:spPr>
+        <p:style>
+          <a:lnRef idx="2">
+            <a:schemeClr val="accent1">
+              <a:shade val="50000"/>
+            </a:schemeClr>
+          </a:lnRef>
+          <a:fillRef idx="1">
+            <a:schemeClr val="accent1"/>
+          </a:fillRef>
+          <a:effectRef idx="0">
+            <a:schemeClr val="accent1"/>
+          </a:effectRef>
+          <a:fontRef idx="minor">
+            <a:schemeClr val="lt1"/>
+          </a:fontRef>
+        </p:style>
+        <p:txBody>
+          <a:bodyPr rtlCol="0" anchor="ctr"/>
+          <a:lstStyle/>
+          <a:p>
+            <a:pPr algn="ctr"/>
+            <a:r>
+              <a:rPr lang="en-US" dirty="0" err="1" smtClean="0">
+                <a:solidFill>
+                  <a:sysClr val="windowText" lastClr="000000"/>
+                </a:solidFill>
+              </a:rPr>
+              <a:t>GameplayKit</a:t>
+            </a:r>
+            <a:endParaRPr lang="en-US" dirty="0" smtClean="0">
+              <a:solidFill>
+                <a:sysClr val="windowText" lastClr="000000"/>
+              </a:solidFill>
+            </a:endParaRPr>
+          </a:p>
+        </p:txBody>
+      </p:sp>
+      <p:sp>
+        <p:nvSpPr>
+          <p:cNvPr id="10" name="Rounded Rectangle 9"/>
+          <p:cNvSpPr/>
+          <p:nvPr/>
+        </p:nvSpPr>
+        <p:spPr>
+          <a:xfrm>
+            <a:off x="2829130" y="3590697"/>
+            <a:ext cx="6579220" cy="780586"/>
+          </a:xfrm>
+          <a:prstGeom prst="roundRect">
+            <a:avLst/>
+          </a:prstGeom>
+        </p:spPr>
+        <p:style>
+          <a:lnRef idx="2">
+            <a:schemeClr val="accent1">
+              <a:shade val="50000"/>
+            </a:schemeClr>
+          </a:lnRef>
+          <a:fillRef idx="1">
+            <a:schemeClr val="accent1"/>
+          </a:fillRef>
+          <a:effectRef idx="0">
+            <a:schemeClr val="accent1"/>
+          </a:effectRef>
+          <a:fontRef idx="minor">
+            <a:schemeClr val="lt1"/>
+          </a:fontRef>
+        </p:style>
+        <p:txBody>
+          <a:bodyPr rtlCol="0" anchor="ctr"/>
+          <a:lstStyle/>
+          <a:p>
+            <a:pPr algn="ctr"/>
+            <a:r>
+              <a:rPr lang="en-US" dirty="0" smtClean="0">
+                <a:solidFill>
+                  <a:sysClr val="windowText" lastClr="000000"/>
+                </a:solidFill>
+              </a:rPr>
+              <a:t>Core ML</a:t>
+            </a:r>
+            <a:endParaRPr lang="en-US" dirty="0">
+              <a:solidFill>
+                <a:sysClr val="windowText" lastClr="000000"/>
+              </a:solidFill>
+            </a:endParaRPr>
+          </a:p>
+        </p:txBody>
+      </p:sp>
+      <p:sp>
+        <p:nvSpPr>
+          <p:cNvPr id="11" name="Rounded Rectangle 10"/>
+          <p:cNvSpPr/>
+          <p:nvPr/>
+        </p:nvSpPr>
+        <p:spPr>
+          <a:xfrm>
+            <a:off x="2829130" y="4627772"/>
+            <a:ext cx="2810107" cy="780586"/>
+          </a:xfrm>
+          <a:prstGeom prst="roundRect">
+            <a:avLst/>
+          </a:prstGeom>
+        </p:spPr>
+        <p:style>
+          <a:lnRef idx="2">
+            <a:schemeClr val="accent1">
+              <a:shade val="50000"/>
+            </a:schemeClr>
+          </a:lnRef>
+          <a:fillRef idx="1">
+            <a:schemeClr val="accent1"/>
+          </a:fillRef>
+          <a:effectRef idx="0">
+            <a:schemeClr val="accent1"/>
+          </a:effectRef>
+          <a:fontRef idx="minor">
+            <a:schemeClr val="lt1"/>
+          </a:fontRef>
+        </p:style>
+        <p:txBody>
+          <a:bodyPr rtlCol="0" anchor="ctr"/>
+          <a:lstStyle/>
+          <a:p>
+            <a:pPr algn="ctr"/>
+            <a:r>
+              <a:rPr lang="en-US" dirty="0" smtClean="0">
+                <a:solidFill>
+                  <a:sysClr val="windowText" lastClr="000000"/>
+                </a:solidFill>
+              </a:rPr>
+              <a:t>Accelerate BNNS</a:t>
+            </a:r>
+            <a:endParaRPr lang="en-US" dirty="0">
+              <a:solidFill>
+                <a:sysClr val="windowText" lastClr="000000"/>
+              </a:solidFill>
+            </a:endParaRPr>
+          </a:p>
+        </p:txBody>
+      </p:sp>
+      <p:sp>
+        <p:nvSpPr>
+          <p:cNvPr id="12" name="Rounded Rectangle 11"/>
+          <p:cNvSpPr/>
+          <p:nvPr/>
+        </p:nvSpPr>
+        <p:spPr>
+          <a:xfrm>
+            <a:off x="5820937" y="4638916"/>
+            <a:ext cx="3587413" cy="780586"/>
+          </a:xfrm>
+          <a:prstGeom prst="roundRect">
+            <a:avLst/>
+          </a:prstGeom>
+        </p:spPr>
+        <p:style>
+          <a:lnRef idx="2">
+            <a:schemeClr val="accent1">
+              <a:shade val="50000"/>
+            </a:schemeClr>
+          </a:lnRef>
+          <a:fillRef idx="1">
+            <a:schemeClr val="accent1"/>
+          </a:fillRef>
+          <a:effectRef idx="0">
+            <a:schemeClr val="accent1"/>
+          </a:effectRef>
+          <a:fontRef idx="minor">
+            <a:schemeClr val="lt1"/>
+          </a:fontRef>
+        </p:style>
+        <p:txBody>
+          <a:bodyPr rtlCol="0" anchor="ctr"/>
+          <a:lstStyle/>
+          <a:p>
+            <a:pPr algn="ctr"/>
+            <a:r>
+              <a:rPr lang="en-US" dirty="0" smtClean="0">
+                <a:solidFill>
+                  <a:sysClr val="windowText" lastClr="000000"/>
+                </a:solidFill>
+              </a:rPr>
+              <a:t>Metal Performance </a:t>
+            </a:r>
+            <a:r>
+              <a:rPr lang="en-US" dirty="0" err="1" smtClean="0">
+                <a:solidFill>
+                  <a:sysClr val="windowText" lastClr="000000"/>
+                </a:solidFill>
+              </a:rPr>
+              <a:t>Shaders</a:t>
+            </a:r>
+            <a:endParaRPr lang="en-US" dirty="0">
+              <a:solidFill>
+                <a:sysClr val="windowText" lastClr="000000"/>
+              </a:solidFill>
+            </a:endParaRPr>
+          </a:p>
+        </p:txBody>
+      </p:sp>
+    </p:spTree>
+    <p:extLst>
+      <p:ext uri="{BB962C8B-B14F-4D97-AF65-F5344CB8AC3E}">
+        <p14:creationId xmlns:p14="http://schemas.microsoft.com/office/powerpoint/2010/main" val="528303943"/>
       </p:ext>
     </p:extLst>
   </p:cSld>
@@ -3858,4 +6569,265 @@
     </a:ext>
   </a:extLst>
 </a:theme>
+</file>
+
+<file path=ppt/theme/theme2.xml><?xml version="1.0" encoding="utf-8"?>
+<a:theme xmlns:a="http://schemas.openxmlformats.org/drawingml/2006/main" name="Office Theme">
+  <a:themeElements>
+    <a:clrScheme name="Office">
+      <a:dk1>
+        <a:sysClr val="windowText" lastClr="000000"/>
+      </a:dk1>
+      <a:lt1>
+        <a:sysClr val="window" lastClr="FFFFFF"/>
+      </a:lt1>
+      <a:dk2>
+        <a:srgbClr val="44546A"/>
+      </a:dk2>
+      <a:lt2>
+        <a:srgbClr val="E7E6E6"/>
+      </a:lt2>
+      <a:accent1>
+        <a:srgbClr val="4472C4"/>
+      </a:accent1>
+      <a:accent2>
+        <a:srgbClr val="ED7D31"/>
+      </a:accent2>
+      <a:accent3>
+        <a:srgbClr val="A5A5A5"/>
+      </a:accent3>
+      <a:accent4>
+        <a:srgbClr val="FFC000"/>
+      </a:accent4>
+      <a:accent5>
+        <a:srgbClr val="5B9BD5"/>
+      </a:accent5>
+      <a:accent6>
+        <a:srgbClr val="70AD47"/>
+      </a:accent6>
+      <a:hlink>
+        <a:srgbClr val="0563C1"/>
+      </a:hlink>
+      <a:folHlink>
+        <a:srgbClr val="954F72"/>
+      </a:folHlink>
+    </a:clrScheme>
+    <a:fontScheme name="Office">
+      <a:majorFont>
+        <a:latin typeface="Calibri Light" panose="020F0302020204030204"/>
+        <a:ea typeface=""/>
+        <a:cs typeface=""/>
+        <a:font script="Jpan" typeface="Yu Gothic Light"/>
+        <a:font script="Hang" typeface="맑은 고딕"/>
+        <a:font script="Hans" typeface="DengXian Light"/>
+        <a:font script="Hant" typeface="新細明體"/>
+        <a:font script="Arab" typeface="Times New Roman"/>
+        <a:font script="Hebr" typeface="Times New Roman"/>
+        <a:font script="Thai" typeface="Angsana New"/>
+        <a:font script="Ethi" typeface="Nyala"/>
+        <a:font script="Beng" typeface="Vrinda"/>
+        <a:font script="Gujr" typeface="Shruti"/>
+        <a:font script="Khmr" typeface="MoolBoran"/>
+        <a:font script="Knda" typeface="Tunga"/>
+        <a:font script="Guru" typeface="Raavi"/>
+        <a:font script="Cans" typeface="Euphemia"/>
+        <a:font script="Cher" typeface="Plantagenet Cherokee"/>
+        <a:font script="Yiii" typeface="Microsoft Yi Baiti"/>
+        <a:font script="Tibt" typeface="Microsoft Himalaya"/>
+        <a:font script="Thaa" typeface="MV Boli"/>
+        <a:font script="Deva" typeface="Mangal"/>
+        <a:font script="Telu" typeface="Gautami"/>
+        <a:font script="Taml" typeface="Latha"/>
+        <a:font script="Syrc" typeface="Estrangelo Edessa"/>
+        <a:font script="Orya" typeface="Kalinga"/>
+        <a:font script="Mlym" typeface="Kartika"/>
+        <a:font script="Laoo" typeface="DokChampa"/>
+        <a:font script="Sinh" typeface="Iskoola Pota"/>
+        <a:font script="Mong" typeface="Mongolian Baiti"/>
+        <a:font script="Viet" typeface="Times New Roman"/>
+        <a:font script="Uigh" typeface="Microsoft Uighur"/>
+        <a:font script="Geor" typeface="Sylfaen"/>
+      </a:majorFont>
+      <a:minorFont>
+        <a:latin typeface="Calibri" panose="020F0502020204030204"/>
+        <a:ea typeface=""/>
+        <a:cs typeface=""/>
+        <a:font script="Jpan" typeface="Yu Gothic"/>
+        <a:font script="Hang" typeface="맑은 고딕"/>
+        <a:font script="Hans" typeface="DengXian"/>
+        <a:font script="Hant" typeface="新細明體"/>
+        <a:font script="Arab" typeface="Arial"/>
+        <a:font script="Hebr" typeface="Arial"/>
+        <a:font script="Thai" typeface="Cordia New"/>
+        <a:font script="Ethi" typeface="Nyala"/>
+        <a:font script="Beng" typeface="Vrinda"/>
+        <a:font script="Gujr" typeface="Shruti"/>
+        <a:font script="Khmr" typeface="DaunPenh"/>
+        <a:font script="Knda" typeface="Tunga"/>
+        <a:font script="Guru" typeface="Raavi"/>
+        <a:font script="Cans" typeface="Euphemia"/>
+        <a:font script="Cher" typeface="Plantagenet Cherokee"/>
+        <a:font script="Yiii" typeface="Microsoft Yi Baiti"/>
+        <a:font script="Tibt" typeface="Microsoft Himalaya"/>
+        <a:font script="Thaa" typeface="MV Boli"/>
+        <a:font script="Deva" typeface="Mangal"/>
+        <a:font script="Telu" typeface="Gautami"/>
+        <a:font script="Taml" typeface="Latha"/>
+        <a:font script="Syrc" typeface="Estrangelo Edessa"/>
+        <a:font script="Orya" typeface="Kalinga"/>
+        <a:font script="Mlym" typeface="Kartika"/>
+        <a:font script="Laoo" typeface="DokChampa"/>
+        <a:font script="Sinh" typeface="Iskoola Pota"/>
+        <a:font script="Mong" typeface="Mongolian Baiti"/>
+        <a:font script="Viet" typeface="Arial"/>
+        <a:font script="Uigh" typeface="Microsoft Uighur"/>
+        <a:font script="Geor" typeface="Sylfaen"/>
+      </a:minorFont>
+    </a:fontScheme>
+    <a:fmtScheme name="Office">
+      <a:fillStyleLst>
+        <a:solidFill>
+          <a:schemeClr val="phClr"/>
+        </a:solidFill>
+        <a:gradFill rotWithShape="1">
+          <a:gsLst>
+            <a:gs pos="0">
+              <a:schemeClr val="phClr">
+                <a:lumMod val="110000"/>
+                <a:satMod val="105000"/>
+                <a:tint val="67000"/>
+              </a:schemeClr>
+            </a:gs>
+            <a:gs pos="50000">
+              <a:schemeClr val="phClr">
+                <a:lumMod val="105000"/>
+                <a:satMod val="103000"/>
+                <a:tint val="73000"/>
+              </a:schemeClr>
+            </a:gs>
+            <a:gs pos="100000">
+              <a:schemeClr val="phClr">
+                <a:lumMod val="105000"/>
+                <a:satMod val="109000"/>
+                <a:tint val="81000"/>
+              </a:schemeClr>
+            </a:gs>
+          </a:gsLst>
+          <a:lin ang="5400000" scaled="0"/>
+        </a:gradFill>
+        <a:gradFill rotWithShape="1">
+          <a:gsLst>
+            <a:gs pos="0">
+              <a:schemeClr val="phClr">
+                <a:satMod val="103000"/>
+                <a:lumMod val="102000"/>
+                <a:tint val="94000"/>
+              </a:schemeClr>
+            </a:gs>
+            <a:gs pos="50000">
+              <a:schemeClr val="phClr">
+                <a:satMod val="110000"/>
+                <a:lumMod val="100000"/>
+                <a:shade val="100000"/>
+              </a:schemeClr>
+            </a:gs>
+            <a:gs pos="100000">
+              <a:schemeClr val="phClr">
+                <a:lumMod val="99000"/>
+                <a:satMod val="120000"/>
+                <a:shade val="78000"/>
+              </a:schemeClr>
+            </a:gs>
+          </a:gsLst>
+          <a:lin ang="5400000" scaled="0"/>
+        </a:gradFill>
+      </a:fillStyleLst>
+      <a:lnStyleLst>
+        <a:ln w="6350" cap="flat" cmpd="sng" algn="ctr">
+          <a:solidFill>
+            <a:schemeClr val="phClr"/>
+          </a:solidFill>
+          <a:prstDash val="solid"/>
+          <a:miter lim="800000"/>
+        </a:ln>
+        <a:ln w="12700" cap="flat" cmpd="sng" algn="ctr">
+          <a:solidFill>
+            <a:schemeClr val="phClr"/>
+          </a:solidFill>
+          <a:prstDash val="solid"/>
+          <a:miter lim="800000"/>
+        </a:ln>
+        <a:ln w="19050" cap="flat" cmpd="sng" algn="ctr">
+          <a:solidFill>
+            <a:schemeClr val="phClr"/>
+          </a:solidFill>
+          <a:prstDash val="solid"/>
+          <a:miter lim="800000"/>
+        </a:ln>
+      </a:lnStyleLst>
+      <a:effectStyleLst>
+        <a:effectStyle>
+          <a:effectLst/>
+        </a:effectStyle>
+        <a:effectStyle>
+          <a:effectLst/>
+        </a:effectStyle>
+        <a:effectStyle>
+          <a:effectLst>
+            <a:outerShdw blurRad="57150" dist="19050" dir="5400000" algn="ctr" rotWithShape="0">
+              <a:srgbClr val="000000">
+                <a:alpha val="63000"/>
+              </a:srgbClr>
+            </a:outerShdw>
+          </a:effectLst>
+        </a:effectStyle>
+      </a:effectStyleLst>
+      <a:bgFillStyleLst>
+        <a:solidFill>
+          <a:schemeClr val="phClr"/>
+        </a:solidFill>
+        <a:solidFill>
+          <a:schemeClr val="phClr">
+            <a:tint val="95000"/>
+            <a:satMod val="170000"/>
+          </a:schemeClr>
+        </a:solidFill>
+        <a:gradFill rotWithShape="1">
+          <a:gsLst>
+            <a:gs pos="0">
+              <a:schemeClr val="phClr">
+                <a:tint val="93000"/>
+                <a:satMod val="150000"/>
+                <a:shade val="98000"/>
+                <a:lumMod val="102000"/>
+              </a:schemeClr>
+            </a:gs>
+            <a:gs pos="50000">
+              <a:schemeClr val="phClr">
+                <a:tint val="98000"/>
+                <a:satMod val="130000"/>
+                <a:shade val="90000"/>
+                <a:lumMod val="103000"/>
+              </a:schemeClr>
+            </a:gs>
+            <a:gs pos="100000">
+              <a:schemeClr val="phClr">
+                <a:shade val="63000"/>
+                <a:satMod val="120000"/>
+              </a:schemeClr>
+            </a:gs>
+          </a:gsLst>
+          <a:lin ang="5400000" scaled="0"/>
+        </a:gradFill>
+      </a:bgFillStyleLst>
+    </a:fmtScheme>
+  </a:themeElements>
+  <a:objectDefaults/>
+  <a:extraClrSchemeLst/>
+  <a:extLst>
+    <a:ext uri="{05A4C25C-085E-4340-85A3-A5531E510DB2}">
+      <thm15:themeFamily xmlns:thm15="http://schemas.microsoft.com/office/thememl/2012/main" name="Office Theme" id="{62F939B6-93AF-4DB8-9C6B-D6C7DFDC589F}" vid="{4A3C46E8-61CC-4603-A589-7422A47A8E4A}"/>
+    </a:ext>
+  </a:extLst>
+</a:theme>
 </file>
--- a/Swift/CoreMLResearching/CoreML.pptx
+++ b/Swift/CoreMLResearching/CoreML.pptx
@@ -5,7 +5,7 @@
     <p:sldMasterId id="2147483720" r:id="rId1"/>
   </p:sldMasterIdLst>
   <p:notesMasterIdLst>
-    <p:notesMasterId r:id="rId13"/>
+    <p:notesMasterId r:id="rId14"/>
   </p:notesMasterIdLst>
   <p:sldIdLst>
     <p:sldId id="256" r:id="rId2"/>
@@ -16,9 +16,10 @@
     <p:sldId id="262" r:id="rId7"/>
     <p:sldId id="263" r:id="rId8"/>
     <p:sldId id="264" r:id="rId9"/>
-    <p:sldId id="258" r:id="rId10"/>
-    <p:sldId id="259" r:id="rId11"/>
-    <p:sldId id="266" r:id="rId12"/>
+    <p:sldId id="267" r:id="rId10"/>
+    <p:sldId id="258" r:id="rId11"/>
+    <p:sldId id="259" r:id="rId12"/>
+    <p:sldId id="266" r:id="rId13"/>
   </p:sldIdLst>
   <p:sldSz cx="12192000" cy="6858000"/>
   <p:notesSz cx="6858000" cy="9144000"/>
@@ -3411,14 +3412,14 @@
       </p:grpSpPr>
       <p:sp>
         <p:nvSpPr>
-          <p:cNvPr id="4" name="TextBox 3"/>
+          <p:cNvPr id="5" name="TextBox 4"/>
           <p:cNvSpPr txBox="1"/>
           <p:nvPr/>
         </p:nvSpPr>
         <p:spPr>
           <a:xfrm>
-            <a:off x="925830" y="320040"/>
-            <a:ext cx="10904220" cy="1077218"/>
+            <a:off x="540000" y="540000"/>
+            <a:ext cx="1723549" cy="553998"/>
           </a:xfrm>
           <a:prstGeom prst="rect">
             <a:avLst/>
@@ -3426,49 +3427,480 @@
           <a:noFill/>
         </p:spPr>
         <p:txBody>
-          <a:bodyPr wrap="square" rtlCol="0">
+          <a:bodyPr wrap="none" rtlCol="0">
             <a:spAutoFit/>
           </a:bodyPr>
           <a:lstStyle/>
           <a:p>
             <a:r>
-              <a:rPr lang="zh-CN" altLang="en-US" sz="3000" dirty="0"/>
-              <a:t>苹果首先拿出了在已经自家应用中使用</a:t>
-            </a:r>
-            <a:r>
-              <a:rPr lang="zh-CN" altLang="en-US" sz="3000" dirty="0" smtClean="0"/>
-              <a:t>的</a:t>
-            </a:r>
-            <a:r>
-              <a:rPr lang="en-US" altLang="zh-CN" sz="3000" dirty="0" smtClean="0"/>
-              <a:t> Vision </a:t>
-            </a:r>
-            <a:r>
-              <a:rPr lang="zh-CN" altLang="en-US" sz="3000" dirty="0" smtClean="0"/>
-              <a:t>和</a:t>
-            </a:r>
-            <a:r>
-              <a:rPr lang="en-US" altLang="zh-CN" sz="3000" dirty="0" smtClean="0"/>
+              <a:rPr lang="en-US" altLang="zh-CN" sz="3000" b="1" dirty="0" smtClean="0">
+                <a:latin typeface="Helvetica Bold" charset="0"/>
+              </a:rPr>
+              <a:t>Core</a:t>
+            </a:r>
+            <a:r>
+              <a:rPr lang="zh-CN" altLang="en-US" sz="3000" b="1" dirty="0" smtClean="0">
+                <a:latin typeface="Helvetica Bold" charset="0"/>
+              </a:rPr>
               <a:t> </a:t>
             </a:r>
             <a:r>
-              <a:rPr lang="en-US" sz="3200" dirty="0"/>
+              <a:rPr lang="en-US" altLang="zh-CN" sz="3000" b="1" dirty="0" smtClean="0">
+                <a:latin typeface="Helvetica Bold" charset="0"/>
+              </a:rPr>
+              <a:t>ML</a:t>
+            </a:r>
+            <a:endParaRPr lang="en-US" sz="3000" b="1" dirty="0">
+              <a:latin typeface="Helvetica Bold" charset="0"/>
+            </a:endParaRPr>
+          </a:p>
+        </p:txBody>
+      </p:sp>
+      <p:sp>
+        <p:nvSpPr>
+          <p:cNvPr id="6" name="Rounded Rectangle 5"/>
+          <p:cNvSpPr/>
+          <p:nvPr/>
+        </p:nvSpPr>
+        <p:spPr>
+          <a:xfrm>
+            <a:off x="2829130" y="1449657"/>
+            <a:ext cx="6579220" cy="869795"/>
+          </a:xfrm>
+          <a:prstGeom prst="roundRect">
+            <a:avLst/>
+          </a:prstGeom>
+          <a:solidFill>
+            <a:schemeClr val="accent4">
+              <a:lumMod val="60000"/>
+              <a:lumOff val="40000"/>
+            </a:schemeClr>
+          </a:solidFill>
+          <a:ln>
+            <a:noFill/>
+          </a:ln>
+        </p:spPr>
+        <p:style>
+          <a:lnRef idx="2">
+            <a:schemeClr val="accent1">
+              <a:shade val="50000"/>
+            </a:schemeClr>
+          </a:lnRef>
+          <a:fillRef idx="1">
+            <a:schemeClr val="accent1"/>
+          </a:fillRef>
+          <a:effectRef idx="0">
+            <a:schemeClr val="accent1"/>
+          </a:effectRef>
+          <a:fontRef idx="minor">
+            <a:schemeClr val="lt1"/>
+          </a:fontRef>
+        </p:style>
+        <p:txBody>
+          <a:bodyPr rtlCol="0" anchor="ctr"/>
+          <a:lstStyle/>
+          <a:p>
+            <a:pPr algn="ctr"/>
+            <a:r>
+              <a:rPr lang="en-US" altLang="zh-CN" dirty="0" smtClean="0">
+                <a:solidFill>
+                  <a:sysClr val="windowText" lastClr="000000"/>
+                </a:solidFill>
+              </a:rPr>
+              <a:t>Your</a:t>
+            </a:r>
+            <a:r>
+              <a:rPr lang="zh-CN" altLang="en-US" dirty="0" smtClean="0">
+                <a:solidFill>
+                  <a:sysClr val="windowText" lastClr="000000"/>
+                </a:solidFill>
+              </a:rPr>
+              <a:t> </a:t>
+            </a:r>
+            <a:r>
+              <a:rPr lang="en-US" altLang="zh-CN" dirty="0" smtClean="0">
+                <a:solidFill>
+                  <a:sysClr val="windowText" lastClr="000000"/>
+                </a:solidFill>
+              </a:rPr>
+              <a:t>APP</a:t>
+            </a:r>
+            <a:endParaRPr lang="en-US" dirty="0">
+              <a:solidFill>
+                <a:sysClr val="windowText" lastClr="000000"/>
+              </a:solidFill>
+            </a:endParaRPr>
+          </a:p>
+        </p:txBody>
+      </p:sp>
+      <p:sp>
+        <p:nvSpPr>
+          <p:cNvPr id="7" name="Rounded Rectangle 6"/>
+          <p:cNvSpPr/>
+          <p:nvPr/>
+        </p:nvSpPr>
+        <p:spPr>
+          <a:xfrm>
+            <a:off x="2829130" y="2542478"/>
+            <a:ext cx="1408333" cy="780586"/>
+          </a:xfrm>
+          <a:prstGeom prst="roundRect">
+            <a:avLst/>
+          </a:prstGeom>
+        </p:spPr>
+        <p:style>
+          <a:lnRef idx="2">
+            <a:schemeClr val="accent1">
+              <a:shade val="50000"/>
+            </a:schemeClr>
+          </a:lnRef>
+          <a:fillRef idx="1">
+            <a:schemeClr val="accent1"/>
+          </a:fillRef>
+          <a:effectRef idx="0">
+            <a:schemeClr val="accent1"/>
+          </a:effectRef>
+          <a:fontRef idx="minor">
+            <a:schemeClr val="lt1"/>
+          </a:fontRef>
+        </p:style>
+        <p:txBody>
+          <a:bodyPr rtlCol="0" anchor="ctr"/>
+          <a:lstStyle/>
+          <a:p>
+            <a:pPr algn="ctr"/>
+            <a:r>
+              <a:rPr lang="en-US" altLang="zh-CN" dirty="0" smtClean="0">
+                <a:solidFill>
+                  <a:sysClr val="windowText" lastClr="000000"/>
+                </a:solidFill>
+              </a:rPr>
+              <a:t>Vision</a:t>
+            </a:r>
+            <a:endParaRPr lang="en-US" dirty="0">
+              <a:solidFill>
+                <a:sysClr val="windowText" lastClr="000000"/>
+              </a:solidFill>
+            </a:endParaRPr>
+          </a:p>
+        </p:txBody>
+      </p:sp>
+      <p:sp>
+        <p:nvSpPr>
+          <p:cNvPr id="8" name="Rounded Rectangle 7"/>
+          <p:cNvSpPr/>
+          <p:nvPr/>
+        </p:nvSpPr>
+        <p:spPr>
+          <a:xfrm>
+            <a:off x="4438186" y="2542478"/>
+            <a:ext cx="3233854" cy="780586"/>
+          </a:xfrm>
+          <a:prstGeom prst="roundRect">
+            <a:avLst/>
+          </a:prstGeom>
+        </p:spPr>
+        <p:style>
+          <a:lnRef idx="2">
+            <a:schemeClr val="accent1">
+              <a:shade val="50000"/>
+            </a:schemeClr>
+          </a:lnRef>
+          <a:fillRef idx="1">
+            <a:schemeClr val="accent1"/>
+          </a:fillRef>
+          <a:effectRef idx="0">
+            <a:schemeClr val="accent1"/>
+          </a:effectRef>
+          <a:fontRef idx="minor">
+            <a:schemeClr val="lt1"/>
+          </a:fontRef>
+        </p:style>
+        <p:txBody>
+          <a:bodyPr rtlCol="0" anchor="ctr"/>
+          <a:lstStyle/>
+          <a:p>
+            <a:pPr algn="ctr"/>
+            <a:r>
+              <a:rPr lang="en-US" altLang="zh-CN" dirty="0" smtClean="0">
+                <a:solidFill>
+                  <a:sysClr val="windowText" lastClr="000000"/>
+                </a:solidFill>
+              </a:rPr>
               <a:t>Natural</a:t>
             </a:r>
-          </a:p>
-          <a:p>
-            <a:r>
-              <a:rPr lang="en-US" altLang="zh-CN" sz="3000" dirty="0" smtClean="0"/>
-              <a:t>Language </a:t>
-            </a:r>
-            <a:r>
-              <a:rPr lang="en-US" sz="3200" dirty="0" smtClean="0"/>
-              <a:t>Processing</a:t>
-            </a:r>
-            <a:endParaRPr lang="en-US" sz="3000" dirty="0"/>
-          </a:p>
-        </p:txBody>
-      </p:sp>
+            <a:r>
+              <a:rPr lang="zh-CN" altLang="en-US" dirty="0" smtClean="0">
+                <a:solidFill>
+                  <a:sysClr val="windowText" lastClr="000000"/>
+                </a:solidFill>
+              </a:rPr>
+              <a:t> </a:t>
+            </a:r>
+            <a:r>
+              <a:rPr lang="en-US" altLang="zh-CN" dirty="0" smtClean="0">
+                <a:solidFill>
+                  <a:sysClr val="windowText" lastClr="000000"/>
+                </a:solidFill>
+              </a:rPr>
+              <a:t>language processing</a:t>
+            </a:r>
+          </a:p>
+        </p:txBody>
+      </p:sp>
+      <p:sp>
+        <p:nvSpPr>
+          <p:cNvPr id="9" name="Rounded Rectangle 8"/>
+          <p:cNvSpPr/>
+          <p:nvPr/>
+        </p:nvSpPr>
+        <p:spPr>
+          <a:xfrm>
+            <a:off x="7872763" y="2542478"/>
+            <a:ext cx="1535589" cy="780586"/>
+          </a:xfrm>
+          <a:prstGeom prst="roundRect">
+            <a:avLst/>
+          </a:prstGeom>
+        </p:spPr>
+        <p:style>
+          <a:lnRef idx="2">
+            <a:schemeClr val="accent1">
+              <a:shade val="50000"/>
+            </a:schemeClr>
+          </a:lnRef>
+          <a:fillRef idx="1">
+            <a:schemeClr val="accent1"/>
+          </a:fillRef>
+          <a:effectRef idx="0">
+            <a:schemeClr val="accent1"/>
+          </a:effectRef>
+          <a:fontRef idx="minor">
+            <a:schemeClr val="lt1"/>
+          </a:fontRef>
+        </p:style>
+        <p:txBody>
+          <a:bodyPr rtlCol="0" anchor="ctr"/>
+          <a:lstStyle/>
+          <a:p>
+            <a:pPr algn="ctr"/>
+            <a:r>
+              <a:rPr lang="en-US" dirty="0" err="1" smtClean="0">
+                <a:solidFill>
+                  <a:sysClr val="windowText" lastClr="000000"/>
+                </a:solidFill>
+              </a:rPr>
+              <a:t>GameplayKit</a:t>
+            </a:r>
+            <a:endParaRPr lang="en-US" dirty="0" smtClean="0">
+              <a:solidFill>
+                <a:sysClr val="windowText" lastClr="000000"/>
+              </a:solidFill>
+            </a:endParaRPr>
+          </a:p>
+        </p:txBody>
+      </p:sp>
+      <p:sp>
+        <p:nvSpPr>
+          <p:cNvPr id="10" name="Rounded Rectangle 9"/>
+          <p:cNvSpPr/>
+          <p:nvPr/>
+        </p:nvSpPr>
+        <p:spPr>
+          <a:xfrm>
+            <a:off x="2829130" y="3590697"/>
+            <a:ext cx="6579220" cy="780586"/>
+          </a:xfrm>
+          <a:prstGeom prst="roundRect">
+            <a:avLst/>
+          </a:prstGeom>
+        </p:spPr>
+        <p:style>
+          <a:lnRef idx="2">
+            <a:schemeClr val="accent1">
+              <a:shade val="50000"/>
+            </a:schemeClr>
+          </a:lnRef>
+          <a:fillRef idx="1">
+            <a:schemeClr val="accent1"/>
+          </a:fillRef>
+          <a:effectRef idx="0">
+            <a:schemeClr val="accent1"/>
+          </a:effectRef>
+          <a:fontRef idx="minor">
+            <a:schemeClr val="lt1"/>
+          </a:fontRef>
+        </p:style>
+        <p:txBody>
+          <a:bodyPr rtlCol="0" anchor="ctr"/>
+          <a:lstStyle/>
+          <a:p>
+            <a:pPr algn="ctr"/>
+            <a:r>
+              <a:rPr lang="en-US" dirty="0" smtClean="0">
+                <a:solidFill>
+                  <a:sysClr val="windowText" lastClr="000000"/>
+                </a:solidFill>
+              </a:rPr>
+              <a:t>Core ML</a:t>
+            </a:r>
+            <a:endParaRPr lang="en-US" dirty="0">
+              <a:solidFill>
+                <a:sysClr val="windowText" lastClr="000000"/>
+              </a:solidFill>
+            </a:endParaRPr>
+          </a:p>
+        </p:txBody>
+      </p:sp>
+      <p:sp>
+        <p:nvSpPr>
+          <p:cNvPr id="11" name="Rounded Rectangle 10"/>
+          <p:cNvSpPr/>
+          <p:nvPr/>
+        </p:nvSpPr>
+        <p:spPr>
+          <a:xfrm>
+            <a:off x="2829130" y="4627772"/>
+            <a:ext cx="2810107" cy="780586"/>
+          </a:xfrm>
+          <a:prstGeom prst="roundRect">
+            <a:avLst/>
+          </a:prstGeom>
+        </p:spPr>
+        <p:style>
+          <a:lnRef idx="2">
+            <a:schemeClr val="accent1">
+              <a:shade val="50000"/>
+            </a:schemeClr>
+          </a:lnRef>
+          <a:fillRef idx="1">
+            <a:schemeClr val="accent1"/>
+          </a:fillRef>
+          <a:effectRef idx="0">
+            <a:schemeClr val="accent1"/>
+          </a:effectRef>
+          <a:fontRef idx="minor">
+            <a:schemeClr val="lt1"/>
+          </a:fontRef>
+        </p:style>
+        <p:txBody>
+          <a:bodyPr rtlCol="0" anchor="ctr"/>
+          <a:lstStyle/>
+          <a:p>
+            <a:pPr algn="ctr"/>
+            <a:r>
+              <a:rPr lang="en-US" dirty="0" smtClean="0">
+                <a:solidFill>
+                  <a:sysClr val="windowText" lastClr="000000"/>
+                </a:solidFill>
+              </a:rPr>
+              <a:t>Accelerate BNNS</a:t>
+            </a:r>
+            <a:endParaRPr lang="en-US" dirty="0">
+              <a:solidFill>
+                <a:sysClr val="windowText" lastClr="000000"/>
+              </a:solidFill>
+            </a:endParaRPr>
+          </a:p>
+        </p:txBody>
+      </p:sp>
+      <p:sp>
+        <p:nvSpPr>
+          <p:cNvPr id="12" name="Rounded Rectangle 11"/>
+          <p:cNvSpPr/>
+          <p:nvPr/>
+        </p:nvSpPr>
+        <p:spPr>
+          <a:xfrm>
+            <a:off x="5820937" y="4638916"/>
+            <a:ext cx="3587413" cy="780586"/>
+          </a:xfrm>
+          <a:prstGeom prst="roundRect">
+            <a:avLst/>
+          </a:prstGeom>
+        </p:spPr>
+        <p:style>
+          <a:lnRef idx="2">
+            <a:schemeClr val="accent1">
+              <a:shade val="50000"/>
+            </a:schemeClr>
+          </a:lnRef>
+          <a:fillRef idx="1">
+            <a:schemeClr val="accent1"/>
+          </a:fillRef>
+          <a:effectRef idx="0">
+            <a:schemeClr val="accent1"/>
+          </a:effectRef>
+          <a:fontRef idx="minor">
+            <a:schemeClr val="lt1"/>
+          </a:fontRef>
+        </p:style>
+        <p:txBody>
+          <a:bodyPr rtlCol="0" anchor="ctr"/>
+          <a:lstStyle/>
+          <a:p>
+            <a:pPr algn="ctr"/>
+            <a:r>
+              <a:rPr lang="en-US" dirty="0" smtClean="0">
+                <a:solidFill>
+                  <a:sysClr val="windowText" lastClr="000000"/>
+                </a:solidFill>
+              </a:rPr>
+              <a:t>Metal Performance </a:t>
+            </a:r>
+            <a:r>
+              <a:rPr lang="en-US" dirty="0" err="1" smtClean="0">
+                <a:solidFill>
+                  <a:sysClr val="windowText" lastClr="000000"/>
+                </a:solidFill>
+              </a:rPr>
+              <a:t>Shaders</a:t>
+            </a:r>
+            <a:endParaRPr lang="en-US" dirty="0">
+              <a:solidFill>
+                <a:sysClr val="windowText" lastClr="000000"/>
+              </a:solidFill>
+            </a:endParaRPr>
+          </a:p>
+        </p:txBody>
+      </p:sp>
+    </p:spTree>
+    <p:extLst>
+      <p:ext uri="{BB962C8B-B14F-4D97-AF65-F5344CB8AC3E}">
+        <p14:creationId xmlns:p14="http://schemas.microsoft.com/office/powerpoint/2010/main" val="528303943"/>
+      </p:ext>
+    </p:extLst>
+  </p:cSld>
+  <p:clrMapOvr>
+    <a:masterClrMapping/>
+  </p:clrMapOvr>
+  <p:timing>
+    <p:tnLst>
+      <p:par>
+        <p:cTn id="1" dur="indefinite" restart="never" nodeType="tmRoot"/>
+      </p:par>
+    </p:tnLst>
+  </p:timing>
+</p:sld>
+</file>
+
+<file path=ppt/slides/slide11.xml><?xml version="1.0" encoding="utf-8"?>
+<p:sld xmlns:a="http://schemas.openxmlformats.org/drawingml/2006/main" xmlns:r="http://schemas.openxmlformats.org/officeDocument/2006/relationships" xmlns:p="http://schemas.openxmlformats.org/presentationml/2006/main">
+  <p:cSld>
+    <p:spTree>
+      <p:nvGrpSpPr>
+        <p:cNvPr id="1" name=""/>
+        <p:cNvGrpSpPr/>
+        <p:nvPr/>
+      </p:nvGrpSpPr>
+      <p:grpSpPr>
+        <a:xfrm>
+          <a:off x="0" y="0"/>
+          <a:ext cx="0" cy="0"/>
+          <a:chOff x="0" y="0"/>
+          <a:chExt cx="0" cy="0"/>
+        </a:xfrm>
+      </p:grpSpPr>
       <p:sp>
         <p:nvSpPr>
           <p:cNvPr id="5" name="TextBox 4"/>
@@ -3477,7 +3909,7 @@
         </p:nvSpPr>
         <p:spPr>
           <a:xfrm>
-            <a:off x="1691640" y="1583948"/>
+            <a:off x="2249201" y="1182504"/>
             <a:ext cx="2857500" cy="4524315"/>
           </a:xfrm>
           <a:prstGeom prst="rect">
@@ -3601,7 +4033,7 @@
         </p:nvSpPr>
         <p:spPr>
           <a:xfrm>
-            <a:off x="7086600" y="1583948"/>
+            <a:off x="7108902" y="1182504"/>
             <a:ext cx="3291840" cy="2862322"/>
           </a:xfrm>
           <a:prstGeom prst="rect">
@@ -3679,6 +4111,52 @@
               <a:t>实体名称识别</a:t>
             </a:r>
             <a:endParaRPr lang="en-US" sz="3000" dirty="0"/>
+          </a:p>
+        </p:txBody>
+      </p:sp>
+      <p:sp>
+        <p:nvSpPr>
+          <p:cNvPr id="7" name="TextBox 6"/>
+          <p:cNvSpPr txBox="1"/>
+          <p:nvPr/>
+        </p:nvSpPr>
+        <p:spPr>
+          <a:xfrm>
+            <a:off x="540000" y="540000"/>
+            <a:ext cx="1723549" cy="553998"/>
+          </a:xfrm>
+          <a:prstGeom prst="rect">
+            <a:avLst/>
+          </a:prstGeom>
+          <a:noFill/>
+        </p:spPr>
+        <p:txBody>
+          <a:bodyPr wrap="none" rtlCol="0">
+            <a:spAutoFit/>
+          </a:bodyPr>
+          <a:lstStyle/>
+          <a:p>
+            <a:r>
+              <a:rPr lang="en-US" altLang="zh-CN" sz="3000" b="1" dirty="0" smtClean="0">
+                <a:latin typeface="Helvetica Bold" charset="0"/>
+              </a:rPr>
+              <a:t>Core</a:t>
+            </a:r>
+            <a:r>
+              <a:rPr lang="zh-CN" altLang="en-US" sz="3000" b="1" dirty="0" smtClean="0">
+                <a:latin typeface="Helvetica Bold" charset="0"/>
+              </a:rPr>
+              <a:t> </a:t>
+            </a:r>
+            <a:r>
+              <a:rPr lang="en-US" altLang="zh-CN" sz="3000" b="1" dirty="0" smtClean="0">
+                <a:latin typeface="Helvetica Bold" charset="0"/>
+              </a:rPr>
+              <a:t>ML</a:t>
+            </a:r>
+            <a:endParaRPr lang="en-US" sz="3000" b="1" dirty="0">
+              <a:latin typeface="Helvetica Bold" charset="0"/>
+            </a:endParaRPr>
           </a:p>
         </p:txBody>
       </p:sp>
@@ -3702,7 +4180,7 @@
 </p:sld>
 </file>
 
-<file path=ppt/slides/slide11.xml><?xml version="1.0" encoding="utf-8"?>
+<file path=ppt/slides/slide12.xml><?xml version="1.0" encoding="utf-8"?>
 <p:sld xmlns:a="http://schemas.openxmlformats.org/drawingml/2006/main" xmlns:r="http://schemas.openxmlformats.org/officeDocument/2006/relationships" xmlns:p="http://schemas.openxmlformats.org/presentationml/2006/main">
   <p:cSld>
     <p:spTree>
@@ -5838,14 +6316,258 @@
       </p:grpSpPr>
       <p:sp>
         <p:nvSpPr>
-          <p:cNvPr id="5" name="TextBox 4"/>
+          <p:cNvPr id="5" name="Rectangle 4"/>
+          <p:cNvSpPr/>
+          <p:nvPr/>
+        </p:nvSpPr>
+        <p:spPr>
+          <a:xfrm>
+            <a:off x="6075943" y="562380"/>
+            <a:ext cx="1748992" cy="553998"/>
+          </a:xfrm>
+          <a:prstGeom prst="rect">
+            <a:avLst/>
+          </a:prstGeom>
+        </p:spPr>
+        <p:txBody>
+          <a:bodyPr wrap="square">
+            <a:spAutoFit/>
+          </a:bodyPr>
+          <a:lstStyle/>
+          <a:p>
+            <a:r>
+              <a:rPr lang="zh-CN" altLang="en-US" sz="3000" b="1" dirty="0" smtClean="0">
+                <a:solidFill>
+                  <a:srgbClr val="DCDCCD"/>
+                </a:solidFill>
+                <a:effectLst/>
+                <a:latin typeface="Menlo Bold" charset="0"/>
+              </a:rPr>
+              <a:t>手写识别</a:t>
+            </a:r>
+            <a:endParaRPr lang="en-US" sz="3000" b="1" dirty="0">
+              <a:solidFill>
+                <a:srgbClr val="DCDCCD"/>
+              </a:solidFill>
+              <a:effectLst/>
+              <a:latin typeface="Menlo Bold" charset="0"/>
+            </a:endParaRPr>
+          </a:p>
+        </p:txBody>
+      </p:sp>
+      <p:sp>
+        <p:nvSpPr>
+          <p:cNvPr id="6" name="Rectangle 5"/>
+          <p:cNvSpPr/>
+          <p:nvPr/>
+        </p:nvSpPr>
+        <p:spPr>
+          <a:xfrm>
+            <a:off x="7448234" y="2140303"/>
+            <a:ext cx="1723549" cy="553998"/>
+          </a:xfrm>
+          <a:prstGeom prst="rect">
+            <a:avLst/>
+          </a:prstGeom>
+        </p:spPr>
+        <p:txBody>
+          <a:bodyPr wrap="none">
+            <a:spAutoFit/>
+          </a:bodyPr>
+          <a:lstStyle/>
+          <a:p>
+            <a:r>
+              <a:rPr lang="zh-CN" altLang="en-US" sz="3000" b="1" dirty="0" smtClean="0">
+                <a:solidFill>
+                  <a:srgbClr val="DCDCCD"/>
+                </a:solidFill>
+                <a:latin typeface="Menlo Bold" charset="0"/>
+              </a:rPr>
+              <a:t>风格转变</a:t>
+            </a:r>
+            <a:endParaRPr lang="en-US" sz="3000" b="1" dirty="0">
+              <a:solidFill>
+                <a:srgbClr val="DCDCCD"/>
+              </a:solidFill>
+              <a:effectLst/>
+              <a:latin typeface="Menlo Bold" charset="0"/>
+            </a:endParaRPr>
+          </a:p>
+        </p:txBody>
+      </p:sp>
+      <p:sp>
+        <p:nvSpPr>
+          <p:cNvPr id="7" name="Rectangle 6"/>
+          <p:cNvSpPr/>
+          <p:nvPr/>
+        </p:nvSpPr>
+        <p:spPr>
+          <a:xfrm>
+            <a:off x="6430139" y="5166595"/>
+            <a:ext cx="1723549" cy="553998"/>
+          </a:xfrm>
+          <a:prstGeom prst="rect">
+            <a:avLst/>
+          </a:prstGeom>
+        </p:spPr>
+        <p:txBody>
+          <a:bodyPr wrap="none">
+            <a:spAutoFit/>
+          </a:bodyPr>
+          <a:lstStyle/>
+          <a:p>
+            <a:r>
+              <a:rPr lang="zh-CN" altLang="en-US" sz="3000" b="1" dirty="0" smtClean="0">
+                <a:solidFill>
+                  <a:srgbClr val="DCDCCD"/>
+                </a:solidFill>
+                <a:effectLst/>
+                <a:latin typeface="Menlo Bold" charset="0"/>
+              </a:rPr>
+              <a:t>词语预测</a:t>
+            </a:r>
+            <a:endParaRPr lang="en-US" sz="3000" b="1" dirty="0">
+              <a:solidFill>
+                <a:srgbClr val="DCDCCD"/>
+              </a:solidFill>
+              <a:effectLst/>
+              <a:latin typeface="Menlo Bold" charset="0"/>
+            </a:endParaRPr>
+          </a:p>
+        </p:txBody>
+      </p:sp>
+      <p:sp>
+        <p:nvSpPr>
+          <p:cNvPr id="8" name="Rectangle 7"/>
+          <p:cNvSpPr/>
+          <p:nvPr/>
+        </p:nvSpPr>
+        <p:spPr>
+          <a:xfrm>
+            <a:off x="2056663" y="2601759"/>
+            <a:ext cx="954107" cy="553998"/>
+          </a:xfrm>
+          <a:prstGeom prst="rect">
+            <a:avLst/>
+          </a:prstGeom>
+        </p:spPr>
+        <p:txBody>
+          <a:bodyPr wrap="none">
+            <a:spAutoFit/>
+          </a:bodyPr>
+          <a:lstStyle/>
+          <a:p>
+            <a:r>
+              <a:rPr lang="zh-CN" altLang="en-US" sz="3000" b="1" dirty="0" smtClean="0">
+                <a:solidFill>
+                  <a:srgbClr val="DCDCCD"/>
+                </a:solidFill>
+                <a:effectLst/>
+                <a:latin typeface="Menlo Bold" charset="0"/>
+              </a:rPr>
+              <a:t>翻译</a:t>
+            </a:r>
+            <a:endParaRPr lang="en-US" sz="3000" b="1" dirty="0">
+              <a:solidFill>
+                <a:srgbClr val="DCDCCD"/>
+              </a:solidFill>
+              <a:effectLst/>
+              <a:latin typeface="Menlo Bold" charset="0"/>
+            </a:endParaRPr>
+          </a:p>
+        </p:txBody>
+      </p:sp>
+      <p:sp>
+        <p:nvSpPr>
+          <p:cNvPr id="9" name="Rectangle 8"/>
+          <p:cNvSpPr/>
+          <p:nvPr/>
+        </p:nvSpPr>
+        <p:spPr>
+          <a:xfrm>
+            <a:off x="2430020" y="4656945"/>
+            <a:ext cx="1723549" cy="553998"/>
+          </a:xfrm>
+          <a:prstGeom prst="rect">
+            <a:avLst/>
+          </a:prstGeom>
+        </p:spPr>
+        <p:txBody>
+          <a:bodyPr wrap="none">
+            <a:spAutoFit/>
+          </a:bodyPr>
+          <a:lstStyle/>
+          <a:p>
+            <a:r>
+              <a:rPr lang="zh-CN" altLang="en-US" sz="3000" b="1" dirty="0" smtClean="0">
+                <a:solidFill>
+                  <a:srgbClr val="DCDCCD"/>
+                </a:solidFill>
+                <a:latin typeface="Menlo Bold" charset="0"/>
+              </a:rPr>
+              <a:t>场景分类</a:t>
+            </a:r>
+            <a:endParaRPr lang="en-US" sz="3000" b="1" dirty="0">
+              <a:solidFill>
+                <a:srgbClr val="DCDCCD"/>
+              </a:solidFill>
+              <a:effectLst/>
+              <a:latin typeface="Menlo Bold" charset="0"/>
+            </a:endParaRPr>
+          </a:p>
+        </p:txBody>
+      </p:sp>
+      <p:sp>
+        <p:nvSpPr>
+          <p:cNvPr id="10" name="Rectangle 9"/>
+          <p:cNvSpPr/>
+          <p:nvPr/>
+        </p:nvSpPr>
+        <p:spPr>
+          <a:xfrm>
+            <a:off x="2394478" y="602166"/>
+            <a:ext cx="1723549" cy="553998"/>
+          </a:xfrm>
+          <a:prstGeom prst="rect">
+            <a:avLst/>
+          </a:prstGeom>
+        </p:spPr>
+        <p:txBody>
+          <a:bodyPr wrap="none">
+            <a:spAutoFit/>
+          </a:bodyPr>
+          <a:lstStyle/>
+          <a:p>
+            <a:r>
+              <a:rPr lang="zh-CN" altLang="en-US" sz="3000" b="1" dirty="0" smtClean="0">
+                <a:solidFill>
+                  <a:srgbClr val="DCDCCD"/>
+                </a:solidFill>
+                <a:effectLst/>
+                <a:latin typeface="Menlo Bold" charset="0"/>
+              </a:rPr>
+              <a:t>情绪分析</a:t>
+            </a:r>
+            <a:endParaRPr lang="en-US" sz="3000" b="1" dirty="0">
+              <a:solidFill>
+                <a:srgbClr val="DCDCCD"/>
+              </a:solidFill>
+              <a:effectLst/>
+              <a:latin typeface="Menlo Bold" charset="0"/>
+            </a:endParaRPr>
+          </a:p>
+        </p:txBody>
+      </p:sp>
+      <p:sp>
+        <p:nvSpPr>
+          <p:cNvPr id="11" name="TextBox 10"/>
           <p:cNvSpPr txBox="1"/>
           <p:nvPr/>
         </p:nvSpPr>
         <p:spPr>
           <a:xfrm>
-            <a:off x="540000" y="540000"/>
-            <a:ext cx="1723549" cy="553998"/>
+            <a:off x="1597754" y="1546331"/>
+            <a:ext cx="1842171" cy="369332"/>
           </a:xfrm>
           <a:prstGeom prst="rect">
             <a:avLst/>
@@ -5859,441 +6581,555 @@
           <a:lstStyle/>
           <a:p>
             <a:r>
-              <a:rPr lang="en-US" altLang="zh-CN" sz="3000" b="1" dirty="0" smtClean="0">
-                <a:latin typeface="Helvetica Bold" charset="0"/>
-              </a:rPr>
-              <a:t>Core</a:t>
-            </a:r>
-            <a:r>
-              <a:rPr lang="zh-CN" altLang="en-US" sz="3000" b="1" dirty="0" smtClean="0">
-                <a:latin typeface="Helvetica Bold" charset="0"/>
-              </a:rPr>
-              <a:t> </a:t>
-            </a:r>
-            <a:r>
-              <a:rPr lang="en-US" altLang="zh-CN" sz="3000" b="1" dirty="0" smtClean="0">
-                <a:latin typeface="Helvetica Bold" charset="0"/>
-              </a:rPr>
-              <a:t>ML</a:t>
-            </a:r>
-            <a:endParaRPr lang="en-US" sz="3000" b="1" dirty="0">
-              <a:latin typeface="Helvetica Bold" charset="0"/>
-            </a:endParaRPr>
-          </a:p>
-        </p:txBody>
-      </p:sp>
-      <p:sp>
-        <p:nvSpPr>
-          <p:cNvPr id="6" name="Rounded Rectangle 5"/>
-          <p:cNvSpPr/>
-          <p:nvPr/>
-        </p:nvSpPr>
-        <p:spPr>
-          <a:xfrm>
-            <a:off x="2829130" y="1449657"/>
-            <a:ext cx="6579220" cy="869795"/>
-          </a:xfrm>
-          <a:prstGeom prst="roundRect">
-            <a:avLst/>
-          </a:prstGeom>
-          <a:solidFill>
-            <a:schemeClr val="accent4">
-              <a:lumMod val="60000"/>
-              <a:lumOff val="40000"/>
-            </a:schemeClr>
-          </a:solidFill>
-          <a:ln>
-            <a:noFill/>
+              <a:rPr lang="zh-CN" altLang="en-US" dirty="0" smtClean="0"/>
+              <a:t>今天是个好日子</a:t>
+            </a:r>
+            <a:endParaRPr lang="en-US" dirty="0"/>
+          </a:p>
+        </p:txBody>
+      </p:sp>
+      <p:sp>
+        <p:nvSpPr>
+          <p:cNvPr id="12" name="TextBox 11"/>
+          <p:cNvSpPr txBox="1"/>
+          <p:nvPr/>
+        </p:nvSpPr>
+        <p:spPr>
+          <a:xfrm>
+            <a:off x="4275843" y="1546331"/>
+            <a:ext cx="394612" cy="369332"/>
+          </a:xfrm>
+          <a:prstGeom prst="rect">
+            <a:avLst/>
+          </a:prstGeom>
+          <a:noFill/>
+        </p:spPr>
+        <p:txBody>
+          <a:bodyPr wrap="square" rtlCol="0">
+            <a:spAutoFit/>
+          </a:bodyPr>
+          <a:lstStyle/>
+          <a:p>
+            <a:r>
+              <a:rPr lang="zh-CN" altLang="en-US" smtClean="0"/>
+              <a:t>😀</a:t>
+            </a:r>
+            <a:endParaRPr lang="en-US" altLang="zh-CN" dirty="0" smtClean="0"/>
+          </a:p>
+        </p:txBody>
+      </p:sp>
+      <p:cxnSp>
+        <p:nvCxnSpPr>
+          <p:cNvPr id="14" name="Straight Arrow Connector 13"/>
+          <p:cNvCxnSpPr/>
+          <p:nvPr/>
+        </p:nvCxnSpPr>
+        <p:spPr>
+          <a:xfrm>
+            <a:off x="3474277" y="1730997"/>
+            <a:ext cx="767214" cy="0"/>
+          </a:xfrm>
+          <a:prstGeom prst="straightConnector1">
+            <a:avLst/>
+          </a:prstGeom>
+          <a:ln w="38100">
+            <a:solidFill>
+              <a:schemeClr val="tx1"/>
+            </a:solidFill>
+            <a:tailEnd type="triangle"/>
           </a:ln>
         </p:spPr>
         <p:style>
-          <a:lnRef idx="2">
-            <a:schemeClr val="accent1">
-              <a:shade val="50000"/>
-            </a:schemeClr>
+          <a:lnRef idx="1">
+            <a:schemeClr val="accent1"/>
           </a:lnRef>
-          <a:fillRef idx="1">
+          <a:fillRef idx="0">
             <a:schemeClr val="accent1"/>
           </a:fillRef>
           <a:effectRef idx="0">
             <a:schemeClr val="accent1"/>
           </a:effectRef>
           <a:fontRef idx="minor">
-            <a:schemeClr val="lt1"/>
+            <a:schemeClr val="tx1"/>
           </a:fontRef>
         </p:style>
-        <p:txBody>
-          <a:bodyPr rtlCol="0" anchor="ctr"/>
-          <a:lstStyle/>
-          <a:p>
-            <a:pPr algn="ctr"/>
-            <a:r>
-              <a:rPr lang="en-US" altLang="zh-CN" dirty="0" smtClean="0">
-                <a:solidFill>
-                  <a:sysClr val="windowText" lastClr="000000"/>
-                </a:solidFill>
-              </a:rPr>
-              <a:t>Your</a:t>
-            </a:r>
-            <a:r>
-              <a:rPr lang="zh-CN" altLang="en-US" dirty="0" smtClean="0">
-                <a:solidFill>
-                  <a:sysClr val="windowText" lastClr="000000"/>
-                </a:solidFill>
-              </a:rPr>
-              <a:t> </a:t>
-            </a:r>
-            <a:r>
-              <a:rPr lang="en-US" altLang="zh-CN" dirty="0" smtClean="0">
-                <a:solidFill>
-                  <a:sysClr val="windowText" lastClr="000000"/>
-                </a:solidFill>
-              </a:rPr>
-              <a:t>APP</a:t>
-            </a:r>
-            <a:endParaRPr lang="en-US" dirty="0">
-              <a:solidFill>
-                <a:sysClr val="windowText" lastClr="000000"/>
-              </a:solidFill>
-            </a:endParaRPr>
-          </a:p>
-        </p:txBody>
-      </p:sp>
-      <p:sp>
-        <p:nvSpPr>
-          <p:cNvPr id="7" name="Rounded Rectangle 6"/>
-          <p:cNvSpPr/>
-          <p:nvPr/>
-        </p:nvSpPr>
-        <p:spPr>
-          <a:xfrm>
-            <a:off x="2829130" y="2542478"/>
-            <a:ext cx="1408333" cy="780586"/>
-          </a:xfrm>
-          <a:prstGeom prst="roundRect">
-            <a:avLst/>
-          </a:prstGeom>
+      </p:cxnSp>
+      <p:pic>
+        <p:nvPicPr>
+          <p:cNvPr id="15" name="Picture 14"/>
+          <p:cNvPicPr>
+            <a:picLocks noChangeAspect="1"/>
+          </p:cNvPicPr>
+          <p:nvPr/>
+        </p:nvPicPr>
+        <p:blipFill>
+          <a:blip r:embed="rId2"/>
+          <a:stretch>
+            <a:fillRect/>
+          </a:stretch>
+        </p:blipFill>
+        <p:spPr>
+          <a:xfrm>
+            <a:off x="5890608" y="1274550"/>
+            <a:ext cx="723900" cy="635000"/>
+          </a:xfrm>
+          <a:prstGeom prst="rect">
+            <a:avLst/>
+          </a:prstGeom>
+        </p:spPr>
+      </p:pic>
+      <p:cxnSp>
+        <p:nvCxnSpPr>
+          <p:cNvPr id="16" name="Straight Arrow Connector 15"/>
+          <p:cNvCxnSpPr/>
+          <p:nvPr/>
+        </p:nvCxnSpPr>
+        <p:spPr>
+          <a:xfrm>
+            <a:off x="6672828" y="1592050"/>
+            <a:ext cx="767214" cy="0"/>
+          </a:xfrm>
+          <a:prstGeom prst="straightConnector1">
+            <a:avLst/>
+          </a:prstGeom>
+          <a:ln w="38100">
+            <a:solidFill>
+              <a:schemeClr val="tx1"/>
+            </a:solidFill>
+            <a:tailEnd type="triangle"/>
+          </a:ln>
         </p:spPr>
         <p:style>
-          <a:lnRef idx="2">
-            <a:schemeClr val="accent1">
-              <a:shade val="50000"/>
-            </a:schemeClr>
+          <a:lnRef idx="1">
+            <a:schemeClr val="accent1"/>
           </a:lnRef>
-          <a:fillRef idx="1">
+          <a:fillRef idx="0">
             <a:schemeClr val="accent1"/>
           </a:fillRef>
           <a:effectRef idx="0">
             <a:schemeClr val="accent1"/>
           </a:effectRef>
           <a:fontRef idx="minor">
-            <a:schemeClr val="lt1"/>
+            <a:schemeClr val="tx1"/>
           </a:fontRef>
         </p:style>
-        <p:txBody>
-          <a:bodyPr rtlCol="0" anchor="ctr"/>
-          <a:lstStyle/>
-          <a:p>
-            <a:pPr algn="ctr"/>
-            <a:r>
-              <a:rPr lang="en-US" altLang="zh-CN" dirty="0" smtClean="0">
-                <a:solidFill>
-                  <a:sysClr val="windowText" lastClr="000000"/>
-                </a:solidFill>
-              </a:rPr>
-              <a:t>Vision</a:t>
-            </a:r>
-            <a:endParaRPr lang="en-US" dirty="0">
-              <a:solidFill>
-                <a:sysClr val="windowText" lastClr="000000"/>
-              </a:solidFill>
-            </a:endParaRPr>
-          </a:p>
-        </p:txBody>
-      </p:sp>
-      <p:sp>
-        <p:nvSpPr>
-          <p:cNvPr id="8" name="Rounded Rectangle 7"/>
-          <p:cNvSpPr/>
-          <p:nvPr/>
-        </p:nvSpPr>
-        <p:spPr>
-          <a:xfrm>
-            <a:off x="4438186" y="2542478"/>
-            <a:ext cx="3233854" cy="780586"/>
-          </a:xfrm>
-          <a:prstGeom prst="roundRect">
-            <a:avLst/>
-          </a:prstGeom>
+      </p:cxnSp>
+      <p:sp>
+        <p:nvSpPr>
+          <p:cNvPr id="17" name="TextBox 16"/>
+          <p:cNvSpPr txBox="1"/>
+          <p:nvPr/>
+        </p:nvSpPr>
+        <p:spPr>
+          <a:xfrm>
+            <a:off x="7558256" y="1274550"/>
+            <a:ext cx="412292" cy="630942"/>
+          </a:xfrm>
+          <a:prstGeom prst="rect">
+            <a:avLst/>
+          </a:prstGeom>
+          <a:noFill/>
+        </p:spPr>
+        <p:txBody>
+          <a:bodyPr wrap="none" rtlCol="0">
+            <a:spAutoFit/>
+          </a:bodyPr>
+          <a:lstStyle/>
+          <a:p>
+            <a:r>
+              <a:rPr lang="en-US" altLang="zh-CN" sz="3500" dirty="0" smtClean="0"/>
+              <a:t>7</a:t>
+            </a:r>
+            <a:endParaRPr lang="en-US" sz="3500" dirty="0"/>
+          </a:p>
+        </p:txBody>
+      </p:sp>
+      <p:pic>
+        <p:nvPicPr>
+          <p:cNvPr id="18" name="Picture 17"/>
+          <p:cNvPicPr>
+            <a:picLocks noChangeAspect="1"/>
+          </p:cNvPicPr>
+          <p:nvPr/>
+        </p:nvPicPr>
+        <p:blipFill>
+          <a:blip r:embed="rId3"/>
+          <a:stretch>
+            <a:fillRect/>
+          </a:stretch>
+        </p:blipFill>
+        <p:spPr>
+          <a:xfrm>
+            <a:off x="6541232" y="2904511"/>
+            <a:ext cx="1283703" cy="1681040"/>
+          </a:xfrm>
+          <a:prstGeom prst="rect">
+            <a:avLst/>
+          </a:prstGeom>
+        </p:spPr>
+      </p:pic>
+      <p:cxnSp>
+        <p:nvCxnSpPr>
+          <p:cNvPr id="19" name="Straight Arrow Connector 18"/>
+          <p:cNvCxnSpPr/>
+          <p:nvPr/>
+        </p:nvCxnSpPr>
+        <p:spPr>
+          <a:xfrm>
+            <a:off x="7926402" y="3743071"/>
+            <a:ext cx="767214" cy="0"/>
+          </a:xfrm>
+          <a:prstGeom prst="straightConnector1">
+            <a:avLst/>
+          </a:prstGeom>
+          <a:ln w="38100">
+            <a:solidFill>
+              <a:schemeClr val="tx1"/>
+            </a:solidFill>
+            <a:tailEnd type="triangle"/>
+          </a:ln>
         </p:spPr>
         <p:style>
-          <a:lnRef idx="2">
-            <a:schemeClr val="accent1">
-              <a:shade val="50000"/>
-            </a:schemeClr>
+          <a:lnRef idx="1">
+            <a:schemeClr val="accent1"/>
           </a:lnRef>
-          <a:fillRef idx="1">
+          <a:fillRef idx="0">
             <a:schemeClr val="accent1"/>
           </a:fillRef>
           <a:effectRef idx="0">
             <a:schemeClr val="accent1"/>
           </a:effectRef>
           <a:fontRef idx="minor">
-            <a:schemeClr val="lt1"/>
+            <a:schemeClr val="tx1"/>
           </a:fontRef>
         </p:style>
-        <p:txBody>
-          <a:bodyPr rtlCol="0" anchor="ctr"/>
-          <a:lstStyle/>
-          <a:p>
-            <a:pPr algn="ctr"/>
-            <a:r>
-              <a:rPr lang="en-US" altLang="zh-CN" dirty="0" smtClean="0">
-                <a:solidFill>
-                  <a:sysClr val="windowText" lastClr="000000"/>
-                </a:solidFill>
-              </a:rPr>
-              <a:t>Natural</a:t>
-            </a:r>
-            <a:r>
-              <a:rPr lang="zh-CN" altLang="en-US" dirty="0" smtClean="0">
-                <a:solidFill>
-                  <a:sysClr val="windowText" lastClr="000000"/>
-                </a:solidFill>
-              </a:rPr>
+      </p:cxnSp>
+      <p:pic>
+        <p:nvPicPr>
+          <p:cNvPr id="20" name="Picture 19"/>
+          <p:cNvPicPr>
+            <a:picLocks noChangeAspect="1"/>
+          </p:cNvPicPr>
+          <p:nvPr/>
+        </p:nvPicPr>
+        <p:blipFill>
+          <a:blip r:embed="rId4"/>
+          <a:stretch>
+            <a:fillRect/>
+          </a:stretch>
+        </p:blipFill>
+        <p:spPr>
+          <a:xfrm>
+            <a:off x="8795083" y="2904511"/>
+            <a:ext cx="1230216" cy="1681040"/>
+          </a:xfrm>
+          <a:prstGeom prst="rect">
+            <a:avLst/>
+          </a:prstGeom>
+        </p:spPr>
+      </p:pic>
+      <p:sp>
+        <p:nvSpPr>
+          <p:cNvPr id="21" name="TextBox 20"/>
+          <p:cNvSpPr txBox="1"/>
+          <p:nvPr/>
+        </p:nvSpPr>
+        <p:spPr>
+          <a:xfrm>
+            <a:off x="336272" y="3395331"/>
+            <a:ext cx="2009204" cy="369332"/>
+          </a:xfrm>
+          <a:prstGeom prst="rect">
+            <a:avLst/>
+          </a:prstGeom>
+          <a:noFill/>
+        </p:spPr>
+        <p:txBody>
+          <a:bodyPr wrap="none" rtlCol="0">
+            <a:spAutoFit/>
+          </a:bodyPr>
+          <a:lstStyle/>
+          <a:p>
+            <a:r>
+              <a:rPr lang="en-US" altLang="zh-CN" dirty="0" smtClean="0"/>
+              <a:t>What’s</a:t>
+            </a:r>
+            <a:r>
+              <a:rPr lang="zh-CN" altLang="en-US" dirty="0" smtClean="0"/>
               <a:t> </a:t>
             </a:r>
             <a:r>
-              <a:rPr lang="en-US" altLang="zh-CN" dirty="0" smtClean="0">
-                <a:solidFill>
-                  <a:sysClr val="windowText" lastClr="000000"/>
-                </a:solidFill>
-              </a:rPr>
-              <a:t>language processing</a:t>
-            </a:r>
-          </a:p>
-        </p:txBody>
-      </p:sp>
-      <p:sp>
-        <p:nvSpPr>
-          <p:cNvPr id="9" name="Rounded Rectangle 8"/>
-          <p:cNvSpPr/>
-          <p:nvPr/>
-        </p:nvSpPr>
-        <p:spPr>
-          <a:xfrm>
-            <a:off x="7872763" y="2542478"/>
-            <a:ext cx="1535589" cy="780586"/>
-          </a:xfrm>
-          <a:prstGeom prst="roundRect">
-            <a:avLst/>
-          </a:prstGeom>
+              <a:rPr lang="en-US" altLang="zh-CN" dirty="0" smtClean="0"/>
+              <a:t>your</a:t>
+            </a:r>
+            <a:r>
+              <a:rPr lang="zh-CN" altLang="en-US" dirty="0" smtClean="0"/>
+              <a:t> </a:t>
+            </a:r>
+            <a:r>
+              <a:rPr lang="en-US" altLang="zh-CN" dirty="0" smtClean="0"/>
+              <a:t>name?</a:t>
+            </a:r>
+            <a:endParaRPr lang="en-US" dirty="0"/>
+          </a:p>
+        </p:txBody>
+      </p:sp>
+      <p:cxnSp>
+        <p:nvCxnSpPr>
+          <p:cNvPr id="22" name="Straight Arrow Connector 21"/>
+          <p:cNvCxnSpPr/>
+          <p:nvPr/>
+        </p:nvCxnSpPr>
+        <p:spPr>
+          <a:xfrm>
+            <a:off x="2358923" y="3606891"/>
+            <a:ext cx="767214" cy="0"/>
+          </a:xfrm>
+          <a:prstGeom prst="straightConnector1">
+            <a:avLst/>
+          </a:prstGeom>
+          <a:ln w="38100">
+            <a:solidFill>
+              <a:schemeClr val="tx1"/>
+            </a:solidFill>
+            <a:tailEnd type="triangle"/>
+          </a:ln>
         </p:spPr>
         <p:style>
-          <a:lnRef idx="2">
-            <a:schemeClr val="accent1">
-              <a:shade val="50000"/>
-            </a:schemeClr>
+          <a:lnRef idx="1">
+            <a:schemeClr val="accent1"/>
           </a:lnRef>
-          <a:fillRef idx="1">
+          <a:fillRef idx="0">
             <a:schemeClr val="accent1"/>
           </a:fillRef>
           <a:effectRef idx="0">
             <a:schemeClr val="accent1"/>
           </a:effectRef>
           <a:fontRef idx="minor">
-            <a:schemeClr val="lt1"/>
+            <a:schemeClr val="tx1"/>
           </a:fontRef>
         </p:style>
-        <p:txBody>
-          <a:bodyPr rtlCol="0" anchor="ctr"/>
-          <a:lstStyle/>
-          <a:p>
-            <a:pPr algn="ctr"/>
-            <a:r>
-              <a:rPr lang="en-US" dirty="0" err="1" smtClean="0">
-                <a:solidFill>
-                  <a:sysClr val="windowText" lastClr="000000"/>
-                </a:solidFill>
-              </a:rPr>
-              <a:t>GameplayKit</a:t>
-            </a:r>
-            <a:endParaRPr lang="en-US" dirty="0" smtClean="0">
-              <a:solidFill>
-                <a:sysClr val="windowText" lastClr="000000"/>
-              </a:solidFill>
-            </a:endParaRPr>
-          </a:p>
-        </p:txBody>
-      </p:sp>
-      <p:sp>
-        <p:nvSpPr>
-          <p:cNvPr id="10" name="Rounded Rectangle 9"/>
-          <p:cNvSpPr/>
-          <p:nvPr/>
-        </p:nvSpPr>
-        <p:spPr>
-          <a:xfrm>
-            <a:off x="2829130" y="3590697"/>
-            <a:ext cx="6579220" cy="780586"/>
-          </a:xfrm>
-          <a:prstGeom prst="roundRect">
-            <a:avLst/>
-          </a:prstGeom>
+      </p:cxnSp>
+      <p:sp>
+        <p:nvSpPr>
+          <p:cNvPr id="23" name="TextBox 22"/>
+          <p:cNvSpPr txBox="1"/>
+          <p:nvPr/>
+        </p:nvSpPr>
+        <p:spPr>
+          <a:xfrm>
+            <a:off x="3182613" y="3395331"/>
+            <a:ext cx="1107996" cy="369332"/>
+          </a:xfrm>
+          <a:prstGeom prst="rect">
+            <a:avLst/>
+          </a:prstGeom>
+          <a:noFill/>
+        </p:spPr>
+        <p:txBody>
+          <a:bodyPr wrap="none" rtlCol="0">
+            <a:spAutoFit/>
+          </a:bodyPr>
+          <a:lstStyle/>
+          <a:p>
+            <a:r>
+              <a:rPr lang="zh-CN" altLang="en-US" dirty="0" smtClean="0"/>
+              <a:t>你叫啥？</a:t>
+            </a:r>
+            <a:endParaRPr lang="en-US" dirty="0"/>
+          </a:p>
+        </p:txBody>
+      </p:sp>
+      <p:sp>
+        <p:nvSpPr>
+          <p:cNvPr id="24" name="TextBox 23"/>
+          <p:cNvSpPr txBox="1"/>
+          <p:nvPr/>
+        </p:nvSpPr>
+        <p:spPr>
+          <a:xfrm>
+            <a:off x="5969588" y="5950013"/>
+            <a:ext cx="1800493" cy="369332"/>
+          </a:xfrm>
+          <a:prstGeom prst="rect">
+            <a:avLst/>
+          </a:prstGeom>
+          <a:noFill/>
+        </p:spPr>
+        <p:txBody>
+          <a:bodyPr wrap="none" rtlCol="0">
+            <a:spAutoFit/>
+          </a:bodyPr>
+          <a:lstStyle/>
+          <a:p>
+            <a:r>
+              <a:rPr lang="zh-CN" altLang="en-US" smtClean="0"/>
+              <a:t>我今天晚上想吃</a:t>
+            </a:r>
+            <a:endParaRPr lang="en-US" dirty="0"/>
+          </a:p>
+        </p:txBody>
+      </p:sp>
+      <p:cxnSp>
+        <p:nvCxnSpPr>
+          <p:cNvPr id="25" name="Straight Arrow Connector 24"/>
+          <p:cNvCxnSpPr/>
+          <p:nvPr/>
+        </p:nvCxnSpPr>
+        <p:spPr>
+          <a:xfrm>
+            <a:off x="7770081" y="6154241"/>
+            <a:ext cx="767214" cy="0"/>
+          </a:xfrm>
+          <a:prstGeom prst="straightConnector1">
+            <a:avLst/>
+          </a:prstGeom>
+          <a:ln w="38100">
+            <a:solidFill>
+              <a:schemeClr val="tx1"/>
+            </a:solidFill>
+            <a:tailEnd type="triangle"/>
+          </a:ln>
         </p:spPr>
         <p:style>
-          <a:lnRef idx="2">
-            <a:schemeClr val="accent1">
-              <a:shade val="50000"/>
-            </a:schemeClr>
+          <a:lnRef idx="1">
+            <a:schemeClr val="accent1"/>
           </a:lnRef>
-          <a:fillRef idx="1">
+          <a:fillRef idx="0">
             <a:schemeClr val="accent1"/>
           </a:fillRef>
           <a:effectRef idx="0">
             <a:schemeClr val="accent1"/>
           </a:effectRef>
           <a:fontRef idx="minor">
-            <a:schemeClr val="lt1"/>
+            <a:schemeClr val="tx1"/>
           </a:fontRef>
         </p:style>
-        <p:txBody>
-          <a:bodyPr rtlCol="0" anchor="ctr"/>
-          <a:lstStyle/>
-          <a:p>
-            <a:pPr algn="ctr"/>
-            <a:r>
-              <a:rPr lang="en-US" dirty="0" smtClean="0">
-                <a:solidFill>
-                  <a:sysClr val="windowText" lastClr="000000"/>
-                </a:solidFill>
-              </a:rPr>
-              <a:t>Core ML</a:t>
-            </a:r>
-            <a:endParaRPr lang="en-US" dirty="0">
-              <a:solidFill>
-                <a:sysClr val="windowText" lastClr="000000"/>
-              </a:solidFill>
-            </a:endParaRPr>
-          </a:p>
-        </p:txBody>
-      </p:sp>
-      <p:sp>
-        <p:nvSpPr>
-          <p:cNvPr id="11" name="Rounded Rectangle 10"/>
-          <p:cNvSpPr/>
-          <p:nvPr/>
-        </p:nvSpPr>
-        <p:spPr>
-          <a:xfrm>
-            <a:off x="2829130" y="4627772"/>
-            <a:ext cx="2810107" cy="780586"/>
-          </a:xfrm>
-          <a:prstGeom prst="roundRect">
-            <a:avLst/>
-          </a:prstGeom>
+      </p:cxnSp>
+      <p:sp>
+        <p:nvSpPr>
+          <p:cNvPr id="26" name="TextBox 25"/>
+          <p:cNvSpPr txBox="1"/>
+          <p:nvPr/>
+        </p:nvSpPr>
+        <p:spPr>
+          <a:xfrm>
+            <a:off x="8671865" y="5966901"/>
+            <a:ext cx="415498" cy="369332"/>
+          </a:xfrm>
+          <a:prstGeom prst="rect">
+            <a:avLst/>
+          </a:prstGeom>
+          <a:noFill/>
+        </p:spPr>
+        <p:txBody>
+          <a:bodyPr wrap="none" rtlCol="0">
+            <a:spAutoFit/>
+          </a:bodyPr>
+          <a:lstStyle/>
+          <a:p>
+            <a:r>
+              <a:rPr lang="zh-CN" altLang="en-US" smtClean="0"/>
+              <a:t>鸡</a:t>
+            </a:r>
+            <a:endParaRPr lang="en-US" dirty="0"/>
+          </a:p>
+        </p:txBody>
+      </p:sp>
+      <p:pic>
+        <p:nvPicPr>
+          <p:cNvPr id="28" name="Picture 27"/>
+          <p:cNvPicPr>
+            <a:picLocks noChangeAspect="1"/>
+          </p:cNvPicPr>
+          <p:nvPr/>
+        </p:nvPicPr>
+        <p:blipFill>
+          <a:blip r:embed="rId5"/>
+          <a:stretch>
+            <a:fillRect/>
+          </a:stretch>
+        </p:blipFill>
+        <p:spPr>
+          <a:xfrm>
+            <a:off x="1284351" y="5292283"/>
+            <a:ext cx="1079500" cy="685800"/>
+          </a:xfrm>
+          <a:prstGeom prst="rect">
+            <a:avLst/>
+          </a:prstGeom>
+        </p:spPr>
+      </p:pic>
+      <p:cxnSp>
+        <p:nvCxnSpPr>
+          <p:cNvPr id="29" name="Straight Arrow Connector 28"/>
+          <p:cNvCxnSpPr/>
+          <p:nvPr/>
+        </p:nvCxnSpPr>
+        <p:spPr>
+          <a:xfrm>
+            <a:off x="2533717" y="5624723"/>
+            <a:ext cx="767214" cy="0"/>
+          </a:xfrm>
+          <a:prstGeom prst="straightConnector1">
+            <a:avLst/>
+          </a:prstGeom>
+          <a:ln w="38100">
+            <a:solidFill>
+              <a:schemeClr val="tx1"/>
+            </a:solidFill>
+            <a:tailEnd type="triangle"/>
+          </a:ln>
         </p:spPr>
         <p:style>
-          <a:lnRef idx="2">
-            <a:schemeClr val="accent1">
-              <a:shade val="50000"/>
-            </a:schemeClr>
+          <a:lnRef idx="1">
+            <a:schemeClr val="accent1"/>
           </a:lnRef>
-          <a:fillRef idx="1">
+          <a:fillRef idx="0">
             <a:schemeClr val="accent1"/>
           </a:fillRef>
           <a:effectRef idx="0">
             <a:schemeClr val="accent1"/>
           </a:effectRef>
           <a:fontRef idx="minor">
-            <a:schemeClr val="lt1"/>
+            <a:schemeClr val="tx1"/>
           </a:fontRef>
         </p:style>
-        <p:txBody>
-          <a:bodyPr rtlCol="0" anchor="ctr"/>
-          <a:lstStyle/>
-          <a:p>
-            <a:pPr algn="ctr"/>
-            <a:r>
-              <a:rPr lang="en-US" dirty="0" smtClean="0">
-                <a:solidFill>
-                  <a:sysClr val="windowText" lastClr="000000"/>
-                </a:solidFill>
-              </a:rPr>
-              <a:t>Accelerate BNNS</a:t>
-            </a:r>
-            <a:endParaRPr lang="en-US" dirty="0">
-              <a:solidFill>
-                <a:sysClr val="windowText" lastClr="000000"/>
-              </a:solidFill>
-            </a:endParaRPr>
-          </a:p>
-        </p:txBody>
-      </p:sp>
-      <p:sp>
-        <p:nvSpPr>
-          <p:cNvPr id="12" name="Rounded Rectangle 11"/>
-          <p:cNvSpPr/>
-          <p:nvPr/>
-        </p:nvSpPr>
-        <p:spPr>
-          <a:xfrm>
-            <a:off x="5820937" y="4638916"/>
-            <a:ext cx="3587413" cy="780586"/>
-          </a:xfrm>
-          <a:prstGeom prst="roundRect">
-            <a:avLst/>
-          </a:prstGeom>
-        </p:spPr>
-        <p:style>
-          <a:lnRef idx="2">
-            <a:schemeClr val="accent1">
-              <a:shade val="50000"/>
-            </a:schemeClr>
-          </a:lnRef>
-          <a:fillRef idx="1">
-            <a:schemeClr val="accent1"/>
-          </a:fillRef>
-          <a:effectRef idx="0">
-            <a:schemeClr val="accent1"/>
-          </a:effectRef>
-          <a:fontRef idx="minor">
-            <a:schemeClr val="lt1"/>
-          </a:fontRef>
-        </p:style>
-        <p:txBody>
-          <a:bodyPr rtlCol="0" anchor="ctr"/>
-          <a:lstStyle/>
-          <a:p>
-            <a:pPr algn="ctr"/>
-            <a:r>
-              <a:rPr lang="en-US" dirty="0" smtClean="0">
-                <a:solidFill>
-                  <a:sysClr val="windowText" lastClr="000000"/>
-                </a:solidFill>
-              </a:rPr>
-              <a:t>Metal Performance </a:t>
-            </a:r>
-            <a:r>
-              <a:rPr lang="en-US" dirty="0" err="1" smtClean="0">
-                <a:solidFill>
-                  <a:sysClr val="windowText" lastClr="000000"/>
-                </a:solidFill>
-              </a:rPr>
-              <a:t>Shaders</a:t>
-            </a:r>
-            <a:endParaRPr lang="en-US" dirty="0">
-              <a:solidFill>
-                <a:sysClr val="windowText" lastClr="000000"/>
-              </a:solidFill>
-            </a:endParaRPr>
+      </p:cxnSp>
+      <p:sp>
+        <p:nvSpPr>
+          <p:cNvPr id="30" name="TextBox 29"/>
+          <p:cNvSpPr txBox="1"/>
+          <p:nvPr/>
+        </p:nvSpPr>
+        <p:spPr>
+          <a:xfrm>
+            <a:off x="3470797" y="5443594"/>
+            <a:ext cx="646331" cy="369332"/>
+          </a:xfrm>
+          <a:prstGeom prst="rect">
+            <a:avLst/>
+          </a:prstGeom>
+          <a:noFill/>
+        </p:spPr>
+        <p:txBody>
+          <a:bodyPr wrap="none" rtlCol="0">
+            <a:spAutoFit/>
+          </a:bodyPr>
+          <a:lstStyle/>
+          <a:p>
+            <a:r>
+              <a:rPr lang="zh-CN" altLang="en-US" dirty="0" smtClean="0"/>
+              <a:t>沙滩</a:t>
+            </a:r>
+            <a:endParaRPr lang="en-US" altLang="zh-CN" dirty="0" smtClean="0"/>
           </a:p>
         </p:txBody>
       </p:sp>
     </p:spTree>
     <p:extLst>
       <p:ext uri="{BB962C8B-B14F-4D97-AF65-F5344CB8AC3E}">
-        <p14:creationId xmlns:p14="http://schemas.microsoft.com/office/powerpoint/2010/main" val="528303943"/>
+        <p14:creationId xmlns:p14="http://schemas.microsoft.com/office/powerpoint/2010/main" val="1326152866"/>
       </p:ext>
     </p:extLst>
   </p:cSld>

--- a/Swift/CoreMLResearching/CoreML.pptx
+++ b/Swift/CoreMLResearching/CoreML.pptx
@@ -5,7 +5,7 @@
     <p:sldMasterId id="2147483720" r:id="rId1"/>
   </p:sldMasterIdLst>
   <p:notesMasterIdLst>
-    <p:notesMasterId r:id="rId14"/>
+    <p:notesMasterId r:id="rId16"/>
   </p:notesMasterIdLst>
   <p:sldIdLst>
     <p:sldId id="256" r:id="rId2"/>
@@ -20,6 +20,8 @@
     <p:sldId id="258" r:id="rId11"/>
     <p:sldId id="259" r:id="rId12"/>
     <p:sldId id="266" r:id="rId13"/>
+    <p:sldId id="268" r:id="rId14"/>
+    <p:sldId id="269" r:id="rId15"/>
   </p:sldIdLst>
   <p:sldSz cx="12192000" cy="6858000"/>
   <p:notesSz cx="6858000" cy="9144000"/>
@@ -129,11 +131,7 @@
 <file path=ppt/commentAuthors.xml><?xml version="1.0" encoding="utf-8"?>
 <p:cmAuthorLst xmlns:a="http://schemas.openxmlformats.org/drawingml/2006/main" xmlns:r="http://schemas.openxmlformats.org/officeDocument/2006/relationships" xmlns:p="http://schemas.openxmlformats.org/presentationml/2006/main">
   <p:cmAuthor id="1" name="Microsoft Office User" initials="Office" lastIdx="1" clrIdx="0">
-    <p:extLst>
-      <p:ext uri="{19B8F6BF-5375-455C-9EA6-DF929625EA0E}">
-        <p15:presenceInfo xmlns:p15="http://schemas.microsoft.com/office/powerpoint/2012/main" userId="" providerId=""/>
-      </p:ext>
-    </p:extLst>
+    <p:extLst/>
   </p:cmAuthor>
 </p:cmAuthorLst>
 </file>
@@ -220,7 +218,7 @@
           <a:p>
             <a:fld id="{4FC2CF7C-5765-CE4E-BFFD-685887162BFF}" type="datetimeFigureOut">
               <a:rPr lang="en-US" smtClean="0"/>
-              <a:t>4/26/18</a:t>
+              <a:t>4/27/18</a:t>
             </a:fld>
             <a:endParaRPr lang="en-US"/>
           </a:p>
@@ -619,7 +617,7 @@
           <a:p>
             <a:fld id="{0453E19A-C280-FF4D-BC3F-DE628A190351}" type="datetimeFigureOut">
               <a:rPr lang="en-US" smtClean="0"/>
-              <a:t>4/26/18</a:t>
+              <a:t>4/27/18</a:t>
             </a:fld>
             <a:endParaRPr lang="en-US"/>
           </a:p>
@@ -784,7 +782,7 @@
           <a:p>
             <a:fld id="{0453E19A-C280-FF4D-BC3F-DE628A190351}" type="datetimeFigureOut">
               <a:rPr lang="en-US" smtClean="0"/>
-              <a:t>4/26/18</a:t>
+              <a:t>4/27/18</a:t>
             </a:fld>
             <a:endParaRPr lang="en-US"/>
           </a:p>
@@ -959,7 +957,7 @@
           <a:p>
             <a:fld id="{0453E19A-C280-FF4D-BC3F-DE628A190351}" type="datetimeFigureOut">
               <a:rPr lang="en-US" smtClean="0"/>
-              <a:t>4/26/18</a:t>
+              <a:t>4/27/18</a:t>
             </a:fld>
             <a:endParaRPr lang="en-US"/>
           </a:p>
@@ -1124,7 +1122,7 @@
           <a:p>
             <a:fld id="{0453E19A-C280-FF4D-BC3F-DE628A190351}" type="datetimeFigureOut">
               <a:rPr lang="en-US" smtClean="0"/>
-              <a:t>4/26/18</a:t>
+              <a:t>4/27/18</a:t>
             </a:fld>
             <a:endParaRPr lang="en-US"/>
           </a:p>
@@ -1365,7 +1363,7 @@
           <a:p>
             <a:fld id="{0453E19A-C280-FF4D-BC3F-DE628A190351}" type="datetimeFigureOut">
               <a:rPr lang="en-US" smtClean="0"/>
-              <a:t>4/26/18</a:t>
+              <a:t>4/27/18</a:t>
             </a:fld>
             <a:endParaRPr lang="en-US"/>
           </a:p>
@@ -1592,7 +1590,7 @@
           <a:p>
             <a:fld id="{0453E19A-C280-FF4D-BC3F-DE628A190351}" type="datetimeFigureOut">
               <a:rPr lang="en-US" smtClean="0"/>
-              <a:t>4/26/18</a:t>
+              <a:t>4/27/18</a:t>
             </a:fld>
             <a:endParaRPr lang="en-US"/>
           </a:p>
@@ -1954,7 +1952,7 @@
           <a:p>
             <a:fld id="{0453E19A-C280-FF4D-BC3F-DE628A190351}" type="datetimeFigureOut">
               <a:rPr lang="en-US" smtClean="0"/>
-              <a:t>4/26/18</a:t>
+              <a:t>4/27/18</a:t>
             </a:fld>
             <a:endParaRPr lang="en-US"/>
           </a:p>
@@ -2067,7 +2065,7 @@
           <a:p>
             <a:fld id="{0453E19A-C280-FF4D-BC3F-DE628A190351}" type="datetimeFigureOut">
               <a:rPr lang="en-US" smtClean="0"/>
-              <a:t>4/26/18</a:t>
+              <a:t>4/27/18</a:t>
             </a:fld>
             <a:endParaRPr lang="en-US"/>
           </a:p>
@@ -2157,7 +2155,7 @@
           <a:p>
             <a:fld id="{0453E19A-C280-FF4D-BC3F-DE628A190351}" type="datetimeFigureOut">
               <a:rPr lang="en-US" smtClean="0"/>
-              <a:t>4/26/18</a:t>
+              <a:t>4/27/18</a:t>
             </a:fld>
             <a:endParaRPr lang="en-US"/>
           </a:p>
@@ -2429,7 +2427,7 @@
           <a:p>
             <a:fld id="{0453E19A-C280-FF4D-BC3F-DE628A190351}" type="datetimeFigureOut">
               <a:rPr lang="en-US" smtClean="0"/>
-              <a:t>4/26/18</a:t>
+              <a:t>4/27/18</a:t>
             </a:fld>
             <a:endParaRPr lang="en-US"/>
           </a:p>
@@ -2681,7 +2679,7 @@
           <a:p>
             <a:fld id="{0453E19A-C280-FF4D-BC3F-DE628A190351}" type="datetimeFigureOut">
               <a:rPr lang="en-US" smtClean="0"/>
-              <a:t>4/26/18</a:t>
+              <a:t>4/27/18</a:t>
             </a:fld>
             <a:endParaRPr lang="en-US"/>
           </a:p>
@@ -2889,7 +2887,7 @@
           <a:p>
             <a:fld id="{0453E19A-C280-FF4D-BC3F-DE628A190351}" type="datetimeFigureOut">
               <a:rPr lang="en-US" smtClean="0"/>
-              <a:t>4/26/18</a:t>
+              <a:t>4/27/18</a:t>
             </a:fld>
             <a:endParaRPr lang="en-US"/>
           </a:p>
@@ -4033,7 +4031,7 @@
         </p:nvSpPr>
         <p:spPr>
           <a:xfrm>
-            <a:off x="7108902" y="1182504"/>
+            <a:off x="7093912" y="1182504"/>
             <a:ext cx="3291840" cy="2862322"/>
           </a:xfrm>
           <a:prstGeom prst="rect">
@@ -4197,10 +4195,335 @@
           <a:chExt cx="0" cy="0"/>
         </a:xfrm>
       </p:grpSpPr>
+      <p:sp>
+        <p:nvSpPr>
+          <p:cNvPr id="2" name="TextBox 1"/>
+          <p:cNvSpPr txBox="1"/>
+          <p:nvPr/>
+        </p:nvSpPr>
+        <p:spPr>
+          <a:xfrm>
+            <a:off x="540000" y="540000"/>
+            <a:ext cx="3150093" cy="553998"/>
+          </a:xfrm>
+          <a:prstGeom prst="rect">
+            <a:avLst/>
+          </a:prstGeom>
+          <a:noFill/>
+        </p:spPr>
+        <p:txBody>
+          <a:bodyPr wrap="none" rtlCol="0">
+            <a:spAutoFit/>
+          </a:bodyPr>
+          <a:lstStyle/>
+          <a:p>
+            <a:r>
+              <a:rPr lang="en-US" altLang="zh-CN" sz="3000" b="1" dirty="0" smtClean="0">
+                <a:latin typeface="Helvetica Bold" charset="0"/>
+              </a:rPr>
+              <a:t>Core</a:t>
+            </a:r>
+            <a:r>
+              <a:rPr lang="zh-CN" altLang="en-US" sz="3000" b="1" dirty="0" smtClean="0">
+                <a:latin typeface="Helvetica Bold" charset="0"/>
+              </a:rPr>
+              <a:t> </a:t>
+            </a:r>
+            <a:r>
+              <a:rPr lang="en-US" altLang="zh-CN" sz="3000" b="1" dirty="0" smtClean="0">
+                <a:latin typeface="Helvetica Bold" charset="0"/>
+              </a:rPr>
+              <a:t>ML</a:t>
+            </a:r>
+            <a:r>
+              <a:rPr lang="zh-CN" altLang="en-US" sz="3000" b="1" dirty="0" smtClean="0">
+                <a:latin typeface="Helvetica Bold" charset="0"/>
+              </a:rPr>
+              <a:t> </a:t>
+            </a:r>
+            <a:r>
+              <a:rPr lang="en-US" altLang="zh-CN" sz="3000" b="1" dirty="0" smtClean="0">
+                <a:latin typeface="Helvetica Bold" charset="0"/>
+              </a:rPr>
+              <a:t>Models</a:t>
+            </a:r>
+            <a:endParaRPr lang="en-US" sz="3000" b="1" dirty="0">
+              <a:latin typeface="Helvetica Bold" charset="0"/>
+            </a:endParaRPr>
+          </a:p>
+        </p:txBody>
+      </p:sp>
+      <p:pic>
+        <p:nvPicPr>
+          <p:cNvPr id="3" name="Picture 2"/>
+          <p:cNvPicPr>
+            <a:picLocks noChangeAspect="1"/>
+          </p:cNvPicPr>
+          <p:nvPr/>
+        </p:nvPicPr>
+        <p:blipFill>
+          <a:blip r:embed="rId2"/>
+          <a:stretch>
+            <a:fillRect/>
+          </a:stretch>
+        </p:blipFill>
+        <p:spPr>
+          <a:xfrm>
+            <a:off x="3553710" y="2497735"/>
+            <a:ext cx="5054600" cy="2971800"/>
+          </a:xfrm>
+          <a:prstGeom prst="rect">
+            <a:avLst/>
+          </a:prstGeom>
+        </p:spPr>
+      </p:pic>
+      <p:sp>
+        <p:nvSpPr>
+          <p:cNvPr id="4" name="TextBox 3"/>
+          <p:cNvSpPr txBox="1"/>
+          <p:nvPr/>
+        </p:nvSpPr>
+        <p:spPr>
+          <a:xfrm>
+            <a:off x="540000" y="1324071"/>
+            <a:ext cx="4698402" cy="369332"/>
+          </a:xfrm>
+          <a:prstGeom prst="rect">
+            <a:avLst/>
+          </a:prstGeom>
+          <a:noFill/>
+        </p:spPr>
+        <p:txBody>
+          <a:bodyPr wrap="none" rtlCol="0">
+            <a:spAutoFit/>
+          </a:bodyPr>
+          <a:lstStyle/>
+          <a:p>
+            <a:r>
+              <a:rPr lang="en-US" dirty="0"/>
+              <a:t>https://</a:t>
+            </a:r>
+            <a:r>
+              <a:rPr lang="en-US" dirty="0" err="1"/>
+              <a:t>developer.apple.com</a:t>
+            </a:r>
+            <a:r>
+              <a:rPr lang="en-US" dirty="0"/>
+              <a:t>/machine-learning/</a:t>
+            </a:r>
+          </a:p>
+        </p:txBody>
+      </p:sp>
     </p:spTree>
     <p:extLst>
       <p:ext uri="{BB962C8B-B14F-4D97-AF65-F5344CB8AC3E}">
         <p14:creationId xmlns:p14="http://schemas.microsoft.com/office/powerpoint/2010/main" val="819567566"/>
+      </p:ext>
+    </p:extLst>
+  </p:cSld>
+  <p:clrMapOvr>
+    <a:masterClrMapping/>
+  </p:clrMapOvr>
+  <p:timing>
+    <p:tnLst>
+      <p:par>
+        <p:cTn id="1" dur="indefinite" restart="never" nodeType="tmRoot"/>
+      </p:par>
+    </p:tnLst>
+  </p:timing>
+</p:sld>
+</file>
+
+<file path=ppt/slides/slide13.xml><?xml version="1.0" encoding="utf-8"?>
+<p:sld xmlns:a="http://schemas.openxmlformats.org/drawingml/2006/main" xmlns:r="http://schemas.openxmlformats.org/officeDocument/2006/relationships" xmlns:p="http://schemas.openxmlformats.org/presentationml/2006/main">
+  <p:cSld>
+    <p:spTree>
+      <p:nvGrpSpPr>
+        <p:cNvPr id="1" name=""/>
+        <p:cNvGrpSpPr/>
+        <p:nvPr/>
+      </p:nvGrpSpPr>
+      <p:grpSpPr>
+        <a:xfrm>
+          <a:off x="0" y="0"/>
+          <a:ext cx="0" cy="0"/>
+          <a:chOff x="0" y="0"/>
+          <a:chExt cx="0" cy="0"/>
+        </a:xfrm>
+      </p:grpSpPr>
+      <p:sp>
+        <p:nvSpPr>
+          <p:cNvPr id="2" name="TextBox 1"/>
+          <p:cNvSpPr txBox="1"/>
+          <p:nvPr/>
+        </p:nvSpPr>
+        <p:spPr>
+          <a:xfrm>
+            <a:off x="540000" y="540000"/>
+            <a:ext cx="3150093" cy="553998"/>
+          </a:xfrm>
+          <a:prstGeom prst="rect">
+            <a:avLst/>
+          </a:prstGeom>
+          <a:noFill/>
+        </p:spPr>
+        <p:txBody>
+          <a:bodyPr wrap="none" rtlCol="0">
+            <a:spAutoFit/>
+          </a:bodyPr>
+          <a:lstStyle/>
+          <a:p>
+            <a:r>
+              <a:rPr lang="en-US" altLang="zh-CN" sz="3000" b="1" dirty="0" smtClean="0">
+                <a:latin typeface="Helvetica Bold" charset="0"/>
+              </a:rPr>
+              <a:t>Core</a:t>
+            </a:r>
+            <a:r>
+              <a:rPr lang="zh-CN" altLang="en-US" sz="3000" b="1" dirty="0" smtClean="0">
+                <a:latin typeface="Helvetica Bold" charset="0"/>
+              </a:rPr>
+              <a:t> </a:t>
+            </a:r>
+            <a:r>
+              <a:rPr lang="en-US" altLang="zh-CN" sz="3000" b="1" dirty="0" smtClean="0">
+                <a:latin typeface="Helvetica Bold" charset="0"/>
+              </a:rPr>
+              <a:t>ML</a:t>
+            </a:r>
+            <a:r>
+              <a:rPr lang="zh-CN" altLang="en-US" sz="3000" b="1" dirty="0" smtClean="0">
+                <a:latin typeface="Helvetica Bold" charset="0"/>
+              </a:rPr>
+              <a:t> </a:t>
+            </a:r>
+            <a:r>
+              <a:rPr lang="en-US" altLang="zh-CN" sz="3000" b="1" dirty="0" smtClean="0">
+                <a:latin typeface="Helvetica Bold" charset="0"/>
+              </a:rPr>
+              <a:t>Models</a:t>
+            </a:r>
+            <a:endParaRPr lang="en-US" sz="3000" b="1" dirty="0">
+              <a:latin typeface="Helvetica Bold" charset="0"/>
+            </a:endParaRPr>
+          </a:p>
+        </p:txBody>
+      </p:sp>
+      <p:pic>
+        <p:nvPicPr>
+          <p:cNvPr id="5" name="Picture 4"/>
+          <p:cNvPicPr>
+            <a:picLocks noChangeAspect="1"/>
+          </p:cNvPicPr>
+          <p:nvPr/>
+        </p:nvPicPr>
+        <p:blipFill>
+          <a:blip r:embed="rId2"/>
+          <a:stretch>
+            <a:fillRect/>
+          </a:stretch>
+        </p:blipFill>
+        <p:spPr>
+          <a:xfrm>
+            <a:off x="2700742" y="2017737"/>
+            <a:ext cx="6515100" cy="4381500"/>
+          </a:xfrm>
+          <a:prstGeom prst="rect">
+            <a:avLst/>
+          </a:prstGeom>
+        </p:spPr>
+      </p:pic>
+      <p:sp>
+        <p:nvSpPr>
+          <p:cNvPr id="6" name="TextBox 5"/>
+          <p:cNvSpPr txBox="1"/>
+          <p:nvPr/>
+        </p:nvSpPr>
+        <p:spPr>
+          <a:xfrm>
+            <a:off x="540000" y="1371201"/>
+            <a:ext cx="8995219" cy="369332"/>
+          </a:xfrm>
+          <a:prstGeom prst="rect">
+            <a:avLst/>
+          </a:prstGeom>
+          <a:noFill/>
+        </p:spPr>
+        <p:txBody>
+          <a:bodyPr wrap="none" rtlCol="0">
+            <a:spAutoFit/>
+          </a:bodyPr>
+          <a:lstStyle/>
+          <a:p>
+            <a:r>
+              <a:rPr lang="en-US" dirty="0"/>
+              <a:t>https://</a:t>
+            </a:r>
+            <a:r>
+              <a:rPr lang="en-US" dirty="0" err="1"/>
+              <a:t>developer.apple.com</a:t>
+            </a:r>
+            <a:r>
+              <a:rPr lang="en-US" dirty="0"/>
+              <a:t>/documentation/</a:t>
+            </a:r>
+            <a:r>
+              <a:rPr lang="en-US" dirty="0" err="1"/>
+              <a:t>coreml</a:t>
+            </a:r>
+            <a:r>
+              <a:rPr lang="en-US" dirty="0"/>
+              <a:t>/</a:t>
+            </a:r>
+            <a:r>
+              <a:rPr lang="en-US" dirty="0" err="1"/>
+              <a:t>converting_trained_models_to_core_ml</a:t>
+            </a:r>
+            <a:endParaRPr lang="en-US" dirty="0"/>
+          </a:p>
+        </p:txBody>
+      </p:sp>
+    </p:spTree>
+    <p:extLst>
+      <p:ext uri="{BB962C8B-B14F-4D97-AF65-F5344CB8AC3E}">
+        <p14:creationId xmlns:p14="http://schemas.microsoft.com/office/powerpoint/2010/main" val="1379326212"/>
+      </p:ext>
+    </p:extLst>
+  </p:cSld>
+  <p:clrMapOvr>
+    <a:masterClrMapping/>
+  </p:clrMapOvr>
+  <p:timing>
+    <p:tnLst>
+      <p:par>
+        <p:cTn id="1" dur="indefinite" restart="never" nodeType="tmRoot"/>
+      </p:par>
+    </p:tnLst>
+  </p:timing>
+</p:sld>
+</file>
+
+<file path=ppt/slides/slide14.xml><?xml version="1.0" encoding="utf-8"?>
+<p:sld xmlns:a="http://schemas.openxmlformats.org/drawingml/2006/main" xmlns:r="http://schemas.openxmlformats.org/officeDocument/2006/relationships" xmlns:p="http://schemas.openxmlformats.org/presentationml/2006/main">
+  <p:cSld>
+    <p:spTree>
+      <p:nvGrpSpPr>
+        <p:cNvPr id="1" name=""/>
+        <p:cNvGrpSpPr/>
+        <p:nvPr/>
+      </p:nvGrpSpPr>
+      <p:grpSpPr>
+        <a:xfrm>
+          <a:off x="0" y="0"/>
+          <a:ext cx="0" cy="0"/>
+          <a:chOff x="0" y="0"/>
+          <a:chExt cx="0" cy="0"/>
+        </a:xfrm>
+      </p:grpSpPr>
+    </p:spTree>
+    <p:extLst>
+      <p:ext uri="{BB962C8B-B14F-4D97-AF65-F5344CB8AC3E}">
+        <p14:creationId xmlns:p14="http://schemas.microsoft.com/office/powerpoint/2010/main" val="597260144"/>
       </p:ext>
     </p:extLst>
   </p:cSld>
@@ -4326,8 +4649,8 @@
         </p:nvSpPr>
         <p:spPr>
           <a:xfrm>
-            <a:off x="1192694" y="1818147"/>
-            <a:ext cx="9859617" cy="3970318"/>
+            <a:off x="1192694" y="2177910"/>
+            <a:ext cx="9859617" cy="3416320"/>
           </a:xfrm>
           <a:prstGeom prst="rect">
             <a:avLst/>
@@ -4349,15 +4672,15 @@
               <a:t>1950</a:t>
             </a:r>
             <a:r>
-              <a:rPr lang="en-US" altLang="zh-CN" dirty="0"/>
+              <a:rPr lang="en-US" altLang="zh-CN" dirty="0" smtClean="0"/>
               <a:t>——</a:t>
             </a:r>
             <a:r>
-              <a:rPr lang="zh-CN" altLang="en-US" dirty="0"/>
-              <a:t>阿兰</a:t>
-            </a:r>
-            <a:r>
-              <a:rPr lang="en-US" altLang="zh-CN" dirty="0"/>
+              <a:rPr lang="zh-CN" altLang="en-US" dirty="0" smtClean="0"/>
+              <a:t>艾伦</a:t>
+            </a:r>
+            <a:r>
+              <a:rPr lang="en-US" altLang="zh-CN" dirty="0" smtClean="0"/>
               <a:t>·</a:t>
             </a:r>
             <a:r>
@@ -4446,28 +4769,28 @@
               <a:buChar char="•"/>
             </a:pPr>
             <a:r>
-              <a:rPr lang="en-US" altLang="zh-CN" b="1" dirty="0"/>
-              <a:t>1967</a:t>
+              <a:rPr lang="en-US" altLang="zh-CN" b="1" dirty="0" smtClean="0"/>
+              <a:t>1997</a:t>
             </a:r>
             <a:r>
               <a:rPr lang="en-US" altLang="zh-CN" dirty="0"/>
-              <a:t>——</a:t>
+              <a:t>——IBM</a:t>
             </a:r>
             <a:r>
               <a:rPr lang="zh-CN" altLang="en-US" dirty="0"/>
-              <a:t>「最近邻」算法</a:t>
+              <a:t>的「深蓝」</a:t>
             </a:r>
             <a:r>
               <a:rPr lang="en-US" altLang="zh-CN" dirty="0"/>
-              <a:t>(The nearest neighbor algorithm)</a:t>
+              <a:t>(Deep Blue)</a:t>
             </a:r>
             <a:r>
               <a:rPr lang="zh-CN" altLang="en-US" dirty="0"/>
-              <a:t>出现，由此计算机可以进行简单的模式识别。它可以帮助旅行商制定旅游</a:t>
+              <a:t>打败了国际象棋的世界冠军</a:t>
             </a:r>
             <a:r>
               <a:rPr lang="zh-CN" altLang="en-US" dirty="0" smtClean="0"/>
-              <a:t>路线图。</a:t>
+              <a:t>。</a:t>
             </a:r>
             <a:endParaRPr lang="en-US" altLang="zh-CN" dirty="0" smtClean="0"/>
           </a:p>
@@ -4477,24 +4800,32 @@
               <a:buChar char="•"/>
             </a:pPr>
             <a:r>
-              <a:rPr lang="en-US" altLang="zh-CN" b="1" dirty="0"/>
-              <a:t>1997</a:t>
+              <a:rPr lang="en-US" altLang="zh-CN" b="1" dirty="0" smtClean="0"/>
+              <a:t>2012</a:t>
             </a:r>
             <a:r>
               <a:rPr lang="en-US" altLang="zh-CN" dirty="0"/>
-              <a:t>——IBM</a:t>
+              <a:t>——</a:t>
             </a:r>
             <a:r>
               <a:rPr lang="zh-CN" altLang="en-US" dirty="0"/>
-              <a:t>的「深蓝」</a:t>
+              <a:t>谷歌的</a:t>
             </a:r>
             <a:r>
               <a:rPr lang="en-US" altLang="zh-CN" dirty="0"/>
-              <a:t>(Deep Blue)</a:t>
+              <a:t>X</a:t>
             </a:r>
             <a:r>
               <a:rPr lang="zh-CN" altLang="en-US" dirty="0"/>
-              <a:t>打败了国际象棋的世界冠军</a:t>
+              <a:t>实验室研发了能够自动浏览</a:t>
+            </a:r>
+            <a:r>
+              <a:rPr lang="en-US" altLang="zh-CN" dirty="0"/>
+              <a:t>YouTube</a:t>
+            </a:r>
+            <a:r>
+              <a:rPr lang="zh-CN" altLang="en-US" dirty="0"/>
+              <a:t>视频并识别出包含猫的部分的机器学习算法</a:t>
             </a:r>
             <a:r>
               <a:rPr lang="zh-CN" altLang="en-US" dirty="0" smtClean="0"/>
@@ -4508,65 +4839,38 @@
               <a:buChar char="•"/>
             </a:pPr>
             <a:r>
-              <a:rPr lang="en-US" altLang="zh-CN" b="1" dirty="0"/>
-              <a:t>2006</a:t>
-            </a:r>
-            <a:r>
-              <a:rPr lang="en-US" altLang="zh-CN" dirty="0" smtClean="0"/>
-              <a:t>——</a:t>
-            </a:r>
-            <a:r>
-              <a:rPr lang="zh-CN" altLang="en-US" dirty="0" smtClean="0"/>
-              <a:t>提</a:t>
+              <a:rPr lang="en-US" altLang="zh-CN" b="1" dirty="0" smtClean="0"/>
+              <a:t>2014</a:t>
+            </a:r>
+            <a:r>
+              <a:rPr lang="en-US" altLang="zh-CN" dirty="0"/>
+              <a:t> —— </a:t>
             </a:r>
             <a:r>
               <a:rPr lang="zh-CN" altLang="en-US" dirty="0"/>
-              <a:t>出了「深度学习」的概念，它解释了那些能够让计算机「看见」并且区分图像和视频中的物体及文字的算法</a:t>
-            </a:r>
-            <a:r>
-              <a:rPr lang="zh-CN" altLang="en-US" dirty="0" smtClean="0"/>
-              <a:t>。</a:t>
-            </a:r>
-            <a:endParaRPr lang="en-US" altLang="zh-CN" dirty="0" smtClean="0"/>
-          </a:p>
-          <a:p>
-            <a:pPr marL="285750" indent="-285750">
-              <a:buFont typeface="Arial" charset="0"/>
-              <a:buChar char="•"/>
-            </a:pPr>
-            <a:r>
-              <a:rPr lang="en-US" altLang="zh-CN" b="1" dirty="0"/>
-              <a:t>2012</a:t>
+              <a:t>一</a:t>
+            </a:r>
+            <a:r>
+              <a:rPr lang="zh-CN" altLang="en-US" dirty="0"/>
+              <a:t>台计算机程序“尤金</a:t>
             </a:r>
             <a:r>
               <a:rPr lang="en-US" altLang="zh-CN" dirty="0"/>
-              <a:t>——</a:t>
+              <a:t>·</a:t>
             </a:r>
             <a:r>
               <a:rPr lang="zh-CN" altLang="en-US" dirty="0"/>
-              <a:t>谷歌的</a:t>
+              <a:t>古斯特曼”成功让人类相信它是一个</a:t>
             </a:r>
             <a:r>
               <a:rPr lang="en-US" altLang="zh-CN" dirty="0"/>
-              <a:t>X</a:t>
+              <a:t>13</a:t>
             </a:r>
             <a:r>
               <a:rPr lang="zh-CN" altLang="en-US" dirty="0"/>
-              <a:t>实验室研发了能够自动浏览</a:t>
-            </a:r>
-            <a:r>
-              <a:rPr lang="en-US" altLang="zh-CN" dirty="0"/>
-              <a:t>YouTube</a:t>
-            </a:r>
-            <a:r>
-              <a:rPr lang="zh-CN" altLang="en-US" dirty="0"/>
-              <a:t>视频并识别出包含猫的部分的机器学习算法</a:t>
-            </a:r>
-            <a:r>
-              <a:rPr lang="zh-CN" altLang="en-US" dirty="0" smtClean="0"/>
-              <a:t>。</a:t>
-            </a:r>
-            <a:endParaRPr lang="en-US" altLang="zh-CN" dirty="0" smtClean="0"/>
+              <a:t>岁的男孩，成为有史以来首台通过图灵测试的计算机。</a:t>
+            </a:r>
+            <a:endParaRPr lang="en-US" altLang="zh-CN" dirty="0"/>
           </a:p>
           <a:p>
             <a:pPr marL="285750" indent="-285750">
@@ -4698,11 +5002,11 @@
   <p:clrMapOvr>
     <a:masterClrMapping/>
   </p:clrMapOvr>
-  <mc:AlternateContent xmlns:mc="http://schemas.openxmlformats.org/markup-compatibility/2006">
-    <mc:Choice xmlns:p14="http://schemas.microsoft.com/office/powerpoint/2010/main" Requires="p14">
+  <mc:AlternateContent xmlns:mc="http://schemas.openxmlformats.org/markup-compatibility/2006" xmlns:p14="http://schemas.microsoft.com/office/powerpoint/2010/main">
+    <mc:Choice Requires="p14">
       <p:transition p14:dur="0"/>
     </mc:Choice>
-    <mc:Fallback>
+    <mc:Fallback xmlns="">
       <p:transition/>
     </mc:Fallback>
   </mc:AlternateContent>
@@ -5016,11 +5320,11 @@
   <p:clrMapOvr>
     <a:masterClrMapping/>
   </p:clrMapOvr>
-  <mc:AlternateContent xmlns:mc="http://schemas.openxmlformats.org/markup-compatibility/2006">
-    <mc:Choice xmlns:p14="http://schemas.microsoft.com/office/powerpoint/2010/main" Requires="p14">
+  <mc:AlternateContent xmlns:mc="http://schemas.openxmlformats.org/markup-compatibility/2006" xmlns:p14="http://schemas.microsoft.com/office/powerpoint/2010/main">
+    <mc:Choice Requires="p14">
       <p:transition p14:dur="0"/>
     </mc:Choice>
-    <mc:Fallback>
+    <mc:Fallback xmlns="">
       <p:transition/>
     </mc:Fallback>
   </mc:AlternateContent>
@@ -5298,7 +5602,7 @@
         </p:nvCxnSpPr>
         <p:spPr>
           <a:xfrm>
-            <a:off x="3886200" y="3291840"/>
+            <a:off x="3976140" y="3246870"/>
             <a:ext cx="1234440" cy="0"/>
           </a:xfrm>
           <a:prstGeom prst="straightConnector1">
@@ -5328,14 +5632,45 @@
       </p:cxnSp>
       <p:sp>
         <p:nvSpPr>
-          <p:cNvPr id="11" name="Diamond 10"/>
+          <p:cNvPr id="14" name="Rectangle 13"/>
           <p:cNvSpPr/>
           <p:nvPr/>
         </p:nvSpPr>
         <p:spPr>
           <a:xfrm>
-            <a:off x="5120640" y="2013585"/>
-            <a:ext cx="2537460" cy="2563495"/>
+            <a:off x="540000" y="540000"/>
+            <a:ext cx="2249120" cy="553998"/>
+          </a:xfrm>
+          <a:prstGeom prst="rect">
+            <a:avLst/>
+          </a:prstGeom>
+        </p:spPr>
+        <p:txBody>
+          <a:bodyPr wrap="square">
+            <a:spAutoFit/>
+          </a:bodyPr>
+          <a:lstStyle/>
+          <a:p>
+            <a:r>
+              <a:rPr lang="zh-CN" altLang="en-US" sz="3000" b="1" dirty="0" smtClean="0">
+                <a:latin typeface="Helvetica Bold" charset="0"/>
+              </a:rPr>
+              <a:t>训练模型</a:t>
+            </a:r>
+            <a:endParaRPr lang="en-US" sz="3000" dirty="0"/>
+          </a:p>
+        </p:txBody>
+      </p:sp>
+      <p:sp>
+        <p:nvSpPr>
+          <p:cNvPr id="2" name="Diamond 1"/>
+          <p:cNvSpPr/>
+          <p:nvPr/>
+        </p:nvSpPr>
+        <p:spPr>
+          <a:xfrm>
+            <a:off x="5195590" y="1965731"/>
+            <a:ext cx="2559196" cy="2559196"/>
           </a:xfrm>
           <a:prstGeom prst="diamond">
             <a:avLst/>
@@ -5343,9 +5678,6 @@
           <a:solidFill>
             <a:schemeClr val="accent3"/>
           </a:solidFill>
-          <a:ln>
-            <a:noFill/>
-          </a:ln>
         </p:spPr>
         <p:style>
           <a:lnRef idx="2">
@@ -5369,41 +5701,10 @@
           <a:p>
             <a:pPr algn="ctr"/>
             <a:r>
-              <a:rPr lang="zh-CN" altLang="en-US" dirty="0" smtClean="0"/>
+              <a:rPr lang="zh-CN" altLang="en-US" dirty="0"/>
               <a:t>看起来牛逼哄哄的算法</a:t>
             </a:r>
             <a:endParaRPr lang="en-US" dirty="0"/>
-          </a:p>
-        </p:txBody>
-      </p:sp>
-      <p:sp>
-        <p:nvSpPr>
-          <p:cNvPr id="14" name="Rectangle 13"/>
-          <p:cNvSpPr/>
-          <p:nvPr/>
-        </p:nvSpPr>
-        <p:spPr>
-          <a:xfrm>
-            <a:off x="540000" y="540000"/>
-            <a:ext cx="2249120" cy="553998"/>
-          </a:xfrm>
-          <a:prstGeom prst="rect">
-            <a:avLst/>
-          </a:prstGeom>
-        </p:spPr>
-        <p:txBody>
-          <a:bodyPr wrap="square">
-            <a:spAutoFit/>
-          </a:bodyPr>
-          <a:lstStyle/>
-          <a:p>
-            <a:r>
-              <a:rPr lang="zh-CN" altLang="en-US" sz="3000" b="1" dirty="0" smtClean="0">
-                <a:latin typeface="Helvetica Bold" charset="0"/>
-              </a:rPr>
-              <a:t>训练模型</a:t>
-            </a:r>
-            <a:endParaRPr lang="en-US" sz="3000" dirty="0"/>
           </a:p>
         </p:txBody>
       </p:sp>
@@ -5417,11 +5718,11 @@
   <p:clrMapOvr>
     <a:masterClrMapping/>
   </p:clrMapOvr>
-  <mc:AlternateContent xmlns:mc="http://schemas.openxmlformats.org/markup-compatibility/2006">
-    <mc:Choice xmlns:p14="http://schemas.microsoft.com/office/powerpoint/2010/main" Requires="p14">
+  <mc:AlternateContent xmlns:mc="http://schemas.openxmlformats.org/markup-compatibility/2006" xmlns:p14="http://schemas.microsoft.com/office/powerpoint/2010/main">
+    <mc:Choice Requires="p14">
       <p:transition p14:dur="0"/>
     </mc:Choice>
-    <mc:Fallback>
+    <mc:Fallback xmlns="">
       <p:transition/>
     </mc:Fallback>
   </mc:AlternateContent>
@@ -5699,7 +6000,7 @@
         </p:nvCxnSpPr>
         <p:spPr>
           <a:xfrm>
-            <a:off x="3886200" y="3291840"/>
+            <a:off x="3976140" y="3246870"/>
             <a:ext cx="1234440" cy="0"/>
           </a:xfrm>
           <a:prstGeom prst="straightConnector1">
@@ -5727,26 +6028,56 @@
           </a:fontRef>
         </p:style>
       </p:cxnSp>
-      <p:sp>
-        <p:nvSpPr>
-          <p:cNvPr id="11" name="Diamond 10"/>
+      <p:cxnSp>
+        <p:nvCxnSpPr>
+          <p:cNvPr id="12" name="Straight Arrow Connector 11"/>
+          <p:cNvCxnSpPr/>
+          <p:nvPr/>
+        </p:nvCxnSpPr>
+        <p:spPr>
+          <a:xfrm>
+            <a:off x="7793010" y="3246370"/>
+            <a:ext cx="1234440" cy="0"/>
+          </a:xfrm>
+          <a:prstGeom prst="straightConnector1">
+            <a:avLst/>
+          </a:prstGeom>
+          <a:ln w="63500">
+            <a:solidFill>
+              <a:schemeClr val="tx1"/>
+            </a:solidFill>
+            <a:tailEnd type="triangle"/>
+          </a:ln>
+        </p:spPr>
+        <p:style>
+          <a:lnRef idx="1">
+            <a:schemeClr val="accent1"/>
+          </a:lnRef>
+          <a:fillRef idx="0">
+            <a:schemeClr val="accent1"/>
+          </a:fillRef>
+          <a:effectRef idx="0">
+            <a:schemeClr val="accent1"/>
+          </a:effectRef>
+          <a:fontRef idx="minor">
+            <a:schemeClr val="tx1"/>
+          </a:fontRef>
+        </p:style>
+      </p:cxnSp>
+      <p:sp>
+        <p:nvSpPr>
+          <p:cNvPr id="2" name="Rounded Rectangle 1"/>
           <p:cNvSpPr/>
           <p:nvPr/>
         </p:nvSpPr>
         <p:spPr>
           <a:xfrm>
-            <a:off x="5120640" y="2013585"/>
-            <a:ext cx="2537460" cy="2563495"/>
-          </a:xfrm>
-          <a:prstGeom prst="diamond">
-            <a:avLst/>
-          </a:prstGeom>
-          <a:solidFill>
-            <a:schemeClr val="accent3"/>
-          </a:solidFill>
-          <a:ln>
-            <a:noFill/>
-          </a:ln>
+            <a:off x="9102400" y="2351905"/>
+            <a:ext cx="1805940" cy="1819910"/>
+          </a:xfrm>
+          <a:prstGeom prst="roundRect">
+            <a:avLst/>
+          </a:prstGeom>
         </p:spPr>
         <p:style>
           <a:lnRef idx="2">
@@ -5771,62 +6102,63 @@
             <a:pPr algn="ctr"/>
             <a:r>
               <a:rPr lang="zh-CN" altLang="en-US" dirty="0" smtClean="0"/>
-              <a:t>看起来牛逼哄哄的算法</a:t>
+              <a:t>传说中的模型</a:t>
             </a:r>
             <a:endParaRPr lang="en-US" dirty="0"/>
           </a:p>
         </p:txBody>
       </p:sp>
-      <p:cxnSp>
-        <p:nvCxnSpPr>
-          <p:cNvPr id="12" name="Straight Arrow Connector 11"/>
-          <p:cNvCxnSpPr/>
-          <p:nvPr/>
-        </p:nvCxnSpPr>
-        <p:spPr>
-          <a:xfrm>
-            <a:off x="7658100" y="3261360"/>
-            <a:ext cx="1234440" cy="0"/>
-          </a:xfrm>
-          <a:prstGeom prst="straightConnector1">
-            <a:avLst/>
-          </a:prstGeom>
-          <a:ln w="63500">
-            <a:solidFill>
-              <a:schemeClr val="tx1"/>
-            </a:solidFill>
-            <a:tailEnd type="triangle"/>
-          </a:ln>
-        </p:spPr>
-        <p:style>
-          <a:lnRef idx="1">
-            <a:schemeClr val="accent1"/>
-          </a:lnRef>
-          <a:fillRef idx="0">
-            <a:schemeClr val="accent1"/>
-          </a:fillRef>
-          <a:effectRef idx="0">
-            <a:schemeClr val="accent1"/>
-          </a:effectRef>
-          <a:fontRef idx="minor">
-            <a:schemeClr val="tx1"/>
-          </a:fontRef>
-        </p:style>
-      </p:cxnSp>
-      <p:sp>
-        <p:nvSpPr>
-          <p:cNvPr id="2" name="Rounded Rectangle 1"/>
+      <p:sp>
+        <p:nvSpPr>
+          <p:cNvPr id="16" name="TextBox 15"/>
+          <p:cNvSpPr txBox="1"/>
+          <p:nvPr/>
+        </p:nvSpPr>
+        <p:spPr>
+          <a:xfrm>
+            <a:off x="540000" y="540000"/>
+            <a:ext cx="1723549" cy="553998"/>
+          </a:xfrm>
+          <a:prstGeom prst="rect">
+            <a:avLst/>
+          </a:prstGeom>
+          <a:noFill/>
+        </p:spPr>
+        <p:txBody>
+          <a:bodyPr wrap="none" rtlCol="0">
+            <a:spAutoFit/>
+          </a:bodyPr>
+          <a:lstStyle/>
+          <a:p>
+            <a:r>
+              <a:rPr lang="zh-CN" altLang="en-US" sz="3000" b="1" dirty="0" smtClean="0">
+                <a:latin typeface="Helvetica Bold" charset="0"/>
+              </a:rPr>
+              <a:t>训练模型</a:t>
+            </a:r>
+            <a:endParaRPr lang="en-US" sz="3000" b="1" dirty="0">
+              <a:latin typeface="Helvetica Bold" charset="0"/>
+            </a:endParaRPr>
+          </a:p>
+        </p:txBody>
+      </p:sp>
+      <p:sp>
+        <p:nvSpPr>
+          <p:cNvPr id="15" name="Diamond 14"/>
           <p:cNvSpPr/>
           <p:nvPr/>
         </p:nvSpPr>
         <p:spPr>
           <a:xfrm>
-            <a:off x="8892540" y="2381885"/>
-            <a:ext cx="1805940" cy="1819910"/>
-          </a:xfrm>
-          <a:prstGeom prst="roundRect">
-            <a:avLst/>
-          </a:prstGeom>
+            <a:off x="5195590" y="1965731"/>
+            <a:ext cx="2559196" cy="2559196"/>
+          </a:xfrm>
+          <a:prstGeom prst="diamond">
+            <a:avLst/>
+          </a:prstGeom>
+          <a:solidFill>
+            <a:schemeClr val="accent3"/>
+          </a:solidFill>
         </p:spPr>
         <p:style>
           <a:lnRef idx="2">
@@ -5850,44 +6182,10 @@
           <a:p>
             <a:pPr algn="ctr"/>
             <a:r>
-              <a:rPr lang="zh-CN" altLang="en-US" dirty="0" smtClean="0"/>
-              <a:t>传说中的模型</a:t>
+              <a:rPr lang="zh-CN" altLang="en-US" dirty="0"/>
+              <a:t>看起来牛逼哄哄的算法</a:t>
             </a:r>
             <a:endParaRPr lang="en-US" dirty="0"/>
-          </a:p>
-        </p:txBody>
-      </p:sp>
-      <p:sp>
-        <p:nvSpPr>
-          <p:cNvPr id="16" name="TextBox 15"/>
-          <p:cNvSpPr txBox="1"/>
-          <p:nvPr/>
-        </p:nvSpPr>
-        <p:spPr>
-          <a:xfrm>
-            <a:off x="540000" y="540000"/>
-            <a:ext cx="1723549" cy="553998"/>
-          </a:xfrm>
-          <a:prstGeom prst="rect">
-            <a:avLst/>
-          </a:prstGeom>
-          <a:noFill/>
-        </p:spPr>
-        <p:txBody>
-          <a:bodyPr wrap="none" rtlCol="0">
-            <a:spAutoFit/>
-          </a:bodyPr>
-          <a:lstStyle/>
-          <a:p>
-            <a:r>
-              <a:rPr lang="zh-CN" altLang="en-US" sz="3000" b="1" dirty="0" smtClean="0">
-                <a:latin typeface="Helvetica Bold" charset="0"/>
-              </a:rPr>
-              <a:t>训练模型</a:t>
-            </a:r>
-            <a:endParaRPr lang="en-US" sz="3000" b="1" dirty="0">
-              <a:latin typeface="Helvetica Bold" charset="0"/>
-            </a:endParaRPr>
           </a:p>
         </p:txBody>
       </p:sp>
@@ -5901,11 +6199,11 @@
   <p:clrMapOvr>
     <a:masterClrMapping/>
   </p:clrMapOvr>
-  <mc:AlternateContent xmlns:mc="http://schemas.openxmlformats.org/markup-compatibility/2006">
-    <mc:Choice xmlns:p14="http://schemas.microsoft.com/office/powerpoint/2010/main" Requires="p14">
+  <mc:AlternateContent xmlns:mc="http://schemas.openxmlformats.org/markup-compatibility/2006" xmlns:p14="http://schemas.microsoft.com/office/powerpoint/2010/main">
+    <mc:Choice Requires="p14">
       <p:transition p14:dur="0"/>
     </mc:Choice>
-    <mc:Fallback>
+    <mc:Fallback xmlns="">
       <p:transition/>
     </mc:Fallback>
   </mc:AlternateContent>
@@ -6322,8 +6620,8 @@
         </p:nvSpPr>
         <p:spPr>
           <a:xfrm>
-            <a:off x="6075943" y="562380"/>
-            <a:ext cx="1748992" cy="553998"/>
+            <a:off x="5247142" y="1229952"/>
+            <a:ext cx="1224267" cy="400110"/>
           </a:xfrm>
           <a:prstGeom prst="rect">
             <a:avLst/>
@@ -6336,20 +6634,12 @@
           <a:lstStyle/>
           <a:p>
             <a:r>
-              <a:rPr lang="zh-CN" altLang="en-US" sz="3000" b="1" dirty="0" smtClean="0">
-                <a:solidFill>
-                  <a:srgbClr val="DCDCCD"/>
-                </a:solidFill>
-                <a:effectLst/>
+              <a:rPr lang="zh-CN" altLang="en-US" sz="2000" b="1" dirty="0">
                 <a:latin typeface="Menlo Bold" charset="0"/>
               </a:rPr>
               <a:t>手写识别</a:t>
             </a:r>
-            <a:endParaRPr lang="en-US" sz="3000" b="1" dirty="0">
-              <a:solidFill>
-                <a:srgbClr val="DCDCCD"/>
-              </a:solidFill>
-              <a:effectLst/>
+            <a:endParaRPr lang="en-US" sz="2000" b="1" dirty="0">
               <a:latin typeface="Menlo Bold" charset="0"/>
             </a:endParaRPr>
           </a:p>
@@ -6363,8 +6653,8 @@
         </p:nvSpPr>
         <p:spPr>
           <a:xfrm>
-            <a:off x="7448234" y="2140303"/>
-            <a:ext cx="1723549" cy="553998"/>
+            <a:off x="7558256" y="2213509"/>
+            <a:ext cx="1210588" cy="400110"/>
           </a:xfrm>
           <a:prstGeom prst="rect">
             <a:avLst/>
@@ -6377,19 +6667,12 @@
           <a:lstStyle/>
           <a:p>
             <a:r>
-              <a:rPr lang="zh-CN" altLang="en-US" sz="3000" b="1" dirty="0" smtClean="0">
-                <a:solidFill>
-                  <a:srgbClr val="DCDCCD"/>
-                </a:solidFill>
+              <a:rPr lang="zh-CN" altLang="en-US" sz="2000" b="1" dirty="0">
                 <a:latin typeface="Menlo Bold" charset="0"/>
               </a:rPr>
               <a:t>风格转变</a:t>
             </a:r>
-            <a:endParaRPr lang="en-US" sz="3000" b="1" dirty="0">
-              <a:solidFill>
-                <a:srgbClr val="DCDCCD"/>
-              </a:solidFill>
-              <a:effectLst/>
+            <a:endParaRPr lang="en-US" sz="2000" b="1" dirty="0">
               <a:latin typeface="Menlo Bold" charset="0"/>
             </a:endParaRPr>
           </a:p>
@@ -6403,8 +6686,8 @@
         </p:nvSpPr>
         <p:spPr>
           <a:xfrm>
-            <a:off x="6430139" y="5166595"/>
-            <a:ext cx="1723549" cy="553998"/>
+            <a:off x="7158023" y="5391025"/>
+            <a:ext cx="1210588" cy="400110"/>
           </a:xfrm>
           <a:prstGeom prst="rect">
             <a:avLst/>
@@ -6417,20 +6700,12 @@
           <a:lstStyle/>
           <a:p>
             <a:r>
-              <a:rPr lang="zh-CN" altLang="en-US" sz="3000" b="1" dirty="0" smtClean="0">
-                <a:solidFill>
-                  <a:srgbClr val="DCDCCD"/>
-                </a:solidFill>
-                <a:effectLst/>
+              <a:rPr lang="zh-CN" altLang="en-US" sz="2000" b="1" dirty="0">
                 <a:latin typeface="Menlo Bold" charset="0"/>
               </a:rPr>
-              <a:t>词语预测</a:t>
-            </a:r>
-            <a:endParaRPr lang="en-US" sz="3000" b="1" dirty="0">
-              <a:solidFill>
-                <a:srgbClr val="DCDCCD"/>
-              </a:solidFill>
-              <a:effectLst/>
+              <a:t>词语联想</a:t>
+            </a:r>
+            <a:endParaRPr lang="en-US" sz="2000" b="1" dirty="0">
               <a:latin typeface="Menlo Bold" charset="0"/>
             </a:endParaRPr>
           </a:p>
@@ -6444,8 +6719,8 @@
         </p:nvSpPr>
         <p:spPr>
           <a:xfrm>
-            <a:off x="2056663" y="2601759"/>
-            <a:ext cx="954107" cy="553998"/>
+            <a:off x="1722145" y="3033751"/>
+            <a:ext cx="697627" cy="400110"/>
           </a:xfrm>
           <a:prstGeom prst="rect">
             <a:avLst/>
@@ -6458,20 +6733,12 @@
           <a:lstStyle/>
           <a:p>
             <a:r>
-              <a:rPr lang="zh-CN" altLang="en-US" sz="3000" b="1" dirty="0" smtClean="0">
-                <a:solidFill>
-                  <a:srgbClr val="DCDCCD"/>
-                </a:solidFill>
-                <a:effectLst/>
+              <a:rPr lang="zh-CN" altLang="en-US" sz="2000" b="1" dirty="0">
                 <a:latin typeface="Menlo Bold" charset="0"/>
               </a:rPr>
               <a:t>翻译</a:t>
             </a:r>
-            <a:endParaRPr lang="en-US" sz="3000" b="1" dirty="0">
-              <a:solidFill>
-                <a:srgbClr val="DCDCCD"/>
-              </a:solidFill>
-              <a:effectLst/>
+            <a:endParaRPr lang="en-US" sz="2000" b="1" dirty="0">
               <a:latin typeface="Menlo Bold" charset="0"/>
             </a:endParaRPr>
           </a:p>
@@ -6485,8 +6752,8 @@
         </p:nvSpPr>
         <p:spPr>
           <a:xfrm>
-            <a:off x="2430020" y="4656945"/>
-            <a:ext cx="1723549" cy="553998"/>
+            <a:off x="2070958" y="4628423"/>
+            <a:ext cx="1210588" cy="400110"/>
           </a:xfrm>
           <a:prstGeom prst="rect">
             <a:avLst/>
@@ -6499,19 +6766,12 @@
           <a:lstStyle/>
           <a:p>
             <a:r>
-              <a:rPr lang="zh-CN" altLang="en-US" sz="3000" b="1" dirty="0" smtClean="0">
-                <a:solidFill>
-                  <a:srgbClr val="DCDCCD"/>
-                </a:solidFill>
+              <a:rPr lang="zh-CN" altLang="en-US" sz="2000" b="1" dirty="0">
                 <a:latin typeface="Menlo Bold" charset="0"/>
               </a:rPr>
               <a:t>场景分类</a:t>
             </a:r>
-            <a:endParaRPr lang="en-US" sz="3000" b="1" dirty="0">
-              <a:solidFill>
-                <a:srgbClr val="DCDCCD"/>
-              </a:solidFill>
-              <a:effectLst/>
+            <a:endParaRPr lang="en-US" sz="2000" b="1" dirty="0">
               <a:latin typeface="Menlo Bold" charset="0"/>
             </a:endParaRPr>
           </a:p>
@@ -6525,8 +6785,8 @@
         </p:nvSpPr>
         <p:spPr>
           <a:xfrm>
-            <a:off x="2394478" y="602166"/>
-            <a:ext cx="1723549" cy="553998"/>
+            <a:off x="2164137" y="1591161"/>
+            <a:ext cx="1210588" cy="400110"/>
           </a:xfrm>
           <a:prstGeom prst="rect">
             <a:avLst/>
@@ -6539,19 +6799,13 @@
           <a:lstStyle/>
           <a:p>
             <a:r>
-              <a:rPr lang="zh-CN" altLang="en-US" sz="3000" b="1" dirty="0" smtClean="0">
-                <a:solidFill>
-                  <a:srgbClr val="DCDCCD"/>
-                </a:solidFill>
+              <a:rPr lang="zh-CN" altLang="en-US" sz="2000" b="1" dirty="0" smtClean="0">
                 <a:effectLst/>
                 <a:latin typeface="Menlo Bold" charset="0"/>
               </a:rPr>
               <a:t>情绪分析</a:t>
             </a:r>
-            <a:endParaRPr lang="en-US" sz="3000" b="1" dirty="0">
-              <a:solidFill>
-                <a:srgbClr val="DCDCCD"/>
-              </a:solidFill>
+            <a:endParaRPr lang="en-US" sz="2000" b="1" dirty="0">
               <a:effectLst/>
               <a:latin typeface="Menlo Bold" charset="0"/>
             </a:endParaRPr>
@@ -6566,7 +6820,7 @@
         </p:nvSpPr>
         <p:spPr>
           <a:xfrm>
-            <a:off x="1597754" y="1546331"/>
+            <a:off x="1080868" y="2133717"/>
             <a:ext cx="1842171" cy="369332"/>
           </a:xfrm>
           <a:prstGeom prst="rect">
@@ -6596,7 +6850,7 @@
         </p:nvSpPr>
         <p:spPr>
           <a:xfrm>
-            <a:off x="4275843" y="1546331"/>
+            <a:off x="3758957" y="2133717"/>
             <a:ext cx="394612" cy="369332"/>
           </a:xfrm>
           <a:prstGeom prst="rect">
@@ -6626,7 +6880,7 @@
         </p:nvCxnSpPr>
         <p:spPr>
           <a:xfrm>
-            <a:off x="3474277" y="1730997"/>
+            <a:off x="2957391" y="2318383"/>
             <a:ext cx="767214" cy="0"/>
           </a:xfrm>
           <a:prstGeom prst="straightConnector1">
@@ -6670,7 +6924,7 @@
         </p:blipFill>
         <p:spPr>
           <a:xfrm>
-            <a:off x="5890608" y="1274550"/>
+            <a:off x="4803761" y="1840272"/>
             <a:ext cx="723900" cy="635000"/>
           </a:xfrm>
           <a:prstGeom prst="rect">
@@ -6686,7 +6940,7 @@
         </p:nvCxnSpPr>
         <p:spPr>
           <a:xfrm>
-            <a:off x="6672828" y="1592050"/>
+            <a:off x="5585981" y="2157772"/>
             <a:ext cx="767214" cy="0"/>
           </a:xfrm>
           <a:prstGeom prst="straightConnector1">
@@ -6722,7 +6976,7 @@
         </p:nvSpPr>
         <p:spPr>
           <a:xfrm>
-            <a:off x="7558256" y="1274550"/>
+            <a:off x="6471409" y="1840272"/>
             <a:ext cx="412292" cy="630942"/>
           </a:xfrm>
           <a:prstGeom prst="rect">
@@ -6760,7 +7014,7 @@
         </p:blipFill>
         <p:spPr>
           <a:xfrm>
-            <a:off x="6541232" y="2904511"/>
+            <a:off x="6774381" y="2977127"/>
             <a:ext cx="1283703" cy="1681040"/>
           </a:xfrm>
           <a:prstGeom prst="rect">
@@ -6776,7 +7030,7 @@
         </p:nvCxnSpPr>
         <p:spPr>
           <a:xfrm>
-            <a:off x="7926402" y="3743071"/>
+            <a:off x="8159551" y="3815687"/>
             <a:ext cx="767214" cy="0"/>
           </a:xfrm>
           <a:prstGeom prst="straightConnector1">
@@ -6820,7 +7074,7 @@
         </p:blipFill>
         <p:spPr>
           <a:xfrm>
-            <a:off x="8795083" y="2904511"/>
+            <a:off x="9028232" y="2977127"/>
             <a:ext cx="1230216" cy="1681040"/>
           </a:xfrm>
           <a:prstGeom prst="rect">
@@ -6836,7 +7090,7 @@
         </p:nvSpPr>
         <p:spPr>
           <a:xfrm>
-            <a:off x="336272" y="3395331"/>
+            <a:off x="279749" y="3528334"/>
             <a:ext cx="2009204" cy="369332"/>
           </a:xfrm>
           <a:prstGeom prst="rect">
@@ -6882,7 +7136,7 @@
         </p:nvCxnSpPr>
         <p:spPr>
           <a:xfrm>
-            <a:off x="2358923" y="3606891"/>
+            <a:off x="2302400" y="3739894"/>
             <a:ext cx="767214" cy="0"/>
           </a:xfrm>
           <a:prstGeom prst="straightConnector1">
@@ -6918,7 +7172,7 @@
         </p:nvSpPr>
         <p:spPr>
           <a:xfrm>
-            <a:off x="3182613" y="3395331"/>
+            <a:off x="3126090" y="3528334"/>
             <a:ext cx="1107996" cy="369332"/>
           </a:xfrm>
           <a:prstGeom prst="rect">
@@ -7123,6 +7377,40 @@
               <a:t>沙滩</a:t>
             </a:r>
             <a:endParaRPr lang="en-US" altLang="zh-CN" dirty="0" smtClean="0"/>
+          </a:p>
+        </p:txBody>
+      </p:sp>
+      <p:sp>
+        <p:nvSpPr>
+          <p:cNvPr id="31" name="TextBox 30"/>
+          <p:cNvSpPr txBox="1"/>
+          <p:nvPr/>
+        </p:nvSpPr>
+        <p:spPr>
+          <a:xfrm>
+            <a:off x="540000" y="540000"/>
+            <a:ext cx="1723549" cy="553998"/>
+          </a:xfrm>
+          <a:prstGeom prst="rect">
+            <a:avLst/>
+          </a:prstGeom>
+          <a:noFill/>
+        </p:spPr>
+        <p:txBody>
+          <a:bodyPr wrap="none" rtlCol="0">
+            <a:spAutoFit/>
+          </a:bodyPr>
+          <a:lstStyle/>
+          <a:p>
+            <a:r>
+              <a:rPr lang="zh-CN" altLang="en-US" sz="3000" b="1" dirty="0" smtClean="0">
+                <a:latin typeface="Helvetica Bold" charset="0"/>
+              </a:rPr>
+              <a:t>使用模型</a:t>
+            </a:r>
+            <a:endParaRPr lang="en-US" sz="3000" b="1" dirty="0">
+              <a:latin typeface="Helvetica Bold" charset="0"/>
+            </a:endParaRPr>
           </a:p>
         </p:txBody>
       </p:sp>

--- a/Swift/CoreMLResearching/CoreML.pptx
+++ b/Swift/CoreMLResearching/CoreML.pptx
@@ -5,7 +5,7 @@
     <p:sldMasterId id="2147483720" r:id="rId1"/>
   </p:sldMasterIdLst>
   <p:notesMasterIdLst>
-    <p:notesMasterId r:id="rId16"/>
+    <p:notesMasterId r:id="rId22"/>
   </p:notesMasterIdLst>
   <p:sldIdLst>
     <p:sldId id="256" r:id="rId2"/>
@@ -17,11 +17,17 @@
     <p:sldId id="263" r:id="rId8"/>
     <p:sldId id="264" r:id="rId9"/>
     <p:sldId id="267" r:id="rId10"/>
-    <p:sldId id="258" r:id="rId11"/>
-    <p:sldId id="259" r:id="rId12"/>
-    <p:sldId id="266" r:id="rId13"/>
-    <p:sldId id="268" r:id="rId14"/>
-    <p:sldId id="269" r:id="rId15"/>
+    <p:sldId id="271" r:id="rId11"/>
+    <p:sldId id="258" r:id="rId12"/>
+    <p:sldId id="259" r:id="rId13"/>
+    <p:sldId id="266" r:id="rId14"/>
+    <p:sldId id="268" r:id="rId15"/>
+    <p:sldId id="272" r:id="rId16"/>
+    <p:sldId id="277" r:id="rId17"/>
+    <p:sldId id="278" r:id="rId18"/>
+    <p:sldId id="279" r:id="rId19"/>
+    <p:sldId id="276" r:id="rId20"/>
+    <p:sldId id="280" r:id="rId21"/>
   </p:sldIdLst>
   <p:sldSz cx="12192000" cy="6858000"/>
   <p:notesSz cx="6858000" cy="9144000"/>
@@ -122,7 +128,13 @@
   </p:defaultTextStyle>
   <p:extLst>
     <p:ext uri="{EFAFB233-063F-42B5-8137-9DF3F51BA10A}">
-      <p15:sldGuideLst xmlns:p15="http://schemas.microsoft.com/office/powerpoint/2012/main"/>
+      <p15:sldGuideLst xmlns:p15="http://schemas.microsoft.com/office/powerpoint/2012/main">
+        <p15:guide id="1" pos="3840" userDrawn="1">
+          <p15:clr>
+            <a:srgbClr val="A4A3A4"/>
+          </p15:clr>
+        </p15:guide>
+      </p15:sldGuideLst>
     </p:ext>
   </p:extLst>
 </p:presentation>
@@ -3410,7 +3422,7 @@
       </p:grpSpPr>
       <p:sp>
         <p:nvSpPr>
-          <p:cNvPr id="5" name="TextBox 4"/>
+          <p:cNvPr id="31" name="TextBox 30"/>
           <p:cNvSpPr txBox="1"/>
           <p:nvPr/>
         </p:nvSpPr>
@@ -3431,22 +3443,10 @@
           <a:lstStyle/>
           <a:p>
             <a:r>
-              <a:rPr lang="en-US" altLang="zh-CN" sz="3000" b="1" dirty="0" smtClean="0">
-                <a:latin typeface="Helvetica Bold" charset="0"/>
-              </a:rPr>
-              <a:t>Core</a:t>
-            </a:r>
-            <a:r>
               <a:rPr lang="zh-CN" altLang="en-US" sz="3000" b="1" dirty="0" smtClean="0">
                 <a:latin typeface="Helvetica Bold" charset="0"/>
               </a:rPr>
-              <a:t> </a:t>
-            </a:r>
-            <a:r>
-              <a:rPr lang="en-US" altLang="zh-CN" sz="3000" b="1" dirty="0" smtClean="0">
-                <a:latin typeface="Helvetica Bold" charset="0"/>
-              </a:rPr>
-              <a:t>ML</a:t>
+              <a:t>模型种类</a:t>
             </a:r>
             <a:endParaRPr lang="en-US" sz="3000" b="1" dirty="0">
               <a:latin typeface="Helvetica Bold" charset="0"/>
@@ -3456,27 +3456,18 @@
       </p:sp>
       <p:sp>
         <p:nvSpPr>
-          <p:cNvPr id="6" name="Rounded Rectangle 5"/>
+          <p:cNvPr id="2" name="Rectangle 1"/>
           <p:cNvSpPr/>
           <p:nvPr/>
         </p:nvSpPr>
         <p:spPr>
           <a:xfrm>
-            <a:off x="2829130" y="1449657"/>
-            <a:ext cx="6579220" cy="869795"/>
-          </a:xfrm>
-          <a:prstGeom prst="roundRect">
-            <a:avLst/>
-          </a:prstGeom>
-          <a:solidFill>
-            <a:schemeClr val="accent4">
-              <a:lumMod val="60000"/>
-              <a:lumOff val="40000"/>
-            </a:schemeClr>
-          </a:solidFill>
-          <a:ln>
-            <a:noFill/>
-          </a:ln>
+            <a:off x="656379" y="2027416"/>
+            <a:ext cx="3440210" cy="1109272"/>
+          </a:xfrm>
+          <a:prstGeom prst="rect">
+            <a:avLst/>
+          </a:prstGeom>
         </p:spPr>
         <p:style>
           <a:lnRef idx="2">
@@ -3500,49 +3491,41 @@
           <a:p>
             <a:pPr algn="ctr"/>
             <a:r>
-              <a:rPr lang="en-US" altLang="zh-CN" dirty="0" smtClean="0">
-                <a:solidFill>
-                  <a:sysClr val="windowText" lastClr="000000"/>
-                </a:solidFill>
-              </a:rPr>
-              <a:t>Your</a:t>
-            </a:r>
-            <a:r>
-              <a:rPr lang="zh-CN" altLang="en-US" dirty="0" smtClean="0">
-                <a:solidFill>
-                  <a:sysClr val="windowText" lastClr="000000"/>
-                </a:solidFill>
-              </a:rPr>
-              <a:t> </a:t>
-            </a:r>
-            <a:r>
-              <a:rPr lang="en-US" altLang="zh-CN" dirty="0" smtClean="0">
-                <a:solidFill>
-                  <a:sysClr val="windowText" lastClr="000000"/>
-                </a:solidFill>
-              </a:rPr>
-              <a:t>APP</a:t>
-            </a:r>
-            <a:endParaRPr lang="en-US" dirty="0">
-              <a:solidFill>
-                <a:sysClr val="windowText" lastClr="000000"/>
-              </a:solidFill>
-            </a:endParaRPr>
-          </a:p>
-        </p:txBody>
-      </p:sp>
-      <p:sp>
-        <p:nvSpPr>
-          <p:cNvPr id="7" name="Rounded Rectangle 6"/>
+              <a:rPr lang="zh-CN" altLang="en-US" dirty="0" smtClean="0"/>
+              <a:t>前馈神经网络</a:t>
+            </a:r>
+            <a:endParaRPr lang="en-US" altLang="zh-CN" dirty="0" smtClean="0"/>
+          </a:p>
+          <a:p>
+            <a:pPr algn="ctr"/>
+            <a:r>
+              <a:rPr lang="en-US" dirty="0" smtClean="0"/>
+              <a:t>Feed </a:t>
+            </a:r>
+            <a:r>
+              <a:rPr lang="en-US" dirty="0"/>
+              <a:t>Forward Neural </a:t>
+            </a:r>
+            <a:r>
+              <a:rPr lang="en-US" dirty="0" smtClean="0"/>
+              <a:t>Networks</a:t>
+            </a:r>
+            <a:endParaRPr lang="en-US" dirty="0"/>
+          </a:p>
+        </p:txBody>
+      </p:sp>
+      <p:sp>
+        <p:nvSpPr>
+          <p:cNvPr id="43" name="Rectangle 42"/>
           <p:cNvSpPr/>
           <p:nvPr/>
         </p:nvSpPr>
         <p:spPr>
           <a:xfrm>
-            <a:off x="2829130" y="2542478"/>
-            <a:ext cx="1408333" cy="780586"/>
-          </a:xfrm>
-          <a:prstGeom prst="roundRect">
+            <a:off x="4401389" y="2027416"/>
+            <a:ext cx="3440210" cy="1109272"/>
+          </a:xfrm>
+          <a:prstGeom prst="rect">
             <a:avLst/>
           </a:prstGeom>
         </p:spPr>
@@ -3568,33 +3551,32 @@
           <a:p>
             <a:pPr algn="ctr"/>
             <a:r>
-              <a:rPr lang="en-US" altLang="zh-CN" dirty="0" smtClean="0">
-                <a:solidFill>
-                  <a:sysClr val="windowText" lastClr="000000"/>
-                </a:solidFill>
-              </a:rPr>
-              <a:t>Vision</a:t>
-            </a:r>
-            <a:endParaRPr lang="en-US" dirty="0">
-              <a:solidFill>
-                <a:sysClr val="windowText" lastClr="000000"/>
-              </a:solidFill>
-            </a:endParaRPr>
-          </a:p>
-        </p:txBody>
-      </p:sp>
-      <p:sp>
-        <p:nvSpPr>
-          <p:cNvPr id="8" name="Rounded Rectangle 7"/>
+              <a:rPr lang="zh-CN" altLang="en-US" dirty="0" smtClean="0"/>
+              <a:t>卷积神经网络</a:t>
+            </a:r>
+            <a:endParaRPr lang="en-US" altLang="zh-CN" dirty="0" smtClean="0"/>
+          </a:p>
+          <a:p>
+            <a:pPr algn="ctr"/>
+            <a:r>
+              <a:rPr lang="en-US" dirty="0"/>
+              <a:t>Convolutional Neural Networks</a:t>
+            </a:r>
+          </a:p>
+        </p:txBody>
+      </p:sp>
+      <p:sp>
+        <p:nvSpPr>
+          <p:cNvPr id="44" name="Rectangle 43"/>
           <p:cNvSpPr/>
           <p:nvPr/>
         </p:nvSpPr>
         <p:spPr>
           <a:xfrm>
-            <a:off x="4438186" y="2542478"/>
-            <a:ext cx="3233854" cy="780586"/>
-          </a:xfrm>
-          <a:prstGeom prst="roundRect">
+            <a:off x="4401389" y="3662195"/>
+            <a:ext cx="3440210" cy="1109272"/>
+          </a:xfrm>
+          <a:prstGeom prst="rect">
             <a:avLst/>
           </a:prstGeom>
         </p:spPr>
@@ -3620,44 +3602,36 @@
           <a:p>
             <a:pPr algn="ctr"/>
             <a:r>
-              <a:rPr lang="en-US" altLang="zh-CN" dirty="0" smtClean="0">
-                <a:solidFill>
-                  <a:sysClr val="windowText" lastClr="000000"/>
-                </a:solidFill>
-              </a:rPr>
-              <a:t>Natural</a:t>
-            </a:r>
-            <a:r>
-              <a:rPr lang="zh-CN" altLang="en-US" dirty="0" smtClean="0">
-                <a:solidFill>
-                  <a:sysClr val="windowText" lastClr="000000"/>
-                </a:solidFill>
-              </a:rPr>
-              <a:t> </a:t>
-            </a:r>
-            <a:r>
-              <a:rPr lang="en-US" altLang="zh-CN" dirty="0" smtClean="0">
-                <a:solidFill>
-                  <a:sysClr val="windowText" lastClr="000000"/>
-                </a:solidFill>
-              </a:rPr>
-              <a:t>language processing</a:t>
-            </a:r>
-          </a:p>
-        </p:txBody>
-      </p:sp>
-      <p:sp>
-        <p:nvSpPr>
-          <p:cNvPr id="9" name="Rounded Rectangle 8"/>
+              <a:rPr lang="zh-CN" altLang="en-US" dirty="0" smtClean="0"/>
+              <a:t>支持向量机</a:t>
+            </a:r>
+            <a:endParaRPr lang="en-US" altLang="zh-CN" dirty="0" smtClean="0"/>
+          </a:p>
+          <a:p>
+            <a:pPr algn="ctr"/>
+            <a:r>
+              <a:rPr lang="en-US" dirty="0" smtClean="0"/>
+              <a:t>Support </a:t>
+            </a:r>
+            <a:r>
+              <a:rPr lang="en-US" dirty="0"/>
+              <a:t>Vector Machines</a:t>
+            </a:r>
+          </a:p>
+        </p:txBody>
+      </p:sp>
+      <p:sp>
+        <p:nvSpPr>
+          <p:cNvPr id="45" name="Rectangle 44"/>
           <p:cNvSpPr/>
           <p:nvPr/>
         </p:nvSpPr>
         <p:spPr>
           <a:xfrm>
-            <a:off x="7872763" y="2542478"/>
-            <a:ext cx="1535589" cy="780586"/>
-          </a:xfrm>
-          <a:prstGeom prst="roundRect">
+            <a:off x="656379" y="3681114"/>
+            <a:ext cx="3440210" cy="1109272"/>
+          </a:xfrm>
+          <a:prstGeom prst="rect">
             <a:avLst/>
           </a:prstGeom>
         </p:spPr>
@@ -3683,33 +3657,36 @@
           <a:p>
             <a:pPr algn="ctr"/>
             <a:r>
-              <a:rPr lang="en-US" dirty="0" err="1" smtClean="0">
-                <a:solidFill>
-                  <a:sysClr val="windowText" lastClr="000000"/>
-                </a:solidFill>
-              </a:rPr>
-              <a:t>GameplayKit</a:t>
-            </a:r>
-            <a:endParaRPr lang="en-US" dirty="0" smtClean="0">
-              <a:solidFill>
-                <a:sysClr val="windowText" lastClr="000000"/>
-              </a:solidFill>
-            </a:endParaRPr>
-          </a:p>
-        </p:txBody>
-      </p:sp>
-      <p:sp>
-        <p:nvSpPr>
-          <p:cNvPr id="10" name="Rounded Rectangle 9"/>
+              <a:rPr lang="zh-CN" altLang="en-US" dirty="0"/>
+              <a:t>集成</a:t>
+            </a:r>
+            <a:r>
+              <a:rPr lang="zh-CN" altLang="en-US" dirty="0" smtClean="0"/>
+              <a:t>树</a:t>
+            </a:r>
+            <a:endParaRPr lang="en-US" altLang="zh-CN" dirty="0" smtClean="0"/>
+          </a:p>
+          <a:p>
+            <a:pPr algn="ctr"/>
+            <a:r>
+              <a:rPr lang="en-US" dirty="0"/>
+              <a:t>Tree Ensembles</a:t>
+            </a:r>
+          </a:p>
+        </p:txBody>
+      </p:sp>
+      <p:sp>
+        <p:nvSpPr>
+          <p:cNvPr id="46" name="Rectangle 45"/>
           <p:cNvSpPr/>
           <p:nvPr/>
         </p:nvSpPr>
         <p:spPr>
           <a:xfrm>
-            <a:off x="2829130" y="3590697"/>
-            <a:ext cx="6579220" cy="780586"/>
-          </a:xfrm>
-          <a:prstGeom prst="roundRect">
+            <a:off x="8146399" y="3662195"/>
+            <a:ext cx="3440210" cy="1109272"/>
+          </a:xfrm>
+          <a:prstGeom prst="rect">
             <a:avLst/>
           </a:prstGeom>
         </p:spPr>
@@ -3735,33 +3712,32 @@
           <a:p>
             <a:pPr algn="ctr"/>
             <a:r>
-              <a:rPr lang="en-US" dirty="0" smtClean="0">
-                <a:solidFill>
-                  <a:sysClr val="windowText" lastClr="000000"/>
-                </a:solidFill>
-              </a:rPr>
-              <a:t>Core ML</a:t>
-            </a:r>
-            <a:endParaRPr lang="en-US" dirty="0">
-              <a:solidFill>
-                <a:sysClr val="windowText" lastClr="000000"/>
-              </a:solidFill>
-            </a:endParaRPr>
-          </a:p>
-        </p:txBody>
-      </p:sp>
-      <p:sp>
-        <p:nvSpPr>
-          <p:cNvPr id="11" name="Rounded Rectangle 10"/>
+              <a:rPr lang="zh-CN" altLang="en-US" dirty="0" smtClean="0"/>
+              <a:t>广义线性模型</a:t>
+            </a:r>
+            <a:endParaRPr lang="en-US" altLang="zh-CN" dirty="0" smtClean="0"/>
+          </a:p>
+          <a:p>
+            <a:pPr algn="ctr"/>
+            <a:r>
+              <a:rPr lang="en-US" dirty="0"/>
+              <a:t>Generalized Linear Models</a:t>
+            </a:r>
+          </a:p>
+        </p:txBody>
+      </p:sp>
+      <p:sp>
+        <p:nvSpPr>
+          <p:cNvPr id="47" name="Rectangle 46"/>
           <p:cNvSpPr/>
           <p:nvPr/>
         </p:nvSpPr>
         <p:spPr>
           <a:xfrm>
-            <a:off x="2829130" y="4627772"/>
-            <a:ext cx="2810107" cy="780586"/>
-          </a:xfrm>
-          <a:prstGeom prst="roundRect">
+            <a:off x="8146399" y="2027416"/>
+            <a:ext cx="3440210" cy="1109272"/>
+          </a:xfrm>
+          <a:prstGeom prst="rect">
             <a:avLst/>
           </a:prstGeom>
         </p:spPr>
@@ -3787,85 +3763,24 @@
           <a:p>
             <a:pPr algn="ctr"/>
             <a:r>
-              <a:rPr lang="en-US" dirty="0" smtClean="0">
-                <a:solidFill>
-                  <a:sysClr val="windowText" lastClr="000000"/>
-                </a:solidFill>
-              </a:rPr>
-              <a:t>Accelerate BNNS</a:t>
-            </a:r>
-            <a:endParaRPr lang="en-US" dirty="0">
-              <a:solidFill>
-                <a:sysClr val="windowText" lastClr="000000"/>
-              </a:solidFill>
-            </a:endParaRPr>
-          </a:p>
-        </p:txBody>
-      </p:sp>
-      <p:sp>
-        <p:nvSpPr>
-          <p:cNvPr id="12" name="Rounded Rectangle 11"/>
-          <p:cNvSpPr/>
-          <p:nvPr/>
-        </p:nvSpPr>
-        <p:spPr>
-          <a:xfrm>
-            <a:off x="5820937" y="4638916"/>
-            <a:ext cx="3587413" cy="780586"/>
-          </a:xfrm>
-          <a:prstGeom prst="roundRect">
-            <a:avLst/>
-          </a:prstGeom>
-        </p:spPr>
-        <p:style>
-          <a:lnRef idx="2">
-            <a:schemeClr val="accent1">
-              <a:shade val="50000"/>
-            </a:schemeClr>
-          </a:lnRef>
-          <a:fillRef idx="1">
-            <a:schemeClr val="accent1"/>
-          </a:fillRef>
-          <a:effectRef idx="0">
-            <a:schemeClr val="accent1"/>
-          </a:effectRef>
-          <a:fontRef idx="minor">
-            <a:schemeClr val="lt1"/>
-          </a:fontRef>
-        </p:style>
-        <p:txBody>
-          <a:bodyPr rtlCol="0" anchor="ctr"/>
-          <a:lstStyle/>
+              <a:rPr lang="zh-CN" altLang="en-US" dirty="0" smtClean="0"/>
+              <a:t>循环神经网络</a:t>
+            </a:r>
+            <a:endParaRPr lang="en-US" altLang="zh-CN" dirty="0" smtClean="0"/>
+          </a:p>
           <a:p>
             <a:pPr algn="ctr"/>
             <a:r>
-              <a:rPr lang="en-US" dirty="0" smtClean="0">
-                <a:solidFill>
-                  <a:sysClr val="windowText" lastClr="000000"/>
-                </a:solidFill>
-              </a:rPr>
-              <a:t>Metal Performance </a:t>
-            </a:r>
-            <a:r>
-              <a:rPr lang="en-US" dirty="0" err="1" smtClean="0">
-                <a:solidFill>
-                  <a:sysClr val="windowText" lastClr="000000"/>
-                </a:solidFill>
-              </a:rPr>
-              <a:t>Shaders</a:t>
-            </a:r>
-            <a:endParaRPr lang="en-US" dirty="0">
-              <a:solidFill>
-                <a:sysClr val="windowText" lastClr="000000"/>
-              </a:solidFill>
-            </a:endParaRPr>
+              <a:rPr lang="en-US" dirty="0"/>
+              <a:t>Recurrent Neural Networks</a:t>
+            </a:r>
           </a:p>
         </p:txBody>
       </p:sp>
     </p:spTree>
     <p:extLst>
       <p:ext uri="{BB962C8B-B14F-4D97-AF65-F5344CB8AC3E}">
-        <p14:creationId xmlns:p14="http://schemas.microsoft.com/office/powerpoint/2010/main" val="528303943"/>
+        <p14:creationId xmlns:p14="http://schemas.microsoft.com/office/powerpoint/2010/main" val="1188184246"/>
       </p:ext>
     </p:extLst>
   </p:cSld>
@@ -3907,219 +3822,6 @@
         </p:nvSpPr>
         <p:spPr>
           <a:xfrm>
-            <a:off x="2249201" y="1182504"/>
-            <a:ext cx="2857500" cy="4524315"/>
-          </a:xfrm>
-          <a:prstGeom prst="rect">
-            <a:avLst/>
-          </a:prstGeom>
-          <a:noFill/>
-        </p:spPr>
-        <p:txBody>
-          <a:bodyPr wrap="square" rtlCol="0">
-            <a:spAutoFit/>
-          </a:bodyPr>
-          <a:lstStyle/>
-          <a:p>
-            <a:r>
-              <a:rPr lang="en-US" sz="3000" dirty="0" smtClean="0"/>
-              <a:t>Vision:</a:t>
-            </a:r>
-          </a:p>
-          <a:p>
-            <a:pPr marL="285750" indent="-285750">
-              <a:buFont typeface="Arial" charset="0"/>
-              <a:buChar char="•"/>
-            </a:pPr>
-            <a:r>
-              <a:rPr lang="zh-CN" altLang="en-US" sz="3000" dirty="0" smtClean="0"/>
-              <a:t>面部追踪</a:t>
-            </a:r>
-            <a:endParaRPr lang="en-US" altLang="zh-CN" sz="3000" dirty="0" smtClean="0"/>
-          </a:p>
-          <a:p>
-            <a:pPr marL="285750" indent="-285750">
-              <a:buFont typeface="Arial" charset="0"/>
-              <a:buChar char="•"/>
-            </a:pPr>
-            <a:r>
-              <a:rPr lang="zh-CN" altLang="en-US" sz="3000" dirty="0" smtClean="0"/>
-              <a:t>面部识别</a:t>
-            </a:r>
-            <a:endParaRPr lang="en-US" altLang="zh-CN" sz="3000" dirty="0" smtClean="0"/>
-          </a:p>
-          <a:p>
-            <a:pPr marL="285750" indent="-285750">
-              <a:buFont typeface="Arial" charset="0"/>
-              <a:buChar char="•"/>
-            </a:pPr>
-            <a:r>
-              <a:rPr lang="zh-CN" altLang="en-US" sz="3000" dirty="0" smtClean="0"/>
-              <a:t>地标</a:t>
-            </a:r>
-            <a:endParaRPr lang="en-US" altLang="zh-CN" sz="3000" dirty="0" smtClean="0"/>
-          </a:p>
-          <a:p>
-            <a:pPr marL="285750" indent="-285750">
-              <a:buFont typeface="Arial" charset="0"/>
-              <a:buChar char="•"/>
-            </a:pPr>
-            <a:r>
-              <a:rPr lang="zh-CN" altLang="en-US" sz="3000" dirty="0" smtClean="0"/>
-              <a:t>文本识别</a:t>
-            </a:r>
-            <a:endParaRPr lang="en-US" altLang="zh-CN" sz="3000" dirty="0" smtClean="0"/>
-          </a:p>
-          <a:p>
-            <a:pPr marL="285750" indent="-285750">
-              <a:buFont typeface="Arial" charset="0"/>
-              <a:buChar char="•"/>
-            </a:pPr>
-            <a:r>
-              <a:rPr lang="zh-CN" altLang="en-US" sz="3000" dirty="0" smtClean="0"/>
-              <a:t>正方形识别</a:t>
-            </a:r>
-            <a:endParaRPr lang="en-US" altLang="zh-CN" sz="3000" dirty="0" smtClean="0"/>
-          </a:p>
-          <a:p>
-            <a:pPr marL="285750" indent="-285750">
-              <a:buFont typeface="Arial" charset="0"/>
-              <a:buChar char="•"/>
-            </a:pPr>
-            <a:r>
-              <a:rPr lang="zh-CN" altLang="en-US" sz="3000" dirty="0" smtClean="0"/>
-              <a:t>条码识别</a:t>
-            </a:r>
-            <a:endParaRPr lang="en-US" altLang="zh-CN" sz="3000" dirty="0" smtClean="0"/>
-          </a:p>
-          <a:p>
-            <a:pPr marL="285750" indent="-285750">
-              <a:buFont typeface="Arial" charset="0"/>
-              <a:buChar char="•"/>
-            </a:pPr>
-            <a:r>
-              <a:rPr lang="zh-CN" altLang="en-US" sz="3000" dirty="0" smtClean="0"/>
-              <a:t>物体追踪</a:t>
-            </a:r>
-            <a:endParaRPr lang="en-US" altLang="zh-CN" sz="3000" dirty="0" smtClean="0"/>
-          </a:p>
-          <a:p>
-            <a:pPr marL="285750" indent="-285750">
-              <a:buFont typeface="Arial" charset="0"/>
-              <a:buChar char="•"/>
-            </a:pPr>
-            <a:r>
-              <a:rPr lang="zh-CN" altLang="en-US" sz="3000" dirty="0" smtClean="0"/>
-              <a:t>图像匹配</a:t>
-            </a:r>
-            <a:endParaRPr lang="en-US" altLang="zh-CN" sz="3000" dirty="0" smtClean="0"/>
-          </a:p>
-          <a:p>
-            <a:pPr marL="285750" indent="-285750">
-              <a:buFont typeface="Arial" charset="0"/>
-              <a:buChar char="•"/>
-            </a:pPr>
-            <a:endParaRPr lang="en-US" dirty="0" smtClean="0"/>
-          </a:p>
-        </p:txBody>
-      </p:sp>
-      <p:sp>
-        <p:nvSpPr>
-          <p:cNvPr id="6" name="TextBox 5"/>
-          <p:cNvSpPr txBox="1"/>
-          <p:nvPr/>
-        </p:nvSpPr>
-        <p:spPr>
-          <a:xfrm>
-            <a:off x="7093912" y="1182504"/>
-            <a:ext cx="3291840" cy="2862322"/>
-          </a:xfrm>
-          <a:prstGeom prst="rect">
-            <a:avLst/>
-          </a:prstGeom>
-          <a:noFill/>
-        </p:spPr>
-        <p:txBody>
-          <a:bodyPr wrap="square" rtlCol="0">
-            <a:spAutoFit/>
-          </a:bodyPr>
-          <a:lstStyle/>
-          <a:p>
-            <a:r>
-              <a:rPr lang="en-US" altLang="zh-CN" sz="3000" dirty="0" smtClean="0"/>
-              <a:t>NLP</a:t>
-            </a:r>
-            <a:r>
-              <a:rPr lang="zh-CN" altLang="en-US" sz="3000" dirty="0" smtClean="0"/>
-              <a:t>：</a:t>
-            </a:r>
-            <a:endParaRPr lang="en-US" altLang="zh-CN" sz="3000" dirty="0" smtClean="0"/>
-          </a:p>
-          <a:p>
-            <a:pPr marL="285750" indent="-285750">
-              <a:buFont typeface="Arial" charset="0"/>
-              <a:buChar char="•"/>
-            </a:pPr>
-            <a:r>
-              <a:rPr lang="zh-CN" altLang="en-US" sz="3000" dirty="0" smtClean="0"/>
-              <a:t>语言检测</a:t>
-            </a:r>
-            <a:endParaRPr lang="en-US" altLang="zh-CN" sz="3000" dirty="0" smtClean="0"/>
-          </a:p>
-          <a:p>
-            <a:pPr marL="285750" indent="-285750">
-              <a:buFont typeface="Arial" charset="0"/>
-              <a:buChar char="•"/>
-            </a:pPr>
-            <a:r>
-              <a:rPr lang="zh-CN" altLang="en-US" sz="3000" dirty="0" smtClean="0"/>
-              <a:t>符号化识别</a:t>
-            </a:r>
-            <a:endParaRPr lang="en-US" altLang="zh-CN" sz="3000" dirty="0" smtClean="0"/>
-          </a:p>
-          <a:p>
-            <a:pPr marL="285750" indent="-285750">
-              <a:buFont typeface="Arial" charset="0"/>
-              <a:buChar char="•"/>
-            </a:pPr>
-            <a:r>
-              <a:rPr lang="zh-CN" altLang="en-US" sz="3000" dirty="0" smtClean="0"/>
-              <a:t>词形还原</a:t>
-            </a:r>
-            <a:endParaRPr lang="en-US" altLang="zh-CN" sz="3000" dirty="0" smtClean="0"/>
-          </a:p>
-          <a:p>
-            <a:pPr marL="285750" indent="-285750">
-              <a:buFont typeface="Arial" charset="0"/>
-              <a:buChar char="•"/>
-            </a:pPr>
-            <a:r>
-              <a:rPr lang="zh-CN" altLang="en-US" sz="3000" dirty="0" smtClean="0"/>
-              <a:t>对话分段</a:t>
-            </a:r>
-            <a:endParaRPr lang="en-US" altLang="zh-CN" sz="3000" dirty="0" smtClean="0"/>
-          </a:p>
-          <a:p>
-            <a:pPr marL="285750" indent="-285750">
-              <a:buFont typeface="Arial" charset="0"/>
-              <a:buChar char="•"/>
-            </a:pPr>
-            <a:r>
-              <a:rPr lang="zh-CN" altLang="en-US" sz="3000" dirty="0" smtClean="0"/>
-              <a:t>实体名称识别</a:t>
-            </a:r>
-            <a:endParaRPr lang="en-US" sz="3000" dirty="0"/>
-          </a:p>
-        </p:txBody>
-      </p:sp>
-      <p:sp>
-        <p:nvSpPr>
-          <p:cNvPr id="7" name="TextBox 6"/>
-          <p:cNvSpPr txBox="1"/>
-          <p:nvPr/>
-        </p:nvSpPr>
-        <p:spPr>
-          <a:xfrm>
             <a:off x="540000" y="540000"/>
             <a:ext cx="1723549" cy="553998"/>
           </a:xfrm>
@@ -4158,10 +3860,418 @@
           </a:p>
         </p:txBody>
       </p:sp>
+      <p:sp>
+        <p:nvSpPr>
+          <p:cNvPr id="6" name="Rounded Rectangle 5"/>
+          <p:cNvSpPr/>
+          <p:nvPr/>
+        </p:nvSpPr>
+        <p:spPr>
+          <a:xfrm>
+            <a:off x="2829130" y="1449657"/>
+            <a:ext cx="6579220" cy="869795"/>
+          </a:xfrm>
+          <a:prstGeom prst="roundRect">
+            <a:avLst/>
+          </a:prstGeom>
+          <a:solidFill>
+            <a:schemeClr val="accent4">
+              <a:lumMod val="60000"/>
+              <a:lumOff val="40000"/>
+            </a:schemeClr>
+          </a:solidFill>
+          <a:ln>
+            <a:noFill/>
+          </a:ln>
+        </p:spPr>
+        <p:style>
+          <a:lnRef idx="2">
+            <a:schemeClr val="accent1">
+              <a:shade val="50000"/>
+            </a:schemeClr>
+          </a:lnRef>
+          <a:fillRef idx="1">
+            <a:schemeClr val="accent1"/>
+          </a:fillRef>
+          <a:effectRef idx="0">
+            <a:schemeClr val="accent1"/>
+          </a:effectRef>
+          <a:fontRef idx="minor">
+            <a:schemeClr val="lt1"/>
+          </a:fontRef>
+        </p:style>
+        <p:txBody>
+          <a:bodyPr rtlCol="0" anchor="ctr"/>
+          <a:lstStyle/>
+          <a:p>
+            <a:pPr algn="ctr"/>
+            <a:r>
+              <a:rPr lang="en-US" altLang="zh-CN" dirty="0" smtClean="0">
+                <a:solidFill>
+                  <a:sysClr val="windowText" lastClr="000000"/>
+                </a:solidFill>
+              </a:rPr>
+              <a:t>Your</a:t>
+            </a:r>
+            <a:r>
+              <a:rPr lang="zh-CN" altLang="en-US" dirty="0" smtClean="0">
+                <a:solidFill>
+                  <a:sysClr val="windowText" lastClr="000000"/>
+                </a:solidFill>
+              </a:rPr>
+              <a:t> </a:t>
+            </a:r>
+            <a:r>
+              <a:rPr lang="en-US" altLang="zh-CN" dirty="0" smtClean="0">
+                <a:solidFill>
+                  <a:sysClr val="windowText" lastClr="000000"/>
+                </a:solidFill>
+              </a:rPr>
+              <a:t>APP</a:t>
+            </a:r>
+            <a:endParaRPr lang="en-US" dirty="0">
+              <a:solidFill>
+                <a:sysClr val="windowText" lastClr="000000"/>
+              </a:solidFill>
+            </a:endParaRPr>
+          </a:p>
+        </p:txBody>
+      </p:sp>
+      <p:sp>
+        <p:nvSpPr>
+          <p:cNvPr id="7" name="Rounded Rectangle 6"/>
+          <p:cNvSpPr/>
+          <p:nvPr/>
+        </p:nvSpPr>
+        <p:spPr>
+          <a:xfrm>
+            <a:off x="2829130" y="2542478"/>
+            <a:ext cx="1408333" cy="780586"/>
+          </a:xfrm>
+          <a:prstGeom prst="roundRect">
+            <a:avLst/>
+          </a:prstGeom>
+        </p:spPr>
+        <p:style>
+          <a:lnRef idx="2">
+            <a:schemeClr val="accent1">
+              <a:shade val="50000"/>
+            </a:schemeClr>
+          </a:lnRef>
+          <a:fillRef idx="1">
+            <a:schemeClr val="accent1"/>
+          </a:fillRef>
+          <a:effectRef idx="0">
+            <a:schemeClr val="accent1"/>
+          </a:effectRef>
+          <a:fontRef idx="minor">
+            <a:schemeClr val="lt1"/>
+          </a:fontRef>
+        </p:style>
+        <p:txBody>
+          <a:bodyPr rtlCol="0" anchor="ctr"/>
+          <a:lstStyle/>
+          <a:p>
+            <a:pPr algn="ctr"/>
+            <a:r>
+              <a:rPr lang="en-US" altLang="zh-CN" dirty="0" smtClean="0">
+                <a:solidFill>
+                  <a:sysClr val="windowText" lastClr="000000"/>
+                </a:solidFill>
+              </a:rPr>
+              <a:t>Vision</a:t>
+            </a:r>
+            <a:endParaRPr lang="en-US" dirty="0">
+              <a:solidFill>
+                <a:sysClr val="windowText" lastClr="000000"/>
+              </a:solidFill>
+            </a:endParaRPr>
+          </a:p>
+        </p:txBody>
+      </p:sp>
+      <p:sp>
+        <p:nvSpPr>
+          <p:cNvPr id="8" name="Rounded Rectangle 7"/>
+          <p:cNvSpPr/>
+          <p:nvPr/>
+        </p:nvSpPr>
+        <p:spPr>
+          <a:xfrm>
+            <a:off x="4438186" y="2542478"/>
+            <a:ext cx="3233854" cy="780586"/>
+          </a:xfrm>
+          <a:prstGeom prst="roundRect">
+            <a:avLst/>
+          </a:prstGeom>
+        </p:spPr>
+        <p:style>
+          <a:lnRef idx="2">
+            <a:schemeClr val="accent1">
+              <a:shade val="50000"/>
+            </a:schemeClr>
+          </a:lnRef>
+          <a:fillRef idx="1">
+            <a:schemeClr val="accent1"/>
+          </a:fillRef>
+          <a:effectRef idx="0">
+            <a:schemeClr val="accent1"/>
+          </a:effectRef>
+          <a:fontRef idx="minor">
+            <a:schemeClr val="lt1"/>
+          </a:fontRef>
+        </p:style>
+        <p:txBody>
+          <a:bodyPr rtlCol="0" anchor="ctr"/>
+          <a:lstStyle/>
+          <a:p>
+            <a:pPr algn="ctr"/>
+            <a:r>
+              <a:rPr lang="en-US" altLang="zh-CN" dirty="0" smtClean="0">
+                <a:solidFill>
+                  <a:sysClr val="windowText" lastClr="000000"/>
+                </a:solidFill>
+              </a:rPr>
+              <a:t>Natural</a:t>
+            </a:r>
+            <a:r>
+              <a:rPr lang="zh-CN" altLang="en-US" dirty="0" smtClean="0">
+                <a:solidFill>
+                  <a:sysClr val="windowText" lastClr="000000"/>
+                </a:solidFill>
+              </a:rPr>
+              <a:t> </a:t>
+            </a:r>
+            <a:r>
+              <a:rPr lang="en-US" altLang="zh-CN" dirty="0" smtClean="0">
+                <a:solidFill>
+                  <a:sysClr val="windowText" lastClr="000000"/>
+                </a:solidFill>
+              </a:rPr>
+              <a:t>language processing</a:t>
+            </a:r>
+          </a:p>
+        </p:txBody>
+      </p:sp>
+      <p:sp>
+        <p:nvSpPr>
+          <p:cNvPr id="9" name="Rounded Rectangle 8"/>
+          <p:cNvSpPr/>
+          <p:nvPr/>
+        </p:nvSpPr>
+        <p:spPr>
+          <a:xfrm>
+            <a:off x="7872763" y="2542478"/>
+            <a:ext cx="1535589" cy="780586"/>
+          </a:xfrm>
+          <a:prstGeom prst="roundRect">
+            <a:avLst/>
+          </a:prstGeom>
+        </p:spPr>
+        <p:style>
+          <a:lnRef idx="2">
+            <a:schemeClr val="accent1">
+              <a:shade val="50000"/>
+            </a:schemeClr>
+          </a:lnRef>
+          <a:fillRef idx="1">
+            <a:schemeClr val="accent1"/>
+          </a:fillRef>
+          <a:effectRef idx="0">
+            <a:schemeClr val="accent1"/>
+          </a:effectRef>
+          <a:fontRef idx="minor">
+            <a:schemeClr val="lt1"/>
+          </a:fontRef>
+        </p:style>
+        <p:txBody>
+          <a:bodyPr rtlCol="0" anchor="ctr"/>
+          <a:lstStyle/>
+          <a:p>
+            <a:pPr algn="ctr"/>
+            <a:r>
+              <a:rPr lang="en-US" dirty="0" err="1" smtClean="0">
+                <a:solidFill>
+                  <a:sysClr val="windowText" lastClr="000000"/>
+                </a:solidFill>
+              </a:rPr>
+              <a:t>GameplayKit</a:t>
+            </a:r>
+            <a:endParaRPr lang="en-US" dirty="0" smtClean="0">
+              <a:solidFill>
+                <a:sysClr val="windowText" lastClr="000000"/>
+              </a:solidFill>
+            </a:endParaRPr>
+          </a:p>
+        </p:txBody>
+      </p:sp>
+      <p:sp>
+        <p:nvSpPr>
+          <p:cNvPr id="10" name="Rounded Rectangle 9"/>
+          <p:cNvSpPr/>
+          <p:nvPr/>
+        </p:nvSpPr>
+        <p:spPr>
+          <a:xfrm>
+            <a:off x="2829130" y="3590697"/>
+            <a:ext cx="6579220" cy="780586"/>
+          </a:xfrm>
+          <a:prstGeom prst="roundRect">
+            <a:avLst/>
+          </a:prstGeom>
+        </p:spPr>
+        <p:style>
+          <a:lnRef idx="2">
+            <a:schemeClr val="accent1">
+              <a:shade val="50000"/>
+            </a:schemeClr>
+          </a:lnRef>
+          <a:fillRef idx="1">
+            <a:schemeClr val="accent1"/>
+          </a:fillRef>
+          <a:effectRef idx="0">
+            <a:schemeClr val="accent1"/>
+          </a:effectRef>
+          <a:fontRef idx="minor">
+            <a:schemeClr val="lt1"/>
+          </a:fontRef>
+        </p:style>
+        <p:txBody>
+          <a:bodyPr rtlCol="0" anchor="ctr"/>
+          <a:lstStyle/>
+          <a:p>
+            <a:pPr algn="ctr"/>
+            <a:r>
+              <a:rPr lang="en-US" dirty="0" smtClean="0">
+                <a:solidFill>
+                  <a:sysClr val="windowText" lastClr="000000"/>
+                </a:solidFill>
+              </a:rPr>
+              <a:t>Core ML</a:t>
+            </a:r>
+            <a:endParaRPr lang="en-US" dirty="0">
+              <a:solidFill>
+                <a:sysClr val="windowText" lastClr="000000"/>
+              </a:solidFill>
+            </a:endParaRPr>
+          </a:p>
+        </p:txBody>
+      </p:sp>
+      <p:sp>
+        <p:nvSpPr>
+          <p:cNvPr id="11" name="Rounded Rectangle 10"/>
+          <p:cNvSpPr/>
+          <p:nvPr/>
+        </p:nvSpPr>
+        <p:spPr>
+          <a:xfrm>
+            <a:off x="2829130" y="4627772"/>
+            <a:ext cx="2810107" cy="780586"/>
+          </a:xfrm>
+          <a:prstGeom prst="roundRect">
+            <a:avLst/>
+          </a:prstGeom>
+        </p:spPr>
+        <p:style>
+          <a:lnRef idx="2">
+            <a:schemeClr val="accent1">
+              <a:shade val="50000"/>
+            </a:schemeClr>
+          </a:lnRef>
+          <a:fillRef idx="1">
+            <a:schemeClr val="accent1"/>
+          </a:fillRef>
+          <a:effectRef idx="0">
+            <a:schemeClr val="accent1"/>
+          </a:effectRef>
+          <a:fontRef idx="minor">
+            <a:schemeClr val="lt1"/>
+          </a:fontRef>
+        </p:style>
+        <p:txBody>
+          <a:bodyPr rtlCol="0" anchor="ctr"/>
+          <a:lstStyle/>
+          <a:p>
+            <a:pPr algn="ctr"/>
+            <a:r>
+              <a:rPr lang="en-US" dirty="0" smtClean="0">
+                <a:solidFill>
+                  <a:sysClr val="windowText" lastClr="000000"/>
+                </a:solidFill>
+              </a:rPr>
+              <a:t>Accelerate BNNS</a:t>
+            </a:r>
+            <a:endParaRPr lang="en-US" dirty="0">
+              <a:solidFill>
+                <a:sysClr val="windowText" lastClr="000000"/>
+              </a:solidFill>
+            </a:endParaRPr>
+          </a:p>
+        </p:txBody>
+      </p:sp>
+      <p:sp>
+        <p:nvSpPr>
+          <p:cNvPr id="12" name="Rounded Rectangle 11"/>
+          <p:cNvSpPr/>
+          <p:nvPr/>
+        </p:nvSpPr>
+        <p:spPr>
+          <a:xfrm>
+            <a:off x="5820937" y="4638916"/>
+            <a:ext cx="3587413" cy="780586"/>
+          </a:xfrm>
+          <a:prstGeom prst="roundRect">
+            <a:avLst/>
+          </a:prstGeom>
+        </p:spPr>
+        <p:style>
+          <a:lnRef idx="2">
+            <a:schemeClr val="accent1">
+              <a:shade val="50000"/>
+            </a:schemeClr>
+          </a:lnRef>
+          <a:fillRef idx="1">
+            <a:schemeClr val="accent1"/>
+          </a:fillRef>
+          <a:effectRef idx="0">
+            <a:schemeClr val="accent1"/>
+          </a:effectRef>
+          <a:fontRef idx="minor">
+            <a:schemeClr val="lt1"/>
+          </a:fontRef>
+        </p:style>
+        <p:txBody>
+          <a:bodyPr rtlCol="0" anchor="ctr"/>
+          <a:lstStyle/>
+          <a:p>
+            <a:pPr algn="ctr"/>
+            <a:r>
+              <a:rPr lang="en-US" dirty="0" smtClean="0">
+                <a:solidFill>
+                  <a:sysClr val="windowText" lastClr="000000"/>
+                </a:solidFill>
+              </a:rPr>
+              <a:t>Metal Performance </a:t>
+            </a:r>
+            <a:r>
+              <a:rPr lang="en-US" dirty="0" err="1" smtClean="0">
+                <a:solidFill>
+                  <a:sysClr val="windowText" lastClr="000000"/>
+                </a:solidFill>
+              </a:rPr>
+              <a:t>Shaders</a:t>
+            </a:r>
+            <a:endParaRPr lang="en-US" dirty="0">
+              <a:solidFill>
+                <a:sysClr val="windowText" lastClr="000000"/>
+              </a:solidFill>
+            </a:endParaRPr>
+          </a:p>
+        </p:txBody>
+      </p:sp>
     </p:spTree>
     <p:extLst>
       <p:ext uri="{BB962C8B-B14F-4D97-AF65-F5344CB8AC3E}">
-        <p14:creationId xmlns:p14="http://schemas.microsoft.com/office/powerpoint/2010/main" val="1531837236"/>
+        <p14:creationId xmlns:p14="http://schemas.microsoft.com/office/powerpoint/2010/main" val="528303943"/>
       </p:ext>
     </p:extLst>
   </p:cSld>
@@ -4197,14 +4307,227 @@
       </p:grpSpPr>
       <p:sp>
         <p:nvSpPr>
-          <p:cNvPr id="2" name="TextBox 1"/>
+          <p:cNvPr id="5" name="TextBox 4"/>
           <p:cNvSpPr txBox="1"/>
           <p:nvPr/>
         </p:nvSpPr>
         <p:spPr>
           <a:xfrm>
+            <a:off x="2249201" y="1182504"/>
+            <a:ext cx="2857500" cy="4524315"/>
+          </a:xfrm>
+          <a:prstGeom prst="rect">
+            <a:avLst/>
+          </a:prstGeom>
+          <a:noFill/>
+        </p:spPr>
+        <p:txBody>
+          <a:bodyPr wrap="square" rtlCol="0">
+            <a:spAutoFit/>
+          </a:bodyPr>
+          <a:lstStyle/>
+          <a:p>
+            <a:r>
+              <a:rPr lang="en-US" sz="3000" dirty="0" smtClean="0"/>
+              <a:t>Vision:</a:t>
+            </a:r>
+          </a:p>
+          <a:p>
+            <a:pPr marL="285750" indent="-285750">
+              <a:buFont typeface="Arial" charset="0"/>
+              <a:buChar char="•"/>
+            </a:pPr>
+            <a:r>
+              <a:rPr lang="zh-CN" altLang="en-US" sz="3000" dirty="0" smtClean="0"/>
+              <a:t>面部追踪</a:t>
+            </a:r>
+            <a:endParaRPr lang="en-US" altLang="zh-CN" sz="3000" dirty="0" smtClean="0"/>
+          </a:p>
+          <a:p>
+            <a:pPr marL="285750" indent="-285750">
+              <a:buFont typeface="Arial" charset="0"/>
+              <a:buChar char="•"/>
+            </a:pPr>
+            <a:r>
+              <a:rPr lang="zh-CN" altLang="en-US" sz="3000" dirty="0" smtClean="0"/>
+              <a:t>面部识别</a:t>
+            </a:r>
+            <a:endParaRPr lang="en-US" altLang="zh-CN" sz="3000" dirty="0" smtClean="0"/>
+          </a:p>
+          <a:p>
+            <a:pPr marL="285750" indent="-285750">
+              <a:buFont typeface="Arial" charset="0"/>
+              <a:buChar char="•"/>
+            </a:pPr>
+            <a:r>
+              <a:rPr lang="zh-CN" altLang="en-US" sz="3000" dirty="0" smtClean="0"/>
+              <a:t>地标</a:t>
+            </a:r>
+            <a:endParaRPr lang="en-US" altLang="zh-CN" sz="3000" dirty="0" smtClean="0"/>
+          </a:p>
+          <a:p>
+            <a:pPr marL="285750" indent="-285750">
+              <a:buFont typeface="Arial" charset="0"/>
+              <a:buChar char="•"/>
+            </a:pPr>
+            <a:r>
+              <a:rPr lang="zh-CN" altLang="en-US" sz="3000" dirty="0" smtClean="0"/>
+              <a:t>文本识别</a:t>
+            </a:r>
+            <a:endParaRPr lang="en-US" altLang="zh-CN" sz="3000" dirty="0" smtClean="0"/>
+          </a:p>
+          <a:p>
+            <a:pPr marL="285750" indent="-285750">
+              <a:buFont typeface="Arial" charset="0"/>
+              <a:buChar char="•"/>
+            </a:pPr>
+            <a:r>
+              <a:rPr lang="zh-CN" altLang="en-US" sz="3000" dirty="0" smtClean="0"/>
+              <a:t>正方形识别</a:t>
+            </a:r>
+            <a:endParaRPr lang="en-US" altLang="zh-CN" sz="3000" dirty="0" smtClean="0"/>
+          </a:p>
+          <a:p>
+            <a:pPr marL="285750" indent="-285750">
+              <a:buFont typeface="Arial" charset="0"/>
+              <a:buChar char="•"/>
+            </a:pPr>
+            <a:r>
+              <a:rPr lang="zh-CN" altLang="en-US" sz="3000" dirty="0" smtClean="0"/>
+              <a:t>条码识别</a:t>
+            </a:r>
+            <a:endParaRPr lang="en-US" altLang="zh-CN" sz="3000" dirty="0" smtClean="0"/>
+          </a:p>
+          <a:p>
+            <a:pPr marL="285750" indent="-285750">
+              <a:buFont typeface="Arial" charset="0"/>
+              <a:buChar char="•"/>
+            </a:pPr>
+            <a:r>
+              <a:rPr lang="zh-CN" altLang="en-US" sz="3000" dirty="0" smtClean="0"/>
+              <a:t>物体追踪</a:t>
+            </a:r>
+            <a:endParaRPr lang="en-US" altLang="zh-CN" sz="3000" dirty="0" smtClean="0"/>
+          </a:p>
+          <a:p>
+            <a:pPr marL="285750" indent="-285750">
+              <a:buFont typeface="Arial" charset="0"/>
+              <a:buChar char="•"/>
+            </a:pPr>
+            <a:r>
+              <a:rPr lang="zh-CN" altLang="en-US" sz="3000" dirty="0" smtClean="0"/>
+              <a:t>图像匹配</a:t>
+            </a:r>
+            <a:endParaRPr lang="en-US" altLang="zh-CN" sz="3000" dirty="0" smtClean="0"/>
+          </a:p>
+          <a:p>
+            <a:pPr marL="285750" indent="-285750">
+              <a:buFont typeface="Arial" charset="0"/>
+              <a:buChar char="•"/>
+            </a:pPr>
+            <a:endParaRPr lang="en-US" dirty="0" smtClean="0"/>
+          </a:p>
+        </p:txBody>
+      </p:sp>
+      <p:sp>
+        <p:nvSpPr>
+          <p:cNvPr id="6" name="TextBox 5"/>
+          <p:cNvSpPr txBox="1"/>
+          <p:nvPr/>
+        </p:nvSpPr>
+        <p:spPr>
+          <a:xfrm>
+            <a:off x="7093912" y="1182504"/>
+            <a:ext cx="3291840" cy="2862322"/>
+          </a:xfrm>
+          <a:prstGeom prst="rect">
+            <a:avLst/>
+          </a:prstGeom>
+          <a:noFill/>
+        </p:spPr>
+        <p:txBody>
+          <a:bodyPr wrap="square" rtlCol="0">
+            <a:spAutoFit/>
+          </a:bodyPr>
+          <a:lstStyle/>
+          <a:p>
+            <a:r>
+              <a:rPr lang="en-US" altLang="zh-CN" sz="3000" dirty="0" smtClean="0"/>
+              <a:t>NLP</a:t>
+            </a:r>
+            <a:r>
+              <a:rPr lang="zh-CN" altLang="en-US" sz="3000" dirty="0" smtClean="0"/>
+              <a:t>：</a:t>
+            </a:r>
+            <a:endParaRPr lang="en-US" altLang="zh-CN" sz="3000" dirty="0" smtClean="0"/>
+          </a:p>
+          <a:p>
+            <a:pPr marL="285750" indent="-285750">
+              <a:buFont typeface="Arial" charset="0"/>
+              <a:buChar char="•"/>
+            </a:pPr>
+            <a:r>
+              <a:rPr lang="zh-CN" altLang="en-US" sz="3000" dirty="0" smtClean="0"/>
+              <a:t>语言检测</a:t>
+            </a:r>
+            <a:endParaRPr lang="en-US" altLang="zh-CN" sz="3000" dirty="0" smtClean="0"/>
+          </a:p>
+          <a:p>
+            <a:pPr marL="285750" indent="-285750">
+              <a:buFont typeface="Arial" charset="0"/>
+              <a:buChar char="•"/>
+            </a:pPr>
+            <a:r>
+              <a:rPr lang="zh-CN" altLang="en-US" sz="3000" dirty="0" smtClean="0"/>
+              <a:t>符号化识别</a:t>
+            </a:r>
+            <a:endParaRPr lang="en-US" altLang="zh-CN" sz="3000" dirty="0" smtClean="0"/>
+          </a:p>
+          <a:p>
+            <a:pPr marL="285750" indent="-285750">
+              <a:buFont typeface="Arial" charset="0"/>
+              <a:buChar char="•"/>
+            </a:pPr>
+            <a:r>
+              <a:rPr lang="zh-CN" altLang="en-US" sz="3000" dirty="0" smtClean="0"/>
+              <a:t>词形还原</a:t>
+            </a:r>
+            <a:endParaRPr lang="en-US" altLang="zh-CN" sz="3000" dirty="0" smtClean="0"/>
+          </a:p>
+          <a:p>
+            <a:pPr marL="285750" indent="-285750">
+              <a:buFont typeface="Arial" charset="0"/>
+              <a:buChar char="•"/>
+            </a:pPr>
+            <a:r>
+              <a:rPr lang="zh-CN" altLang="en-US" sz="3000" dirty="0" smtClean="0"/>
+              <a:t>对话分段</a:t>
+            </a:r>
+            <a:endParaRPr lang="en-US" altLang="zh-CN" sz="3000" dirty="0" smtClean="0"/>
+          </a:p>
+          <a:p>
+            <a:pPr marL="285750" indent="-285750">
+              <a:buFont typeface="Arial" charset="0"/>
+              <a:buChar char="•"/>
+            </a:pPr>
+            <a:r>
+              <a:rPr lang="zh-CN" altLang="en-US" sz="3000" dirty="0" smtClean="0"/>
+              <a:t>实体名称识别</a:t>
+            </a:r>
+            <a:endParaRPr lang="en-US" sz="3000" dirty="0"/>
+          </a:p>
+        </p:txBody>
+      </p:sp>
+      <p:sp>
+        <p:nvSpPr>
+          <p:cNvPr id="7" name="TextBox 6"/>
+          <p:cNvSpPr txBox="1"/>
+          <p:nvPr/>
+        </p:nvSpPr>
+        <p:spPr>
+          <a:xfrm>
             <a:off x="540000" y="540000"/>
-            <a:ext cx="3150093" cy="553998"/>
+            <a:ext cx="1723549" cy="553998"/>
           </a:xfrm>
           <a:prstGeom prst="rect">
             <a:avLst/>
@@ -4235,89 +4558,16 @@
               </a:rPr>
               <a:t>ML</a:t>
             </a:r>
-            <a:r>
-              <a:rPr lang="zh-CN" altLang="en-US" sz="3000" b="1" dirty="0" smtClean="0">
-                <a:latin typeface="Helvetica Bold" charset="0"/>
-              </a:rPr>
-              <a:t> </a:t>
-            </a:r>
-            <a:r>
-              <a:rPr lang="en-US" altLang="zh-CN" sz="3000" b="1" dirty="0" smtClean="0">
-                <a:latin typeface="Helvetica Bold" charset="0"/>
-              </a:rPr>
-              <a:t>Models</a:t>
-            </a:r>
             <a:endParaRPr lang="en-US" sz="3000" b="1" dirty="0">
               <a:latin typeface="Helvetica Bold" charset="0"/>
             </a:endParaRPr>
           </a:p>
         </p:txBody>
       </p:sp>
-      <p:pic>
-        <p:nvPicPr>
-          <p:cNvPr id="3" name="Picture 2"/>
-          <p:cNvPicPr>
-            <a:picLocks noChangeAspect="1"/>
-          </p:cNvPicPr>
-          <p:nvPr/>
-        </p:nvPicPr>
-        <p:blipFill>
-          <a:blip r:embed="rId2"/>
-          <a:stretch>
-            <a:fillRect/>
-          </a:stretch>
-        </p:blipFill>
-        <p:spPr>
-          <a:xfrm>
-            <a:off x="3553710" y="2497735"/>
-            <a:ext cx="5054600" cy="2971800"/>
-          </a:xfrm>
-          <a:prstGeom prst="rect">
-            <a:avLst/>
-          </a:prstGeom>
-        </p:spPr>
-      </p:pic>
-      <p:sp>
-        <p:nvSpPr>
-          <p:cNvPr id="4" name="TextBox 3"/>
-          <p:cNvSpPr txBox="1"/>
-          <p:nvPr/>
-        </p:nvSpPr>
-        <p:spPr>
-          <a:xfrm>
-            <a:off x="540000" y="1324071"/>
-            <a:ext cx="4698402" cy="369332"/>
-          </a:xfrm>
-          <a:prstGeom prst="rect">
-            <a:avLst/>
-          </a:prstGeom>
-          <a:noFill/>
-        </p:spPr>
-        <p:txBody>
-          <a:bodyPr wrap="none" rtlCol="0">
-            <a:spAutoFit/>
-          </a:bodyPr>
-          <a:lstStyle/>
-          <a:p>
-            <a:r>
-              <a:rPr lang="en-US" dirty="0"/>
-              <a:t>https://</a:t>
-            </a:r>
-            <a:r>
-              <a:rPr lang="en-US" dirty="0" err="1"/>
-              <a:t>developer.apple.com</a:t>
-            </a:r>
-            <a:r>
-              <a:rPr lang="en-US" dirty="0"/>
-              <a:t>/machine-learning/</a:t>
-            </a:r>
-          </a:p>
-        </p:txBody>
-      </p:sp>
     </p:spTree>
     <p:extLst>
       <p:ext uri="{BB962C8B-B14F-4D97-AF65-F5344CB8AC3E}">
-        <p14:creationId xmlns:p14="http://schemas.microsoft.com/office/powerpoint/2010/main" val="819567566"/>
+        <p14:creationId xmlns:p14="http://schemas.microsoft.com/office/powerpoint/2010/main" val="1531837236"/>
       </p:ext>
     </p:extLst>
   </p:cSld>
@@ -4411,7 +4661,7 @@
       </p:sp>
       <p:pic>
         <p:nvPicPr>
-          <p:cNvPr id="5" name="Picture 4"/>
+          <p:cNvPr id="3" name="Picture 2"/>
           <p:cNvPicPr>
             <a:picLocks noChangeAspect="1"/>
           </p:cNvPicPr>
@@ -4425,8 +4675,8 @@
         </p:blipFill>
         <p:spPr>
           <a:xfrm>
-            <a:off x="2700742" y="2017737"/>
-            <a:ext cx="6515100" cy="4381500"/>
+            <a:off x="3553710" y="2497735"/>
+            <a:ext cx="5054600" cy="2971800"/>
           </a:xfrm>
           <a:prstGeom prst="rect">
             <a:avLst/>
@@ -4435,14 +4685,14 @@
       </p:pic>
       <p:sp>
         <p:nvSpPr>
-          <p:cNvPr id="6" name="TextBox 5"/>
+          <p:cNvPr id="4" name="TextBox 3"/>
           <p:cNvSpPr txBox="1"/>
           <p:nvPr/>
         </p:nvSpPr>
         <p:spPr>
           <a:xfrm>
-            <a:off x="540000" y="1371201"/>
-            <a:ext cx="8995219" cy="369332"/>
+            <a:off x="540000" y="1324071"/>
+            <a:ext cx="4698402" cy="369332"/>
           </a:xfrm>
           <a:prstGeom prst="rect">
             <a:avLst/>
@@ -4465,28 +4715,15 @@
             </a:r>
             <a:r>
               <a:rPr lang="en-US" dirty="0"/>
-              <a:t>/documentation/</a:t>
-            </a:r>
-            <a:r>
-              <a:rPr lang="en-US" dirty="0" err="1"/>
-              <a:t>coreml</a:t>
-            </a:r>
-            <a:r>
-              <a:rPr lang="en-US" dirty="0"/>
-              <a:t>/</a:t>
-            </a:r>
-            <a:r>
-              <a:rPr lang="en-US" dirty="0" err="1"/>
-              <a:t>converting_trained_models_to_core_ml</a:t>
-            </a:r>
-            <a:endParaRPr lang="en-US" dirty="0"/>
+              <a:t>/machine-learning/</a:t>
+            </a:r>
           </a:p>
         </p:txBody>
       </p:sp>
     </p:spTree>
     <p:extLst>
       <p:ext uri="{BB962C8B-B14F-4D97-AF65-F5344CB8AC3E}">
-        <p14:creationId xmlns:p14="http://schemas.microsoft.com/office/powerpoint/2010/main" val="1379326212"/>
+        <p14:creationId xmlns:p14="http://schemas.microsoft.com/office/powerpoint/2010/main" val="819567566"/>
       </p:ext>
     </p:extLst>
   </p:cSld>
@@ -4520,10 +4757,988 @@
           <a:chExt cx="0" cy="0"/>
         </a:xfrm>
       </p:grpSpPr>
+      <p:sp>
+        <p:nvSpPr>
+          <p:cNvPr id="2" name="TextBox 1"/>
+          <p:cNvSpPr txBox="1"/>
+          <p:nvPr/>
+        </p:nvSpPr>
+        <p:spPr>
+          <a:xfrm>
+            <a:off x="540000" y="540000"/>
+            <a:ext cx="3150093" cy="553998"/>
+          </a:xfrm>
+          <a:prstGeom prst="rect">
+            <a:avLst/>
+          </a:prstGeom>
+          <a:noFill/>
+        </p:spPr>
+        <p:txBody>
+          <a:bodyPr wrap="none" rtlCol="0">
+            <a:spAutoFit/>
+          </a:bodyPr>
+          <a:lstStyle/>
+          <a:p>
+            <a:r>
+              <a:rPr lang="en-US" altLang="zh-CN" sz="3000" b="1" dirty="0" smtClean="0">
+                <a:latin typeface="Helvetica Bold" charset="0"/>
+              </a:rPr>
+              <a:t>Core</a:t>
+            </a:r>
+            <a:r>
+              <a:rPr lang="zh-CN" altLang="en-US" sz="3000" b="1" dirty="0" smtClean="0">
+                <a:latin typeface="Helvetica Bold" charset="0"/>
+              </a:rPr>
+              <a:t> </a:t>
+            </a:r>
+            <a:r>
+              <a:rPr lang="en-US" altLang="zh-CN" sz="3000" b="1" dirty="0" smtClean="0">
+                <a:latin typeface="Helvetica Bold" charset="0"/>
+              </a:rPr>
+              <a:t>ML</a:t>
+            </a:r>
+            <a:r>
+              <a:rPr lang="zh-CN" altLang="en-US" sz="3000" b="1" dirty="0" smtClean="0">
+                <a:latin typeface="Helvetica Bold" charset="0"/>
+              </a:rPr>
+              <a:t> </a:t>
+            </a:r>
+            <a:r>
+              <a:rPr lang="en-US" altLang="zh-CN" sz="3000" b="1" dirty="0" smtClean="0">
+                <a:latin typeface="Helvetica Bold" charset="0"/>
+              </a:rPr>
+              <a:t>Models</a:t>
+            </a:r>
+            <a:endParaRPr lang="en-US" sz="3000" b="1" dirty="0">
+              <a:latin typeface="Helvetica Bold" charset="0"/>
+            </a:endParaRPr>
+          </a:p>
+        </p:txBody>
+      </p:sp>
+      <p:pic>
+        <p:nvPicPr>
+          <p:cNvPr id="5" name="Picture 4"/>
+          <p:cNvPicPr>
+            <a:picLocks noChangeAspect="1"/>
+          </p:cNvPicPr>
+          <p:nvPr/>
+        </p:nvPicPr>
+        <p:blipFill>
+          <a:blip r:embed="rId2"/>
+          <a:stretch>
+            <a:fillRect/>
+          </a:stretch>
+        </p:blipFill>
+        <p:spPr>
+          <a:xfrm>
+            <a:off x="2700742" y="2017737"/>
+            <a:ext cx="6515100" cy="4381500"/>
+          </a:xfrm>
+          <a:prstGeom prst="rect">
+            <a:avLst/>
+          </a:prstGeom>
+        </p:spPr>
+      </p:pic>
+      <p:sp>
+        <p:nvSpPr>
+          <p:cNvPr id="6" name="TextBox 5"/>
+          <p:cNvSpPr txBox="1"/>
+          <p:nvPr/>
+        </p:nvSpPr>
+        <p:spPr>
+          <a:xfrm>
+            <a:off x="540000" y="1371201"/>
+            <a:ext cx="8995219" cy="369332"/>
+          </a:xfrm>
+          <a:prstGeom prst="rect">
+            <a:avLst/>
+          </a:prstGeom>
+          <a:noFill/>
+        </p:spPr>
+        <p:txBody>
+          <a:bodyPr wrap="none" rtlCol="0">
+            <a:spAutoFit/>
+          </a:bodyPr>
+          <a:lstStyle/>
+          <a:p>
+            <a:r>
+              <a:rPr lang="en-US" dirty="0"/>
+              <a:t>https://</a:t>
+            </a:r>
+            <a:r>
+              <a:rPr lang="en-US" dirty="0" err="1"/>
+              <a:t>developer.apple.com</a:t>
+            </a:r>
+            <a:r>
+              <a:rPr lang="en-US" dirty="0"/>
+              <a:t>/documentation/</a:t>
+            </a:r>
+            <a:r>
+              <a:rPr lang="en-US" dirty="0" err="1"/>
+              <a:t>coreml</a:t>
+            </a:r>
+            <a:r>
+              <a:rPr lang="en-US" dirty="0"/>
+              <a:t>/</a:t>
+            </a:r>
+            <a:r>
+              <a:rPr lang="en-US" dirty="0" err="1"/>
+              <a:t>converting_trained_models_to_core_ml</a:t>
+            </a:r>
+            <a:endParaRPr lang="en-US" dirty="0"/>
+          </a:p>
+        </p:txBody>
+      </p:sp>
     </p:spTree>
     <p:extLst>
       <p:ext uri="{BB962C8B-B14F-4D97-AF65-F5344CB8AC3E}">
-        <p14:creationId xmlns:p14="http://schemas.microsoft.com/office/powerpoint/2010/main" val="597260144"/>
+        <p14:creationId xmlns:p14="http://schemas.microsoft.com/office/powerpoint/2010/main" val="1379326212"/>
+      </p:ext>
+    </p:extLst>
+  </p:cSld>
+  <p:clrMapOvr>
+    <a:masterClrMapping/>
+  </p:clrMapOvr>
+  <p:timing>
+    <p:tnLst>
+      <p:par>
+        <p:cTn id="1" dur="indefinite" restart="never" nodeType="tmRoot"/>
+      </p:par>
+    </p:tnLst>
+  </p:timing>
+</p:sld>
+</file>
+
+<file path=ppt/slides/slide15.xml><?xml version="1.0" encoding="utf-8"?>
+<p:sld xmlns:a="http://schemas.openxmlformats.org/drawingml/2006/main" xmlns:r="http://schemas.openxmlformats.org/officeDocument/2006/relationships" xmlns:p="http://schemas.openxmlformats.org/presentationml/2006/main">
+  <p:cSld>
+    <p:spTree>
+      <p:nvGrpSpPr>
+        <p:cNvPr id="1" name=""/>
+        <p:cNvGrpSpPr/>
+        <p:nvPr/>
+      </p:nvGrpSpPr>
+      <p:grpSpPr>
+        <a:xfrm>
+          <a:off x="0" y="0"/>
+          <a:ext cx="0" cy="0"/>
+          <a:chOff x="0" y="0"/>
+          <a:chExt cx="0" cy="0"/>
+        </a:xfrm>
+      </p:grpSpPr>
+      <p:sp>
+        <p:nvSpPr>
+          <p:cNvPr id="2" name="TextBox 1"/>
+          <p:cNvSpPr txBox="1"/>
+          <p:nvPr/>
+        </p:nvSpPr>
+        <p:spPr>
+          <a:xfrm>
+            <a:off x="540000" y="540000"/>
+            <a:ext cx="2021707" cy="553998"/>
+          </a:xfrm>
+          <a:prstGeom prst="rect">
+            <a:avLst/>
+          </a:prstGeom>
+          <a:noFill/>
+        </p:spPr>
+        <p:txBody>
+          <a:bodyPr wrap="none" rtlCol="0">
+            <a:spAutoFit/>
+          </a:bodyPr>
+          <a:lstStyle/>
+          <a:p>
+            <a:r>
+              <a:rPr lang="en-US" altLang="zh-CN" sz="3000" b="1" dirty="0" smtClean="0">
+                <a:latin typeface="Helvetica Bold" charset="0"/>
+              </a:rPr>
+              <a:t>Demo</a:t>
+            </a:r>
+            <a:r>
+              <a:rPr lang="zh-CN" altLang="en-US" sz="3000" b="1" dirty="0" smtClean="0">
+                <a:latin typeface="Helvetica Bold" charset="0"/>
+              </a:rPr>
+              <a:t>说明</a:t>
+            </a:r>
+            <a:endParaRPr lang="en-US" altLang="zh-CN" sz="3000" b="1" dirty="0" smtClean="0">
+              <a:latin typeface="Helvetica Bold" charset="0"/>
+            </a:endParaRPr>
+          </a:p>
+        </p:txBody>
+      </p:sp>
+      <p:sp>
+        <p:nvSpPr>
+          <p:cNvPr id="4" name="TextBox 3"/>
+          <p:cNvSpPr txBox="1"/>
+          <p:nvPr/>
+        </p:nvSpPr>
+        <p:spPr>
+          <a:xfrm>
+            <a:off x="540000" y="1213658"/>
+            <a:ext cx="759888" cy="369332"/>
+          </a:xfrm>
+          <a:prstGeom prst="rect">
+            <a:avLst/>
+          </a:prstGeom>
+          <a:noFill/>
+        </p:spPr>
+        <p:txBody>
+          <a:bodyPr wrap="none" rtlCol="0">
+            <a:spAutoFit/>
+          </a:bodyPr>
+          <a:lstStyle/>
+          <a:p>
+            <a:r>
+              <a:rPr lang="en-US" altLang="zh-CN" dirty="0" err="1" smtClean="0"/>
+              <a:t>Xcode</a:t>
+            </a:r>
+            <a:endParaRPr lang="en-US" altLang="zh-CN" dirty="0" smtClean="0"/>
+          </a:p>
+        </p:txBody>
+      </p:sp>
+      <p:pic>
+        <p:nvPicPr>
+          <p:cNvPr id="9" name="Picture 8"/>
+          <p:cNvPicPr>
+            <a:picLocks noChangeAspect="1"/>
+          </p:cNvPicPr>
+          <p:nvPr/>
+        </p:nvPicPr>
+        <p:blipFill>
+          <a:blip r:embed="rId2"/>
+          <a:stretch>
+            <a:fillRect/>
+          </a:stretch>
+        </p:blipFill>
+        <p:spPr>
+          <a:xfrm>
+            <a:off x="1752899" y="1582990"/>
+            <a:ext cx="8686201" cy="4821538"/>
+          </a:xfrm>
+          <a:prstGeom prst="rect">
+            <a:avLst/>
+          </a:prstGeom>
+        </p:spPr>
+      </p:pic>
+    </p:spTree>
+    <p:extLst>
+      <p:ext uri="{BB962C8B-B14F-4D97-AF65-F5344CB8AC3E}">
+        <p14:creationId xmlns:p14="http://schemas.microsoft.com/office/powerpoint/2010/main" val="1416485987"/>
+      </p:ext>
+    </p:extLst>
+  </p:cSld>
+  <p:clrMapOvr>
+    <a:masterClrMapping/>
+  </p:clrMapOvr>
+  <p:timing>
+    <p:tnLst>
+      <p:par>
+        <p:cTn id="1" dur="indefinite" restart="never" nodeType="tmRoot"/>
+      </p:par>
+    </p:tnLst>
+  </p:timing>
+</p:sld>
+</file>
+
+<file path=ppt/slides/slide16.xml><?xml version="1.0" encoding="utf-8"?>
+<p:sld xmlns:a="http://schemas.openxmlformats.org/drawingml/2006/main" xmlns:r="http://schemas.openxmlformats.org/officeDocument/2006/relationships" xmlns:p="http://schemas.openxmlformats.org/presentationml/2006/main">
+  <p:cSld>
+    <p:spTree>
+      <p:nvGrpSpPr>
+        <p:cNvPr id="1" name=""/>
+        <p:cNvGrpSpPr/>
+        <p:nvPr/>
+      </p:nvGrpSpPr>
+      <p:grpSpPr>
+        <a:xfrm>
+          <a:off x="0" y="0"/>
+          <a:ext cx="0" cy="0"/>
+          <a:chOff x="0" y="0"/>
+          <a:chExt cx="0" cy="0"/>
+        </a:xfrm>
+      </p:grpSpPr>
+      <p:sp>
+        <p:nvSpPr>
+          <p:cNvPr id="2" name="TextBox 1"/>
+          <p:cNvSpPr txBox="1"/>
+          <p:nvPr/>
+        </p:nvSpPr>
+        <p:spPr>
+          <a:xfrm>
+            <a:off x="540000" y="540000"/>
+            <a:ext cx="2021707" cy="553998"/>
+          </a:xfrm>
+          <a:prstGeom prst="rect">
+            <a:avLst/>
+          </a:prstGeom>
+          <a:noFill/>
+        </p:spPr>
+        <p:txBody>
+          <a:bodyPr wrap="none" rtlCol="0">
+            <a:spAutoFit/>
+          </a:bodyPr>
+          <a:lstStyle/>
+          <a:p>
+            <a:r>
+              <a:rPr lang="en-US" altLang="zh-CN" sz="3000" b="1" dirty="0" smtClean="0">
+                <a:latin typeface="Helvetica Bold" charset="0"/>
+              </a:rPr>
+              <a:t>Demo</a:t>
+            </a:r>
+            <a:r>
+              <a:rPr lang="zh-CN" altLang="en-US" sz="3000" b="1" dirty="0" smtClean="0">
+                <a:latin typeface="Helvetica Bold" charset="0"/>
+              </a:rPr>
+              <a:t>说明</a:t>
+            </a:r>
+            <a:endParaRPr lang="en-US" altLang="zh-CN" sz="3000" b="1" dirty="0" smtClean="0">
+              <a:latin typeface="Helvetica Bold" charset="0"/>
+            </a:endParaRPr>
+          </a:p>
+        </p:txBody>
+      </p:sp>
+      <p:sp>
+        <p:nvSpPr>
+          <p:cNvPr id="4" name="TextBox 3"/>
+          <p:cNvSpPr txBox="1"/>
+          <p:nvPr/>
+        </p:nvSpPr>
+        <p:spPr>
+          <a:xfrm>
+            <a:off x="540000" y="1213658"/>
+            <a:ext cx="759888" cy="369332"/>
+          </a:xfrm>
+          <a:prstGeom prst="rect">
+            <a:avLst/>
+          </a:prstGeom>
+          <a:noFill/>
+        </p:spPr>
+        <p:txBody>
+          <a:bodyPr wrap="none" rtlCol="0">
+            <a:spAutoFit/>
+          </a:bodyPr>
+          <a:lstStyle/>
+          <a:p>
+            <a:r>
+              <a:rPr lang="en-US" altLang="zh-CN" dirty="0" err="1" smtClean="0"/>
+              <a:t>Xcode</a:t>
+            </a:r>
+            <a:endParaRPr lang="en-US" altLang="zh-CN" dirty="0" smtClean="0"/>
+          </a:p>
+        </p:txBody>
+      </p:sp>
+      <p:pic>
+        <p:nvPicPr>
+          <p:cNvPr id="9" name="Picture 8"/>
+          <p:cNvPicPr>
+            <a:picLocks noChangeAspect="1"/>
+          </p:cNvPicPr>
+          <p:nvPr/>
+        </p:nvPicPr>
+        <p:blipFill>
+          <a:blip r:embed="rId2"/>
+          <a:stretch>
+            <a:fillRect/>
+          </a:stretch>
+        </p:blipFill>
+        <p:spPr>
+          <a:xfrm>
+            <a:off x="1752899" y="1582990"/>
+            <a:ext cx="8686201" cy="4821538"/>
+          </a:xfrm>
+          <a:prstGeom prst="rect">
+            <a:avLst/>
+          </a:prstGeom>
+        </p:spPr>
+      </p:pic>
+      <p:sp>
+        <p:nvSpPr>
+          <p:cNvPr id="3" name="Rectangle 2"/>
+          <p:cNvSpPr/>
+          <p:nvPr/>
+        </p:nvSpPr>
+        <p:spPr>
+          <a:xfrm>
+            <a:off x="1752899" y="3521123"/>
+            <a:ext cx="8686201" cy="2883406"/>
+          </a:xfrm>
+          <a:prstGeom prst="rect">
+            <a:avLst/>
+          </a:prstGeom>
+          <a:solidFill>
+            <a:schemeClr val="bg1">
+              <a:alpha val="70000"/>
+            </a:schemeClr>
+          </a:solidFill>
+          <a:ln>
+            <a:noFill/>
+          </a:ln>
+        </p:spPr>
+        <p:style>
+          <a:lnRef idx="2">
+            <a:schemeClr val="accent1">
+              <a:shade val="50000"/>
+            </a:schemeClr>
+          </a:lnRef>
+          <a:fillRef idx="1">
+            <a:schemeClr val="accent1"/>
+          </a:fillRef>
+          <a:effectRef idx="0">
+            <a:schemeClr val="accent1"/>
+          </a:effectRef>
+          <a:fontRef idx="minor">
+            <a:schemeClr val="lt1"/>
+          </a:fontRef>
+        </p:style>
+        <p:txBody>
+          <a:bodyPr rtlCol="0" anchor="ctr"/>
+          <a:lstStyle/>
+          <a:p>
+            <a:pPr algn="ctr"/>
+            <a:endParaRPr lang="en-US"/>
+          </a:p>
+        </p:txBody>
+      </p:sp>
+    </p:spTree>
+    <p:extLst>
+      <p:ext uri="{BB962C8B-B14F-4D97-AF65-F5344CB8AC3E}">
+        <p14:creationId xmlns:p14="http://schemas.microsoft.com/office/powerpoint/2010/main" val="1777833112"/>
+      </p:ext>
+    </p:extLst>
+  </p:cSld>
+  <p:clrMapOvr>
+    <a:masterClrMapping/>
+  </p:clrMapOvr>
+  <p:timing>
+    <p:tnLst>
+      <p:par>
+        <p:cTn id="1" dur="indefinite" restart="never" nodeType="tmRoot"/>
+      </p:par>
+    </p:tnLst>
+  </p:timing>
+</p:sld>
+</file>
+
+<file path=ppt/slides/slide17.xml><?xml version="1.0" encoding="utf-8"?>
+<p:sld xmlns:a="http://schemas.openxmlformats.org/drawingml/2006/main" xmlns:r="http://schemas.openxmlformats.org/officeDocument/2006/relationships" xmlns:p="http://schemas.openxmlformats.org/presentationml/2006/main">
+  <p:cSld>
+    <p:spTree>
+      <p:nvGrpSpPr>
+        <p:cNvPr id="1" name=""/>
+        <p:cNvGrpSpPr/>
+        <p:nvPr/>
+      </p:nvGrpSpPr>
+      <p:grpSpPr>
+        <a:xfrm>
+          <a:off x="0" y="0"/>
+          <a:ext cx="0" cy="0"/>
+          <a:chOff x="0" y="0"/>
+          <a:chExt cx="0" cy="0"/>
+        </a:xfrm>
+      </p:grpSpPr>
+      <p:sp>
+        <p:nvSpPr>
+          <p:cNvPr id="2" name="TextBox 1"/>
+          <p:cNvSpPr txBox="1"/>
+          <p:nvPr/>
+        </p:nvSpPr>
+        <p:spPr>
+          <a:xfrm>
+            <a:off x="540000" y="540000"/>
+            <a:ext cx="2021707" cy="553998"/>
+          </a:xfrm>
+          <a:prstGeom prst="rect">
+            <a:avLst/>
+          </a:prstGeom>
+          <a:noFill/>
+        </p:spPr>
+        <p:txBody>
+          <a:bodyPr wrap="none" rtlCol="0">
+            <a:spAutoFit/>
+          </a:bodyPr>
+          <a:lstStyle/>
+          <a:p>
+            <a:r>
+              <a:rPr lang="en-US" altLang="zh-CN" sz="3000" b="1" dirty="0" smtClean="0">
+                <a:latin typeface="Helvetica Bold" charset="0"/>
+              </a:rPr>
+              <a:t>Demo</a:t>
+            </a:r>
+            <a:r>
+              <a:rPr lang="zh-CN" altLang="en-US" sz="3000" b="1" dirty="0" smtClean="0">
+                <a:latin typeface="Helvetica Bold" charset="0"/>
+              </a:rPr>
+              <a:t>说明</a:t>
+            </a:r>
+            <a:endParaRPr lang="en-US" altLang="zh-CN" sz="3000" b="1" dirty="0" smtClean="0">
+              <a:latin typeface="Helvetica Bold" charset="0"/>
+            </a:endParaRPr>
+          </a:p>
+        </p:txBody>
+      </p:sp>
+      <p:sp>
+        <p:nvSpPr>
+          <p:cNvPr id="4" name="TextBox 3"/>
+          <p:cNvSpPr txBox="1"/>
+          <p:nvPr/>
+        </p:nvSpPr>
+        <p:spPr>
+          <a:xfrm>
+            <a:off x="540000" y="1213658"/>
+            <a:ext cx="759888" cy="369332"/>
+          </a:xfrm>
+          <a:prstGeom prst="rect">
+            <a:avLst/>
+          </a:prstGeom>
+          <a:noFill/>
+        </p:spPr>
+        <p:txBody>
+          <a:bodyPr wrap="none" rtlCol="0">
+            <a:spAutoFit/>
+          </a:bodyPr>
+          <a:lstStyle/>
+          <a:p>
+            <a:r>
+              <a:rPr lang="en-US" altLang="zh-CN" dirty="0" err="1" smtClean="0"/>
+              <a:t>Xcode</a:t>
+            </a:r>
+            <a:endParaRPr lang="en-US" altLang="zh-CN" dirty="0" smtClean="0"/>
+          </a:p>
+        </p:txBody>
+      </p:sp>
+      <p:pic>
+        <p:nvPicPr>
+          <p:cNvPr id="9" name="Picture 8"/>
+          <p:cNvPicPr>
+            <a:picLocks noChangeAspect="1"/>
+          </p:cNvPicPr>
+          <p:nvPr/>
+        </p:nvPicPr>
+        <p:blipFill>
+          <a:blip r:embed="rId2"/>
+          <a:stretch>
+            <a:fillRect/>
+          </a:stretch>
+        </p:blipFill>
+        <p:spPr>
+          <a:xfrm>
+            <a:off x="1752899" y="1582990"/>
+            <a:ext cx="8686201" cy="4821538"/>
+          </a:xfrm>
+          <a:prstGeom prst="rect">
+            <a:avLst/>
+          </a:prstGeom>
+        </p:spPr>
+      </p:pic>
+      <p:sp>
+        <p:nvSpPr>
+          <p:cNvPr id="3" name="Rectangle 2"/>
+          <p:cNvSpPr/>
+          <p:nvPr/>
+        </p:nvSpPr>
+        <p:spPr>
+          <a:xfrm>
+            <a:off x="1752899" y="1582990"/>
+            <a:ext cx="8686201" cy="2934419"/>
+          </a:xfrm>
+          <a:prstGeom prst="rect">
+            <a:avLst/>
+          </a:prstGeom>
+          <a:solidFill>
+            <a:schemeClr val="bg1">
+              <a:alpha val="70000"/>
+            </a:schemeClr>
+          </a:solidFill>
+          <a:ln>
+            <a:noFill/>
+          </a:ln>
+        </p:spPr>
+        <p:style>
+          <a:lnRef idx="2">
+            <a:schemeClr val="accent1">
+              <a:shade val="50000"/>
+            </a:schemeClr>
+          </a:lnRef>
+          <a:fillRef idx="1">
+            <a:schemeClr val="accent1"/>
+          </a:fillRef>
+          <a:effectRef idx="0">
+            <a:schemeClr val="accent1"/>
+          </a:effectRef>
+          <a:fontRef idx="minor">
+            <a:schemeClr val="lt1"/>
+          </a:fontRef>
+        </p:style>
+        <p:txBody>
+          <a:bodyPr rtlCol="0" anchor="ctr"/>
+          <a:lstStyle/>
+          <a:p>
+            <a:pPr algn="ctr"/>
+            <a:endParaRPr lang="en-US"/>
+          </a:p>
+        </p:txBody>
+      </p:sp>
+    </p:spTree>
+    <p:extLst>
+      <p:ext uri="{BB962C8B-B14F-4D97-AF65-F5344CB8AC3E}">
+        <p14:creationId xmlns:p14="http://schemas.microsoft.com/office/powerpoint/2010/main" val="1417596115"/>
+      </p:ext>
+    </p:extLst>
+  </p:cSld>
+  <p:clrMapOvr>
+    <a:masterClrMapping/>
+  </p:clrMapOvr>
+  <p:timing>
+    <p:tnLst>
+      <p:par>
+        <p:cTn id="1" dur="indefinite" restart="never" nodeType="tmRoot"/>
+      </p:par>
+    </p:tnLst>
+  </p:timing>
+</p:sld>
+</file>
+
+<file path=ppt/slides/slide18.xml><?xml version="1.0" encoding="utf-8"?>
+<p:sld xmlns:a="http://schemas.openxmlformats.org/drawingml/2006/main" xmlns:r="http://schemas.openxmlformats.org/officeDocument/2006/relationships" xmlns:p="http://schemas.openxmlformats.org/presentationml/2006/main">
+  <p:cSld>
+    <p:spTree>
+      <p:nvGrpSpPr>
+        <p:cNvPr id="1" name=""/>
+        <p:cNvGrpSpPr/>
+        <p:nvPr/>
+      </p:nvGrpSpPr>
+      <p:grpSpPr>
+        <a:xfrm>
+          <a:off x="0" y="0"/>
+          <a:ext cx="0" cy="0"/>
+          <a:chOff x="0" y="0"/>
+          <a:chExt cx="0" cy="0"/>
+        </a:xfrm>
+      </p:grpSpPr>
+      <p:sp>
+        <p:nvSpPr>
+          <p:cNvPr id="2" name="TextBox 1"/>
+          <p:cNvSpPr txBox="1"/>
+          <p:nvPr/>
+        </p:nvSpPr>
+        <p:spPr>
+          <a:xfrm>
+            <a:off x="540000" y="540000"/>
+            <a:ext cx="2021707" cy="553998"/>
+          </a:xfrm>
+          <a:prstGeom prst="rect">
+            <a:avLst/>
+          </a:prstGeom>
+          <a:noFill/>
+        </p:spPr>
+        <p:txBody>
+          <a:bodyPr wrap="none" rtlCol="0">
+            <a:spAutoFit/>
+          </a:bodyPr>
+          <a:lstStyle/>
+          <a:p>
+            <a:r>
+              <a:rPr lang="en-US" altLang="zh-CN" sz="3000" b="1" dirty="0" smtClean="0">
+                <a:latin typeface="Helvetica Bold" charset="0"/>
+              </a:rPr>
+              <a:t>Demo</a:t>
+            </a:r>
+            <a:r>
+              <a:rPr lang="zh-CN" altLang="en-US" sz="3000" b="1" dirty="0" smtClean="0">
+                <a:latin typeface="Helvetica Bold" charset="0"/>
+              </a:rPr>
+              <a:t>说明</a:t>
+            </a:r>
+            <a:endParaRPr lang="en-US" altLang="zh-CN" sz="3000" b="1" dirty="0" smtClean="0">
+              <a:latin typeface="Helvetica Bold" charset="0"/>
+            </a:endParaRPr>
+          </a:p>
+        </p:txBody>
+      </p:sp>
+      <p:sp>
+        <p:nvSpPr>
+          <p:cNvPr id="4" name="TextBox 3"/>
+          <p:cNvSpPr txBox="1"/>
+          <p:nvPr/>
+        </p:nvSpPr>
+        <p:spPr>
+          <a:xfrm>
+            <a:off x="540000" y="1213658"/>
+            <a:ext cx="759888" cy="369332"/>
+          </a:xfrm>
+          <a:prstGeom prst="rect">
+            <a:avLst/>
+          </a:prstGeom>
+          <a:noFill/>
+        </p:spPr>
+        <p:txBody>
+          <a:bodyPr wrap="none" rtlCol="0">
+            <a:spAutoFit/>
+          </a:bodyPr>
+          <a:lstStyle/>
+          <a:p>
+            <a:r>
+              <a:rPr lang="en-US" altLang="zh-CN" dirty="0" err="1" smtClean="0"/>
+              <a:t>Xcode</a:t>
+            </a:r>
+            <a:endParaRPr lang="en-US" altLang="zh-CN" dirty="0" smtClean="0"/>
+          </a:p>
+        </p:txBody>
+      </p:sp>
+      <p:pic>
+        <p:nvPicPr>
+          <p:cNvPr id="9" name="Picture 8"/>
+          <p:cNvPicPr>
+            <a:picLocks noChangeAspect="1"/>
+          </p:cNvPicPr>
+          <p:nvPr/>
+        </p:nvPicPr>
+        <p:blipFill>
+          <a:blip r:embed="rId2"/>
+          <a:stretch>
+            <a:fillRect/>
+          </a:stretch>
+        </p:blipFill>
+        <p:spPr>
+          <a:xfrm>
+            <a:off x="1752899" y="1582990"/>
+            <a:ext cx="8686201" cy="4821538"/>
+          </a:xfrm>
+          <a:prstGeom prst="rect">
+            <a:avLst/>
+          </a:prstGeom>
+        </p:spPr>
+      </p:pic>
+      <p:sp>
+        <p:nvSpPr>
+          <p:cNvPr id="3" name="Rectangle 2"/>
+          <p:cNvSpPr/>
+          <p:nvPr/>
+        </p:nvSpPr>
+        <p:spPr>
+          <a:xfrm>
+            <a:off x="1752899" y="1582991"/>
+            <a:ext cx="8686201" cy="1938132"/>
+          </a:xfrm>
+          <a:prstGeom prst="rect">
+            <a:avLst/>
+          </a:prstGeom>
+          <a:solidFill>
+            <a:schemeClr val="bg1">
+              <a:alpha val="70000"/>
+            </a:schemeClr>
+          </a:solidFill>
+          <a:ln>
+            <a:noFill/>
+          </a:ln>
+        </p:spPr>
+        <p:style>
+          <a:lnRef idx="2">
+            <a:schemeClr val="accent1">
+              <a:shade val="50000"/>
+            </a:schemeClr>
+          </a:lnRef>
+          <a:fillRef idx="1">
+            <a:schemeClr val="accent1"/>
+          </a:fillRef>
+          <a:effectRef idx="0">
+            <a:schemeClr val="accent1"/>
+          </a:effectRef>
+          <a:fontRef idx="minor">
+            <a:schemeClr val="lt1"/>
+          </a:fontRef>
+        </p:style>
+        <p:txBody>
+          <a:bodyPr rtlCol="0" anchor="ctr"/>
+          <a:lstStyle/>
+          <a:p>
+            <a:pPr algn="ctr"/>
+            <a:endParaRPr lang="en-US"/>
+          </a:p>
+        </p:txBody>
+      </p:sp>
+      <p:sp>
+        <p:nvSpPr>
+          <p:cNvPr id="6" name="Rectangle 5"/>
+          <p:cNvSpPr/>
+          <p:nvPr/>
+        </p:nvSpPr>
+        <p:spPr>
+          <a:xfrm>
+            <a:off x="1752898" y="4503761"/>
+            <a:ext cx="8686201" cy="1900768"/>
+          </a:xfrm>
+          <a:prstGeom prst="rect">
+            <a:avLst/>
+          </a:prstGeom>
+          <a:solidFill>
+            <a:schemeClr val="bg1">
+              <a:alpha val="70000"/>
+            </a:schemeClr>
+          </a:solidFill>
+          <a:ln>
+            <a:noFill/>
+          </a:ln>
+        </p:spPr>
+        <p:style>
+          <a:lnRef idx="2">
+            <a:schemeClr val="accent1">
+              <a:shade val="50000"/>
+            </a:schemeClr>
+          </a:lnRef>
+          <a:fillRef idx="1">
+            <a:schemeClr val="accent1"/>
+          </a:fillRef>
+          <a:effectRef idx="0">
+            <a:schemeClr val="accent1"/>
+          </a:effectRef>
+          <a:fontRef idx="minor">
+            <a:schemeClr val="lt1"/>
+          </a:fontRef>
+        </p:style>
+        <p:txBody>
+          <a:bodyPr rtlCol="0" anchor="ctr"/>
+          <a:lstStyle/>
+          <a:p>
+            <a:pPr algn="ctr"/>
+            <a:endParaRPr lang="en-US"/>
+          </a:p>
+        </p:txBody>
+      </p:sp>
+    </p:spTree>
+    <p:extLst>
+      <p:ext uri="{BB962C8B-B14F-4D97-AF65-F5344CB8AC3E}">
+        <p14:creationId xmlns:p14="http://schemas.microsoft.com/office/powerpoint/2010/main" val="1354324987"/>
+      </p:ext>
+    </p:extLst>
+  </p:cSld>
+  <p:clrMapOvr>
+    <a:masterClrMapping/>
+  </p:clrMapOvr>
+  <p:timing>
+    <p:tnLst>
+      <p:par>
+        <p:cTn id="1" dur="indefinite" restart="never" nodeType="tmRoot"/>
+      </p:par>
+    </p:tnLst>
+  </p:timing>
+</p:sld>
+</file>
+
+<file path=ppt/slides/slide19.xml><?xml version="1.0" encoding="utf-8"?>
+<p:sld xmlns:a="http://schemas.openxmlformats.org/drawingml/2006/main" xmlns:r="http://schemas.openxmlformats.org/officeDocument/2006/relationships" xmlns:p="http://schemas.openxmlformats.org/presentationml/2006/main">
+  <p:cSld>
+    <p:spTree>
+      <p:nvGrpSpPr>
+        <p:cNvPr id="1" name=""/>
+        <p:cNvGrpSpPr/>
+        <p:nvPr/>
+      </p:nvGrpSpPr>
+      <p:grpSpPr>
+        <a:xfrm>
+          <a:off x="0" y="0"/>
+          <a:ext cx="0" cy="0"/>
+          <a:chOff x="0" y="0"/>
+          <a:chExt cx="0" cy="0"/>
+        </a:xfrm>
+      </p:grpSpPr>
+      <p:sp>
+        <p:nvSpPr>
+          <p:cNvPr id="2" name="TextBox 1"/>
+          <p:cNvSpPr txBox="1"/>
+          <p:nvPr/>
+        </p:nvSpPr>
+        <p:spPr>
+          <a:xfrm>
+            <a:off x="540000" y="540000"/>
+            <a:ext cx="2021707" cy="553998"/>
+          </a:xfrm>
+          <a:prstGeom prst="rect">
+            <a:avLst/>
+          </a:prstGeom>
+          <a:noFill/>
+        </p:spPr>
+        <p:txBody>
+          <a:bodyPr wrap="none" rtlCol="0">
+            <a:spAutoFit/>
+          </a:bodyPr>
+          <a:lstStyle/>
+          <a:p>
+            <a:r>
+              <a:rPr lang="en-US" altLang="zh-CN" sz="3000" b="1" dirty="0" smtClean="0">
+                <a:latin typeface="Helvetica Bold" charset="0"/>
+              </a:rPr>
+              <a:t>Demo</a:t>
+            </a:r>
+            <a:r>
+              <a:rPr lang="zh-CN" altLang="en-US" sz="3000" b="1" dirty="0" smtClean="0">
+                <a:latin typeface="Helvetica Bold" charset="0"/>
+              </a:rPr>
+              <a:t>说明</a:t>
+            </a:r>
+            <a:endParaRPr lang="en-US" altLang="zh-CN" sz="3000" b="1" dirty="0" smtClean="0">
+              <a:latin typeface="Helvetica Bold" charset="0"/>
+            </a:endParaRPr>
+          </a:p>
+        </p:txBody>
+      </p:sp>
+      <p:sp>
+        <p:nvSpPr>
+          <p:cNvPr id="4" name="TextBox 3"/>
+          <p:cNvSpPr txBox="1"/>
+          <p:nvPr/>
+        </p:nvSpPr>
+        <p:spPr>
+          <a:xfrm>
+            <a:off x="540000" y="1213658"/>
+            <a:ext cx="755079" cy="369332"/>
+          </a:xfrm>
+          <a:prstGeom prst="rect">
+            <a:avLst/>
+          </a:prstGeom>
+          <a:noFill/>
+        </p:spPr>
+        <p:txBody>
+          <a:bodyPr wrap="none" rtlCol="0">
+            <a:spAutoFit/>
+          </a:bodyPr>
+          <a:lstStyle/>
+          <a:p>
+            <a:r>
+              <a:rPr lang="en-US" altLang="zh-CN" dirty="0" smtClean="0"/>
+              <a:t>Usage</a:t>
+            </a:r>
+          </a:p>
+        </p:txBody>
+      </p:sp>
+      <p:pic>
+        <p:nvPicPr>
+          <p:cNvPr id="9" name="Picture 8"/>
+          <p:cNvPicPr>
+            <a:picLocks noChangeAspect="1"/>
+          </p:cNvPicPr>
+          <p:nvPr/>
+        </p:nvPicPr>
+        <p:blipFill>
+          <a:blip r:embed="rId2"/>
+          <a:stretch>
+            <a:fillRect/>
+          </a:stretch>
+        </p:blipFill>
+        <p:spPr>
+          <a:xfrm>
+            <a:off x="218049" y="2089997"/>
+            <a:ext cx="11755902" cy="2786899"/>
+          </a:xfrm>
+          <a:prstGeom prst="rect">
+            <a:avLst/>
+          </a:prstGeom>
+        </p:spPr>
+      </p:pic>
+    </p:spTree>
+    <p:extLst>
+      <p:ext uri="{BB962C8B-B14F-4D97-AF65-F5344CB8AC3E}">
+        <p14:creationId xmlns:p14="http://schemas.microsoft.com/office/powerpoint/2010/main" val="839354057"/>
       </p:ext>
     </p:extLst>
   </p:cSld>
@@ -4925,6 +6140,136 @@
     <p:extLst>
       <p:ext uri="{BB962C8B-B14F-4D97-AF65-F5344CB8AC3E}">
         <p14:creationId xmlns:p14="http://schemas.microsoft.com/office/powerpoint/2010/main" val="2101582776"/>
+      </p:ext>
+    </p:extLst>
+  </p:cSld>
+  <p:clrMapOvr>
+    <a:masterClrMapping/>
+  </p:clrMapOvr>
+  <p:timing>
+    <p:tnLst>
+      <p:par>
+        <p:cTn id="1" dur="indefinite" restart="never" nodeType="tmRoot"/>
+      </p:par>
+    </p:tnLst>
+  </p:timing>
+</p:sld>
+</file>
+
+<file path=ppt/slides/slide20.xml><?xml version="1.0" encoding="utf-8"?>
+<p:sld xmlns:a="http://schemas.openxmlformats.org/drawingml/2006/main" xmlns:r="http://schemas.openxmlformats.org/officeDocument/2006/relationships" xmlns:p="http://schemas.openxmlformats.org/presentationml/2006/main">
+  <p:cSld>
+    <p:spTree>
+      <p:nvGrpSpPr>
+        <p:cNvPr id="1" name=""/>
+        <p:cNvGrpSpPr/>
+        <p:nvPr/>
+      </p:nvGrpSpPr>
+      <p:grpSpPr>
+        <a:xfrm>
+          <a:off x="0" y="0"/>
+          <a:ext cx="0" cy="0"/>
+          <a:chOff x="0" y="0"/>
+          <a:chExt cx="0" cy="0"/>
+        </a:xfrm>
+      </p:grpSpPr>
+      <p:sp>
+        <p:nvSpPr>
+          <p:cNvPr id="2" name="TextBox 1"/>
+          <p:cNvSpPr txBox="1"/>
+          <p:nvPr/>
+        </p:nvSpPr>
+        <p:spPr>
+          <a:xfrm>
+            <a:off x="540000" y="540000"/>
+            <a:ext cx="2021707" cy="553998"/>
+          </a:xfrm>
+          <a:prstGeom prst="rect">
+            <a:avLst/>
+          </a:prstGeom>
+          <a:noFill/>
+        </p:spPr>
+        <p:txBody>
+          <a:bodyPr wrap="none" rtlCol="0">
+            <a:spAutoFit/>
+          </a:bodyPr>
+          <a:lstStyle/>
+          <a:p>
+            <a:r>
+              <a:rPr lang="en-US" altLang="zh-CN" sz="3000" b="1" dirty="0" smtClean="0">
+                <a:latin typeface="Helvetica Bold" charset="0"/>
+              </a:rPr>
+              <a:t>Demo</a:t>
+            </a:r>
+            <a:r>
+              <a:rPr lang="zh-CN" altLang="en-US" sz="3000" b="1" dirty="0" smtClean="0">
+                <a:latin typeface="Helvetica Bold" charset="0"/>
+              </a:rPr>
+              <a:t>说明</a:t>
+            </a:r>
+            <a:endParaRPr lang="en-US" altLang="zh-CN" sz="3000" b="1" dirty="0" smtClean="0">
+              <a:latin typeface="Helvetica Bold" charset="0"/>
+            </a:endParaRPr>
+          </a:p>
+        </p:txBody>
+      </p:sp>
+      <p:sp>
+        <p:nvSpPr>
+          <p:cNvPr id="4" name="TextBox 3"/>
+          <p:cNvSpPr txBox="1"/>
+          <p:nvPr/>
+        </p:nvSpPr>
+        <p:spPr>
+          <a:xfrm>
+            <a:off x="540000" y="1213658"/>
+            <a:ext cx="755079" cy="369332"/>
+          </a:xfrm>
+          <a:prstGeom prst="rect">
+            <a:avLst/>
+          </a:prstGeom>
+          <a:noFill/>
+        </p:spPr>
+        <p:txBody>
+          <a:bodyPr wrap="none" rtlCol="0">
+            <a:spAutoFit/>
+          </a:bodyPr>
+          <a:lstStyle/>
+          <a:p>
+            <a:r>
+              <a:rPr lang="en-US" altLang="zh-CN" dirty="0" smtClean="0"/>
+              <a:t>Usage</a:t>
+            </a:r>
+          </a:p>
+        </p:txBody>
+      </p:sp>
+      <p:pic>
+        <p:nvPicPr>
+          <p:cNvPr id="9" name="Picture 8"/>
+          <p:cNvPicPr>
+            <a:picLocks noChangeAspect="1"/>
+          </p:cNvPicPr>
+          <p:nvPr/>
+        </p:nvPicPr>
+        <p:blipFill>
+          <a:blip r:embed="rId2"/>
+          <a:stretch>
+            <a:fillRect/>
+          </a:stretch>
+        </p:blipFill>
+        <p:spPr>
+          <a:xfrm>
+            <a:off x="218049" y="2089997"/>
+            <a:ext cx="11755902" cy="2786899"/>
+          </a:xfrm>
+          <a:prstGeom prst="rect">
+            <a:avLst/>
+          </a:prstGeom>
+        </p:spPr>
+      </p:pic>
+    </p:spTree>
+    <p:extLst>
+      <p:ext uri="{BB962C8B-B14F-4D97-AF65-F5344CB8AC3E}">
+        <p14:creationId xmlns:p14="http://schemas.microsoft.com/office/powerpoint/2010/main" val="1296627523"/>
       </p:ext>
     </p:extLst>
   </p:cSld>

--- a/Swift/CoreMLResearching/CoreML.pptx
+++ b/Swift/CoreMLResearching/CoreML.pptx
@@ -5,7 +5,7 @@
     <p:sldMasterId id="2147483720" r:id="rId1"/>
   </p:sldMasterIdLst>
   <p:notesMasterIdLst>
-    <p:notesMasterId r:id="rId22"/>
+    <p:notesMasterId r:id="rId24"/>
   </p:notesMasterIdLst>
   <p:sldIdLst>
     <p:sldId id="256" r:id="rId2"/>
@@ -15,19 +15,21 @@
     <p:sldId id="261" r:id="rId6"/>
     <p:sldId id="262" r:id="rId7"/>
     <p:sldId id="263" r:id="rId8"/>
-    <p:sldId id="264" r:id="rId9"/>
-    <p:sldId id="267" r:id="rId10"/>
-    <p:sldId id="271" r:id="rId11"/>
-    <p:sldId id="258" r:id="rId12"/>
-    <p:sldId id="259" r:id="rId13"/>
-    <p:sldId id="266" r:id="rId14"/>
-    <p:sldId id="268" r:id="rId15"/>
-    <p:sldId id="272" r:id="rId16"/>
-    <p:sldId id="277" r:id="rId17"/>
-    <p:sldId id="278" r:id="rId18"/>
-    <p:sldId id="279" r:id="rId19"/>
-    <p:sldId id="276" r:id="rId20"/>
-    <p:sldId id="280" r:id="rId21"/>
+    <p:sldId id="281" r:id="rId9"/>
+    <p:sldId id="264" r:id="rId10"/>
+    <p:sldId id="267" r:id="rId11"/>
+    <p:sldId id="271" r:id="rId12"/>
+    <p:sldId id="258" r:id="rId13"/>
+    <p:sldId id="259" r:id="rId14"/>
+    <p:sldId id="266" r:id="rId15"/>
+    <p:sldId id="268" r:id="rId16"/>
+    <p:sldId id="272" r:id="rId17"/>
+    <p:sldId id="277" r:id="rId18"/>
+    <p:sldId id="278" r:id="rId19"/>
+    <p:sldId id="279" r:id="rId20"/>
+    <p:sldId id="276" r:id="rId21"/>
+    <p:sldId id="280" r:id="rId22"/>
+    <p:sldId id="282" r:id="rId23"/>
   </p:sldIdLst>
   <p:sldSz cx="12192000" cy="6858000"/>
   <p:notesSz cx="6858000" cy="9144000"/>
@@ -128,13 +130,7 @@
   </p:defaultTextStyle>
   <p:extLst>
     <p:ext uri="{EFAFB233-063F-42B5-8137-9DF3F51BA10A}">
-      <p15:sldGuideLst xmlns:p15="http://schemas.microsoft.com/office/powerpoint/2012/main">
-        <p15:guide id="1" pos="3840" userDrawn="1">
-          <p15:clr>
-            <a:srgbClr val="A4A3A4"/>
-          </p15:clr>
-        </p15:guide>
-      </p15:sldGuideLst>
+      <p15:sldGuideLst xmlns:p15="http://schemas.microsoft.com/office/powerpoint/2012/main"/>
     </p:ext>
   </p:extLst>
 </p:presentation>
@@ -230,7 +226,7 @@
           <a:p>
             <a:fld id="{4FC2CF7C-5765-CE4E-BFFD-685887162BFF}" type="datetimeFigureOut">
               <a:rPr lang="en-US" smtClean="0"/>
-              <a:t>4/27/18</a:t>
+              <a:t>5/2/18</a:t>
             </a:fld>
             <a:endParaRPr lang="en-US"/>
           </a:p>
@@ -629,7 +625,7 @@
           <a:p>
             <a:fld id="{0453E19A-C280-FF4D-BC3F-DE628A190351}" type="datetimeFigureOut">
               <a:rPr lang="en-US" smtClean="0"/>
-              <a:t>4/27/18</a:t>
+              <a:t>5/2/18</a:t>
             </a:fld>
             <a:endParaRPr lang="en-US"/>
           </a:p>
@@ -794,7 +790,7 @@
           <a:p>
             <a:fld id="{0453E19A-C280-FF4D-BC3F-DE628A190351}" type="datetimeFigureOut">
               <a:rPr lang="en-US" smtClean="0"/>
-              <a:t>4/27/18</a:t>
+              <a:t>5/2/18</a:t>
             </a:fld>
             <a:endParaRPr lang="en-US"/>
           </a:p>
@@ -969,7 +965,7 @@
           <a:p>
             <a:fld id="{0453E19A-C280-FF4D-BC3F-DE628A190351}" type="datetimeFigureOut">
               <a:rPr lang="en-US" smtClean="0"/>
-              <a:t>4/27/18</a:t>
+              <a:t>5/2/18</a:t>
             </a:fld>
             <a:endParaRPr lang="en-US"/>
           </a:p>
@@ -1134,7 +1130,7 @@
           <a:p>
             <a:fld id="{0453E19A-C280-FF4D-BC3F-DE628A190351}" type="datetimeFigureOut">
               <a:rPr lang="en-US" smtClean="0"/>
-              <a:t>4/27/18</a:t>
+              <a:t>5/2/18</a:t>
             </a:fld>
             <a:endParaRPr lang="en-US"/>
           </a:p>
@@ -1375,7 +1371,7 @@
           <a:p>
             <a:fld id="{0453E19A-C280-FF4D-BC3F-DE628A190351}" type="datetimeFigureOut">
               <a:rPr lang="en-US" smtClean="0"/>
-              <a:t>4/27/18</a:t>
+              <a:t>5/2/18</a:t>
             </a:fld>
             <a:endParaRPr lang="en-US"/>
           </a:p>
@@ -1602,7 +1598,7 @@
           <a:p>
             <a:fld id="{0453E19A-C280-FF4D-BC3F-DE628A190351}" type="datetimeFigureOut">
               <a:rPr lang="en-US" smtClean="0"/>
-              <a:t>4/27/18</a:t>
+              <a:t>5/2/18</a:t>
             </a:fld>
             <a:endParaRPr lang="en-US"/>
           </a:p>
@@ -1964,7 +1960,7 @@
           <a:p>
             <a:fld id="{0453E19A-C280-FF4D-BC3F-DE628A190351}" type="datetimeFigureOut">
               <a:rPr lang="en-US" smtClean="0"/>
-              <a:t>4/27/18</a:t>
+              <a:t>5/2/18</a:t>
             </a:fld>
             <a:endParaRPr lang="en-US"/>
           </a:p>
@@ -2077,7 +2073,7 @@
           <a:p>
             <a:fld id="{0453E19A-C280-FF4D-BC3F-DE628A190351}" type="datetimeFigureOut">
               <a:rPr lang="en-US" smtClean="0"/>
-              <a:t>4/27/18</a:t>
+              <a:t>5/2/18</a:t>
             </a:fld>
             <a:endParaRPr lang="en-US"/>
           </a:p>
@@ -2167,7 +2163,7 @@
           <a:p>
             <a:fld id="{0453E19A-C280-FF4D-BC3F-DE628A190351}" type="datetimeFigureOut">
               <a:rPr lang="en-US" smtClean="0"/>
-              <a:t>4/27/18</a:t>
+              <a:t>5/2/18</a:t>
             </a:fld>
             <a:endParaRPr lang="en-US"/>
           </a:p>
@@ -2439,7 +2435,7 @@
           <a:p>
             <a:fld id="{0453E19A-C280-FF4D-BC3F-DE628A190351}" type="datetimeFigureOut">
               <a:rPr lang="en-US" smtClean="0"/>
-              <a:t>4/27/18</a:t>
+              <a:t>5/2/18</a:t>
             </a:fld>
             <a:endParaRPr lang="en-US"/>
           </a:p>
@@ -2691,7 +2687,7 @@
           <a:p>
             <a:fld id="{0453E19A-C280-FF4D-BC3F-DE628A190351}" type="datetimeFigureOut">
               <a:rPr lang="en-US" smtClean="0"/>
-              <a:t>4/27/18</a:t>
+              <a:t>5/2/18</a:t>
             </a:fld>
             <a:endParaRPr lang="en-US"/>
           </a:p>
@@ -2899,7 +2895,7 @@
           <a:p>
             <a:fld id="{0453E19A-C280-FF4D-BC3F-DE628A190351}" type="datetimeFigureOut">
               <a:rPr lang="en-US" smtClean="0"/>
-              <a:t>4/27/18</a:t>
+              <a:t>5/2/18</a:t>
             </a:fld>
             <a:endParaRPr lang="en-US"/>
           </a:p>
@@ -3422,14 +3418,214 @@
       </p:grpSpPr>
       <p:sp>
         <p:nvSpPr>
-          <p:cNvPr id="31" name="TextBox 30"/>
+          <p:cNvPr id="5" name="Rectangle 4"/>
+          <p:cNvSpPr/>
+          <p:nvPr/>
+        </p:nvSpPr>
+        <p:spPr>
+          <a:xfrm>
+            <a:off x="5247142" y="1229952"/>
+            <a:ext cx="1224267" cy="400110"/>
+          </a:xfrm>
+          <a:prstGeom prst="rect">
+            <a:avLst/>
+          </a:prstGeom>
+        </p:spPr>
+        <p:txBody>
+          <a:bodyPr wrap="square">
+            <a:spAutoFit/>
+          </a:bodyPr>
+          <a:lstStyle/>
+          <a:p>
+            <a:r>
+              <a:rPr lang="zh-CN" altLang="en-US" sz="2000" b="1" dirty="0">
+                <a:latin typeface="Menlo Bold" charset="0"/>
+              </a:rPr>
+              <a:t>手写识别</a:t>
+            </a:r>
+            <a:endParaRPr lang="en-US" sz="2000" b="1" dirty="0">
+              <a:latin typeface="Menlo Bold" charset="0"/>
+            </a:endParaRPr>
+          </a:p>
+        </p:txBody>
+      </p:sp>
+      <p:sp>
+        <p:nvSpPr>
+          <p:cNvPr id="6" name="Rectangle 5"/>
+          <p:cNvSpPr/>
+          <p:nvPr/>
+        </p:nvSpPr>
+        <p:spPr>
+          <a:xfrm>
+            <a:off x="7558256" y="2213509"/>
+            <a:ext cx="1210588" cy="400110"/>
+          </a:xfrm>
+          <a:prstGeom prst="rect">
+            <a:avLst/>
+          </a:prstGeom>
+        </p:spPr>
+        <p:txBody>
+          <a:bodyPr wrap="none">
+            <a:spAutoFit/>
+          </a:bodyPr>
+          <a:lstStyle/>
+          <a:p>
+            <a:r>
+              <a:rPr lang="zh-CN" altLang="en-US" sz="2000" b="1" dirty="0">
+                <a:latin typeface="Menlo Bold" charset="0"/>
+              </a:rPr>
+              <a:t>风格转变</a:t>
+            </a:r>
+            <a:endParaRPr lang="en-US" sz="2000" b="1" dirty="0">
+              <a:latin typeface="Menlo Bold" charset="0"/>
+            </a:endParaRPr>
+          </a:p>
+        </p:txBody>
+      </p:sp>
+      <p:sp>
+        <p:nvSpPr>
+          <p:cNvPr id="7" name="Rectangle 6"/>
+          <p:cNvSpPr/>
+          <p:nvPr/>
+        </p:nvSpPr>
+        <p:spPr>
+          <a:xfrm>
+            <a:off x="7158023" y="5391025"/>
+            <a:ext cx="1210588" cy="400110"/>
+          </a:xfrm>
+          <a:prstGeom prst="rect">
+            <a:avLst/>
+          </a:prstGeom>
+        </p:spPr>
+        <p:txBody>
+          <a:bodyPr wrap="none">
+            <a:spAutoFit/>
+          </a:bodyPr>
+          <a:lstStyle/>
+          <a:p>
+            <a:r>
+              <a:rPr lang="zh-CN" altLang="en-US" sz="2000" b="1" dirty="0">
+                <a:latin typeface="Menlo Bold" charset="0"/>
+              </a:rPr>
+              <a:t>词语联想</a:t>
+            </a:r>
+            <a:endParaRPr lang="en-US" sz="2000" b="1" dirty="0">
+              <a:latin typeface="Menlo Bold" charset="0"/>
+            </a:endParaRPr>
+          </a:p>
+        </p:txBody>
+      </p:sp>
+      <p:sp>
+        <p:nvSpPr>
+          <p:cNvPr id="8" name="Rectangle 7"/>
+          <p:cNvSpPr/>
+          <p:nvPr/>
+        </p:nvSpPr>
+        <p:spPr>
+          <a:xfrm>
+            <a:off x="1722145" y="3033751"/>
+            <a:ext cx="697627" cy="400110"/>
+          </a:xfrm>
+          <a:prstGeom prst="rect">
+            <a:avLst/>
+          </a:prstGeom>
+        </p:spPr>
+        <p:txBody>
+          <a:bodyPr wrap="none">
+            <a:spAutoFit/>
+          </a:bodyPr>
+          <a:lstStyle/>
+          <a:p>
+            <a:r>
+              <a:rPr lang="zh-CN" altLang="en-US" sz="2000" b="1" dirty="0">
+                <a:latin typeface="Menlo Bold" charset="0"/>
+              </a:rPr>
+              <a:t>翻译</a:t>
+            </a:r>
+            <a:endParaRPr lang="en-US" sz="2000" b="1" dirty="0">
+              <a:latin typeface="Menlo Bold" charset="0"/>
+            </a:endParaRPr>
+          </a:p>
+        </p:txBody>
+      </p:sp>
+      <p:sp>
+        <p:nvSpPr>
+          <p:cNvPr id="9" name="Rectangle 8"/>
+          <p:cNvSpPr/>
+          <p:nvPr/>
+        </p:nvSpPr>
+        <p:spPr>
+          <a:xfrm>
+            <a:off x="2070958" y="4628423"/>
+            <a:ext cx="1210588" cy="400110"/>
+          </a:xfrm>
+          <a:prstGeom prst="rect">
+            <a:avLst/>
+          </a:prstGeom>
+        </p:spPr>
+        <p:txBody>
+          <a:bodyPr wrap="none">
+            <a:spAutoFit/>
+          </a:bodyPr>
+          <a:lstStyle/>
+          <a:p>
+            <a:r>
+              <a:rPr lang="zh-CN" altLang="en-US" sz="2000" b="1" dirty="0">
+                <a:latin typeface="Menlo Bold" charset="0"/>
+              </a:rPr>
+              <a:t>场景分类</a:t>
+            </a:r>
+            <a:endParaRPr lang="en-US" sz="2000" b="1" dirty="0">
+              <a:latin typeface="Menlo Bold" charset="0"/>
+            </a:endParaRPr>
+          </a:p>
+        </p:txBody>
+      </p:sp>
+      <p:sp>
+        <p:nvSpPr>
+          <p:cNvPr id="10" name="Rectangle 9"/>
+          <p:cNvSpPr/>
+          <p:nvPr/>
+        </p:nvSpPr>
+        <p:spPr>
+          <a:xfrm>
+            <a:off x="2164137" y="1591161"/>
+            <a:ext cx="1210588" cy="400110"/>
+          </a:xfrm>
+          <a:prstGeom prst="rect">
+            <a:avLst/>
+          </a:prstGeom>
+        </p:spPr>
+        <p:txBody>
+          <a:bodyPr wrap="none">
+            <a:spAutoFit/>
+          </a:bodyPr>
+          <a:lstStyle/>
+          <a:p>
+            <a:r>
+              <a:rPr lang="zh-CN" altLang="en-US" sz="2000" b="1" dirty="0" smtClean="0">
+                <a:effectLst/>
+                <a:latin typeface="Menlo Bold" charset="0"/>
+              </a:rPr>
+              <a:t>情绪分析</a:t>
+            </a:r>
+            <a:endParaRPr lang="en-US" sz="2000" b="1" dirty="0">
+              <a:effectLst/>
+              <a:latin typeface="Menlo Bold" charset="0"/>
+            </a:endParaRPr>
+          </a:p>
+        </p:txBody>
+      </p:sp>
+      <p:sp>
+        <p:nvSpPr>
+          <p:cNvPr id="11" name="TextBox 10"/>
           <p:cNvSpPr txBox="1"/>
           <p:nvPr/>
         </p:nvSpPr>
         <p:spPr>
           <a:xfrm>
-            <a:off x="540000" y="540000"/>
-            <a:ext cx="1723549" cy="553998"/>
+            <a:off x="1080868" y="2133717"/>
+            <a:ext cx="1842171" cy="369332"/>
           </a:xfrm>
           <a:prstGeom prst="rect">
             <a:avLst/>
@@ -3443,344 +3639,589 @@
           <a:lstStyle/>
           <a:p>
             <a:r>
-              <a:rPr lang="zh-CN" altLang="en-US" sz="3000" b="1" dirty="0" smtClean="0">
-                <a:latin typeface="Helvetica Bold" charset="0"/>
-              </a:rPr>
-              <a:t>模型种类</a:t>
-            </a:r>
-            <a:endParaRPr lang="en-US" sz="3000" b="1" dirty="0">
-              <a:latin typeface="Helvetica Bold" charset="0"/>
-            </a:endParaRPr>
-          </a:p>
-        </p:txBody>
-      </p:sp>
-      <p:sp>
-        <p:nvSpPr>
-          <p:cNvPr id="2" name="Rectangle 1"/>
-          <p:cNvSpPr/>
-          <p:nvPr/>
-        </p:nvSpPr>
-        <p:spPr>
-          <a:xfrm>
-            <a:off x="656379" y="2027416"/>
-            <a:ext cx="3440210" cy="1109272"/>
-          </a:xfrm>
-          <a:prstGeom prst="rect">
-            <a:avLst/>
-          </a:prstGeom>
+              <a:rPr lang="zh-CN" altLang="en-US" dirty="0" smtClean="0"/>
+              <a:t>今天是个好日子</a:t>
+            </a:r>
+            <a:endParaRPr lang="en-US" dirty="0"/>
+          </a:p>
+        </p:txBody>
+      </p:sp>
+      <p:sp>
+        <p:nvSpPr>
+          <p:cNvPr id="12" name="TextBox 11"/>
+          <p:cNvSpPr txBox="1"/>
+          <p:nvPr/>
+        </p:nvSpPr>
+        <p:spPr>
+          <a:xfrm>
+            <a:off x="3758957" y="2133717"/>
+            <a:ext cx="394612" cy="369332"/>
+          </a:xfrm>
+          <a:prstGeom prst="rect">
+            <a:avLst/>
+          </a:prstGeom>
+          <a:noFill/>
+        </p:spPr>
+        <p:txBody>
+          <a:bodyPr wrap="square" rtlCol="0">
+            <a:spAutoFit/>
+          </a:bodyPr>
+          <a:lstStyle/>
+          <a:p>
+            <a:r>
+              <a:rPr lang="zh-CN" altLang="en-US" smtClean="0"/>
+              <a:t>😀</a:t>
+            </a:r>
+            <a:endParaRPr lang="en-US" altLang="zh-CN" dirty="0" smtClean="0"/>
+          </a:p>
+        </p:txBody>
+      </p:sp>
+      <p:cxnSp>
+        <p:nvCxnSpPr>
+          <p:cNvPr id="14" name="Straight Arrow Connector 13"/>
+          <p:cNvCxnSpPr/>
+          <p:nvPr/>
+        </p:nvCxnSpPr>
+        <p:spPr>
+          <a:xfrm>
+            <a:off x="2957391" y="2318383"/>
+            <a:ext cx="767214" cy="0"/>
+          </a:xfrm>
+          <a:prstGeom prst="straightConnector1">
+            <a:avLst/>
+          </a:prstGeom>
+          <a:ln w="38100">
+            <a:solidFill>
+              <a:schemeClr val="tx1"/>
+            </a:solidFill>
+            <a:tailEnd type="triangle"/>
+          </a:ln>
         </p:spPr>
         <p:style>
-          <a:lnRef idx="2">
-            <a:schemeClr val="accent1">
-              <a:shade val="50000"/>
-            </a:schemeClr>
+          <a:lnRef idx="1">
+            <a:schemeClr val="accent1"/>
           </a:lnRef>
-          <a:fillRef idx="1">
+          <a:fillRef idx="0">
             <a:schemeClr val="accent1"/>
           </a:fillRef>
           <a:effectRef idx="0">
             <a:schemeClr val="accent1"/>
           </a:effectRef>
           <a:fontRef idx="minor">
-            <a:schemeClr val="lt1"/>
+            <a:schemeClr val="tx1"/>
           </a:fontRef>
         </p:style>
-        <p:txBody>
-          <a:bodyPr rtlCol="0" anchor="ctr"/>
-          <a:lstStyle/>
-          <a:p>
-            <a:pPr algn="ctr"/>
-            <a:r>
-              <a:rPr lang="zh-CN" altLang="en-US" dirty="0" smtClean="0"/>
-              <a:t>前馈神经网络</a:t>
-            </a:r>
-            <a:endParaRPr lang="en-US" altLang="zh-CN" dirty="0" smtClean="0"/>
-          </a:p>
-          <a:p>
-            <a:pPr algn="ctr"/>
-            <a:r>
-              <a:rPr lang="en-US" dirty="0" smtClean="0"/>
-              <a:t>Feed </a:t>
-            </a:r>
-            <a:r>
-              <a:rPr lang="en-US" dirty="0"/>
-              <a:t>Forward Neural </a:t>
-            </a:r>
-            <a:r>
-              <a:rPr lang="en-US" dirty="0" smtClean="0"/>
-              <a:t>Networks</a:t>
-            </a:r>
-            <a:endParaRPr lang="en-US" dirty="0"/>
-          </a:p>
-        </p:txBody>
-      </p:sp>
-      <p:sp>
-        <p:nvSpPr>
-          <p:cNvPr id="43" name="Rectangle 42"/>
-          <p:cNvSpPr/>
-          <p:nvPr/>
-        </p:nvSpPr>
-        <p:spPr>
-          <a:xfrm>
-            <a:off x="4401389" y="2027416"/>
-            <a:ext cx="3440210" cy="1109272"/>
-          </a:xfrm>
-          <a:prstGeom prst="rect">
-            <a:avLst/>
-          </a:prstGeom>
+      </p:cxnSp>
+      <p:pic>
+        <p:nvPicPr>
+          <p:cNvPr id="15" name="Picture 14"/>
+          <p:cNvPicPr>
+            <a:picLocks noChangeAspect="1"/>
+          </p:cNvPicPr>
+          <p:nvPr/>
+        </p:nvPicPr>
+        <p:blipFill>
+          <a:blip r:embed="rId2"/>
+          <a:stretch>
+            <a:fillRect/>
+          </a:stretch>
+        </p:blipFill>
+        <p:spPr>
+          <a:xfrm>
+            <a:off x="4803761" y="1840272"/>
+            <a:ext cx="723900" cy="635000"/>
+          </a:xfrm>
+          <a:prstGeom prst="rect">
+            <a:avLst/>
+          </a:prstGeom>
+        </p:spPr>
+      </p:pic>
+      <p:cxnSp>
+        <p:nvCxnSpPr>
+          <p:cNvPr id="16" name="Straight Arrow Connector 15"/>
+          <p:cNvCxnSpPr/>
+          <p:nvPr/>
+        </p:nvCxnSpPr>
+        <p:spPr>
+          <a:xfrm>
+            <a:off x="5585981" y="2157772"/>
+            <a:ext cx="767214" cy="0"/>
+          </a:xfrm>
+          <a:prstGeom prst="straightConnector1">
+            <a:avLst/>
+          </a:prstGeom>
+          <a:ln w="38100">
+            <a:solidFill>
+              <a:schemeClr val="tx1"/>
+            </a:solidFill>
+            <a:tailEnd type="triangle"/>
+          </a:ln>
         </p:spPr>
         <p:style>
-          <a:lnRef idx="2">
-            <a:schemeClr val="accent1">
-              <a:shade val="50000"/>
-            </a:schemeClr>
+          <a:lnRef idx="1">
+            <a:schemeClr val="accent1"/>
           </a:lnRef>
-          <a:fillRef idx="1">
+          <a:fillRef idx="0">
             <a:schemeClr val="accent1"/>
           </a:fillRef>
           <a:effectRef idx="0">
             <a:schemeClr val="accent1"/>
           </a:effectRef>
           <a:fontRef idx="minor">
-            <a:schemeClr val="lt1"/>
+            <a:schemeClr val="tx1"/>
           </a:fontRef>
         </p:style>
-        <p:txBody>
-          <a:bodyPr rtlCol="0" anchor="ctr"/>
-          <a:lstStyle/>
-          <a:p>
-            <a:pPr algn="ctr"/>
-            <a:r>
-              <a:rPr lang="zh-CN" altLang="en-US" dirty="0" smtClean="0"/>
-              <a:t>卷积神经网络</a:t>
-            </a:r>
-            <a:endParaRPr lang="en-US" altLang="zh-CN" dirty="0" smtClean="0"/>
-          </a:p>
-          <a:p>
-            <a:pPr algn="ctr"/>
-            <a:r>
-              <a:rPr lang="en-US" dirty="0"/>
-              <a:t>Convolutional Neural Networks</a:t>
-            </a:r>
-          </a:p>
-        </p:txBody>
-      </p:sp>
-      <p:sp>
-        <p:nvSpPr>
-          <p:cNvPr id="44" name="Rectangle 43"/>
-          <p:cNvSpPr/>
-          <p:nvPr/>
-        </p:nvSpPr>
-        <p:spPr>
-          <a:xfrm>
-            <a:off x="4401389" y="3662195"/>
-            <a:ext cx="3440210" cy="1109272"/>
-          </a:xfrm>
-          <a:prstGeom prst="rect">
-            <a:avLst/>
-          </a:prstGeom>
+      </p:cxnSp>
+      <p:sp>
+        <p:nvSpPr>
+          <p:cNvPr id="17" name="TextBox 16"/>
+          <p:cNvSpPr txBox="1"/>
+          <p:nvPr/>
+        </p:nvSpPr>
+        <p:spPr>
+          <a:xfrm>
+            <a:off x="6471409" y="1840272"/>
+            <a:ext cx="412292" cy="630942"/>
+          </a:xfrm>
+          <a:prstGeom prst="rect">
+            <a:avLst/>
+          </a:prstGeom>
+          <a:noFill/>
+        </p:spPr>
+        <p:txBody>
+          <a:bodyPr wrap="none" rtlCol="0">
+            <a:spAutoFit/>
+          </a:bodyPr>
+          <a:lstStyle/>
+          <a:p>
+            <a:r>
+              <a:rPr lang="en-US" altLang="zh-CN" sz="3500" dirty="0" smtClean="0"/>
+              <a:t>7</a:t>
+            </a:r>
+            <a:endParaRPr lang="en-US" sz="3500" dirty="0"/>
+          </a:p>
+        </p:txBody>
+      </p:sp>
+      <p:pic>
+        <p:nvPicPr>
+          <p:cNvPr id="18" name="Picture 17"/>
+          <p:cNvPicPr>
+            <a:picLocks noChangeAspect="1"/>
+          </p:cNvPicPr>
+          <p:nvPr/>
+        </p:nvPicPr>
+        <p:blipFill>
+          <a:blip r:embed="rId3"/>
+          <a:stretch>
+            <a:fillRect/>
+          </a:stretch>
+        </p:blipFill>
+        <p:spPr>
+          <a:xfrm>
+            <a:off x="6774381" y="2977127"/>
+            <a:ext cx="1283703" cy="1681040"/>
+          </a:xfrm>
+          <a:prstGeom prst="rect">
+            <a:avLst/>
+          </a:prstGeom>
+        </p:spPr>
+      </p:pic>
+      <p:cxnSp>
+        <p:nvCxnSpPr>
+          <p:cNvPr id="19" name="Straight Arrow Connector 18"/>
+          <p:cNvCxnSpPr/>
+          <p:nvPr/>
+        </p:nvCxnSpPr>
+        <p:spPr>
+          <a:xfrm>
+            <a:off x="8159551" y="3815687"/>
+            <a:ext cx="767214" cy="0"/>
+          </a:xfrm>
+          <a:prstGeom prst="straightConnector1">
+            <a:avLst/>
+          </a:prstGeom>
+          <a:ln w="38100">
+            <a:solidFill>
+              <a:schemeClr val="tx1"/>
+            </a:solidFill>
+            <a:tailEnd type="triangle"/>
+          </a:ln>
         </p:spPr>
         <p:style>
-          <a:lnRef idx="2">
-            <a:schemeClr val="accent1">
-              <a:shade val="50000"/>
-            </a:schemeClr>
+          <a:lnRef idx="1">
+            <a:schemeClr val="accent1"/>
           </a:lnRef>
-          <a:fillRef idx="1">
+          <a:fillRef idx="0">
             <a:schemeClr val="accent1"/>
           </a:fillRef>
           <a:effectRef idx="0">
             <a:schemeClr val="accent1"/>
           </a:effectRef>
           <a:fontRef idx="minor">
-            <a:schemeClr val="lt1"/>
+            <a:schemeClr val="tx1"/>
           </a:fontRef>
         </p:style>
-        <p:txBody>
-          <a:bodyPr rtlCol="0" anchor="ctr"/>
-          <a:lstStyle/>
-          <a:p>
-            <a:pPr algn="ctr"/>
+      </p:cxnSp>
+      <p:pic>
+        <p:nvPicPr>
+          <p:cNvPr id="20" name="Picture 19"/>
+          <p:cNvPicPr>
+            <a:picLocks noChangeAspect="1"/>
+          </p:cNvPicPr>
+          <p:nvPr/>
+        </p:nvPicPr>
+        <p:blipFill>
+          <a:blip r:embed="rId4"/>
+          <a:stretch>
+            <a:fillRect/>
+          </a:stretch>
+        </p:blipFill>
+        <p:spPr>
+          <a:xfrm>
+            <a:off x="9028232" y="2977127"/>
+            <a:ext cx="1230216" cy="1681040"/>
+          </a:xfrm>
+          <a:prstGeom prst="rect">
+            <a:avLst/>
+          </a:prstGeom>
+        </p:spPr>
+      </p:pic>
+      <p:sp>
+        <p:nvSpPr>
+          <p:cNvPr id="21" name="TextBox 20"/>
+          <p:cNvSpPr txBox="1"/>
+          <p:nvPr/>
+        </p:nvSpPr>
+        <p:spPr>
+          <a:xfrm>
+            <a:off x="279749" y="3528334"/>
+            <a:ext cx="2009204" cy="369332"/>
+          </a:xfrm>
+          <a:prstGeom prst="rect">
+            <a:avLst/>
+          </a:prstGeom>
+          <a:noFill/>
+        </p:spPr>
+        <p:txBody>
+          <a:bodyPr wrap="none" rtlCol="0">
+            <a:spAutoFit/>
+          </a:bodyPr>
+          <a:lstStyle/>
+          <a:p>
+            <a:r>
+              <a:rPr lang="en-US" altLang="zh-CN" dirty="0" smtClean="0"/>
+              <a:t>What’s</a:t>
+            </a:r>
             <a:r>
               <a:rPr lang="zh-CN" altLang="en-US" dirty="0" smtClean="0"/>
-              <a:t>支持向量机</a:t>
-            </a:r>
-            <a:endParaRPr lang="en-US" altLang="zh-CN" dirty="0" smtClean="0"/>
-          </a:p>
-          <a:p>
-            <a:pPr algn="ctr"/>
-            <a:r>
-              <a:rPr lang="en-US" dirty="0" smtClean="0"/>
-              <a:t>Support </a:t>
-            </a:r>
-            <a:r>
-              <a:rPr lang="en-US" dirty="0"/>
-              <a:t>Vector Machines</a:t>
-            </a:r>
-          </a:p>
-        </p:txBody>
-      </p:sp>
-      <p:sp>
-        <p:nvSpPr>
-          <p:cNvPr id="45" name="Rectangle 44"/>
-          <p:cNvSpPr/>
-          <p:nvPr/>
-        </p:nvSpPr>
-        <p:spPr>
-          <a:xfrm>
-            <a:off x="656379" y="3681114"/>
-            <a:ext cx="3440210" cy="1109272"/>
-          </a:xfrm>
-          <a:prstGeom prst="rect">
-            <a:avLst/>
-          </a:prstGeom>
+              <a:t> </a:t>
+            </a:r>
+            <a:r>
+              <a:rPr lang="en-US" altLang="zh-CN" dirty="0" smtClean="0"/>
+              <a:t>your</a:t>
+            </a:r>
+            <a:r>
+              <a:rPr lang="zh-CN" altLang="en-US" dirty="0" smtClean="0"/>
+              <a:t> </a:t>
+            </a:r>
+            <a:r>
+              <a:rPr lang="en-US" altLang="zh-CN" dirty="0" smtClean="0"/>
+              <a:t>name?</a:t>
+            </a:r>
+            <a:endParaRPr lang="en-US" dirty="0"/>
+          </a:p>
+        </p:txBody>
+      </p:sp>
+      <p:cxnSp>
+        <p:nvCxnSpPr>
+          <p:cNvPr id="22" name="Straight Arrow Connector 21"/>
+          <p:cNvCxnSpPr/>
+          <p:nvPr/>
+        </p:nvCxnSpPr>
+        <p:spPr>
+          <a:xfrm>
+            <a:off x="2302400" y="3739894"/>
+            <a:ext cx="767214" cy="0"/>
+          </a:xfrm>
+          <a:prstGeom prst="straightConnector1">
+            <a:avLst/>
+          </a:prstGeom>
+          <a:ln w="38100">
+            <a:solidFill>
+              <a:schemeClr val="tx1"/>
+            </a:solidFill>
+            <a:tailEnd type="triangle"/>
+          </a:ln>
         </p:spPr>
         <p:style>
-          <a:lnRef idx="2">
-            <a:schemeClr val="accent1">
-              <a:shade val="50000"/>
-            </a:schemeClr>
+          <a:lnRef idx="1">
+            <a:schemeClr val="accent1"/>
           </a:lnRef>
-          <a:fillRef idx="1">
+          <a:fillRef idx="0">
             <a:schemeClr val="accent1"/>
           </a:fillRef>
           <a:effectRef idx="0">
             <a:schemeClr val="accent1"/>
           </a:effectRef>
           <a:fontRef idx="minor">
-            <a:schemeClr val="lt1"/>
+            <a:schemeClr val="tx1"/>
           </a:fontRef>
         </p:style>
-        <p:txBody>
-          <a:bodyPr rtlCol="0" anchor="ctr"/>
-          <a:lstStyle/>
-          <a:p>
-            <a:pPr algn="ctr"/>
-            <a:r>
-              <a:rPr lang="zh-CN" altLang="en-US" dirty="0"/>
-              <a:t>集成</a:t>
-            </a:r>
+      </p:cxnSp>
+      <p:sp>
+        <p:nvSpPr>
+          <p:cNvPr id="23" name="TextBox 22"/>
+          <p:cNvSpPr txBox="1"/>
+          <p:nvPr/>
+        </p:nvSpPr>
+        <p:spPr>
+          <a:xfrm>
+            <a:off x="3126090" y="3528334"/>
+            <a:ext cx="1107996" cy="369332"/>
+          </a:xfrm>
+          <a:prstGeom prst="rect">
+            <a:avLst/>
+          </a:prstGeom>
+          <a:noFill/>
+        </p:spPr>
+        <p:txBody>
+          <a:bodyPr wrap="none" rtlCol="0">
+            <a:spAutoFit/>
+          </a:bodyPr>
+          <a:lstStyle/>
+          <a:p>
             <a:r>
               <a:rPr lang="zh-CN" altLang="en-US" dirty="0" smtClean="0"/>
-              <a:t>树</a:t>
-            </a:r>
-            <a:endParaRPr lang="en-US" altLang="zh-CN" dirty="0" smtClean="0"/>
-          </a:p>
-          <a:p>
-            <a:pPr algn="ctr"/>
-            <a:r>
-              <a:rPr lang="en-US" dirty="0"/>
-              <a:t>Tree Ensembles</a:t>
-            </a:r>
-          </a:p>
-        </p:txBody>
-      </p:sp>
-      <p:sp>
-        <p:nvSpPr>
-          <p:cNvPr id="46" name="Rectangle 45"/>
-          <p:cNvSpPr/>
-          <p:nvPr/>
-        </p:nvSpPr>
-        <p:spPr>
-          <a:xfrm>
-            <a:off x="8146399" y="3662195"/>
-            <a:ext cx="3440210" cy="1109272"/>
-          </a:xfrm>
-          <a:prstGeom prst="rect">
-            <a:avLst/>
-          </a:prstGeom>
+              <a:t>你叫啥？</a:t>
+            </a:r>
+            <a:endParaRPr lang="en-US" dirty="0"/>
+          </a:p>
+        </p:txBody>
+      </p:sp>
+      <p:sp>
+        <p:nvSpPr>
+          <p:cNvPr id="24" name="TextBox 23"/>
+          <p:cNvSpPr txBox="1"/>
+          <p:nvPr/>
+        </p:nvSpPr>
+        <p:spPr>
+          <a:xfrm>
+            <a:off x="5969588" y="5950013"/>
+            <a:ext cx="1800493" cy="369332"/>
+          </a:xfrm>
+          <a:prstGeom prst="rect">
+            <a:avLst/>
+          </a:prstGeom>
+          <a:noFill/>
+        </p:spPr>
+        <p:txBody>
+          <a:bodyPr wrap="none" rtlCol="0">
+            <a:spAutoFit/>
+          </a:bodyPr>
+          <a:lstStyle/>
+          <a:p>
+            <a:r>
+              <a:rPr lang="zh-CN" altLang="en-US" smtClean="0"/>
+              <a:t>我今天晚上想吃</a:t>
+            </a:r>
+            <a:endParaRPr lang="en-US" dirty="0"/>
+          </a:p>
+        </p:txBody>
+      </p:sp>
+      <p:cxnSp>
+        <p:nvCxnSpPr>
+          <p:cNvPr id="25" name="Straight Arrow Connector 24"/>
+          <p:cNvCxnSpPr/>
+          <p:nvPr/>
+        </p:nvCxnSpPr>
+        <p:spPr>
+          <a:xfrm>
+            <a:off x="7770081" y="6154241"/>
+            <a:ext cx="767214" cy="0"/>
+          </a:xfrm>
+          <a:prstGeom prst="straightConnector1">
+            <a:avLst/>
+          </a:prstGeom>
+          <a:ln w="38100">
+            <a:solidFill>
+              <a:schemeClr val="tx1"/>
+            </a:solidFill>
+            <a:tailEnd type="triangle"/>
+          </a:ln>
         </p:spPr>
         <p:style>
-          <a:lnRef idx="2">
-            <a:schemeClr val="accent1">
-              <a:shade val="50000"/>
-            </a:schemeClr>
+          <a:lnRef idx="1">
+            <a:schemeClr val="accent1"/>
           </a:lnRef>
-          <a:fillRef idx="1">
+          <a:fillRef idx="0">
             <a:schemeClr val="accent1"/>
           </a:fillRef>
           <a:effectRef idx="0">
             <a:schemeClr val="accent1"/>
           </a:effectRef>
           <a:fontRef idx="minor">
-            <a:schemeClr val="lt1"/>
+            <a:schemeClr val="tx1"/>
           </a:fontRef>
         </p:style>
-        <p:txBody>
-          <a:bodyPr rtlCol="0" anchor="ctr"/>
-          <a:lstStyle/>
-          <a:p>
-            <a:pPr algn="ctr"/>
-            <a:r>
-              <a:rPr lang="zh-CN" altLang="en-US" dirty="0" smtClean="0"/>
-              <a:t>广义线性模型</a:t>
-            </a:r>
-            <a:endParaRPr lang="en-US" altLang="zh-CN" dirty="0" smtClean="0"/>
-          </a:p>
-          <a:p>
-            <a:pPr algn="ctr"/>
-            <a:r>
-              <a:rPr lang="en-US" dirty="0"/>
-              <a:t>Generalized Linear Models</a:t>
-            </a:r>
-          </a:p>
-        </p:txBody>
-      </p:sp>
-      <p:sp>
-        <p:nvSpPr>
-          <p:cNvPr id="47" name="Rectangle 46"/>
-          <p:cNvSpPr/>
-          <p:nvPr/>
-        </p:nvSpPr>
-        <p:spPr>
-          <a:xfrm>
-            <a:off x="8146399" y="2027416"/>
-            <a:ext cx="3440210" cy="1109272"/>
-          </a:xfrm>
-          <a:prstGeom prst="rect">
-            <a:avLst/>
-          </a:prstGeom>
+      </p:cxnSp>
+      <p:sp>
+        <p:nvSpPr>
+          <p:cNvPr id="26" name="TextBox 25"/>
+          <p:cNvSpPr txBox="1"/>
+          <p:nvPr/>
+        </p:nvSpPr>
+        <p:spPr>
+          <a:xfrm>
+            <a:off x="8671865" y="5966901"/>
+            <a:ext cx="415498" cy="369332"/>
+          </a:xfrm>
+          <a:prstGeom prst="rect">
+            <a:avLst/>
+          </a:prstGeom>
+          <a:noFill/>
+        </p:spPr>
+        <p:txBody>
+          <a:bodyPr wrap="none" rtlCol="0">
+            <a:spAutoFit/>
+          </a:bodyPr>
+          <a:lstStyle/>
+          <a:p>
+            <a:r>
+              <a:rPr lang="zh-CN" altLang="en-US" smtClean="0"/>
+              <a:t>鸡</a:t>
+            </a:r>
+            <a:endParaRPr lang="en-US" dirty="0"/>
+          </a:p>
+        </p:txBody>
+      </p:sp>
+      <p:pic>
+        <p:nvPicPr>
+          <p:cNvPr id="28" name="Picture 27"/>
+          <p:cNvPicPr>
+            <a:picLocks noChangeAspect="1"/>
+          </p:cNvPicPr>
+          <p:nvPr/>
+        </p:nvPicPr>
+        <p:blipFill>
+          <a:blip r:embed="rId5"/>
+          <a:stretch>
+            <a:fillRect/>
+          </a:stretch>
+        </p:blipFill>
+        <p:spPr>
+          <a:xfrm>
+            <a:off x="1284351" y="5292283"/>
+            <a:ext cx="1079500" cy="685800"/>
+          </a:xfrm>
+          <a:prstGeom prst="rect">
+            <a:avLst/>
+          </a:prstGeom>
+        </p:spPr>
+      </p:pic>
+      <p:cxnSp>
+        <p:nvCxnSpPr>
+          <p:cNvPr id="29" name="Straight Arrow Connector 28"/>
+          <p:cNvCxnSpPr/>
+          <p:nvPr/>
+        </p:nvCxnSpPr>
+        <p:spPr>
+          <a:xfrm>
+            <a:off x="2533717" y="5624723"/>
+            <a:ext cx="767214" cy="0"/>
+          </a:xfrm>
+          <a:prstGeom prst="straightConnector1">
+            <a:avLst/>
+          </a:prstGeom>
+          <a:ln w="38100">
+            <a:solidFill>
+              <a:schemeClr val="tx1"/>
+            </a:solidFill>
+            <a:tailEnd type="triangle"/>
+          </a:ln>
         </p:spPr>
         <p:style>
-          <a:lnRef idx="2">
-            <a:schemeClr val="accent1">
-              <a:shade val="50000"/>
-            </a:schemeClr>
+          <a:lnRef idx="1">
+            <a:schemeClr val="accent1"/>
           </a:lnRef>
-          <a:fillRef idx="1">
+          <a:fillRef idx="0">
             <a:schemeClr val="accent1"/>
           </a:fillRef>
           <a:effectRef idx="0">
             <a:schemeClr val="accent1"/>
           </a:effectRef>
           <a:fontRef idx="minor">
-            <a:schemeClr val="lt1"/>
+            <a:schemeClr val="tx1"/>
           </a:fontRef>
         </p:style>
-        <p:txBody>
-          <a:bodyPr rtlCol="0" anchor="ctr"/>
-          <a:lstStyle/>
-          <a:p>
-            <a:pPr algn="ctr"/>
+      </p:cxnSp>
+      <p:sp>
+        <p:nvSpPr>
+          <p:cNvPr id="30" name="TextBox 29"/>
+          <p:cNvSpPr txBox="1"/>
+          <p:nvPr/>
+        </p:nvSpPr>
+        <p:spPr>
+          <a:xfrm>
+            <a:off x="3470797" y="5443594"/>
+            <a:ext cx="646331" cy="369332"/>
+          </a:xfrm>
+          <a:prstGeom prst="rect">
+            <a:avLst/>
+          </a:prstGeom>
+          <a:noFill/>
+        </p:spPr>
+        <p:txBody>
+          <a:bodyPr wrap="none" rtlCol="0">
+            <a:spAutoFit/>
+          </a:bodyPr>
+          <a:lstStyle/>
+          <a:p>
             <a:r>
               <a:rPr lang="zh-CN" altLang="en-US" dirty="0" smtClean="0"/>
-              <a:t>循环神经网络</a:t>
+              <a:t>沙滩</a:t>
             </a:r>
             <a:endParaRPr lang="en-US" altLang="zh-CN" dirty="0" smtClean="0"/>
           </a:p>
-          <a:p>
-            <a:pPr algn="ctr"/>
-            <a:r>
-              <a:rPr lang="en-US" dirty="0"/>
-              <a:t>Recurrent Neural Networks</a:t>
-            </a:r>
+        </p:txBody>
+      </p:sp>
+      <p:sp>
+        <p:nvSpPr>
+          <p:cNvPr id="31" name="TextBox 30"/>
+          <p:cNvSpPr txBox="1"/>
+          <p:nvPr/>
+        </p:nvSpPr>
+        <p:spPr>
+          <a:xfrm>
+            <a:off x="540000" y="540000"/>
+            <a:ext cx="1723549" cy="553998"/>
+          </a:xfrm>
+          <a:prstGeom prst="rect">
+            <a:avLst/>
+          </a:prstGeom>
+          <a:noFill/>
+        </p:spPr>
+        <p:txBody>
+          <a:bodyPr wrap="none" rtlCol="0">
+            <a:spAutoFit/>
+          </a:bodyPr>
+          <a:lstStyle/>
+          <a:p>
+            <a:r>
+              <a:rPr lang="zh-CN" altLang="en-US" sz="3000" b="1" dirty="0" smtClean="0">
+                <a:latin typeface="Helvetica Bold" charset="0"/>
+              </a:rPr>
+              <a:t>使用模型</a:t>
+            </a:r>
+            <a:endParaRPr lang="en-US" sz="3000" b="1" dirty="0">
+              <a:latin typeface="Helvetica Bold" charset="0"/>
+            </a:endParaRPr>
           </a:p>
         </p:txBody>
       </p:sp>
     </p:spTree>
     <p:extLst>
       <p:ext uri="{BB962C8B-B14F-4D97-AF65-F5344CB8AC3E}">
-        <p14:creationId xmlns:p14="http://schemas.microsoft.com/office/powerpoint/2010/main" val="1188184246"/>
+        <p14:creationId xmlns:p14="http://schemas.microsoft.com/office/powerpoint/2010/main" val="1326152866"/>
       </p:ext>
     </p:extLst>
   </p:cSld>
@@ -3816,7 +4257,7 @@
       </p:grpSpPr>
       <p:sp>
         <p:nvSpPr>
-          <p:cNvPr id="5" name="TextBox 4"/>
+          <p:cNvPr id="31" name="TextBox 30"/>
           <p:cNvSpPr txBox="1"/>
           <p:nvPr/>
         </p:nvSpPr>
@@ -3837,22 +4278,10 @@
           <a:lstStyle/>
           <a:p>
             <a:r>
-              <a:rPr lang="en-US" altLang="zh-CN" sz="3000" b="1" dirty="0" smtClean="0">
-                <a:latin typeface="Helvetica Bold" charset="0"/>
-              </a:rPr>
-              <a:t>Core</a:t>
-            </a:r>
-            <a:r>
               <a:rPr lang="zh-CN" altLang="en-US" sz="3000" b="1" dirty="0" smtClean="0">
                 <a:latin typeface="Helvetica Bold" charset="0"/>
               </a:rPr>
-              <a:t> </a:t>
-            </a:r>
-            <a:r>
-              <a:rPr lang="en-US" altLang="zh-CN" sz="3000" b="1" dirty="0" smtClean="0">
-                <a:latin typeface="Helvetica Bold" charset="0"/>
-              </a:rPr>
-              <a:t>ML</a:t>
+              <a:t>模型种类</a:t>
             </a:r>
             <a:endParaRPr lang="en-US" sz="3000" b="1" dirty="0">
               <a:latin typeface="Helvetica Bold" charset="0"/>
@@ -3862,27 +4291,18 @@
       </p:sp>
       <p:sp>
         <p:nvSpPr>
-          <p:cNvPr id="6" name="Rounded Rectangle 5"/>
+          <p:cNvPr id="2" name="Rectangle 1"/>
           <p:cNvSpPr/>
           <p:nvPr/>
         </p:nvSpPr>
         <p:spPr>
           <a:xfrm>
-            <a:off x="2829130" y="1449657"/>
-            <a:ext cx="6579220" cy="869795"/>
-          </a:xfrm>
-          <a:prstGeom prst="roundRect">
-            <a:avLst/>
-          </a:prstGeom>
-          <a:solidFill>
-            <a:schemeClr val="accent4">
-              <a:lumMod val="60000"/>
-              <a:lumOff val="40000"/>
-            </a:schemeClr>
-          </a:solidFill>
-          <a:ln>
-            <a:noFill/>
-          </a:ln>
+            <a:off x="656379" y="2027416"/>
+            <a:ext cx="3440210" cy="1109272"/>
+          </a:xfrm>
+          <a:prstGeom prst="rect">
+            <a:avLst/>
+          </a:prstGeom>
         </p:spPr>
         <p:style>
           <a:lnRef idx="2">
@@ -3906,49 +4326,41 @@
           <a:p>
             <a:pPr algn="ctr"/>
             <a:r>
-              <a:rPr lang="en-US" altLang="zh-CN" dirty="0" smtClean="0">
-                <a:solidFill>
-                  <a:sysClr val="windowText" lastClr="000000"/>
-                </a:solidFill>
-              </a:rPr>
-              <a:t>Your</a:t>
-            </a:r>
-            <a:r>
-              <a:rPr lang="zh-CN" altLang="en-US" dirty="0" smtClean="0">
-                <a:solidFill>
-                  <a:sysClr val="windowText" lastClr="000000"/>
-                </a:solidFill>
-              </a:rPr>
-              <a:t> </a:t>
-            </a:r>
-            <a:r>
-              <a:rPr lang="en-US" altLang="zh-CN" dirty="0" smtClean="0">
-                <a:solidFill>
-                  <a:sysClr val="windowText" lastClr="000000"/>
-                </a:solidFill>
-              </a:rPr>
-              <a:t>APP</a:t>
-            </a:r>
-            <a:endParaRPr lang="en-US" dirty="0">
-              <a:solidFill>
-                <a:sysClr val="windowText" lastClr="000000"/>
-              </a:solidFill>
-            </a:endParaRPr>
-          </a:p>
-        </p:txBody>
-      </p:sp>
-      <p:sp>
-        <p:nvSpPr>
-          <p:cNvPr id="7" name="Rounded Rectangle 6"/>
+              <a:rPr lang="zh-CN" altLang="en-US" dirty="0" smtClean="0"/>
+              <a:t>前馈神经网络</a:t>
+            </a:r>
+            <a:endParaRPr lang="en-US" altLang="zh-CN" dirty="0" smtClean="0"/>
+          </a:p>
+          <a:p>
+            <a:pPr algn="ctr"/>
+            <a:r>
+              <a:rPr lang="en-US" dirty="0" smtClean="0"/>
+              <a:t>Feed </a:t>
+            </a:r>
+            <a:r>
+              <a:rPr lang="en-US" dirty="0"/>
+              <a:t>Forward Neural </a:t>
+            </a:r>
+            <a:r>
+              <a:rPr lang="en-US" dirty="0" smtClean="0"/>
+              <a:t>Networks</a:t>
+            </a:r>
+            <a:endParaRPr lang="en-US" dirty="0"/>
+          </a:p>
+        </p:txBody>
+      </p:sp>
+      <p:sp>
+        <p:nvSpPr>
+          <p:cNvPr id="43" name="Rectangle 42"/>
           <p:cNvSpPr/>
           <p:nvPr/>
         </p:nvSpPr>
         <p:spPr>
           <a:xfrm>
-            <a:off x="2829130" y="2542478"/>
-            <a:ext cx="1408333" cy="780586"/>
-          </a:xfrm>
-          <a:prstGeom prst="roundRect">
+            <a:off x="4401389" y="2027416"/>
+            <a:ext cx="3440210" cy="1109272"/>
+          </a:xfrm>
+          <a:prstGeom prst="rect">
             <a:avLst/>
           </a:prstGeom>
         </p:spPr>
@@ -3974,33 +4386,32 @@
           <a:p>
             <a:pPr algn="ctr"/>
             <a:r>
-              <a:rPr lang="en-US" altLang="zh-CN" dirty="0" smtClean="0">
-                <a:solidFill>
-                  <a:sysClr val="windowText" lastClr="000000"/>
-                </a:solidFill>
-              </a:rPr>
-              <a:t>Vision</a:t>
-            </a:r>
-            <a:endParaRPr lang="en-US" dirty="0">
-              <a:solidFill>
-                <a:sysClr val="windowText" lastClr="000000"/>
-              </a:solidFill>
-            </a:endParaRPr>
-          </a:p>
-        </p:txBody>
-      </p:sp>
-      <p:sp>
-        <p:nvSpPr>
-          <p:cNvPr id="8" name="Rounded Rectangle 7"/>
+              <a:rPr lang="zh-CN" altLang="en-US" dirty="0" smtClean="0"/>
+              <a:t>卷积神经网络</a:t>
+            </a:r>
+            <a:endParaRPr lang="en-US" altLang="zh-CN" dirty="0" smtClean="0"/>
+          </a:p>
+          <a:p>
+            <a:pPr algn="ctr"/>
+            <a:r>
+              <a:rPr lang="en-US" dirty="0"/>
+              <a:t>Convolutional Neural Networks</a:t>
+            </a:r>
+          </a:p>
+        </p:txBody>
+      </p:sp>
+      <p:sp>
+        <p:nvSpPr>
+          <p:cNvPr id="44" name="Rectangle 43"/>
           <p:cNvSpPr/>
           <p:nvPr/>
         </p:nvSpPr>
         <p:spPr>
           <a:xfrm>
-            <a:off x="4438186" y="2542478"/>
-            <a:ext cx="3233854" cy="780586"/>
-          </a:xfrm>
-          <a:prstGeom prst="roundRect">
+            <a:off x="4401389" y="3662195"/>
+            <a:ext cx="3440210" cy="1109272"/>
+          </a:xfrm>
+          <a:prstGeom prst="rect">
             <a:avLst/>
           </a:prstGeom>
         </p:spPr>
@@ -4026,44 +4437,36 @@
           <a:p>
             <a:pPr algn="ctr"/>
             <a:r>
-              <a:rPr lang="en-US" altLang="zh-CN" dirty="0" smtClean="0">
-                <a:solidFill>
-                  <a:sysClr val="windowText" lastClr="000000"/>
-                </a:solidFill>
-              </a:rPr>
-              <a:t>Natural</a:t>
-            </a:r>
-            <a:r>
-              <a:rPr lang="zh-CN" altLang="en-US" dirty="0" smtClean="0">
-                <a:solidFill>
-                  <a:sysClr val="windowText" lastClr="000000"/>
-                </a:solidFill>
-              </a:rPr>
-              <a:t> </a:t>
-            </a:r>
-            <a:r>
-              <a:rPr lang="en-US" altLang="zh-CN" dirty="0" smtClean="0">
-                <a:solidFill>
-                  <a:sysClr val="windowText" lastClr="000000"/>
-                </a:solidFill>
-              </a:rPr>
-              <a:t>language processing</a:t>
-            </a:r>
-          </a:p>
-        </p:txBody>
-      </p:sp>
-      <p:sp>
-        <p:nvSpPr>
-          <p:cNvPr id="9" name="Rounded Rectangle 8"/>
+              <a:rPr lang="zh-CN" altLang="en-US" dirty="0" smtClean="0"/>
+              <a:t>支持向量机</a:t>
+            </a:r>
+            <a:endParaRPr lang="en-US" altLang="zh-CN" dirty="0" smtClean="0"/>
+          </a:p>
+          <a:p>
+            <a:pPr algn="ctr"/>
+            <a:r>
+              <a:rPr lang="en-US" dirty="0" smtClean="0"/>
+              <a:t>Support </a:t>
+            </a:r>
+            <a:r>
+              <a:rPr lang="en-US" dirty="0"/>
+              <a:t>Vector Machines</a:t>
+            </a:r>
+          </a:p>
+        </p:txBody>
+      </p:sp>
+      <p:sp>
+        <p:nvSpPr>
+          <p:cNvPr id="45" name="Rectangle 44"/>
           <p:cNvSpPr/>
           <p:nvPr/>
         </p:nvSpPr>
         <p:spPr>
           <a:xfrm>
-            <a:off x="7872763" y="2542478"/>
-            <a:ext cx="1535589" cy="780586"/>
-          </a:xfrm>
-          <a:prstGeom prst="roundRect">
+            <a:off x="656379" y="3681114"/>
+            <a:ext cx="3440210" cy="1109272"/>
+          </a:xfrm>
+          <a:prstGeom prst="rect">
             <a:avLst/>
           </a:prstGeom>
         </p:spPr>
@@ -4089,33 +4492,36 @@
           <a:p>
             <a:pPr algn="ctr"/>
             <a:r>
-              <a:rPr lang="en-US" dirty="0" err="1" smtClean="0">
-                <a:solidFill>
-                  <a:sysClr val="windowText" lastClr="000000"/>
-                </a:solidFill>
-              </a:rPr>
-              <a:t>GameplayKit</a:t>
-            </a:r>
-            <a:endParaRPr lang="en-US" dirty="0" smtClean="0">
-              <a:solidFill>
-                <a:sysClr val="windowText" lastClr="000000"/>
-              </a:solidFill>
-            </a:endParaRPr>
-          </a:p>
-        </p:txBody>
-      </p:sp>
-      <p:sp>
-        <p:nvSpPr>
-          <p:cNvPr id="10" name="Rounded Rectangle 9"/>
+              <a:rPr lang="zh-CN" altLang="en-US" dirty="0"/>
+              <a:t>集成</a:t>
+            </a:r>
+            <a:r>
+              <a:rPr lang="zh-CN" altLang="en-US" dirty="0" smtClean="0"/>
+              <a:t>树</a:t>
+            </a:r>
+            <a:endParaRPr lang="en-US" altLang="zh-CN" dirty="0" smtClean="0"/>
+          </a:p>
+          <a:p>
+            <a:pPr algn="ctr"/>
+            <a:r>
+              <a:rPr lang="en-US" dirty="0"/>
+              <a:t>Tree Ensembles</a:t>
+            </a:r>
+          </a:p>
+        </p:txBody>
+      </p:sp>
+      <p:sp>
+        <p:nvSpPr>
+          <p:cNvPr id="46" name="Rectangle 45"/>
           <p:cNvSpPr/>
           <p:nvPr/>
         </p:nvSpPr>
         <p:spPr>
           <a:xfrm>
-            <a:off x="2829130" y="3590697"/>
-            <a:ext cx="6579220" cy="780586"/>
-          </a:xfrm>
-          <a:prstGeom prst="roundRect">
+            <a:off x="8146399" y="3662195"/>
+            <a:ext cx="3440210" cy="1109272"/>
+          </a:xfrm>
+          <a:prstGeom prst="rect">
             <a:avLst/>
           </a:prstGeom>
         </p:spPr>
@@ -4141,33 +4547,32 @@
           <a:p>
             <a:pPr algn="ctr"/>
             <a:r>
-              <a:rPr lang="en-US" dirty="0" smtClean="0">
-                <a:solidFill>
-                  <a:sysClr val="windowText" lastClr="000000"/>
-                </a:solidFill>
-              </a:rPr>
-              <a:t>Core ML</a:t>
-            </a:r>
-            <a:endParaRPr lang="en-US" dirty="0">
-              <a:solidFill>
-                <a:sysClr val="windowText" lastClr="000000"/>
-              </a:solidFill>
-            </a:endParaRPr>
-          </a:p>
-        </p:txBody>
-      </p:sp>
-      <p:sp>
-        <p:nvSpPr>
-          <p:cNvPr id="11" name="Rounded Rectangle 10"/>
+              <a:rPr lang="zh-CN" altLang="en-US" dirty="0" smtClean="0"/>
+              <a:t>广义线性模型</a:t>
+            </a:r>
+            <a:endParaRPr lang="en-US" altLang="zh-CN" dirty="0" smtClean="0"/>
+          </a:p>
+          <a:p>
+            <a:pPr algn="ctr"/>
+            <a:r>
+              <a:rPr lang="en-US" dirty="0"/>
+              <a:t>Generalized Linear Models</a:t>
+            </a:r>
+          </a:p>
+        </p:txBody>
+      </p:sp>
+      <p:sp>
+        <p:nvSpPr>
+          <p:cNvPr id="47" name="Rectangle 46"/>
           <p:cNvSpPr/>
           <p:nvPr/>
         </p:nvSpPr>
         <p:spPr>
           <a:xfrm>
-            <a:off x="2829130" y="4627772"/>
-            <a:ext cx="2810107" cy="780586"/>
-          </a:xfrm>
-          <a:prstGeom prst="roundRect">
+            <a:off x="8146399" y="2027416"/>
+            <a:ext cx="3440210" cy="1109272"/>
+          </a:xfrm>
+          <a:prstGeom prst="rect">
             <a:avLst/>
           </a:prstGeom>
         </p:spPr>
@@ -4193,85 +4598,24 @@
           <a:p>
             <a:pPr algn="ctr"/>
             <a:r>
-              <a:rPr lang="en-US" dirty="0" smtClean="0">
-                <a:solidFill>
-                  <a:sysClr val="windowText" lastClr="000000"/>
-                </a:solidFill>
-              </a:rPr>
-              <a:t>Accelerate BNNS</a:t>
-            </a:r>
-            <a:endParaRPr lang="en-US" dirty="0">
-              <a:solidFill>
-                <a:sysClr val="windowText" lastClr="000000"/>
-              </a:solidFill>
-            </a:endParaRPr>
-          </a:p>
-        </p:txBody>
-      </p:sp>
-      <p:sp>
-        <p:nvSpPr>
-          <p:cNvPr id="12" name="Rounded Rectangle 11"/>
-          <p:cNvSpPr/>
-          <p:nvPr/>
-        </p:nvSpPr>
-        <p:spPr>
-          <a:xfrm>
-            <a:off x="5820937" y="4638916"/>
-            <a:ext cx="3587413" cy="780586"/>
-          </a:xfrm>
-          <a:prstGeom prst="roundRect">
-            <a:avLst/>
-          </a:prstGeom>
-        </p:spPr>
-        <p:style>
-          <a:lnRef idx="2">
-            <a:schemeClr val="accent1">
-              <a:shade val="50000"/>
-            </a:schemeClr>
-          </a:lnRef>
-          <a:fillRef idx="1">
-            <a:schemeClr val="accent1"/>
-          </a:fillRef>
-          <a:effectRef idx="0">
-            <a:schemeClr val="accent1"/>
-          </a:effectRef>
-          <a:fontRef idx="minor">
-            <a:schemeClr val="lt1"/>
-          </a:fontRef>
-        </p:style>
-        <p:txBody>
-          <a:bodyPr rtlCol="0" anchor="ctr"/>
-          <a:lstStyle/>
+              <a:rPr lang="zh-CN" altLang="en-US" dirty="0" smtClean="0"/>
+              <a:t>循环神经网络</a:t>
+            </a:r>
+            <a:endParaRPr lang="en-US" altLang="zh-CN" dirty="0" smtClean="0"/>
+          </a:p>
           <a:p>
             <a:pPr algn="ctr"/>
             <a:r>
-              <a:rPr lang="en-US" dirty="0" smtClean="0">
-                <a:solidFill>
-                  <a:sysClr val="windowText" lastClr="000000"/>
-                </a:solidFill>
-              </a:rPr>
-              <a:t>Metal Performance </a:t>
-            </a:r>
-            <a:r>
-              <a:rPr lang="en-US" dirty="0" err="1" smtClean="0">
-                <a:solidFill>
-                  <a:sysClr val="windowText" lastClr="000000"/>
-                </a:solidFill>
-              </a:rPr>
-              <a:t>Shaders</a:t>
-            </a:r>
-            <a:endParaRPr lang="en-US" dirty="0">
-              <a:solidFill>
-                <a:sysClr val="windowText" lastClr="000000"/>
-              </a:solidFill>
-            </a:endParaRPr>
+              <a:rPr lang="en-US" dirty="0"/>
+              <a:t>Recurrent Neural Networks</a:t>
+            </a:r>
           </a:p>
         </p:txBody>
       </p:sp>
     </p:spTree>
     <p:extLst>
       <p:ext uri="{BB962C8B-B14F-4D97-AF65-F5344CB8AC3E}">
-        <p14:creationId xmlns:p14="http://schemas.microsoft.com/office/powerpoint/2010/main" val="528303943"/>
+        <p14:creationId xmlns:p14="http://schemas.microsoft.com/office/powerpoint/2010/main" val="1188184246"/>
       </p:ext>
     </p:extLst>
   </p:cSld>
@@ -4313,219 +4657,6 @@
         </p:nvSpPr>
         <p:spPr>
           <a:xfrm>
-            <a:off x="2249201" y="1182504"/>
-            <a:ext cx="2857500" cy="4524315"/>
-          </a:xfrm>
-          <a:prstGeom prst="rect">
-            <a:avLst/>
-          </a:prstGeom>
-          <a:noFill/>
-        </p:spPr>
-        <p:txBody>
-          <a:bodyPr wrap="square" rtlCol="0">
-            <a:spAutoFit/>
-          </a:bodyPr>
-          <a:lstStyle/>
-          <a:p>
-            <a:r>
-              <a:rPr lang="en-US" sz="3000" dirty="0" smtClean="0"/>
-              <a:t>Vision:</a:t>
-            </a:r>
-          </a:p>
-          <a:p>
-            <a:pPr marL="285750" indent="-285750">
-              <a:buFont typeface="Arial" charset="0"/>
-              <a:buChar char="•"/>
-            </a:pPr>
-            <a:r>
-              <a:rPr lang="zh-CN" altLang="en-US" sz="3000" dirty="0" smtClean="0"/>
-              <a:t>面部追踪</a:t>
-            </a:r>
-            <a:endParaRPr lang="en-US" altLang="zh-CN" sz="3000" dirty="0" smtClean="0"/>
-          </a:p>
-          <a:p>
-            <a:pPr marL="285750" indent="-285750">
-              <a:buFont typeface="Arial" charset="0"/>
-              <a:buChar char="•"/>
-            </a:pPr>
-            <a:r>
-              <a:rPr lang="zh-CN" altLang="en-US" sz="3000" dirty="0" smtClean="0"/>
-              <a:t>面部识别</a:t>
-            </a:r>
-            <a:endParaRPr lang="en-US" altLang="zh-CN" sz="3000" dirty="0" smtClean="0"/>
-          </a:p>
-          <a:p>
-            <a:pPr marL="285750" indent="-285750">
-              <a:buFont typeface="Arial" charset="0"/>
-              <a:buChar char="•"/>
-            </a:pPr>
-            <a:r>
-              <a:rPr lang="zh-CN" altLang="en-US" sz="3000" dirty="0" smtClean="0"/>
-              <a:t>地标</a:t>
-            </a:r>
-            <a:endParaRPr lang="en-US" altLang="zh-CN" sz="3000" dirty="0" smtClean="0"/>
-          </a:p>
-          <a:p>
-            <a:pPr marL="285750" indent="-285750">
-              <a:buFont typeface="Arial" charset="0"/>
-              <a:buChar char="•"/>
-            </a:pPr>
-            <a:r>
-              <a:rPr lang="zh-CN" altLang="en-US" sz="3000" dirty="0" smtClean="0"/>
-              <a:t>文本识别</a:t>
-            </a:r>
-            <a:endParaRPr lang="en-US" altLang="zh-CN" sz="3000" dirty="0" smtClean="0"/>
-          </a:p>
-          <a:p>
-            <a:pPr marL="285750" indent="-285750">
-              <a:buFont typeface="Arial" charset="0"/>
-              <a:buChar char="•"/>
-            </a:pPr>
-            <a:r>
-              <a:rPr lang="zh-CN" altLang="en-US" sz="3000" dirty="0" smtClean="0"/>
-              <a:t>正方形识别</a:t>
-            </a:r>
-            <a:endParaRPr lang="en-US" altLang="zh-CN" sz="3000" dirty="0" smtClean="0"/>
-          </a:p>
-          <a:p>
-            <a:pPr marL="285750" indent="-285750">
-              <a:buFont typeface="Arial" charset="0"/>
-              <a:buChar char="•"/>
-            </a:pPr>
-            <a:r>
-              <a:rPr lang="zh-CN" altLang="en-US" sz="3000" dirty="0" smtClean="0"/>
-              <a:t>条码识别</a:t>
-            </a:r>
-            <a:endParaRPr lang="en-US" altLang="zh-CN" sz="3000" dirty="0" smtClean="0"/>
-          </a:p>
-          <a:p>
-            <a:pPr marL="285750" indent="-285750">
-              <a:buFont typeface="Arial" charset="0"/>
-              <a:buChar char="•"/>
-            </a:pPr>
-            <a:r>
-              <a:rPr lang="zh-CN" altLang="en-US" sz="3000" dirty="0" smtClean="0"/>
-              <a:t>物体追踪</a:t>
-            </a:r>
-            <a:endParaRPr lang="en-US" altLang="zh-CN" sz="3000" dirty="0" smtClean="0"/>
-          </a:p>
-          <a:p>
-            <a:pPr marL="285750" indent="-285750">
-              <a:buFont typeface="Arial" charset="0"/>
-              <a:buChar char="•"/>
-            </a:pPr>
-            <a:r>
-              <a:rPr lang="zh-CN" altLang="en-US" sz="3000" dirty="0" smtClean="0"/>
-              <a:t>图像匹配</a:t>
-            </a:r>
-            <a:endParaRPr lang="en-US" altLang="zh-CN" sz="3000" dirty="0" smtClean="0"/>
-          </a:p>
-          <a:p>
-            <a:pPr marL="285750" indent="-285750">
-              <a:buFont typeface="Arial" charset="0"/>
-              <a:buChar char="•"/>
-            </a:pPr>
-            <a:endParaRPr lang="en-US" dirty="0" smtClean="0"/>
-          </a:p>
-        </p:txBody>
-      </p:sp>
-      <p:sp>
-        <p:nvSpPr>
-          <p:cNvPr id="6" name="TextBox 5"/>
-          <p:cNvSpPr txBox="1"/>
-          <p:nvPr/>
-        </p:nvSpPr>
-        <p:spPr>
-          <a:xfrm>
-            <a:off x="7093912" y="1182504"/>
-            <a:ext cx="3291840" cy="2862322"/>
-          </a:xfrm>
-          <a:prstGeom prst="rect">
-            <a:avLst/>
-          </a:prstGeom>
-          <a:noFill/>
-        </p:spPr>
-        <p:txBody>
-          <a:bodyPr wrap="square" rtlCol="0">
-            <a:spAutoFit/>
-          </a:bodyPr>
-          <a:lstStyle/>
-          <a:p>
-            <a:r>
-              <a:rPr lang="en-US" altLang="zh-CN" sz="3000" dirty="0" smtClean="0"/>
-              <a:t>NLP</a:t>
-            </a:r>
-            <a:r>
-              <a:rPr lang="zh-CN" altLang="en-US" sz="3000" dirty="0" smtClean="0"/>
-              <a:t>：</a:t>
-            </a:r>
-            <a:endParaRPr lang="en-US" altLang="zh-CN" sz="3000" dirty="0" smtClean="0"/>
-          </a:p>
-          <a:p>
-            <a:pPr marL="285750" indent="-285750">
-              <a:buFont typeface="Arial" charset="0"/>
-              <a:buChar char="•"/>
-            </a:pPr>
-            <a:r>
-              <a:rPr lang="zh-CN" altLang="en-US" sz="3000" dirty="0" smtClean="0"/>
-              <a:t>语言检测</a:t>
-            </a:r>
-            <a:endParaRPr lang="en-US" altLang="zh-CN" sz="3000" dirty="0" smtClean="0"/>
-          </a:p>
-          <a:p>
-            <a:pPr marL="285750" indent="-285750">
-              <a:buFont typeface="Arial" charset="0"/>
-              <a:buChar char="•"/>
-            </a:pPr>
-            <a:r>
-              <a:rPr lang="zh-CN" altLang="en-US" sz="3000" dirty="0" smtClean="0"/>
-              <a:t>符号化识别</a:t>
-            </a:r>
-            <a:endParaRPr lang="en-US" altLang="zh-CN" sz="3000" dirty="0" smtClean="0"/>
-          </a:p>
-          <a:p>
-            <a:pPr marL="285750" indent="-285750">
-              <a:buFont typeface="Arial" charset="0"/>
-              <a:buChar char="•"/>
-            </a:pPr>
-            <a:r>
-              <a:rPr lang="zh-CN" altLang="en-US" sz="3000" dirty="0" smtClean="0"/>
-              <a:t>词形还原</a:t>
-            </a:r>
-            <a:endParaRPr lang="en-US" altLang="zh-CN" sz="3000" dirty="0" smtClean="0"/>
-          </a:p>
-          <a:p>
-            <a:pPr marL="285750" indent="-285750">
-              <a:buFont typeface="Arial" charset="0"/>
-              <a:buChar char="•"/>
-            </a:pPr>
-            <a:r>
-              <a:rPr lang="zh-CN" altLang="en-US" sz="3000" dirty="0" smtClean="0"/>
-              <a:t>对话分段</a:t>
-            </a:r>
-            <a:endParaRPr lang="en-US" altLang="zh-CN" sz="3000" dirty="0" smtClean="0"/>
-          </a:p>
-          <a:p>
-            <a:pPr marL="285750" indent="-285750">
-              <a:buFont typeface="Arial" charset="0"/>
-              <a:buChar char="•"/>
-            </a:pPr>
-            <a:r>
-              <a:rPr lang="zh-CN" altLang="en-US" sz="3000" dirty="0" smtClean="0"/>
-              <a:t>实体名称识别</a:t>
-            </a:r>
-            <a:endParaRPr lang="en-US" sz="3000" dirty="0"/>
-          </a:p>
-        </p:txBody>
-      </p:sp>
-      <p:sp>
-        <p:nvSpPr>
-          <p:cNvPr id="7" name="TextBox 6"/>
-          <p:cNvSpPr txBox="1"/>
-          <p:nvPr/>
-        </p:nvSpPr>
-        <p:spPr>
-          <a:xfrm>
             <a:off x="540000" y="540000"/>
             <a:ext cx="1723549" cy="553998"/>
           </a:xfrm>
@@ -4564,10 +4695,418 @@
           </a:p>
         </p:txBody>
       </p:sp>
+      <p:sp>
+        <p:nvSpPr>
+          <p:cNvPr id="6" name="Rounded Rectangle 5"/>
+          <p:cNvSpPr/>
+          <p:nvPr/>
+        </p:nvSpPr>
+        <p:spPr>
+          <a:xfrm>
+            <a:off x="2829130" y="1449657"/>
+            <a:ext cx="6579220" cy="869795"/>
+          </a:xfrm>
+          <a:prstGeom prst="roundRect">
+            <a:avLst/>
+          </a:prstGeom>
+          <a:solidFill>
+            <a:schemeClr val="accent4">
+              <a:lumMod val="60000"/>
+              <a:lumOff val="40000"/>
+            </a:schemeClr>
+          </a:solidFill>
+          <a:ln>
+            <a:noFill/>
+          </a:ln>
+        </p:spPr>
+        <p:style>
+          <a:lnRef idx="2">
+            <a:schemeClr val="accent1">
+              <a:shade val="50000"/>
+            </a:schemeClr>
+          </a:lnRef>
+          <a:fillRef idx="1">
+            <a:schemeClr val="accent1"/>
+          </a:fillRef>
+          <a:effectRef idx="0">
+            <a:schemeClr val="accent1"/>
+          </a:effectRef>
+          <a:fontRef idx="minor">
+            <a:schemeClr val="lt1"/>
+          </a:fontRef>
+        </p:style>
+        <p:txBody>
+          <a:bodyPr rtlCol="0" anchor="ctr"/>
+          <a:lstStyle/>
+          <a:p>
+            <a:pPr algn="ctr"/>
+            <a:r>
+              <a:rPr lang="en-US" altLang="zh-CN" dirty="0" smtClean="0">
+                <a:solidFill>
+                  <a:sysClr val="windowText" lastClr="000000"/>
+                </a:solidFill>
+              </a:rPr>
+              <a:t>Your</a:t>
+            </a:r>
+            <a:r>
+              <a:rPr lang="zh-CN" altLang="en-US" dirty="0" smtClean="0">
+                <a:solidFill>
+                  <a:sysClr val="windowText" lastClr="000000"/>
+                </a:solidFill>
+              </a:rPr>
+              <a:t> </a:t>
+            </a:r>
+            <a:r>
+              <a:rPr lang="en-US" altLang="zh-CN" dirty="0" smtClean="0">
+                <a:solidFill>
+                  <a:sysClr val="windowText" lastClr="000000"/>
+                </a:solidFill>
+              </a:rPr>
+              <a:t>APP</a:t>
+            </a:r>
+            <a:endParaRPr lang="en-US" dirty="0">
+              <a:solidFill>
+                <a:sysClr val="windowText" lastClr="000000"/>
+              </a:solidFill>
+            </a:endParaRPr>
+          </a:p>
+        </p:txBody>
+      </p:sp>
+      <p:sp>
+        <p:nvSpPr>
+          <p:cNvPr id="7" name="Rounded Rectangle 6"/>
+          <p:cNvSpPr/>
+          <p:nvPr/>
+        </p:nvSpPr>
+        <p:spPr>
+          <a:xfrm>
+            <a:off x="2829130" y="2542478"/>
+            <a:ext cx="1408333" cy="780586"/>
+          </a:xfrm>
+          <a:prstGeom prst="roundRect">
+            <a:avLst/>
+          </a:prstGeom>
+        </p:spPr>
+        <p:style>
+          <a:lnRef idx="2">
+            <a:schemeClr val="accent1">
+              <a:shade val="50000"/>
+            </a:schemeClr>
+          </a:lnRef>
+          <a:fillRef idx="1">
+            <a:schemeClr val="accent1"/>
+          </a:fillRef>
+          <a:effectRef idx="0">
+            <a:schemeClr val="accent1"/>
+          </a:effectRef>
+          <a:fontRef idx="minor">
+            <a:schemeClr val="lt1"/>
+          </a:fontRef>
+        </p:style>
+        <p:txBody>
+          <a:bodyPr rtlCol="0" anchor="ctr"/>
+          <a:lstStyle/>
+          <a:p>
+            <a:pPr algn="ctr"/>
+            <a:r>
+              <a:rPr lang="en-US" altLang="zh-CN" dirty="0" smtClean="0">
+                <a:solidFill>
+                  <a:sysClr val="windowText" lastClr="000000"/>
+                </a:solidFill>
+              </a:rPr>
+              <a:t>Vision</a:t>
+            </a:r>
+            <a:endParaRPr lang="en-US" dirty="0">
+              <a:solidFill>
+                <a:sysClr val="windowText" lastClr="000000"/>
+              </a:solidFill>
+            </a:endParaRPr>
+          </a:p>
+        </p:txBody>
+      </p:sp>
+      <p:sp>
+        <p:nvSpPr>
+          <p:cNvPr id="8" name="Rounded Rectangle 7"/>
+          <p:cNvSpPr/>
+          <p:nvPr/>
+        </p:nvSpPr>
+        <p:spPr>
+          <a:xfrm>
+            <a:off x="4438186" y="2542478"/>
+            <a:ext cx="3233854" cy="780586"/>
+          </a:xfrm>
+          <a:prstGeom prst="roundRect">
+            <a:avLst/>
+          </a:prstGeom>
+        </p:spPr>
+        <p:style>
+          <a:lnRef idx="2">
+            <a:schemeClr val="accent1">
+              <a:shade val="50000"/>
+            </a:schemeClr>
+          </a:lnRef>
+          <a:fillRef idx="1">
+            <a:schemeClr val="accent1"/>
+          </a:fillRef>
+          <a:effectRef idx="0">
+            <a:schemeClr val="accent1"/>
+          </a:effectRef>
+          <a:fontRef idx="minor">
+            <a:schemeClr val="lt1"/>
+          </a:fontRef>
+        </p:style>
+        <p:txBody>
+          <a:bodyPr rtlCol="0" anchor="ctr"/>
+          <a:lstStyle/>
+          <a:p>
+            <a:pPr algn="ctr"/>
+            <a:r>
+              <a:rPr lang="en-US" altLang="zh-CN" dirty="0" smtClean="0">
+                <a:solidFill>
+                  <a:sysClr val="windowText" lastClr="000000"/>
+                </a:solidFill>
+              </a:rPr>
+              <a:t>Natural</a:t>
+            </a:r>
+            <a:r>
+              <a:rPr lang="zh-CN" altLang="en-US" dirty="0" smtClean="0">
+                <a:solidFill>
+                  <a:sysClr val="windowText" lastClr="000000"/>
+                </a:solidFill>
+              </a:rPr>
+              <a:t> </a:t>
+            </a:r>
+            <a:r>
+              <a:rPr lang="en-US" altLang="zh-CN" dirty="0" smtClean="0">
+                <a:solidFill>
+                  <a:sysClr val="windowText" lastClr="000000"/>
+                </a:solidFill>
+              </a:rPr>
+              <a:t>language processing</a:t>
+            </a:r>
+          </a:p>
+        </p:txBody>
+      </p:sp>
+      <p:sp>
+        <p:nvSpPr>
+          <p:cNvPr id="9" name="Rounded Rectangle 8"/>
+          <p:cNvSpPr/>
+          <p:nvPr/>
+        </p:nvSpPr>
+        <p:spPr>
+          <a:xfrm>
+            <a:off x="7872763" y="2542478"/>
+            <a:ext cx="1535589" cy="780586"/>
+          </a:xfrm>
+          <a:prstGeom prst="roundRect">
+            <a:avLst/>
+          </a:prstGeom>
+        </p:spPr>
+        <p:style>
+          <a:lnRef idx="2">
+            <a:schemeClr val="accent1">
+              <a:shade val="50000"/>
+            </a:schemeClr>
+          </a:lnRef>
+          <a:fillRef idx="1">
+            <a:schemeClr val="accent1"/>
+          </a:fillRef>
+          <a:effectRef idx="0">
+            <a:schemeClr val="accent1"/>
+          </a:effectRef>
+          <a:fontRef idx="minor">
+            <a:schemeClr val="lt1"/>
+          </a:fontRef>
+        </p:style>
+        <p:txBody>
+          <a:bodyPr rtlCol="0" anchor="ctr"/>
+          <a:lstStyle/>
+          <a:p>
+            <a:pPr algn="ctr"/>
+            <a:r>
+              <a:rPr lang="en-US" dirty="0" err="1" smtClean="0">
+                <a:solidFill>
+                  <a:sysClr val="windowText" lastClr="000000"/>
+                </a:solidFill>
+              </a:rPr>
+              <a:t>GameplayKit</a:t>
+            </a:r>
+            <a:endParaRPr lang="en-US" dirty="0" smtClean="0">
+              <a:solidFill>
+                <a:sysClr val="windowText" lastClr="000000"/>
+              </a:solidFill>
+            </a:endParaRPr>
+          </a:p>
+        </p:txBody>
+      </p:sp>
+      <p:sp>
+        <p:nvSpPr>
+          <p:cNvPr id="10" name="Rounded Rectangle 9"/>
+          <p:cNvSpPr/>
+          <p:nvPr/>
+        </p:nvSpPr>
+        <p:spPr>
+          <a:xfrm>
+            <a:off x="2829130" y="3590697"/>
+            <a:ext cx="6579220" cy="780586"/>
+          </a:xfrm>
+          <a:prstGeom prst="roundRect">
+            <a:avLst/>
+          </a:prstGeom>
+        </p:spPr>
+        <p:style>
+          <a:lnRef idx="2">
+            <a:schemeClr val="accent1">
+              <a:shade val="50000"/>
+            </a:schemeClr>
+          </a:lnRef>
+          <a:fillRef idx="1">
+            <a:schemeClr val="accent1"/>
+          </a:fillRef>
+          <a:effectRef idx="0">
+            <a:schemeClr val="accent1"/>
+          </a:effectRef>
+          <a:fontRef idx="minor">
+            <a:schemeClr val="lt1"/>
+          </a:fontRef>
+        </p:style>
+        <p:txBody>
+          <a:bodyPr rtlCol="0" anchor="ctr"/>
+          <a:lstStyle/>
+          <a:p>
+            <a:pPr algn="ctr"/>
+            <a:r>
+              <a:rPr lang="en-US" dirty="0" smtClean="0">
+                <a:solidFill>
+                  <a:sysClr val="windowText" lastClr="000000"/>
+                </a:solidFill>
+              </a:rPr>
+              <a:t>Core ML</a:t>
+            </a:r>
+            <a:endParaRPr lang="en-US" dirty="0">
+              <a:solidFill>
+                <a:sysClr val="windowText" lastClr="000000"/>
+              </a:solidFill>
+            </a:endParaRPr>
+          </a:p>
+        </p:txBody>
+      </p:sp>
+      <p:sp>
+        <p:nvSpPr>
+          <p:cNvPr id="11" name="Rounded Rectangle 10"/>
+          <p:cNvSpPr/>
+          <p:nvPr/>
+        </p:nvSpPr>
+        <p:spPr>
+          <a:xfrm>
+            <a:off x="2829130" y="4627772"/>
+            <a:ext cx="2810107" cy="780586"/>
+          </a:xfrm>
+          <a:prstGeom prst="roundRect">
+            <a:avLst/>
+          </a:prstGeom>
+        </p:spPr>
+        <p:style>
+          <a:lnRef idx="2">
+            <a:schemeClr val="accent1">
+              <a:shade val="50000"/>
+            </a:schemeClr>
+          </a:lnRef>
+          <a:fillRef idx="1">
+            <a:schemeClr val="accent1"/>
+          </a:fillRef>
+          <a:effectRef idx="0">
+            <a:schemeClr val="accent1"/>
+          </a:effectRef>
+          <a:fontRef idx="minor">
+            <a:schemeClr val="lt1"/>
+          </a:fontRef>
+        </p:style>
+        <p:txBody>
+          <a:bodyPr rtlCol="0" anchor="ctr"/>
+          <a:lstStyle/>
+          <a:p>
+            <a:pPr algn="ctr"/>
+            <a:r>
+              <a:rPr lang="en-US" dirty="0" smtClean="0">
+                <a:solidFill>
+                  <a:sysClr val="windowText" lastClr="000000"/>
+                </a:solidFill>
+              </a:rPr>
+              <a:t>Accelerate BNNS</a:t>
+            </a:r>
+            <a:endParaRPr lang="en-US" dirty="0">
+              <a:solidFill>
+                <a:sysClr val="windowText" lastClr="000000"/>
+              </a:solidFill>
+            </a:endParaRPr>
+          </a:p>
+        </p:txBody>
+      </p:sp>
+      <p:sp>
+        <p:nvSpPr>
+          <p:cNvPr id="12" name="Rounded Rectangle 11"/>
+          <p:cNvSpPr/>
+          <p:nvPr/>
+        </p:nvSpPr>
+        <p:spPr>
+          <a:xfrm>
+            <a:off x="5820937" y="4638916"/>
+            <a:ext cx="3587413" cy="780586"/>
+          </a:xfrm>
+          <a:prstGeom prst="roundRect">
+            <a:avLst/>
+          </a:prstGeom>
+        </p:spPr>
+        <p:style>
+          <a:lnRef idx="2">
+            <a:schemeClr val="accent1">
+              <a:shade val="50000"/>
+            </a:schemeClr>
+          </a:lnRef>
+          <a:fillRef idx="1">
+            <a:schemeClr val="accent1"/>
+          </a:fillRef>
+          <a:effectRef idx="0">
+            <a:schemeClr val="accent1"/>
+          </a:effectRef>
+          <a:fontRef idx="minor">
+            <a:schemeClr val="lt1"/>
+          </a:fontRef>
+        </p:style>
+        <p:txBody>
+          <a:bodyPr rtlCol="0" anchor="ctr"/>
+          <a:lstStyle/>
+          <a:p>
+            <a:pPr algn="ctr"/>
+            <a:r>
+              <a:rPr lang="en-US" dirty="0" smtClean="0">
+                <a:solidFill>
+                  <a:sysClr val="windowText" lastClr="000000"/>
+                </a:solidFill>
+              </a:rPr>
+              <a:t>Metal Performance </a:t>
+            </a:r>
+            <a:r>
+              <a:rPr lang="en-US" dirty="0" err="1" smtClean="0">
+                <a:solidFill>
+                  <a:sysClr val="windowText" lastClr="000000"/>
+                </a:solidFill>
+              </a:rPr>
+              <a:t>Shaders</a:t>
+            </a:r>
+            <a:endParaRPr lang="en-US" dirty="0">
+              <a:solidFill>
+                <a:sysClr val="windowText" lastClr="000000"/>
+              </a:solidFill>
+            </a:endParaRPr>
+          </a:p>
+        </p:txBody>
+      </p:sp>
     </p:spTree>
     <p:extLst>
       <p:ext uri="{BB962C8B-B14F-4D97-AF65-F5344CB8AC3E}">
-        <p14:creationId xmlns:p14="http://schemas.microsoft.com/office/powerpoint/2010/main" val="1531837236"/>
+        <p14:creationId xmlns:p14="http://schemas.microsoft.com/office/powerpoint/2010/main" val="528303943"/>
       </p:ext>
     </p:extLst>
   </p:cSld>
@@ -4603,14 +5142,227 @@
       </p:grpSpPr>
       <p:sp>
         <p:nvSpPr>
-          <p:cNvPr id="2" name="TextBox 1"/>
+          <p:cNvPr id="5" name="TextBox 4"/>
           <p:cNvSpPr txBox="1"/>
           <p:nvPr/>
         </p:nvSpPr>
         <p:spPr>
           <a:xfrm>
+            <a:off x="2249201" y="1182504"/>
+            <a:ext cx="2857500" cy="4524315"/>
+          </a:xfrm>
+          <a:prstGeom prst="rect">
+            <a:avLst/>
+          </a:prstGeom>
+          <a:noFill/>
+        </p:spPr>
+        <p:txBody>
+          <a:bodyPr wrap="square" rtlCol="0">
+            <a:spAutoFit/>
+          </a:bodyPr>
+          <a:lstStyle/>
+          <a:p>
+            <a:r>
+              <a:rPr lang="en-US" sz="3000" dirty="0" smtClean="0"/>
+              <a:t>Vision:</a:t>
+            </a:r>
+          </a:p>
+          <a:p>
+            <a:pPr marL="285750" indent="-285750">
+              <a:buFont typeface="Arial" charset="0"/>
+              <a:buChar char="•"/>
+            </a:pPr>
+            <a:r>
+              <a:rPr lang="zh-CN" altLang="en-US" sz="3000" dirty="0" smtClean="0"/>
+              <a:t>面部追踪</a:t>
+            </a:r>
+            <a:endParaRPr lang="en-US" altLang="zh-CN" sz="3000" dirty="0" smtClean="0"/>
+          </a:p>
+          <a:p>
+            <a:pPr marL="285750" indent="-285750">
+              <a:buFont typeface="Arial" charset="0"/>
+              <a:buChar char="•"/>
+            </a:pPr>
+            <a:r>
+              <a:rPr lang="zh-CN" altLang="en-US" sz="3000" dirty="0" smtClean="0"/>
+              <a:t>面部识别</a:t>
+            </a:r>
+            <a:endParaRPr lang="en-US" altLang="zh-CN" sz="3000" dirty="0" smtClean="0"/>
+          </a:p>
+          <a:p>
+            <a:pPr marL="285750" indent="-285750">
+              <a:buFont typeface="Arial" charset="0"/>
+              <a:buChar char="•"/>
+            </a:pPr>
+            <a:r>
+              <a:rPr lang="zh-CN" altLang="en-US" sz="3000" dirty="0" smtClean="0"/>
+              <a:t>地标</a:t>
+            </a:r>
+            <a:endParaRPr lang="en-US" altLang="zh-CN" sz="3000" dirty="0" smtClean="0"/>
+          </a:p>
+          <a:p>
+            <a:pPr marL="285750" indent="-285750">
+              <a:buFont typeface="Arial" charset="0"/>
+              <a:buChar char="•"/>
+            </a:pPr>
+            <a:r>
+              <a:rPr lang="zh-CN" altLang="en-US" sz="3000" dirty="0" smtClean="0"/>
+              <a:t>文本识别</a:t>
+            </a:r>
+            <a:endParaRPr lang="en-US" altLang="zh-CN" sz="3000" dirty="0" smtClean="0"/>
+          </a:p>
+          <a:p>
+            <a:pPr marL="285750" indent="-285750">
+              <a:buFont typeface="Arial" charset="0"/>
+              <a:buChar char="•"/>
+            </a:pPr>
+            <a:r>
+              <a:rPr lang="zh-CN" altLang="en-US" sz="3000" dirty="0" smtClean="0"/>
+              <a:t>正方形识别</a:t>
+            </a:r>
+            <a:endParaRPr lang="en-US" altLang="zh-CN" sz="3000" dirty="0" smtClean="0"/>
+          </a:p>
+          <a:p>
+            <a:pPr marL="285750" indent="-285750">
+              <a:buFont typeface="Arial" charset="0"/>
+              <a:buChar char="•"/>
+            </a:pPr>
+            <a:r>
+              <a:rPr lang="zh-CN" altLang="en-US" sz="3000" dirty="0" smtClean="0"/>
+              <a:t>条码识别</a:t>
+            </a:r>
+            <a:endParaRPr lang="en-US" altLang="zh-CN" sz="3000" dirty="0" smtClean="0"/>
+          </a:p>
+          <a:p>
+            <a:pPr marL="285750" indent="-285750">
+              <a:buFont typeface="Arial" charset="0"/>
+              <a:buChar char="•"/>
+            </a:pPr>
+            <a:r>
+              <a:rPr lang="zh-CN" altLang="en-US" sz="3000" dirty="0" smtClean="0"/>
+              <a:t>物体追踪</a:t>
+            </a:r>
+            <a:endParaRPr lang="en-US" altLang="zh-CN" sz="3000" dirty="0" smtClean="0"/>
+          </a:p>
+          <a:p>
+            <a:pPr marL="285750" indent="-285750">
+              <a:buFont typeface="Arial" charset="0"/>
+              <a:buChar char="•"/>
+            </a:pPr>
+            <a:r>
+              <a:rPr lang="zh-CN" altLang="en-US" sz="3000" dirty="0" smtClean="0"/>
+              <a:t>图像匹配</a:t>
+            </a:r>
+            <a:endParaRPr lang="en-US" altLang="zh-CN" sz="3000" dirty="0" smtClean="0"/>
+          </a:p>
+          <a:p>
+            <a:pPr marL="285750" indent="-285750">
+              <a:buFont typeface="Arial" charset="0"/>
+              <a:buChar char="•"/>
+            </a:pPr>
+            <a:endParaRPr lang="en-US" dirty="0" smtClean="0"/>
+          </a:p>
+        </p:txBody>
+      </p:sp>
+      <p:sp>
+        <p:nvSpPr>
+          <p:cNvPr id="6" name="TextBox 5"/>
+          <p:cNvSpPr txBox="1"/>
+          <p:nvPr/>
+        </p:nvSpPr>
+        <p:spPr>
+          <a:xfrm>
+            <a:off x="7093912" y="1182504"/>
+            <a:ext cx="3291840" cy="2862322"/>
+          </a:xfrm>
+          <a:prstGeom prst="rect">
+            <a:avLst/>
+          </a:prstGeom>
+          <a:noFill/>
+        </p:spPr>
+        <p:txBody>
+          <a:bodyPr wrap="square" rtlCol="0">
+            <a:spAutoFit/>
+          </a:bodyPr>
+          <a:lstStyle/>
+          <a:p>
+            <a:r>
+              <a:rPr lang="en-US" altLang="zh-CN" sz="3000" dirty="0" smtClean="0"/>
+              <a:t>NLP</a:t>
+            </a:r>
+            <a:r>
+              <a:rPr lang="zh-CN" altLang="en-US" sz="3000" dirty="0" smtClean="0"/>
+              <a:t>：</a:t>
+            </a:r>
+            <a:endParaRPr lang="en-US" altLang="zh-CN" sz="3000" dirty="0" smtClean="0"/>
+          </a:p>
+          <a:p>
+            <a:pPr marL="285750" indent="-285750">
+              <a:buFont typeface="Arial" charset="0"/>
+              <a:buChar char="•"/>
+            </a:pPr>
+            <a:r>
+              <a:rPr lang="zh-CN" altLang="en-US" sz="3000" dirty="0" smtClean="0"/>
+              <a:t>语言检测</a:t>
+            </a:r>
+            <a:endParaRPr lang="en-US" altLang="zh-CN" sz="3000" dirty="0" smtClean="0"/>
+          </a:p>
+          <a:p>
+            <a:pPr marL="285750" indent="-285750">
+              <a:buFont typeface="Arial" charset="0"/>
+              <a:buChar char="•"/>
+            </a:pPr>
+            <a:r>
+              <a:rPr lang="zh-CN" altLang="en-US" sz="3000" dirty="0" smtClean="0"/>
+              <a:t>符号化识别</a:t>
+            </a:r>
+            <a:endParaRPr lang="en-US" altLang="zh-CN" sz="3000" dirty="0" smtClean="0"/>
+          </a:p>
+          <a:p>
+            <a:pPr marL="285750" indent="-285750">
+              <a:buFont typeface="Arial" charset="0"/>
+              <a:buChar char="•"/>
+            </a:pPr>
+            <a:r>
+              <a:rPr lang="zh-CN" altLang="en-US" sz="3000" dirty="0" smtClean="0"/>
+              <a:t>词形还原</a:t>
+            </a:r>
+            <a:endParaRPr lang="en-US" altLang="zh-CN" sz="3000" dirty="0" smtClean="0"/>
+          </a:p>
+          <a:p>
+            <a:pPr marL="285750" indent="-285750">
+              <a:buFont typeface="Arial" charset="0"/>
+              <a:buChar char="•"/>
+            </a:pPr>
+            <a:r>
+              <a:rPr lang="zh-CN" altLang="en-US" sz="3000" dirty="0" smtClean="0"/>
+              <a:t>对话分段</a:t>
+            </a:r>
+            <a:endParaRPr lang="en-US" altLang="zh-CN" sz="3000" dirty="0" smtClean="0"/>
+          </a:p>
+          <a:p>
+            <a:pPr marL="285750" indent="-285750">
+              <a:buFont typeface="Arial" charset="0"/>
+              <a:buChar char="•"/>
+            </a:pPr>
+            <a:r>
+              <a:rPr lang="zh-CN" altLang="en-US" sz="3000" dirty="0" smtClean="0"/>
+              <a:t>实体名称识别</a:t>
+            </a:r>
+            <a:endParaRPr lang="en-US" sz="3000" dirty="0"/>
+          </a:p>
+        </p:txBody>
+      </p:sp>
+      <p:sp>
+        <p:nvSpPr>
+          <p:cNvPr id="7" name="TextBox 6"/>
+          <p:cNvSpPr txBox="1"/>
+          <p:nvPr/>
+        </p:nvSpPr>
+        <p:spPr>
+          <a:xfrm>
             <a:off x="540000" y="540000"/>
-            <a:ext cx="3150093" cy="553998"/>
+            <a:ext cx="1723549" cy="553998"/>
           </a:xfrm>
           <a:prstGeom prst="rect">
             <a:avLst/>
@@ -4641,89 +5393,16 @@
               </a:rPr>
               <a:t>ML</a:t>
             </a:r>
-            <a:r>
-              <a:rPr lang="zh-CN" altLang="en-US" sz="3000" b="1" dirty="0" smtClean="0">
-                <a:latin typeface="Helvetica Bold" charset="0"/>
-              </a:rPr>
-              <a:t> </a:t>
-            </a:r>
-            <a:r>
-              <a:rPr lang="en-US" altLang="zh-CN" sz="3000" b="1" dirty="0" smtClean="0">
-                <a:latin typeface="Helvetica Bold" charset="0"/>
-              </a:rPr>
-              <a:t>Models</a:t>
-            </a:r>
             <a:endParaRPr lang="en-US" sz="3000" b="1" dirty="0">
               <a:latin typeface="Helvetica Bold" charset="0"/>
             </a:endParaRPr>
           </a:p>
         </p:txBody>
       </p:sp>
-      <p:pic>
-        <p:nvPicPr>
-          <p:cNvPr id="3" name="Picture 2"/>
-          <p:cNvPicPr>
-            <a:picLocks noChangeAspect="1"/>
-          </p:cNvPicPr>
-          <p:nvPr/>
-        </p:nvPicPr>
-        <p:blipFill>
-          <a:blip r:embed="rId2"/>
-          <a:stretch>
-            <a:fillRect/>
-          </a:stretch>
-        </p:blipFill>
-        <p:spPr>
-          <a:xfrm>
-            <a:off x="3553710" y="2497735"/>
-            <a:ext cx="5054600" cy="2971800"/>
-          </a:xfrm>
-          <a:prstGeom prst="rect">
-            <a:avLst/>
-          </a:prstGeom>
-        </p:spPr>
-      </p:pic>
-      <p:sp>
-        <p:nvSpPr>
-          <p:cNvPr id="4" name="TextBox 3"/>
-          <p:cNvSpPr txBox="1"/>
-          <p:nvPr/>
-        </p:nvSpPr>
-        <p:spPr>
-          <a:xfrm>
-            <a:off x="540000" y="1324071"/>
-            <a:ext cx="4698402" cy="369332"/>
-          </a:xfrm>
-          <a:prstGeom prst="rect">
-            <a:avLst/>
-          </a:prstGeom>
-          <a:noFill/>
-        </p:spPr>
-        <p:txBody>
-          <a:bodyPr wrap="none" rtlCol="0">
-            <a:spAutoFit/>
-          </a:bodyPr>
-          <a:lstStyle/>
-          <a:p>
-            <a:r>
-              <a:rPr lang="en-US" dirty="0"/>
-              <a:t>https://</a:t>
-            </a:r>
-            <a:r>
-              <a:rPr lang="en-US" dirty="0" err="1"/>
-              <a:t>developer.apple.com</a:t>
-            </a:r>
-            <a:r>
-              <a:rPr lang="en-US" dirty="0"/>
-              <a:t>/machine-learning/</a:t>
-            </a:r>
-          </a:p>
-        </p:txBody>
-      </p:sp>
     </p:spTree>
     <p:extLst>
       <p:ext uri="{BB962C8B-B14F-4D97-AF65-F5344CB8AC3E}">
-        <p14:creationId xmlns:p14="http://schemas.microsoft.com/office/powerpoint/2010/main" val="819567566"/>
+        <p14:creationId xmlns:p14="http://schemas.microsoft.com/office/powerpoint/2010/main" val="1531837236"/>
       </p:ext>
     </p:extLst>
   </p:cSld>
@@ -4817,7 +5496,7 @@
       </p:sp>
       <p:pic>
         <p:nvPicPr>
-          <p:cNvPr id="5" name="Picture 4"/>
+          <p:cNvPr id="3" name="Picture 2"/>
           <p:cNvPicPr>
             <a:picLocks noChangeAspect="1"/>
           </p:cNvPicPr>
@@ -4831,8 +5510,8 @@
         </p:blipFill>
         <p:spPr>
           <a:xfrm>
-            <a:off x="2700742" y="2017737"/>
-            <a:ext cx="6515100" cy="4381500"/>
+            <a:off x="3553710" y="2497735"/>
+            <a:ext cx="5054600" cy="2971800"/>
           </a:xfrm>
           <a:prstGeom prst="rect">
             <a:avLst/>
@@ -4841,14 +5520,14 @@
       </p:pic>
       <p:sp>
         <p:nvSpPr>
-          <p:cNvPr id="6" name="TextBox 5"/>
+          <p:cNvPr id="4" name="TextBox 3"/>
           <p:cNvSpPr txBox="1"/>
           <p:nvPr/>
         </p:nvSpPr>
         <p:spPr>
           <a:xfrm>
-            <a:off x="540000" y="1371201"/>
-            <a:ext cx="8995219" cy="369332"/>
+            <a:off x="540000" y="1324071"/>
+            <a:ext cx="4698402" cy="369332"/>
           </a:xfrm>
           <a:prstGeom prst="rect">
             <a:avLst/>
@@ -4871,28 +5550,15 @@
             </a:r>
             <a:r>
               <a:rPr lang="en-US" dirty="0"/>
-              <a:t>/documentation/</a:t>
-            </a:r>
-            <a:r>
-              <a:rPr lang="en-US" dirty="0" err="1"/>
-              <a:t>coreml</a:t>
-            </a:r>
-            <a:r>
-              <a:rPr lang="en-US" dirty="0"/>
-              <a:t>/</a:t>
-            </a:r>
-            <a:r>
-              <a:rPr lang="en-US" dirty="0" err="1"/>
-              <a:t>converting_trained_models_to_core_ml</a:t>
-            </a:r>
-            <a:endParaRPr lang="en-US" dirty="0"/>
+              <a:t>/machine-learning/</a:t>
+            </a:r>
           </a:p>
         </p:txBody>
       </p:sp>
     </p:spTree>
     <p:extLst>
       <p:ext uri="{BB962C8B-B14F-4D97-AF65-F5344CB8AC3E}">
-        <p14:creationId xmlns:p14="http://schemas.microsoft.com/office/powerpoint/2010/main" val="1379326212"/>
+        <p14:creationId xmlns:p14="http://schemas.microsoft.com/office/powerpoint/2010/main" val="819567566"/>
       </p:ext>
     </p:extLst>
   </p:cSld>
@@ -4935,7 +5601,7 @@
         <p:spPr>
           <a:xfrm>
             <a:off x="540000" y="540000"/>
-            <a:ext cx="2021707" cy="553998"/>
+            <a:ext cx="3150093" cy="553998"/>
           </a:xfrm>
           <a:prstGeom prst="rect">
             <a:avLst/>
@@ -4952,53 +5618,41 @@
               <a:rPr lang="en-US" altLang="zh-CN" sz="3000" b="1" dirty="0" smtClean="0">
                 <a:latin typeface="Helvetica Bold" charset="0"/>
               </a:rPr>
-              <a:t>Demo</a:t>
+              <a:t>Core</a:t>
             </a:r>
             <a:r>
               <a:rPr lang="zh-CN" altLang="en-US" sz="3000" b="1" dirty="0" smtClean="0">
                 <a:latin typeface="Helvetica Bold" charset="0"/>
               </a:rPr>
-              <a:t>说明</a:t>
-            </a:r>
-            <a:endParaRPr lang="en-US" altLang="zh-CN" sz="3000" b="1" dirty="0" smtClean="0">
+              <a:t> </a:t>
+            </a:r>
+            <a:r>
+              <a:rPr lang="en-US" altLang="zh-CN" sz="3000" b="1" dirty="0" smtClean="0">
+                <a:latin typeface="Helvetica Bold" charset="0"/>
+              </a:rPr>
+              <a:t>ML</a:t>
+            </a:r>
+            <a:r>
+              <a:rPr lang="zh-CN" altLang="en-US" sz="3000" b="1" dirty="0" smtClean="0">
+                <a:latin typeface="Helvetica Bold" charset="0"/>
+              </a:rPr>
+              <a:t> </a:t>
+            </a:r>
+            <a:r>
+              <a:rPr lang="en-US" altLang="zh-CN" sz="3000" b="1" dirty="0" smtClean="0">
+                <a:latin typeface="Helvetica Bold" charset="0"/>
+              </a:rPr>
+              <a:t>Models</a:t>
+            </a:r>
+            <a:endParaRPr lang="en-US" sz="3000" b="1" dirty="0">
               <a:latin typeface="Helvetica Bold" charset="0"/>
             </a:endParaRPr>
           </a:p>
         </p:txBody>
       </p:sp>
-      <p:sp>
-        <p:nvSpPr>
-          <p:cNvPr id="4" name="TextBox 3"/>
-          <p:cNvSpPr txBox="1"/>
-          <p:nvPr/>
-        </p:nvSpPr>
-        <p:spPr>
-          <a:xfrm>
-            <a:off x="540000" y="1213658"/>
-            <a:ext cx="759888" cy="369332"/>
-          </a:xfrm>
-          <a:prstGeom prst="rect">
-            <a:avLst/>
-          </a:prstGeom>
-          <a:noFill/>
-        </p:spPr>
-        <p:txBody>
-          <a:bodyPr wrap="none" rtlCol="0">
-            <a:spAutoFit/>
-          </a:bodyPr>
-          <a:lstStyle/>
-          <a:p>
-            <a:r>
-              <a:rPr lang="en-US" altLang="zh-CN" dirty="0" err="1" smtClean="0"/>
-              <a:t>Xcode</a:t>
-            </a:r>
-            <a:endParaRPr lang="en-US" altLang="zh-CN" dirty="0" smtClean="0"/>
-          </a:p>
-        </p:txBody>
-      </p:sp>
       <p:pic>
         <p:nvPicPr>
-          <p:cNvPr id="9" name="Picture 8"/>
+          <p:cNvPr id="5" name="Picture 4"/>
           <p:cNvPicPr>
             <a:picLocks noChangeAspect="1"/>
           </p:cNvPicPr>
@@ -5012,18 +5666,68 @@
         </p:blipFill>
         <p:spPr>
           <a:xfrm>
-            <a:off x="1752899" y="1582990"/>
-            <a:ext cx="8686201" cy="4821538"/>
+            <a:off x="2700742" y="2017737"/>
+            <a:ext cx="6515100" cy="4381500"/>
           </a:xfrm>
           <a:prstGeom prst="rect">
             <a:avLst/>
           </a:prstGeom>
         </p:spPr>
       </p:pic>
+      <p:sp>
+        <p:nvSpPr>
+          <p:cNvPr id="6" name="TextBox 5"/>
+          <p:cNvSpPr txBox="1"/>
+          <p:nvPr/>
+        </p:nvSpPr>
+        <p:spPr>
+          <a:xfrm>
+            <a:off x="540000" y="1371201"/>
+            <a:ext cx="8995219" cy="369332"/>
+          </a:xfrm>
+          <a:prstGeom prst="rect">
+            <a:avLst/>
+          </a:prstGeom>
+          <a:noFill/>
+        </p:spPr>
+        <p:txBody>
+          <a:bodyPr wrap="none" rtlCol="0">
+            <a:spAutoFit/>
+          </a:bodyPr>
+          <a:lstStyle/>
+          <a:p>
+            <a:r>
+              <a:rPr lang="en-US" dirty="0"/>
+              <a:t>https://</a:t>
+            </a:r>
+            <a:r>
+              <a:rPr lang="en-US" dirty="0" err="1"/>
+              <a:t>developer.apple.com</a:t>
+            </a:r>
+            <a:r>
+              <a:rPr lang="en-US" dirty="0"/>
+              <a:t>/documentation/</a:t>
+            </a:r>
+            <a:r>
+              <a:rPr lang="en-US" dirty="0" err="1"/>
+              <a:t>coreml</a:t>
+            </a:r>
+            <a:r>
+              <a:rPr lang="en-US" dirty="0"/>
+              <a:t>/</a:t>
+            </a:r>
+            <a:r>
+              <a:rPr lang="en-US" dirty="0" err="1"/>
+              <a:t>converting_trained_models_to_core_ml</a:t>
+            </a:r>
+            <a:endParaRPr lang="en-US" dirty="0"/>
+          </a:p>
+        </p:txBody>
+      </p:sp>
     </p:spTree>
     <p:extLst>
       <p:ext uri="{BB962C8B-B14F-4D97-AF65-F5344CB8AC3E}">
-        <p14:creationId xmlns:p14="http://schemas.microsoft.com/office/powerpoint/2010/main" val="1416485987"/>
+        <p14:creationId xmlns:p14="http://schemas.microsoft.com/office/powerpoint/2010/main" val="1379326212"/>
       </p:ext>
     </p:extLst>
   </p:cSld>
@@ -5097,36 +5801,6 @@
           </a:p>
         </p:txBody>
       </p:sp>
-      <p:sp>
-        <p:nvSpPr>
-          <p:cNvPr id="4" name="TextBox 3"/>
-          <p:cNvSpPr txBox="1"/>
-          <p:nvPr/>
-        </p:nvSpPr>
-        <p:spPr>
-          <a:xfrm>
-            <a:off x="540000" y="1213658"/>
-            <a:ext cx="759888" cy="369332"/>
-          </a:xfrm>
-          <a:prstGeom prst="rect">
-            <a:avLst/>
-          </a:prstGeom>
-          <a:noFill/>
-        </p:spPr>
-        <p:txBody>
-          <a:bodyPr wrap="none" rtlCol="0">
-            <a:spAutoFit/>
-          </a:bodyPr>
-          <a:lstStyle/>
-          <a:p>
-            <a:r>
-              <a:rPr lang="en-US" altLang="zh-CN" dirty="0" err="1" smtClean="0"/>
-              <a:t>Xcode</a:t>
-            </a:r>
-            <a:endParaRPr lang="en-US" altLang="zh-CN" dirty="0" smtClean="0"/>
-          </a:p>
-        </p:txBody>
-      </p:sp>
       <p:pic>
         <p:nvPicPr>
           <p:cNvPr id="9" name="Picture 8"/>
@@ -5151,58 +5825,10 @@
           </a:prstGeom>
         </p:spPr>
       </p:pic>
-      <p:sp>
-        <p:nvSpPr>
-          <p:cNvPr id="3" name="Rectangle 2"/>
-          <p:cNvSpPr/>
-          <p:nvPr/>
-        </p:nvSpPr>
-        <p:spPr>
-          <a:xfrm>
-            <a:off x="1752899" y="3521123"/>
-            <a:ext cx="8686201" cy="2883406"/>
-          </a:xfrm>
-          <a:prstGeom prst="rect">
-            <a:avLst/>
-          </a:prstGeom>
-          <a:solidFill>
-            <a:schemeClr val="bg1">
-              <a:alpha val="70000"/>
-            </a:schemeClr>
-          </a:solidFill>
-          <a:ln>
-            <a:noFill/>
-          </a:ln>
-        </p:spPr>
-        <p:style>
-          <a:lnRef idx="2">
-            <a:schemeClr val="accent1">
-              <a:shade val="50000"/>
-            </a:schemeClr>
-          </a:lnRef>
-          <a:fillRef idx="1">
-            <a:schemeClr val="accent1"/>
-          </a:fillRef>
-          <a:effectRef idx="0">
-            <a:schemeClr val="accent1"/>
-          </a:effectRef>
-          <a:fontRef idx="minor">
-            <a:schemeClr val="lt1"/>
-          </a:fontRef>
-        </p:style>
-        <p:txBody>
-          <a:bodyPr rtlCol="0" anchor="ctr"/>
-          <a:lstStyle/>
-          <a:p>
-            <a:pPr algn="ctr"/>
-            <a:endParaRPr lang="en-US"/>
-          </a:p>
-        </p:txBody>
-      </p:sp>
     </p:spTree>
     <p:extLst>
       <p:ext uri="{BB962C8B-B14F-4D97-AF65-F5344CB8AC3E}">
-        <p14:creationId xmlns:p14="http://schemas.microsoft.com/office/powerpoint/2010/main" val="1777833112"/>
+        <p14:creationId xmlns:p14="http://schemas.microsoft.com/office/powerpoint/2010/main" val="1416485987"/>
       </p:ext>
     </p:extLst>
   </p:cSld>
@@ -5276,36 +5902,6 @@
           </a:p>
         </p:txBody>
       </p:sp>
-      <p:sp>
-        <p:nvSpPr>
-          <p:cNvPr id="4" name="TextBox 3"/>
-          <p:cNvSpPr txBox="1"/>
-          <p:nvPr/>
-        </p:nvSpPr>
-        <p:spPr>
-          <a:xfrm>
-            <a:off x="540000" y="1213658"/>
-            <a:ext cx="759888" cy="369332"/>
-          </a:xfrm>
-          <a:prstGeom prst="rect">
-            <a:avLst/>
-          </a:prstGeom>
-          <a:noFill/>
-        </p:spPr>
-        <p:txBody>
-          <a:bodyPr wrap="none" rtlCol="0">
-            <a:spAutoFit/>
-          </a:bodyPr>
-          <a:lstStyle/>
-          <a:p>
-            <a:r>
-              <a:rPr lang="en-US" altLang="zh-CN" dirty="0" err="1" smtClean="0"/>
-              <a:t>Xcode</a:t>
-            </a:r>
-            <a:endParaRPr lang="en-US" altLang="zh-CN" dirty="0" smtClean="0"/>
-          </a:p>
-        </p:txBody>
-      </p:sp>
       <p:pic>
         <p:nvPicPr>
           <p:cNvPr id="9" name="Picture 8"/>
@@ -5338,8 +5934,8 @@
         </p:nvSpPr>
         <p:spPr>
           <a:xfrm>
-            <a:off x="1752899" y="1582990"/>
-            <a:ext cx="8686201" cy="2934419"/>
+            <a:off x="1752899" y="3521123"/>
+            <a:ext cx="8686201" cy="2883406"/>
           </a:xfrm>
           <a:prstGeom prst="rect">
             <a:avLst/>
@@ -5381,7 +5977,7 @@
     </p:spTree>
     <p:extLst>
       <p:ext uri="{BB962C8B-B14F-4D97-AF65-F5344CB8AC3E}">
-        <p14:creationId xmlns:p14="http://schemas.microsoft.com/office/powerpoint/2010/main" val="1417596115"/>
+        <p14:creationId xmlns:p14="http://schemas.microsoft.com/office/powerpoint/2010/main" val="1777833112"/>
       </p:ext>
     </p:extLst>
   </p:cSld>
@@ -5455,36 +6051,6 @@
           </a:p>
         </p:txBody>
       </p:sp>
-      <p:sp>
-        <p:nvSpPr>
-          <p:cNvPr id="4" name="TextBox 3"/>
-          <p:cNvSpPr txBox="1"/>
-          <p:nvPr/>
-        </p:nvSpPr>
-        <p:spPr>
-          <a:xfrm>
-            <a:off x="540000" y="1213658"/>
-            <a:ext cx="759888" cy="369332"/>
-          </a:xfrm>
-          <a:prstGeom prst="rect">
-            <a:avLst/>
-          </a:prstGeom>
-          <a:noFill/>
-        </p:spPr>
-        <p:txBody>
-          <a:bodyPr wrap="none" rtlCol="0">
-            <a:spAutoFit/>
-          </a:bodyPr>
-          <a:lstStyle/>
-          <a:p>
-            <a:r>
-              <a:rPr lang="en-US" altLang="zh-CN" dirty="0" err="1" smtClean="0"/>
-              <a:t>Xcode</a:t>
-            </a:r>
-            <a:endParaRPr lang="en-US" altLang="zh-CN" dirty="0" smtClean="0"/>
-          </a:p>
-        </p:txBody>
-      </p:sp>
       <p:pic>
         <p:nvPicPr>
           <p:cNvPr id="9" name="Picture 8"/>
@@ -5517,8 +6083,8 @@
         </p:nvSpPr>
         <p:spPr>
           <a:xfrm>
-            <a:off x="1752899" y="1582991"/>
-            <a:ext cx="8686201" cy="1938132"/>
+            <a:off x="1752899" y="1582990"/>
+            <a:ext cx="8686201" cy="2934419"/>
           </a:xfrm>
           <a:prstGeom prst="rect">
             <a:avLst/>
@@ -5557,58 +6123,10 @@
           </a:p>
         </p:txBody>
       </p:sp>
-      <p:sp>
-        <p:nvSpPr>
-          <p:cNvPr id="6" name="Rectangle 5"/>
-          <p:cNvSpPr/>
-          <p:nvPr/>
-        </p:nvSpPr>
-        <p:spPr>
-          <a:xfrm>
-            <a:off x="1752898" y="4503761"/>
-            <a:ext cx="8686201" cy="1900768"/>
-          </a:xfrm>
-          <a:prstGeom prst="rect">
-            <a:avLst/>
-          </a:prstGeom>
-          <a:solidFill>
-            <a:schemeClr val="bg1">
-              <a:alpha val="70000"/>
-            </a:schemeClr>
-          </a:solidFill>
-          <a:ln>
-            <a:noFill/>
-          </a:ln>
-        </p:spPr>
-        <p:style>
-          <a:lnRef idx="2">
-            <a:schemeClr val="accent1">
-              <a:shade val="50000"/>
-            </a:schemeClr>
-          </a:lnRef>
-          <a:fillRef idx="1">
-            <a:schemeClr val="accent1"/>
-          </a:fillRef>
-          <a:effectRef idx="0">
-            <a:schemeClr val="accent1"/>
-          </a:effectRef>
-          <a:fontRef idx="minor">
-            <a:schemeClr val="lt1"/>
-          </a:fontRef>
-        </p:style>
-        <p:txBody>
-          <a:bodyPr rtlCol="0" anchor="ctr"/>
-          <a:lstStyle/>
-          <a:p>
-            <a:pPr algn="ctr"/>
-            <a:endParaRPr lang="en-US"/>
-          </a:p>
-        </p:txBody>
-      </p:sp>
     </p:spTree>
     <p:extLst>
       <p:ext uri="{BB962C8B-B14F-4D97-AF65-F5344CB8AC3E}">
-        <p14:creationId xmlns:p14="http://schemas.microsoft.com/office/powerpoint/2010/main" val="1354324987"/>
+        <p14:creationId xmlns:p14="http://schemas.microsoft.com/office/powerpoint/2010/main" val="1417596115"/>
       </p:ext>
     </p:extLst>
   </p:cSld>
@@ -5682,35 +6200,6 @@
           </a:p>
         </p:txBody>
       </p:sp>
-      <p:sp>
-        <p:nvSpPr>
-          <p:cNvPr id="4" name="TextBox 3"/>
-          <p:cNvSpPr txBox="1"/>
-          <p:nvPr/>
-        </p:nvSpPr>
-        <p:spPr>
-          <a:xfrm>
-            <a:off x="540000" y="1213658"/>
-            <a:ext cx="755079" cy="369332"/>
-          </a:xfrm>
-          <a:prstGeom prst="rect">
-            <a:avLst/>
-          </a:prstGeom>
-          <a:noFill/>
-        </p:spPr>
-        <p:txBody>
-          <a:bodyPr wrap="none" rtlCol="0">
-            <a:spAutoFit/>
-          </a:bodyPr>
-          <a:lstStyle/>
-          <a:p>
-            <a:r>
-              <a:rPr lang="en-US" altLang="zh-CN" dirty="0" smtClean="0"/>
-              <a:t>Usage</a:t>
-            </a:r>
-          </a:p>
-        </p:txBody>
-      </p:sp>
       <p:pic>
         <p:nvPicPr>
           <p:cNvPr id="9" name="Picture 8"/>
@@ -5727,18 +6216,114 @@
         </p:blipFill>
         <p:spPr>
           <a:xfrm>
-            <a:off x="218049" y="2089997"/>
-            <a:ext cx="11755902" cy="2786899"/>
+            <a:off x="1752899" y="1582990"/>
+            <a:ext cx="8686201" cy="4821538"/>
           </a:xfrm>
           <a:prstGeom prst="rect">
             <a:avLst/>
           </a:prstGeom>
         </p:spPr>
       </p:pic>
+      <p:sp>
+        <p:nvSpPr>
+          <p:cNvPr id="3" name="Rectangle 2"/>
+          <p:cNvSpPr/>
+          <p:nvPr/>
+        </p:nvSpPr>
+        <p:spPr>
+          <a:xfrm>
+            <a:off x="1752899" y="1582991"/>
+            <a:ext cx="8686201" cy="1938132"/>
+          </a:xfrm>
+          <a:prstGeom prst="rect">
+            <a:avLst/>
+          </a:prstGeom>
+          <a:solidFill>
+            <a:schemeClr val="bg1">
+              <a:alpha val="70000"/>
+            </a:schemeClr>
+          </a:solidFill>
+          <a:ln>
+            <a:noFill/>
+          </a:ln>
+        </p:spPr>
+        <p:style>
+          <a:lnRef idx="2">
+            <a:schemeClr val="accent1">
+              <a:shade val="50000"/>
+            </a:schemeClr>
+          </a:lnRef>
+          <a:fillRef idx="1">
+            <a:schemeClr val="accent1"/>
+          </a:fillRef>
+          <a:effectRef idx="0">
+            <a:schemeClr val="accent1"/>
+          </a:effectRef>
+          <a:fontRef idx="minor">
+            <a:schemeClr val="lt1"/>
+          </a:fontRef>
+        </p:style>
+        <p:txBody>
+          <a:bodyPr rtlCol="0" anchor="ctr"/>
+          <a:lstStyle/>
+          <a:p>
+            <a:pPr algn="ctr"/>
+            <a:endParaRPr lang="en-US"/>
+          </a:p>
+        </p:txBody>
+      </p:sp>
+      <p:sp>
+        <p:nvSpPr>
+          <p:cNvPr id="6" name="Rectangle 5"/>
+          <p:cNvSpPr/>
+          <p:nvPr/>
+        </p:nvSpPr>
+        <p:spPr>
+          <a:xfrm>
+            <a:off x="1752898" y="4503761"/>
+            <a:ext cx="8686201" cy="1900768"/>
+          </a:xfrm>
+          <a:prstGeom prst="rect">
+            <a:avLst/>
+          </a:prstGeom>
+          <a:solidFill>
+            <a:schemeClr val="bg1">
+              <a:alpha val="70000"/>
+            </a:schemeClr>
+          </a:solidFill>
+          <a:ln>
+            <a:noFill/>
+          </a:ln>
+        </p:spPr>
+        <p:style>
+          <a:lnRef idx="2">
+            <a:schemeClr val="accent1">
+              <a:shade val="50000"/>
+            </a:schemeClr>
+          </a:lnRef>
+          <a:fillRef idx="1">
+            <a:schemeClr val="accent1"/>
+          </a:fillRef>
+          <a:effectRef idx="0">
+            <a:schemeClr val="accent1"/>
+          </a:effectRef>
+          <a:fontRef idx="minor">
+            <a:schemeClr val="lt1"/>
+          </a:fontRef>
+        </p:style>
+        <p:txBody>
+          <a:bodyPr rtlCol="0" anchor="ctr"/>
+          <a:lstStyle/>
+          <a:p>
+            <a:pPr algn="ctr"/>
+            <a:endParaRPr lang="en-US"/>
+          </a:p>
+        </p:txBody>
+      </p:sp>
     </p:spTree>
     <p:extLst>
       <p:ext uri="{BB962C8B-B14F-4D97-AF65-F5344CB8AC3E}">
-        <p14:creationId xmlns:p14="http://schemas.microsoft.com/office/powerpoint/2010/main" val="839354057"/>
+        <p14:creationId xmlns:p14="http://schemas.microsoft.com/office/powerpoint/2010/main" val="1354324987"/>
       </p:ext>
     </p:extLst>
   </p:cSld>
@@ -6063,11 +6648,7 @@
             </a:r>
             <a:r>
               <a:rPr lang="zh-CN" altLang="en-US" dirty="0"/>
-              <a:t>一</a:t>
-            </a:r>
-            <a:r>
-              <a:rPr lang="zh-CN" altLang="en-US" dirty="0"/>
-              <a:t>台计算机程序“尤金</a:t>
+              <a:t>一台计算机程序“尤金</a:t>
             </a:r>
             <a:r>
               <a:rPr lang="en-US" altLang="zh-CN" dirty="0"/>
@@ -6213,35 +6794,6 @@
           </a:p>
         </p:txBody>
       </p:sp>
-      <p:sp>
-        <p:nvSpPr>
-          <p:cNvPr id="4" name="TextBox 3"/>
-          <p:cNvSpPr txBox="1"/>
-          <p:nvPr/>
-        </p:nvSpPr>
-        <p:spPr>
-          <a:xfrm>
-            <a:off x="540000" y="1213658"/>
-            <a:ext cx="755079" cy="369332"/>
-          </a:xfrm>
-          <a:prstGeom prst="rect">
-            <a:avLst/>
-          </a:prstGeom>
-          <a:noFill/>
-        </p:spPr>
-        <p:txBody>
-          <a:bodyPr wrap="none" rtlCol="0">
-            <a:spAutoFit/>
-          </a:bodyPr>
-          <a:lstStyle/>
-          <a:p>
-            <a:r>
-              <a:rPr lang="en-US" altLang="zh-CN" dirty="0" smtClean="0"/>
-              <a:t>Usage</a:t>
-            </a:r>
-          </a:p>
-        </p:txBody>
-      </p:sp>
       <p:pic>
         <p:nvPicPr>
           <p:cNvPr id="9" name="Picture 8"/>
@@ -6269,7 +6821,185 @@
     </p:spTree>
     <p:extLst>
       <p:ext uri="{BB962C8B-B14F-4D97-AF65-F5344CB8AC3E}">
-        <p14:creationId xmlns:p14="http://schemas.microsoft.com/office/powerpoint/2010/main" val="1296627523"/>
+        <p14:creationId xmlns:p14="http://schemas.microsoft.com/office/powerpoint/2010/main" val="839354057"/>
+      </p:ext>
+    </p:extLst>
+  </p:cSld>
+  <p:clrMapOvr>
+    <a:masterClrMapping/>
+  </p:clrMapOvr>
+  <p:timing>
+    <p:tnLst>
+      <p:par>
+        <p:cTn id="1" dur="indefinite" restart="never" nodeType="tmRoot"/>
+      </p:par>
+    </p:tnLst>
+  </p:timing>
+</p:sld>
+</file>
+
+<file path=ppt/slides/slide21.xml><?xml version="1.0" encoding="utf-8"?>
+<p:sld xmlns:a="http://schemas.openxmlformats.org/drawingml/2006/main" xmlns:r="http://schemas.openxmlformats.org/officeDocument/2006/relationships" xmlns:p="http://schemas.openxmlformats.org/presentationml/2006/main">
+  <p:cSld>
+    <p:spTree>
+      <p:nvGrpSpPr>
+        <p:cNvPr id="1" name=""/>
+        <p:cNvGrpSpPr/>
+        <p:nvPr/>
+      </p:nvGrpSpPr>
+      <p:grpSpPr>
+        <a:xfrm>
+          <a:off x="0" y="0"/>
+          <a:ext cx="0" cy="0"/>
+          <a:chOff x="0" y="0"/>
+          <a:chExt cx="0" cy="0"/>
+        </a:xfrm>
+      </p:grpSpPr>
+      <p:sp>
+        <p:nvSpPr>
+          <p:cNvPr id="2" name="TextBox 1"/>
+          <p:cNvSpPr txBox="1"/>
+          <p:nvPr/>
+        </p:nvSpPr>
+        <p:spPr>
+          <a:xfrm>
+            <a:off x="540000" y="540000"/>
+            <a:ext cx="2021707" cy="553998"/>
+          </a:xfrm>
+          <a:prstGeom prst="rect">
+            <a:avLst/>
+          </a:prstGeom>
+          <a:noFill/>
+        </p:spPr>
+        <p:txBody>
+          <a:bodyPr wrap="none" rtlCol="0">
+            <a:spAutoFit/>
+          </a:bodyPr>
+          <a:lstStyle/>
+          <a:p>
+            <a:r>
+              <a:rPr lang="en-US" altLang="zh-CN" sz="3000" b="1" dirty="0" smtClean="0">
+                <a:latin typeface="Helvetica Bold" charset="0"/>
+              </a:rPr>
+              <a:t>Demo</a:t>
+            </a:r>
+            <a:r>
+              <a:rPr lang="zh-CN" altLang="en-US" sz="3000" b="1" dirty="0" smtClean="0">
+                <a:latin typeface="Helvetica Bold" charset="0"/>
+              </a:rPr>
+              <a:t>说明</a:t>
+            </a:r>
+            <a:endParaRPr lang="en-US" altLang="zh-CN" sz="3000" b="1" dirty="0" smtClean="0">
+              <a:latin typeface="Helvetica Bold" charset="0"/>
+            </a:endParaRPr>
+          </a:p>
+        </p:txBody>
+      </p:sp>
+      <p:pic>
+        <p:nvPicPr>
+          <p:cNvPr id="5" name="Picture 4"/>
+          <p:cNvPicPr>
+            <a:picLocks noChangeAspect="1"/>
+          </p:cNvPicPr>
+          <p:nvPr/>
+        </p:nvPicPr>
+        <p:blipFill>
+          <a:blip r:embed="rId2"/>
+          <a:stretch>
+            <a:fillRect/>
+          </a:stretch>
+        </p:blipFill>
+        <p:spPr>
+          <a:xfrm>
+            <a:off x="3553556" y="868990"/>
+            <a:ext cx="5140277" cy="5885245"/>
+          </a:xfrm>
+          <a:prstGeom prst="rect">
+            <a:avLst/>
+          </a:prstGeom>
+        </p:spPr>
+      </p:pic>
+    </p:spTree>
+    <p:extLst>
+      <p:ext uri="{BB962C8B-B14F-4D97-AF65-F5344CB8AC3E}">
+        <p14:creationId xmlns:p14="http://schemas.microsoft.com/office/powerpoint/2010/main" val="458642772"/>
+      </p:ext>
+    </p:extLst>
+  </p:cSld>
+  <p:clrMapOvr>
+    <a:masterClrMapping/>
+  </p:clrMapOvr>
+  <p:timing>
+    <p:tnLst>
+      <p:par>
+        <p:cTn id="1" dur="indefinite" restart="never" nodeType="tmRoot"/>
+      </p:par>
+    </p:tnLst>
+  </p:timing>
+</p:sld>
+</file>
+
+<file path=ppt/slides/slide22.xml><?xml version="1.0" encoding="utf-8"?>
+<p:sld xmlns:a="http://schemas.openxmlformats.org/drawingml/2006/main" xmlns:r="http://schemas.openxmlformats.org/officeDocument/2006/relationships" xmlns:p="http://schemas.openxmlformats.org/presentationml/2006/main">
+  <p:cSld>
+    <p:spTree>
+      <p:nvGrpSpPr>
+        <p:cNvPr id="1" name=""/>
+        <p:cNvGrpSpPr/>
+        <p:nvPr/>
+      </p:nvGrpSpPr>
+      <p:grpSpPr>
+        <a:xfrm>
+          <a:off x="0" y="0"/>
+          <a:ext cx="0" cy="0"/>
+          <a:chOff x="0" y="0"/>
+          <a:chExt cx="0" cy="0"/>
+        </a:xfrm>
+      </p:grpSpPr>
+      <p:sp>
+        <p:nvSpPr>
+          <p:cNvPr id="2" name="TextBox 1"/>
+          <p:cNvSpPr txBox="1"/>
+          <p:nvPr/>
+        </p:nvSpPr>
+        <p:spPr>
+          <a:xfrm>
+            <a:off x="540000" y="540000"/>
+            <a:ext cx="2021707" cy="553998"/>
+          </a:xfrm>
+          <a:prstGeom prst="rect">
+            <a:avLst/>
+          </a:prstGeom>
+          <a:noFill/>
+        </p:spPr>
+        <p:txBody>
+          <a:bodyPr wrap="none" rtlCol="0">
+            <a:spAutoFit/>
+          </a:bodyPr>
+          <a:lstStyle/>
+          <a:p>
+            <a:r>
+              <a:rPr lang="en-US" altLang="zh-CN" sz="3000" b="1" dirty="0" smtClean="0">
+                <a:latin typeface="Helvetica Bold" charset="0"/>
+              </a:rPr>
+              <a:t>Demo</a:t>
+            </a:r>
+            <a:r>
+              <a:rPr lang="zh-CN" altLang="en-US" sz="3000" b="1" dirty="0" smtClean="0">
+                <a:latin typeface="Helvetica Bold" charset="0"/>
+              </a:rPr>
+              <a:t>说明</a:t>
+            </a:r>
+            <a:endParaRPr lang="en-US" altLang="zh-CN" sz="3000" b="1" dirty="0" smtClean="0">
+              <a:latin typeface="Helvetica Bold" charset="0"/>
+            </a:endParaRPr>
+          </a:p>
+        </p:txBody>
+      </p:sp>
+    </p:spTree>
+    <p:extLst>
+      <p:ext uri="{BB962C8B-B14F-4D97-AF65-F5344CB8AC3E}">
+        <p14:creationId xmlns:p14="http://schemas.microsoft.com/office/powerpoint/2010/main" val="1638548768"/>
       </p:ext>
     </p:extLst>
   </p:cSld>
@@ -7581,50 +8311,6 @@
       </p:grpSpPr>
       <p:sp>
         <p:nvSpPr>
-          <p:cNvPr id="4" name="Rounded Rectangle 3"/>
-          <p:cNvSpPr/>
-          <p:nvPr/>
-        </p:nvSpPr>
-        <p:spPr>
-          <a:xfrm>
-            <a:off x="4755600" y="2494800"/>
-            <a:ext cx="1805940" cy="1819910"/>
-          </a:xfrm>
-          <a:prstGeom prst="roundRect">
-            <a:avLst/>
-          </a:prstGeom>
-        </p:spPr>
-        <p:style>
-          <a:lnRef idx="2">
-            <a:schemeClr val="accent1">
-              <a:shade val="50000"/>
-            </a:schemeClr>
-          </a:lnRef>
-          <a:fillRef idx="1">
-            <a:schemeClr val="accent1"/>
-          </a:fillRef>
-          <a:effectRef idx="0">
-            <a:schemeClr val="accent1"/>
-          </a:effectRef>
-          <a:fontRef idx="minor">
-            <a:schemeClr val="lt1"/>
-          </a:fontRef>
-        </p:style>
-        <p:txBody>
-          <a:bodyPr rtlCol="0" anchor="ctr"/>
-          <a:lstStyle/>
-          <a:p>
-            <a:pPr algn="ctr"/>
-            <a:r>
-              <a:rPr lang="zh-CN" altLang="en-US" dirty="0" smtClean="0"/>
-              <a:t>传说中的模型</a:t>
-            </a:r>
-            <a:endParaRPr lang="en-US" dirty="0"/>
-          </a:p>
-        </p:txBody>
-      </p:sp>
-      <p:sp>
-        <p:nvSpPr>
           <p:cNvPr id="5" name="TextBox 4"/>
           <p:cNvSpPr txBox="1"/>
           <p:nvPr/>
@@ -7702,7 +8388,7 @@
         </p:nvSpPr>
         <p:spPr>
           <a:xfrm>
-            <a:off x="4754880" y="2496185"/>
+            <a:off x="4755600" y="2494800"/>
             <a:ext cx="1805940" cy="1819910"/>
           </a:xfrm>
           <a:prstGeom prst="roundRect">
@@ -7772,158 +8458,10 @@
           </a:p>
         </p:txBody>
       </p:sp>
-      <p:pic>
-        <p:nvPicPr>
-          <p:cNvPr id="2" name="Picture 1"/>
-          <p:cNvPicPr>
-            <a:picLocks noChangeAspect="1"/>
-          </p:cNvPicPr>
-          <p:nvPr/>
-        </p:nvPicPr>
-        <p:blipFill>
-          <a:blip r:embed="rId2">
-            <a:extLst>
-              <a:ext uri="{28A0092B-C50C-407E-A947-70E740481C1C}">
-                <a14:useLocalDpi xmlns:a14="http://schemas.microsoft.com/office/drawing/2010/main" val="0"/>
-              </a:ext>
-            </a:extLst>
-          </a:blip>
-          <a:stretch>
-            <a:fillRect/>
-          </a:stretch>
-        </p:blipFill>
-        <p:spPr>
-          <a:xfrm>
-            <a:off x="1037999" y="2637790"/>
-            <a:ext cx="1536700" cy="1536700"/>
-          </a:xfrm>
-          <a:prstGeom prst="rect">
-            <a:avLst/>
-          </a:prstGeom>
-        </p:spPr>
-      </p:pic>
-      <p:cxnSp>
-        <p:nvCxnSpPr>
-          <p:cNvPr id="6" name="Straight Arrow Connector 5"/>
-          <p:cNvCxnSpPr>
-            <a:stCxn id="2" idx="3"/>
-            <a:endCxn id="4" idx="1"/>
-          </p:cNvCxnSpPr>
-          <p:nvPr/>
-        </p:nvCxnSpPr>
-        <p:spPr>
-          <a:xfrm>
-            <a:off x="2574699" y="3406140"/>
-            <a:ext cx="2180181" cy="0"/>
-          </a:xfrm>
-          <a:prstGeom prst="straightConnector1">
-            <a:avLst/>
-          </a:prstGeom>
-          <a:ln w="50800">
-            <a:solidFill>
-              <a:schemeClr val="tx1"/>
-            </a:solidFill>
-            <a:tailEnd type="triangle"/>
-          </a:ln>
-        </p:spPr>
-        <p:style>
-          <a:lnRef idx="1">
-            <a:schemeClr val="accent1"/>
-          </a:lnRef>
-          <a:fillRef idx="0">
-            <a:schemeClr val="accent1"/>
-          </a:fillRef>
-          <a:effectRef idx="0">
-            <a:schemeClr val="accent1"/>
-          </a:effectRef>
-          <a:fontRef idx="minor">
-            <a:schemeClr val="tx1"/>
-          </a:fontRef>
-        </p:style>
-      </p:cxnSp>
-      <p:cxnSp>
-        <p:nvCxnSpPr>
-          <p:cNvPr id="7" name="Straight Arrow Connector 6"/>
-          <p:cNvCxnSpPr>
-            <a:stCxn id="7" idx="3"/>
-          </p:cNvCxnSpPr>
-          <p:nvPr/>
-        </p:nvCxnSpPr>
-        <p:spPr>
-          <a:xfrm>
-            <a:off x="6560820" y="3406140"/>
-            <a:ext cx="2180181" cy="0"/>
-          </a:xfrm>
-          <a:prstGeom prst="straightConnector1">
-            <a:avLst/>
-          </a:prstGeom>
-          <a:ln w="50800">
-            <a:solidFill>
-              <a:schemeClr val="tx1"/>
-            </a:solidFill>
-            <a:tailEnd type="triangle"/>
-          </a:ln>
-        </p:spPr>
-        <p:style>
-          <a:lnRef idx="1">
-            <a:schemeClr val="accent1"/>
-          </a:lnRef>
-          <a:fillRef idx="0">
-            <a:schemeClr val="accent1"/>
-          </a:fillRef>
-          <a:effectRef idx="0">
-            <a:schemeClr val="accent1"/>
-          </a:effectRef>
-          <a:fontRef idx="minor">
-            <a:schemeClr val="tx1"/>
-          </a:fontRef>
-        </p:style>
-      </p:cxnSp>
-      <p:sp>
-        <p:nvSpPr>
-          <p:cNvPr id="8" name="TextBox 7"/>
-          <p:cNvSpPr txBox="1"/>
-          <p:nvPr/>
-        </p:nvSpPr>
-        <p:spPr>
-          <a:xfrm>
-            <a:off x="8741001" y="3082974"/>
-            <a:ext cx="2130711" cy="646331"/>
-          </a:xfrm>
-          <a:prstGeom prst="rect">
-            <a:avLst/>
-          </a:prstGeom>
-          <a:noFill/>
-        </p:spPr>
-        <p:txBody>
-          <a:bodyPr wrap="none" rtlCol="0">
-            <a:spAutoFit/>
-          </a:bodyPr>
-          <a:lstStyle/>
-          <a:p>
-            <a:r>
-              <a:rPr lang="en-US" altLang="zh-CN" dirty="0" smtClean="0"/>
-              <a:t>Label:</a:t>
-            </a:r>
-            <a:r>
-              <a:rPr lang="zh-CN" altLang="en-US" dirty="0" smtClean="0"/>
-              <a:t>苏格兰折耳猫</a:t>
-            </a:r>
-            <a:endParaRPr lang="en-US" altLang="zh-CN" dirty="0"/>
-          </a:p>
-          <a:p>
-            <a:r>
-              <a:rPr lang="en-US" dirty="0" smtClean="0"/>
-              <a:t>Confidence:95%</a:t>
-            </a:r>
-            <a:endParaRPr lang="en-US" dirty="0"/>
-          </a:p>
-        </p:txBody>
-      </p:sp>
     </p:spTree>
     <p:extLst>
       <p:ext uri="{BB962C8B-B14F-4D97-AF65-F5344CB8AC3E}">
-        <p14:creationId xmlns:p14="http://schemas.microsoft.com/office/powerpoint/2010/main" val="519547946"/>
+        <p14:creationId xmlns:p14="http://schemas.microsoft.com/office/powerpoint/2010/main" val="1283120186"/>
       </p:ext>
     </p:extLst>
   </p:cSld>
@@ -7959,214 +8497,58 @@
       </p:grpSpPr>
       <p:sp>
         <p:nvSpPr>
-          <p:cNvPr id="5" name="Rectangle 4"/>
+          <p:cNvPr id="4" name="Rounded Rectangle 3"/>
           <p:cNvSpPr/>
           <p:nvPr/>
         </p:nvSpPr>
         <p:spPr>
           <a:xfrm>
-            <a:off x="5247142" y="1229952"/>
-            <a:ext cx="1224267" cy="400110"/>
-          </a:xfrm>
-          <a:prstGeom prst="rect">
-            <a:avLst/>
-          </a:prstGeom>
-        </p:spPr>
-        <p:txBody>
-          <a:bodyPr wrap="square">
-            <a:spAutoFit/>
-          </a:bodyPr>
-          <a:lstStyle/>
-          <a:p>
-            <a:r>
-              <a:rPr lang="zh-CN" altLang="en-US" sz="2000" b="1" dirty="0">
-                <a:latin typeface="Menlo Bold" charset="0"/>
-              </a:rPr>
-              <a:t>手写识别</a:t>
-            </a:r>
-            <a:endParaRPr lang="en-US" sz="2000" b="1" dirty="0">
-              <a:latin typeface="Menlo Bold" charset="0"/>
-            </a:endParaRPr>
-          </a:p>
-        </p:txBody>
-      </p:sp>
-      <p:sp>
-        <p:nvSpPr>
-          <p:cNvPr id="6" name="Rectangle 5"/>
-          <p:cNvSpPr/>
-          <p:nvPr/>
-        </p:nvSpPr>
-        <p:spPr>
-          <a:xfrm>
-            <a:off x="7558256" y="2213509"/>
-            <a:ext cx="1210588" cy="400110"/>
-          </a:xfrm>
-          <a:prstGeom prst="rect">
-            <a:avLst/>
-          </a:prstGeom>
-        </p:spPr>
-        <p:txBody>
-          <a:bodyPr wrap="none">
-            <a:spAutoFit/>
-          </a:bodyPr>
-          <a:lstStyle/>
-          <a:p>
-            <a:r>
-              <a:rPr lang="zh-CN" altLang="en-US" sz="2000" b="1" dirty="0">
-                <a:latin typeface="Menlo Bold" charset="0"/>
-              </a:rPr>
-              <a:t>风格转变</a:t>
-            </a:r>
-            <a:endParaRPr lang="en-US" sz="2000" b="1" dirty="0">
-              <a:latin typeface="Menlo Bold" charset="0"/>
-            </a:endParaRPr>
-          </a:p>
-        </p:txBody>
-      </p:sp>
-      <p:sp>
-        <p:nvSpPr>
-          <p:cNvPr id="7" name="Rectangle 6"/>
-          <p:cNvSpPr/>
-          <p:nvPr/>
-        </p:nvSpPr>
-        <p:spPr>
-          <a:xfrm>
-            <a:off x="7158023" y="5391025"/>
-            <a:ext cx="1210588" cy="400110"/>
-          </a:xfrm>
-          <a:prstGeom prst="rect">
-            <a:avLst/>
-          </a:prstGeom>
-        </p:spPr>
-        <p:txBody>
-          <a:bodyPr wrap="none">
-            <a:spAutoFit/>
-          </a:bodyPr>
-          <a:lstStyle/>
-          <a:p>
-            <a:r>
-              <a:rPr lang="zh-CN" altLang="en-US" sz="2000" b="1" dirty="0">
-                <a:latin typeface="Menlo Bold" charset="0"/>
-              </a:rPr>
-              <a:t>词语联想</a:t>
-            </a:r>
-            <a:endParaRPr lang="en-US" sz="2000" b="1" dirty="0">
-              <a:latin typeface="Menlo Bold" charset="0"/>
-            </a:endParaRPr>
-          </a:p>
-        </p:txBody>
-      </p:sp>
-      <p:sp>
-        <p:nvSpPr>
-          <p:cNvPr id="8" name="Rectangle 7"/>
-          <p:cNvSpPr/>
-          <p:nvPr/>
-        </p:nvSpPr>
-        <p:spPr>
-          <a:xfrm>
-            <a:off x="1722145" y="3033751"/>
-            <a:ext cx="697627" cy="400110"/>
-          </a:xfrm>
-          <a:prstGeom prst="rect">
-            <a:avLst/>
-          </a:prstGeom>
-        </p:spPr>
-        <p:txBody>
-          <a:bodyPr wrap="none">
-            <a:spAutoFit/>
-          </a:bodyPr>
-          <a:lstStyle/>
-          <a:p>
-            <a:r>
-              <a:rPr lang="zh-CN" altLang="en-US" sz="2000" b="1" dirty="0">
-                <a:latin typeface="Menlo Bold" charset="0"/>
-              </a:rPr>
-              <a:t>翻译</a:t>
-            </a:r>
-            <a:endParaRPr lang="en-US" sz="2000" b="1" dirty="0">
-              <a:latin typeface="Menlo Bold" charset="0"/>
-            </a:endParaRPr>
-          </a:p>
-        </p:txBody>
-      </p:sp>
-      <p:sp>
-        <p:nvSpPr>
-          <p:cNvPr id="9" name="Rectangle 8"/>
-          <p:cNvSpPr/>
-          <p:nvPr/>
-        </p:nvSpPr>
-        <p:spPr>
-          <a:xfrm>
-            <a:off x="2070958" y="4628423"/>
-            <a:ext cx="1210588" cy="400110"/>
-          </a:xfrm>
-          <a:prstGeom prst="rect">
-            <a:avLst/>
-          </a:prstGeom>
-        </p:spPr>
-        <p:txBody>
-          <a:bodyPr wrap="none">
-            <a:spAutoFit/>
-          </a:bodyPr>
-          <a:lstStyle/>
-          <a:p>
-            <a:r>
-              <a:rPr lang="zh-CN" altLang="en-US" sz="2000" b="1" dirty="0">
-                <a:latin typeface="Menlo Bold" charset="0"/>
-              </a:rPr>
-              <a:t>场景分类</a:t>
-            </a:r>
-            <a:endParaRPr lang="en-US" sz="2000" b="1" dirty="0">
-              <a:latin typeface="Menlo Bold" charset="0"/>
-            </a:endParaRPr>
-          </a:p>
-        </p:txBody>
-      </p:sp>
-      <p:sp>
-        <p:nvSpPr>
-          <p:cNvPr id="10" name="Rectangle 9"/>
-          <p:cNvSpPr/>
-          <p:nvPr/>
-        </p:nvSpPr>
-        <p:spPr>
-          <a:xfrm>
-            <a:off x="2164137" y="1591161"/>
-            <a:ext cx="1210588" cy="400110"/>
-          </a:xfrm>
-          <a:prstGeom prst="rect">
-            <a:avLst/>
-          </a:prstGeom>
-        </p:spPr>
-        <p:txBody>
-          <a:bodyPr wrap="none">
-            <a:spAutoFit/>
-          </a:bodyPr>
-          <a:lstStyle/>
-          <a:p>
-            <a:r>
-              <a:rPr lang="zh-CN" altLang="en-US" sz="2000" b="1" dirty="0" smtClean="0">
-                <a:effectLst/>
-                <a:latin typeface="Menlo Bold" charset="0"/>
-              </a:rPr>
-              <a:t>情绪分析</a:t>
-            </a:r>
-            <a:endParaRPr lang="en-US" sz="2000" b="1" dirty="0">
-              <a:effectLst/>
-              <a:latin typeface="Menlo Bold" charset="0"/>
-            </a:endParaRPr>
-          </a:p>
-        </p:txBody>
-      </p:sp>
-      <p:sp>
-        <p:nvSpPr>
-          <p:cNvPr id="11" name="TextBox 10"/>
+            <a:off x="4754880" y="2496185"/>
+            <a:ext cx="1805940" cy="1819910"/>
+          </a:xfrm>
+          <a:prstGeom prst="roundRect">
+            <a:avLst/>
+          </a:prstGeom>
+        </p:spPr>
+        <p:style>
+          <a:lnRef idx="2">
+            <a:schemeClr val="accent1">
+              <a:shade val="50000"/>
+            </a:schemeClr>
+          </a:lnRef>
+          <a:fillRef idx="1">
+            <a:schemeClr val="accent1"/>
+          </a:fillRef>
+          <a:effectRef idx="0">
+            <a:schemeClr val="accent1"/>
+          </a:effectRef>
+          <a:fontRef idx="minor">
+            <a:schemeClr val="lt1"/>
+          </a:fontRef>
+        </p:style>
+        <p:txBody>
+          <a:bodyPr rtlCol="0" anchor="ctr"/>
+          <a:lstStyle/>
+          <a:p>
+            <a:pPr algn="ctr"/>
+            <a:r>
+              <a:rPr lang="zh-CN" altLang="en-US" dirty="0" smtClean="0"/>
+              <a:t>传说中的模型</a:t>
+            </a:r>
+            <a:endParaRPr lang="en-US" dirty="0"/>
+          </a:p>
+        </p:txBody>
+      </p:sp>
+      <p:sp>
+        <p:nvSpPr>
+          <p:cNvPr id="5" name="TextBox 4"/>
           <p:cNvSpPr txBox="1"/>
           <p:nvPr/>
         </p:nvSpPr>
         <p:spPr>
           <a:xfrm>
-            <a:off x="1080868" y="2133717"/>
-            <a:ext cx="1842171" cy="369332"/>
+            <a:off x="540000" y="540000"/>
+            <a:ext cx="1723549" cy="553998"/>
           </a:xfrm>
           <a:prstGeom prst="rect">
             <a:avLst/>
@@ -8180,58 +8562,65 @@
           <a:lstStyle/>
           <a:p>
             <a:r>
-              <a:rPr lang="zh-CN" altLang="en-US" dirty="0" smtClean="0"/>
-              <a:t>今天是个好日子</a:t>
-            </a:r>
-            <a:endParaRPr lang="en-US" dirty="0"/>
-          </a:p>
-        </p:txBody>
-      </p:sp>
-      <p:sp>
-        <p:nvSpPr>
-          <p:cNvPr id="12" name="TextBox 11"/>
-          <p:cNvSpPr txBox="1"/>
-          <p:nvPr/>
-        </p:nvSpPr>
-        <p:spPr>
-          <a:xfrm>
-            <a:off x="3758957" y="2133717"/>
-            <a:ext cx="394612" cy="369332"/>
-          </a:xfrm>
-          <a:prstGeom prst="rect">
-            <a:avLst/>
-          </a:prstGeom>
-          <a:noFill/>
-        </p:spPr>
-        <p:txBody>
-          <a:bodyPr wrap="square" rtlCol="0">
-            <a:spAutoFit/>
-          </a:bodyPr>
-          <a:lstStyle/>
-          <a:p>
-            <a:r>
-              <a:rPr lang="zh-CN" altLang="en-US" smtClean="0"/>
-              <a:t>😀</a:t>
-            </a:r>
-            <a:endParaRPr lang="en-US" altLang="zh-CN" dirty="0" smtClean="0"/>
-          </a:p>
-        </p:txBody>
-      </p:sp>
+              <a:rPr lang="zh-CN" altLang="en-US" sz="3000" b="1" dirty="0" smtClean="0">
+                <a:latin typeface="Helvetica Bold" charset="0"/>
+              </a:rPr>
+              <a:t>使用模型</a:t>
+            </a:r>
+            <a:endParaRPr lang="en-US" sz="3000" b="1" dirty="0">
+              <a:latin typeface="Helvetica Bold" charset="0"/>
+            </a:endParaRPr>
+          </a:p>
+        </p:txBody>
+      </p:sp>
+      <p:pic>
+        <p:nvPicPr>
+          <p:cNvPr id="2" name="Picture 1"/>
+          <p:cNvPicPr>
+            <a:picLocks noChangeAspect="1"/>
+          </p:cNvPicPr>
+          <p:nvPr/>
+        </p:nvPicPr>
+        <p:blipFill>
+          <a:blip r:embed="rId2">
+            <a:extLst>
+              <a:ext uri="{28A0092B-C50C-407E-A947-70E740481C1C}">
+                <a14:useLocalDpi xmlns:a14="http://schemas.microsoft.com/office/drawing/2010/main" val="0"/>
+              </a:ext>
+            </a:extLst>
+          </a:blip>
+          <a:stretch>
+            <a:fillRect/>
+          </a:stretch>
+        </p:blipFill>
+        <p:spPr>
+          <a:xfrm>
+            <a:off x="1037999" y="2637790"/>
+            <a:ext cx="1536700" cy="1536700"/>
+          </a:xfrm>
+          <a:prstGeom prst="rect">
+            <a:avLst/>
+          </a:prstGeom>
+        </p:spPr>
+      </p:pic>
       <p:cxnSp>
         <p:nvCxnSpPr>
-          <p:cNvPr id="14" name="Straight Arrow Connector 13"/>
-          <p:cNvCxnSpPr/>
+          <p:cNvPr id="6" name="Straight Arrow Connector 5"/>
+          <p:cNvCxnSpPr>
+            <a:stCxn id="2" idx="3"/>
+            <a:endCxn id="4" idx="1"/>
+          </p:cNvCxnSpPr>
           <p:nvPr/>
         </p:nvCxnSpPr>
         <p:spPr>
           <a:xfrm>
-            <a:off x="2957391" y="2318383"/>
-            <a:ext cx="767214" cy="0"/>
+            <a:off x="2574699" y="3406140"/>
+            <a:ext cx="2180181" cy="0"/>
           </a:xfrm>
           <a:prstGeom prst="straightConnector1">
             <a:avLst/>
           </a:prstGeom>
-          <a:ln w="38100">
+          <a:ln w="50800">
             <a:solidFill>
               <a:schemeClr val="tx1"/>
             </a:solidFill>
@@ -8253,45 +8642,23 @@
           </a:fontRef>
         </p:style>
       </p:cxnSp>
-      <p:pic>
-        <p:nvPicPr>
-          <p:cNvPr id="15" name="Picture 14"/>
-          <p:cNvPicPr>
-            <a:picLocks noChangeAspect="1"/>
-          </p:cNvPicPr>
-          <p:nvPr/>
-        </p:nvPicPr>
-        <p:blipFill>
-          <a:blip r:embed="rId2"/>
-          <a:stretch>
-            <a:fillRect/>
-          </a:stretch>
-        </p:blipFill>
-        <p:spPr>
-          <a:xfrm>
-            <a:off x="4803761" y="1840272"/>
-            <a:ext cx="723900" cy="635000"/>
-          </a:xfrm>
-          <a:prstGeom prst="rect">
-            <a:avLst/>
-          </a:prstGeom>
-        </p:spPr>
-      </p:pic>
       <p:cxnSp>
         <p:nvCxnSpPr>
-          <p:cNvPr id="16" name="Straight Arrow Connector 15"/>
-          <p:cNvCxnSpPr/>
+          <p:cNvPr id="7" name="Straight Arrow Connector 6"/>
+          <p:cNvCxnSpPr>
+            <a:stCxn id="7" idx="3"/>
+          </p:cNvCxnSpPr>
           <p:nvPr/>
         </p:nvCxnSpPr>
         <p:spPr>
           <a:xfrm>
-            <a:off x="5585981" y="2157772"/>
-            <a:ext cx="767214" cy="0"/>
+            <a:off x="6560820" y="3406140"/>
+            <a:ext cx="2180181" cy="0"/>
           </a:xfrm>
           <a:prstGeom prst="straightConnector1">
             <a:avLst/>
           </a:prstGeom>
-          <a:ln w="38100">
+          <a:ln w="50800">
             <a:solidFill>
               <a:schemeClr val="tx1"/>
             </a:solidFill>
@@ -8315,14 +8682,14 @@
       </p:cxnSp>
       <p:sp>
         <p:nvSpPr>
-          <p:cNvPr id="17" name="TextBox 16"/>
+          <p:cNvPr id="8" name="TextBox 7"/>
           <p:cNvSpPr txBox="1"/>
           <p:nvPr/>
         </p:nvSpPr>
         <p:spPr>
           <a:xfrm>
-            <a:off x="6471409" y="1840272"/>
-            <a:ext cx="412292" cy="630942"/>
+            <a:off x="8741001" y="3082974"/>
+            <a:ext cx="2130711" cy="646331"/>
           </a:xfrm>
           <a:prstGeom prst="rect">
             <a:avLst/>
@@ -8336,433 +8703,28 @@
           <a:lstStyle/>
           <a:p>
             <a:r>
-              <a:rPr lang="en-US" altLang="zh-CN" sz="3500" dirty="0" smtClean="0"/>
-              <a:t>7</a:t>
-            </a:r>
-            <a:endParaRPr lang="en-US" sz="3500" dirty="0"/>
-          </a:p>
-        </p:txBody>
-      </p:sp>
-      <p:pic>
-        <p:nvPicPr>
-          <p:cNvPr id="18" name="Picture 17"/>
-          <p:cNvPicPr>
-            <a:picLocks noChangeAspect="1"/>
-          </p:cNvPicPr>
-          <p:nvPr/>
-        </p:nvPicPr>
-        <p:blipFill>
-          <a:blip r:embed="rId3"/>
-          <a:stretch>
-            <a:fillRect/>
-          </a:stretch>
-        </p:blipFill>
-        <p:spPr>
-          <a:xfrm>
-            <a:off x="6774381" y="2977127"/>
-            <a:ext cx="1283703" cy="1681040"/>
-          </a:xfrm>
-          <a:prstGeom prst="rect">
-            <a:avLst/>
-          </a:prstGeom>
-        </p:spPr>
-      </p:pic>
-      <p:cxnSp>
-        <p:nvCxnSpPr>
-          <p:cNvPr id="19" name="Straight Arrow Connector 18"/>
-          <p:cNvCxnSpPr/>
-          <p:nvPr/>
-        </p:nvCxnSpPr>
-        <p:spPr>
-          <a:xfrm>
-            <a:off x="8159551" y="3815687"/>
-            <a:ext cx="767214" cy="0"/>
-          </a:xfrm>
-          <a:prstGeom prst="straightConnector1">
-            <a:avLst/>
-          </a:prstGeom>
-          <a:ln w="38100">
-            <a:solidFill>
-              <a:schemeClr val="tx1"/>
-            </a:solidFill>
-            <a:tailEnd type="triangle"/>
-          </a:ln>
-        </p:spPr>
-        <p:style>
-          <a:lnRef idx="1">
-            <a:schemeClr val="accent1"/>
-          </a:lnRef>
-          <a:fillRef idx="0">
-            <a:schemeClr val="accent1"/>
-          </a:fillRef>
-          <a:effectRef idx="0">
-            <a:schemeClr val="accent1"/>
-          </a:effectRef>
-          <a:fontRef idx="minor">
-            <a:schemeClr val="tx1"/>
-          </a:fontRef>
-        </p:style>
-      </p:cxnSp>
-      <p:pic>
-        <p:nvPicPr>
-          <p:cNvPr id="20" name="Picture 19"/>
-          <p:cNvPicPr>
-            <a:picLocks noChangeAspect="1"/>
-          </p:cNvPicPr>
-          <p:nvPr/>
-        </p:nvPicPr>
-        <p:blipFill>
-          <a:blip r:embed="rId4"/>
-          <a:stretch>
-            <a:fillRect/>
-          </a:stretch>
-        </p:blipFill>
-        <p:spPr>
-          <a:xfrm>
-            <a:off x="9028232" y="2977127"/>
-            <a:ext cx="1230216" cy="1681040"/>
-          </a:xfrm>
-          <a:prstGeom prst="rect">
-            <a:avLst/>
-          </a:prstGeom>
-        </p:spPr>
-      </p:pic>
-      <p:sp>
-        <p:nvSpPr>
-          <p:cNvPr id="21" name="TextBox 20"/>
-          <p:cNvSpPr txBox="1"/>
-          <p:nvPr/>
-        </p:nvSpPr>
-        <p:spPr>
-          <a:xfrm>
-            <a:off x="279749" y="3528334"/>
-            <a:ext cx="2009204" cy="369332"/>
-          </a:xfrm>
-          <a:prstGeom prst="rect">
-            <a:avLst/>
-          </a:prstGeom>
-          <a:noFill/>
-        </p:spPr>
-        <p:txBody>
-          <a:bodyPr wrap="none" rtlCol="0">
-            <a:spAutoFit/>
-          </a:bodyPr>
-          <a:lstStyle/>
-          <a:p>
-            <a:r>
               <a:rPr lang="en-US" altLang="zh-CN" dirty="0" smtClean="0"/>
-              <a:t>What’s</a:t>
+              <a:t>Label:</a:t>
             </a:r>
             <a:r>
               <a:rPr lang="zh-CN" altLang="en-US" dirty="0" smtClean="0"/>
-              <a:t> </a:t>
-            </a:r>
-            <a:r>
-              <a:rPr lang="en-US" altLang="zh-CN" dirty="0" smtClean="0"/>
-              <a:t>your</a:t>
-            </a:r>
-            <a:r>
-              <a:rPr lang="zh-CN" altLang="en-US" dirty="0" smtClean="0"/>
-              <a:t> </a:t>
-            </a:r>
-            <a:r>
-              <a:rPr lang="en-US" altLang="zh-CN" dirty="0" smtClean="0"/>
-              <a:t>name?</a:t>
+              <a:t>苏格兰折耳猫</a:t>
+            </a:r>
+            <a:endParaRPr lang="en-US" altLang="zh-CN" dirty="0"/>
+          </a:p>
+          <a:p>
+            <a:r>
+              <a:rPr lang="en-US" dirty="0" smtClean="0"/>
+              <a:t>Confidence:95%</a:t>
             </a:r>
             <a:endParaRPr lang="en-US" dirty="0"/>
-          </a:p>
-        </p:txBody>
-      </p:sp>
-      <p:cxnSp>
-        <p:nvCxnSpPr>
-          <p:cNvPr id="22" name="Straight Arrow Connector 21"/>
-          <p:cNvCxnSpPr/>
-          <p:nvPr/>
-        </p:nvCxnSpPr>
-        <p:spPr>
-          <a:xfrm>
-            <a:off x="2302400" y="3739894"/>
-            <a:ext cx="767214" cy="0"/>
-          </a:xfrm>
-          <a:prstGeom prst="straightConnector1">
-            <a:avLst/>
-          </a:prstGeom>
-          <a:ln w="38100">
-            <a:solidFill>
-              <a:schemeClr val="tx1"/>
-            </a:solidFill>
-            <a:tailEnd type="triangle"/>
-          </a:ln>
-        </p:spPr>
-        <p:style>
-          <a:lnRef idx="1">
-            <a:schemeClr val="accent1"/>
-          </a:lnRef>
-          <a:fillRef idx="0">
-            <a:schemeClr val="accent1"/>
-          </a:fillRef>
-          <a:effectRef idx="0">
-            <a:schemeClr val="accent1"/>
-          </a:effectRef>
-          <a:fontRef idx="minor">
-            <a:schemeClr val="tx1"/>
-          </a:fontRef>
-        </p:style>
-      </p:cxnSp>
-      <p:sp>
-        <p:nvSpPr>
-          <p:cNvPr id="23" name="TextBox 22"/>
-          <p:cNvSpPr txBox="1"/>
-          <p:nvPr/>
-        </p:nvSpPr>
-        <p:spPr>
-          <a:xfrm>
-            <a:off x="3126090" y="3528334"/>
-            <a:ext cx="1107996" cy="369332"/>
-          </a:xfrm>
-          <a:prstGeom prst="rect">
-            <a:avLst/>
-          </a:prstGeom>
-          <a:noFill/>
-        </p:spPr>
-        <p:txBody>
-          <a:bodyPr wrap="none" rtlCol="0">
-            <a:spAutoFit/>
-          </a:bodyPr>
-          <a:lstStyle/>
-          <a:p>
-            <a:r>
-              <a:rPr lang="zh-CN" altLang="en-US" dirty="0" smtClean="0"/>
-              <a:t>你叫啥？</a:t>
-            </a:r>
-            <a:endParaRPr lang="en-US" dirty="0"/>
-          </a:p>
-        </p:txBody>
-      </p:sp>
-      <p:sp>
-        <p:nvSpPr>
-          <p:cNvPr id="24" name="TextBox 23"/>
-          <p:cNvSpPr txBox="1"/>
-          <p:nvPr/>
-        </p:nvSpPr>
-        <p:spPr>
-          <a:xfrm>
-            <a:off x="5969588" y="5950013"/>
-            <a:ext cx="1800493" cy="369332"/>
-          </a:xfrm>
-          <a:prstGeom prst="rect">
-            <a:avLst/>
-          </a:prstGeom>
-          <a:noFill/>
-        </p:spPr>
-        <p:txBody>
-          <a:bodyPr wrap="none" rtlCol="0">
-            <a:spAutoFit/>
-          </a:bodyPr>
-          <a:lstStyle/>
-          <a:p>
-            <a:r>
-              <a:rPr lang="zh-CN" altLang="en-US" smtClean="0"/>
-              <a:t>我今天晚上想吃</a:t>
-            </a:r>
-            <a:endParaRPr lang="en-US" dirty="0"/>
-          </a:p>
-        </p:txBody>
-      </p:sp>
-      <p:cxnSp>
-        <p:nvCxnSpPr>
-          <p:cNvPr id="25" name="Straight Arrow Connector 24"/>
-          <p:cNvCxnSpPr/>
-          <p:nvPr/>
-        </p:nvCxnSpPr>
-        <p:spPr>
-          <a:xfrm>
-            <a:off x="7770081" y="6154241"/>
-            <a:ext cx="767214" cy="0"/>
-          </a:xfrm>
-          <a:prstGeom prst="straightConnector1">
-            <a:avLst/>
-          </a:prstGeom>
-          <a:ln w="38100">
-            <a:solidFill>
-              <a:schemeClr val="tx1"/>
-            </a:solidFill>
-            <a:tailEnd type="triangle"/>
-          </a:ln>
-        </p:spPr>
-        <p:style>
-          <a:lnRef idx="1">
-            <a:schemeClr val="accent1"/>
-          </a:lnRef>
-          <a:fillRef idx="0">
-            <a:schemeClr val="accent1"/>
-          </a:fillRef>
-          <a:effectRef idx="0">
-            <a:schemeClr val="accent1"/>
-          </a:effectRef>
-          <a:fontRef idx="minor">
-            <a:schemeClr val="tx1"/>
-          </a:fontRef>
-        </p:style>
-      </p:cxnSp>
-      <p:sp>
-        <p:nvSpPr>
-          <p:cNvPr id="26" name="TextBox 25"/>
-          <p:cNvSpPr txBox="1"/>
-          <p:nvPr/>
-        </p:nvSpPr>
-        <p:spPr>
-          <a:xfrm>
-            <a:off x="8671865" y="5966901"/>
-            <a:ext cx="415498" cy="369332"/>
-          </a:xfrm>
-          <a:prstGeom prst="rect">
-            <a:avLst/>
-          </a:prstGeom>
-          <a:noFill/>
-        </p:spPr>
-        <p:txBody>
-          <a:bodyPr wrap="none" rtlCol="0">
-            <a:spAutoFit/>
-          </a:bodyPr>
-          <a:lstStyle/>
-          <a:p>
-            <a:r>
-              <a:rPr lang="zh-CN" altLang="en-US" smtClean="0"/>
-              <a:t>鸡</a:t>
-            </a:r>
-            <a:endParaRPr lang="en-US" dirty="0"/>
-          </a:p>
-        </p:txBody>
-      </p:sp>
-      <p:pic>
-        <p:nvPicPr>
-          <p:cNvPr id="28" name="Picture 27"/>
-          <p:cNvPicPr>
-            <a:picLocks noChangeAspect="1"/>
-          </p:cNvPicPr>
-          <p:nvPr/>
-        </p:nvPicPr>
-        <p:blipFill>
-          <a:blip r:embed="rId5"/>
-          <a:stretch>
-            <a:fillRect/>
-          </a:stretch>
-        </p:blipFill>
-        <p:spPr>
-          <a:xfrm>
-            <a:off x="1284351" y="5292283"/>
-            <a:ext cx="1079500" cy="685800"/>
-          </a:xfrm>
-          <a:prstGeom prst="rect">
-            <a:avLst/>
-          </a:prstGeom>
-        </p:spPr>
-      </p:pic>
-      <p:cxnSp>
-        <p:nvCxnSpPr>
-          <p:cNvPr id="29" name="Straight Arrow Connector 28"/>
-          <p:cNvCxnSpPr/>
-          <p:nvPr/>
-        </p:nvCxnSpPr>
-        <p:spPr>
-          <a:xfrm>
-            <a:off x="2533717" y="5624723"/>
-            <a:ext cx="767214" cy="0"/>
-          </a:xfrm>
-          <a:prstGeom prst="straightConnector1">
-            <a:avLst/>
-          </a:prstGeom>
-          <a:ln w="38100">
-            <a:solidFill>
-              <a:schemeClr val="tx1"/>
-            </a:solidFill>
-            <a:tailEnd type="triangle"/>
-          </a:ln>
-        </p:spPr>
-        <p:style>
-          <a:lnRef idx="1">
-            <a:schemeClr val="accent1"/>
-          </a:lnRef>
-          <a:fillRef idx="0">
-            <a:schemeClr val="accent1"/>
-          </a:fillRef>
-          <a:effectRef idx="0">
-            <a:schemeClr val="accent1"/>
-          </a:effectRef>
-          <a:fontRef idx="minor">
-            <a:schemeClr val="tx1"/>
-          </a:fontRef>
-        </p:style>
-      </p:cxnSp>
-      <p:sp>
-        <p:nvSpPr>
-          <p:cNvPr id="30" name="TextBox 29"/>
-          <p:cNvSpPr txBox="1"/>
-          <p:nvPr/>
-        </p:nvSpPr>
-        <p:spPr>
-          <a:xfrm>
-            <a:off x="3470797" y="5443594"/>
-            <a:ext cx="646331" cy="369332"/>
-          </a:xfrm>
-          <a:prstGeom prst="rect">
-            <a:avLst/>
-          </a:prstGeom>
-          <a:noFill/>
-        </p:spPr>
-        <p:txBody>
-          <a:bodyPr wrap="none" rtlCol="0">
-            <a:spAutoFit/>
-          </a:bodyPr>
-          <a:lstStyle/>
-          <a:p>
-            <a:r>
-              <a:rPr lang="zh-CN" altLang="en-US" dirty="0" smtClean="0"/>
-              <a:t>沙滩</a:t>
-            </a:r>
-            <a:endParaRPr lang="en-US" altLang="zh-CN" dirty="0" smtClean="0"/>
-          </a:p>
-        </p:txBody>
-      </p:sp>
-      <p:sp>
-        <p:nvSpPr>
-          <p:cNvPr id="31" name="TextBox 30"/>
-          <p:cNvSpPr txBox="1"/>
-          <p:nvPr/>
-        </p:nvSpPr>
-        <p:spPr>
-          <a:xfrm>
-            <a:off x="540000" y="540000"/>
-            <a:ext cx="1723549" cy="553998"/>
-          </a:xfrm>
-          <a:prstGeom prst="rect">
-            <a:avLst/>
-          </a:prstGeom>
-          <a:noFill/>
-        </p:spPr>
-        <p:txBody>
-          <a:bodyPr wrap="none" rtlCol="0">
-            <a:spAutoFit/>
-          </a:bodyPr>
-          <a:lstStyle/>
-          <a:p>
-            <a:r>
-              <a:rPr lang="zh-CN" altLang="en-US" sz="3000" b="1" dirty="0" smtClean="0">
-                <a:latin typeface="Helvetica Bold" charset="0"/>
-              </a:rPr>
-              <a:t>使用模型</a:t>
-            </a:r>
-            <a:endParaRPr lang="en-US" sz="3000" b="1" dirty="0">
-              <a:latin typeface="Helvetica Bold" charset="0"/>
-            </a:endParaRPr>
           </a:p>
         </p:txBody>
       </p:sp>
     </p:spTree>
     <p:extLst>
       <p:ext uri="{BB962C8B-B14F-4D97-AF65-F5344CB8AC3E}">
-        <p14:creationId xmlns:p14="http://schemas.microsoft.com/office/powerpoint/2010/main" val="1326152866"/>
+        <p14:creationId xmlns:p14="http://schemas.microsoft.com/office/powerpoint/2010/main" val="519547946"/>
       </p:ext>
     </p:extLst>
   </p:cSld>

--- a/Swift/CoreMLResearching/CoreML.pptx
+++ b/Swift/CoreMLResearching/CoreML.pptx
@@ -5,7 +5,7 @@
     <p:sldMasterId id="2147483720" r:id="rId1"/>
   </p:sldMasterIdLst>
   <p:notesMasterIdLst>
-    <p:notesMasterId r:id="rId24"/>
+    <p:notesMasterId r:id="rId26"/>
   </p:notesMasterIdLst>
   <p:sldIdLst>
     <p:sldId id="256" r:id="rId2"/>
@@ -30,6 +30,8 @@
     <p:sldId id="276" r:id="rId21"/>
     <p:sldId id="280" r:id="rId22"/>
     <p:sldId id="282" r:id="rId23"/>
+    <p:sldId id="283" r:id="rId24"/>
+    <p:sldId id="284" r:id="rId25"/>
   </p:sldIdLst>
   <p:sldSz cx="12192000" cy="6858000"/>
   <p:notesSz cx="6858000" cy="9144000"/>
@@ -226,7 +228,7 @@
           <a:p>
             <a:fld id="{4FC2CF7C-5765-CE4E-BFFD-685887162BFF}" type="datetimeFigureOut">
               <a:rPr lang="en-US" smtClean="0"/>
-              <a:t>5/2/18</a:t>
+              <a:t>5/3/18</a:t>
             </a:fld>
             <a:endParaRPr lang="en-US"/>
           </a:p>
@@ -494,6 +496,498 @@
 </p:notesMaster>
 </file>
 
+<file path=ppt/notesSlides/notesSlide1.xml><?xml version="1.0" encoding="utf-8"?>
+<p:notes xmlns:a="http://schemas.openxmlformats.org/drawingml/2006/main" xmlns:r="http://schemas.openxmlformats.org/officeDocument/2006/relationships" xmlns:p="http://schemas.openxmlformats.org/presentationml/2006/main">
+  <p:cSld>
+    <p:spTree>
+      <p:nvGrpSpPr>
+        <p:cNvPr id="1" name=""/>
+        <p:cNvGrpSpPr/>
+        <p:nvPr/>
+      </p:nvGrpSpPr>
+      <p:grpSpPr>
+        <a:xfrm>
+          <a:off x="0" y="0"/>
+          <a:ext cx="0" cy="0"/>
+          <a:chOff x="0" y="0"/>
+          <a:chExt cx="0" cy="0"/>
+        </a:xfrm>
+      </p:grpSpPr>
+      <p:sp>
+        <p:nvSpPr>
+          <p:cNvPr id="2" name="Slide Image Placeholder 1"/>
+          <p:cNvSpPr>
+            <a:spLocks noGrp="1" noRot="1" noChangeAspect="1"/>
+          </p:cNvSpPr>
+          <p:nvPr>
+            <p:ph type="sldImg"/>
+          </p:nvPr>
+        </p:nvSpPr>
+        <p:spPr/>
+      </p:sp>
+      <p:sp>
+        <p:nvSpPr>
+          <p:cNvPr id="3" name="Notes Placeholder 2"/>
+          <p:cNvSpPr>
+            <a:spLocks noGrp="1"/>
+          </p:cNvSpPr>
+          <p:nvPr>
+            <p:ph type="body" idx="1"/>
+          </p:nvPr>
+        </p:nvSpPr>
+        <p:spPr/>
+        <p:txBody>
+          <a:bodyPr/>
+          <a:lstStyle/>
+          <a:p>
+            <a:pPr marL="0" marR="0" indent="0" algn="l" defTabSz="914400" rtl="0" eaLnBrk="1" fontAlgn="auto" latinLnBrk="0" hangingPunct="1">
+              <a:lnSpc>
+                <a:spcPct val="100000"/>
+              </a:lnSpc>
+              <a:spcBef>
+                <a:spcPts val="0"/>
+              </a:spcBef>
+              <a:spcAft>
+                <a:spcPts val="0"/>
+              </a:spcAft>
+              <a:buClrTx/>
+              <a:buSzTx/>
+              <a:buFontTx/>
+              <a:buNone/>
+              <a:tabLst/>
+              <a:defRPr/>
+            </a:pPr>
+            <a:r>
+              <a:rPr lang="en-US" altLang="zh-CN" sz="1200" kern="1200" dirty="0" smtClean="0">
+                <a:solidFill>
+                  <a:schemeClr val="tx1"/>
+                </a:solidFill>
+                <a:effectLst/>
+                <a:latin typeface="+mn-lt"/>
+                <a:ea typeface="+mn-ea"/>
+                <a:cs typeface="+mn-cs"/>
+              </a:rPr>
+              <a:t>Core</a:t>
+            </a:r>
+            <a:r>
+              <a:rPr lang="zh-CN" altLang="en-US" sz="1200" kern="1200" dirty="0" smtClean="0">
+                <a:solidFill>
+                  <a:schemeClr val="tx1"/>
+                </a:solidFill>
+                <a:effectLst/>
+                <a:latin typeface="+mn-lt"/>
+                <a:ea typeface="+mn-ea"/>
+                <a:cs typeface="+mn-cs"/>
+              </a:rPr>
+              <a:t> </a:t>
+            </a:r>
+            <a:r>
+              <a:rPr lang="en-US" altLang="zh-CN" sz="1200" kern="1200" dirty="0" smtClean="0">
+                <a:solidFill>
+                  <a:schemeClr val="tx1"/>
+                </a:solidFill>
+                <a:effectLst/>
+                <a:latin typeface="+mn-lt"/>
+                <a:ea typeface="+mn-ea"/>
+                <a:cs typeface="+mn-cs"/>
+              </a:rPr>
+              <a:t>ML </a:t>
+            </a:r>
+            <a:r>
+              <a:rPr lang="zh-CN" altLang="en-US" sz="1200" kern="1200" dirty="0" smtClean="0">
+                <a:solidFill>
+                  <a:schemeClr val="tx1"/>
+                </a:solidFill>
+                <a:effectLst/>
+                <a:latin typeface="+mn-lt"/>
+                <a:ea typeface="+mn-ea"/>
+                <a:cs typeface="+mn-cs"/>
+              </a:rPr>
+              <a:t>在处理输入的图像时使用的是固定的长宽比，但是输入的图像可能是任意比例，因此</a:t>
+            </a:r>
+            <a:r>
+              <a:rPr lang="en-US" altLang="zh-CN" sz="1200" kern="1200" dirty="0" smtClean="0">
+                <a:solidFill>
+                  <a:schemeClr val="tx1"/>
+                </a:solidFill>
+                <a:effectLst/>
+                <a:latin typeface="+mn-lt"/>
+                <a:ea typeface="+mn-ea"/>
+                <a:cs typeface="+mn-cs"/>
+              </a:rPr>
+              <a:t>Vision</a:t>
+            </a:r>
+            <a:r>
+              <a:rPr lang="zh-CN" altLang="en-US" sz="1200" kern="1200" dirty="0" smtClean="0">
+                <a:solidFill>
+                  <a:schemeClr val="tx1"/>
+                </a:solidFill>
+                <a:effectLst/>
+                <a:latin typeface="+mn-lt"/>
+                <a:ea typeface="+mn-ea"/>
+                <a:cs typeface="+mn-cs"/>
+              </a:rPr>
+              <a:t>必须缩放或者截取图片来进行处理，设置*</a:t>
+            </a:r>
+            <a:r>
+              <a:rPr lang="en-US" altLang="zh-CN" sz="1200" kern="1200" dirty="0" err="1" smtClean="0">
+                <a:solidFill>
+                  <a:schemeClr val="tx1"/>
+                </a:solidFill>
+                <a:effectLst/>
+                <a:latin typeface="+mn-lt"/>
+                <a:ea typeface="+mn-ea"/>
+                <a:cs typeface="+mn-cs"/>
+              </a:rPr>
+              <a:t>imageCropAndScaleOption</a:t>
+            </a:r>
+            <a:r>
+              <a:rPr lang="en-US" altLang="zh-CN" sz="1200" kern="1200" dirty="0" smtClean="0">
+                <a:solidFill>
+                  <a:schemeClr val="tx1"/>
+                </a:solidFill>
+                <a:effectLst/>
+                <a:latin typeface="+mn-lt"/>
+                <a:ea typeface="+mn-ea"/>
+                <a:cs typeface="+mn-cs"/>
+              </a:rPr>
+              <a:t>*</a:t>
+            </a:r>
+            <a:r>
+              <a:rPr lang="zh-CN" altLang="en-US" sz="1200" kern="1200" dirty="0" smtClean="0">
+                <a:solidFill>
+                  <a:schemeClr val="tx1"/>
+                </a:solidFill>
+                <a:effectLst/>
+                <a:latin typeface="+mn-lt"/>
+                <a:ea typeface="+mn-ea"/>
+                <a:cs typeface="+mn-cs"/>
+              </a:rPr>
+              <a:t>来获得最好的结果。除了特殊情况*</a:t>
+            </a:r>
+            <a:r>
+              <a:rPr lang="en-US" altLang="zh-CN" sz="1200" kern="1200" dirty="0" err="1" smtClean="0">
+                <a:solidFill>
+                  <a:schemeClr val="tx1"/>
+                </a:solidFill>
+                <a:effectLst/>
+                <a:latin typeface="+mn-lt"/>
+                <a:ea typeface="+mn-ea"/>
+                <a:cs typeface="+mn-cs"/>
+              </a:rPr>
+              <a:t>centerCrop</a:t>
+            </a:r>
+            <a:r>
+              <a:rPr lang="en-US" altLang="zh-CN" sz="1200" kern="1200" dirty="0" smtClean="0">
+                <a:solidFill>
+                  <a:schemeClr val="tx1"/>
+                </a:solidFill>
+                <a:effectLst/>
+                <a:latin typeface="+mn-lt"/>
+                <a:ea typeface="+mn-ea"/>
+                <a:cs typeface="+mn-cs"/>
+              </a:rPr>
+              <a:t>*</a:t>
+            </a:r>
+            <a:r>
+              <a:rPr lang="zh-CN" altLang="en-US" sz="1200" kern="1200" dirty="0" smtClean="0">
+                <a:solidFill>
+                  <a:schemeClr val="tx1"/>
+                </a:solidFill>
+                <a:effectLst/>
+                <a:latin typeface="+mn-lt"/>
+                <a:ea typeface="+mn-ea"/>
+                <a:cs typeface="+mn-cs"/>
+              </a:rPr>
+              <a:t>是最合适的选项。</a:t>
+            </a:r>
+          </a:p>
+          <a:p>
+            <a:endParaRPr lang="en-US" dirty="0" smtClean="0"/>
+          </a:p>
+          <a:p>
+            <a:endParaRPr lang="en-US" dirty="0"/>
+          </a:p>
+        </p:txBody>
+      </p:sp>
+      <p:sp>
+        <p:nvSpPr>
+          <p:cNvPr id="4" name="Slide Number Placeholder 3"/>
+          <p:cNvSpPr>
+            <a:spLocks noGrp="1"/>
+          </p:cNvSpPr>
+          <p:nvPr>
+            <p:ph type="sldNum" sz="quarter" idx="10"/>
+          </p:nvPr>
+        </p:nvSpPr>
+        <p:spPr/>
+        <p:txBody>
+          <a:bodyPr/>
+          <a:lstStyle/>
+          <a:p>
+            <a:fld id="{FCD2B16F-63B2-D64B-B195-E5161564762F}" type="slidenum">
+              <a:rPr lang="en-US" smtClean="0"/>
+              <a:t>22</a:t>
+            </a:fld>
+            <a:endParaRPr lang="en-US"/>
+          </a:p>
+        </p:txBody>
+      </p:sp>
+    </p:spTree>
+    <p:extLst>
+      <p:ext uri="{BB962C8B-B14F-4D97-AF65-F5344CB8AC3E}">
+        <p14:creationId xmlns:p14="http://schemas.microsoft.com/office/powerpoint/2010/main" val="119903405"/>
+      </p:ext>
+    </p:extLst>
+  </p:cSld>
+  <p:clrMapOvr>
+    <a:masterClrMapping/>
+  </p:clrMapOvr>
+</p:notes>
+</file>
+
+<file path=ppt/notesSlides/notesSlide2.xml><?xml version="1.0" encoding="utf-8"?>
+<p:notes xmlns:a="http://schemas.openxmlformats.org/drawingml/2006/main" xmlns:r="http://schemas.openxmlformats.org/officeDocument/2006/relationships" xmlns:p="http://schemas.openxmlformats.org/presentationml/2006/main">
+  <p:cSld>
+    <p:spTree>
+      <p:nvGrpSpPr>
+        <p:cNvPr id="1" name=""/>
+        <p:cNvGrpSpPr/>
+        <p:nvPr/>
+      </p:nvGrpSpPr>
+      <p:grpSpPr>
+        <a:xfrm>
+          <a:off x="0" y="0"/>
+          <a:ext cx="0" cy="0"/>
+          <a:chOff x="0" y="0"/>
+          <a:chExt cx="0" cy="0"/>
+        </a:xfrm>
+      </p:grpSpPr>
+      <p:sp>
+        <p:nvSpPr>
+          <p:cNvPr id="2" name="Slide Image Placeholder 1"/>
+          <p:cNvSpPr>
+            <a:spLocks noGrp="1" noRot="1" noChangeAspect="1"/>
+          </p:cNvSpPr>
+          <p:nvPr>
+            <p:ph type="sldImg"/>
+          </p:nvPr>
+        </p:nvSpPr>
+        <p:spPr/>
+      </p:sp>
+      <p:sp>
+        <p:nvSpPr>
+          <p:cNvPr id="3" name="Notes Placeholder 2"/>
+          <p:cNvSpPr>
+            <a:spLocks noGrp="1"/>
+          </p:cNvSpPr>
+          <p:nvPr>
+            <p:ph type="body" idx="1"/>
+          </p:nvPr>
+        </p:nvSpPr>
+        <p:spPr/>
+        <p:txBody>
+          <a:bodyPr/>
+          <a:lstStyle/>
+          <a:p>
+            <a:pPr marL="0" marR="0" indent="0" algn="l" defTabSz="914400" rtl="0" eaLnBrk="1" fontAlgn="auto" latinLnBrk="0" hangingPunct="1">
+              <a:lnSpc>
+                <a:spcPct val="100000"/>
+              </a:lnSpc>
+              <a:spcBef>
+                <a:spcPts val="0"/>
+              </a:spcBef>
+              <a:spcAft>
+                <a:spcPts val="0"/>
+              </a:spcAft>
+              <a:buClrTx/>
+              <a:buSzTx/>
+              <a:buFontTx/>
+              <a:buNone/>
+              <a:tabLst/>
+              <a:defRPr/>
+            </a:pPr>
+            <a:r>
+              <a:rPr lang="zh-CN" altLang="en-US" sz="1200" kern="1200" dirty="0" smtClean="0">
+                <a:solidFill>
+                  <a:schemeClr val="tx1"/>
+                </a:solidFill>
+                <a:effectLst/>
+                <a:latin typeface="+mn-lt"/>
+                <a:ea typeface="+mn-ea"/>
+                <a:cs typeface="+mn-cs"/>
+              </a:rPr>
+              <a:t>大多数的训练模型都已经导向了正确的展示方式。为了对任意方向的图片作出最合适的处理，所以将图片的方向传递给处理方法。</a:t>
+            </a:r>
+          </a:p>
+          <a:p>
+            <a:endParaRPr lang="en-US" dirty="0"/>
+          </a:p>
+        </p:txBody>
+      </p:sp>
+      <p:sp>
+        <p:nvSpPr>
+          <p:cNvPr id="4" name="Slide Number Placeholder 3"/>
+          <p:cNvSpPr>
+            <a:spLocks noGrp="1"/>
+          </p:cNvSpPr>
+          <p:nvPr>
+            <p:ph type="sldNum" sz="quarter" idx="10"/>
+          </p:nvPr>
+        </p:nvSpPr>
+        <p:spPr/>
+        <p:txBody>
+          <a:bodyPr/>
+          <a:lstStyle/>
+          <a:p>
+            <a:fld id="{FCD2B16F-63B2-D64B-B195-E5161564762F}" type="slidenum">
+              <a:rPr lang="en-US" smtClean="0"/>
+              <a:t>23</a:t>
+            </a:fld>
+            <a:endParaRPr lang="en-US"/>
+          </a:p>
+        </p:txBody>
+      </p:sp>
+    </p:spTree>
+    <p:extLst>
+      <p:ext uri="{BB962C8B-B14F-4D97-AF65-F5344CB8AC3E}">
+        <p14:creationId xmlns:p14="http://schemas.microsoft.com/office/powerpoint/2010/main" val="141503251"/>
+      </p:ext>
+    </p:extLst>
+  </p:cSld>
+  <p:clrMapOvr>
+    <a:masterClrMapping/>
+  </p:clrMapOvr>
+</p:notes>
+</file>
+
+<file path=ppt/notesSlides/notesSlide3.xml><?xml version="1.0" encoding="utf-8"?>
+<p:notes xmlns:a="http://schemas.openxmlformats.org/drawingml/2006/main" xmlns:r="http://schemas.openxmlformats.org/officeDocument/2006/relationships" xmlns:p="http://schemas.openxmlformats.org/presentationml/2006/main">
+  <p:cSld>
+    <p:spTree>
+      <p:nvGrpSpPr>
+        <p:cNvPr id="1" name=""/>
+        <p:cNvGrpSpPr/>
+        <p:nvPr/>
+      </p:nvGrpSpPr>
+      <p:grpSpPr>
+        <a:xfrm>
+          <a:off x="0" y="0"/>
+          <a:ext cx="0" cy="0"/>
+          <a:chOff x="0" y="0"/>
+          <a:chExt cx="0" cy="0"/>
+        </a:xfrm>
+      </p:grpSpPr>
+      <p:sp>
+        <p:nvSpPr>
+          <p:cNvPr id="2" name="Slide Image Placeholder 1"/>
+          <p:cNvSpPr>
+            <a:spLocks noGrp="1" noRot="1" noChangeAspect="1"/>
+          </p:cNvSpPr>
+          <p:nvPr>
+            <p:ph type="sldImg"/>
+          </p:nvPr>
+        </p:nvSpPr>
+        <p:spPr/>
+      </p:sp>
+      <p:sp>
+        <p:nvSpPr>
+          <p:cNvPr id="3" name="Notes Placeholder 2"/>
+          <p:cNvSpPr>
+            <a:spLocks noGrp="1"/>
+          </p:cNvSpPr>
+          <p:nvPr>
+            <p:ph type="body" idx="1"/>
+          </p:nvPr>
+        </p:nvSpPr>
+        <p:spPr/>
+        <p:txBody>
+          <a:bodyPr/>
+          <a:lstStyle/>
+          <a:p>
+            <a:pPr marL="0" marR="0" indent="0" algn="l" defTabSz="914400" rtl="0" eaLnBrk="1" fontAlgn="auto" latinLnBrk="0" hangingPunct="1">
+              <a:lnSpc>
+                <a:spcPct val="100000"/>
+              </a:lnSpc>
+              <a:spcBef>
+                <a:spcPts val="0"/>
+              </a:spcBef>
+              <a:spcAft>
+                <a:spcPts val="0"/>
+              </a:spcAft>
+              <a:buClrTx/>
+              <a:buSzTx/>
+              <a:buFontTx/>
+              <a:buNone/>
+              <a:tabLst/>
+              <a:defRPr/>
+            </a:pPr>
+            <a:r>
+              <a:rPr lang="zh-CN" altLang="en-US" sz="1200" kern="1200" smtClean="0">
+                <a:solidFill>
+                  <a:schemeClr val="tx1"/>
+                </a:solidFill>
+                <a:effectLst/>
+                <a:latin typeface="+mn-lt"/>
+                <a:ea typeface="+mn-ea"/>
+                <a:cs typeface="+mn-cs"/>
+              </a:rPr>
+              <a:t>大多数</a:t>
+            </a:r>
+            <a:r>
+              <a:rPr lang="zh-CN" altLang="en-US" sz="1200" kern="1200" dirty="0" smtClean="0">
+                <a:solidFill>
+                  <a:schemeClr val="tx1"/>
+                </a:solidFill>
+                <a:effectLst/>
+                <a:latin typeface="+mn-lt"/>
+                <a:ea typeface="+mn-ea"/>
+                <a:cs typeface="+mn-cs"/>
+              </a:rPr>
+              <a:t>的训练模型都已经导向了正确的展示方式。为了对任意方向的图片作出最合适的处理，所以将图片的方向传递给处理方法。</a:t>
+            </a:r>
+          </a:p>
+          <a:p>
+            <a:endParaRPr lang="en-US" dirty="0"/>
+          </a:p>
+        </p:txBody>
+      </p:sp>
+      <p:sp>
+        <p:nvSpPr>
+          <p:cNvPr id="4" name="Slide Number Placeholder 3"/>
+          <p:cNvSpPr>
+            <a:spLocks noGrp="1"/>
+          </p:cNvSpPr>
+          <p:nvPr>
+            <p:ph type="sldNum" sz="quarter" idx="10"/>
+          </p:nvPr>
+        </p:nvSpPr>
+        <p:spPr/>
+        <p:txBody>
+          <a:bodyPr/>
+          <a:lstStyle/>
+          <a:p>
+            <a:fld id="{FCD2B16F-63B2-D64B-B195-E5161564762F}" type="slidenum">
+              <a:rPr lang="en-US" smtClean="0"/>
+              <a:t>24</a:t>
+            </a:fld>
+            <a:endParaRPr lang="en-US"/>
+          </a:p>
+        </p:txBody>
+      </p:sp>
+    </p:spTree>
+    <p:extLst>
+      <p:ext uri="{BB962C8B-B14F-4D97-AF65-F5344CB8AC3E}">
+        <p14:creationId xmlns:p14="http://schemas.microsoft.com/office/powerpoint/2010/main" val="89403839"/>
+      </p:ext>
+    </p:extLst>
+  </p:cSld>
+  <p:clrMapOvr>
+    <a:masterClrMapping/>
+  </p:clrMapOvr>
+</p:notes>
+</file>
+
 <file path=ppt/slideLayouts/slideLayout1.xml><?xml version="1.0" encoding="utf-8"?>
 <p:sldLayout xmlns:a="http://schemas.openxmlformats.org/drawingml/2006/main" xmlns:r="http://schemas.openxmlformats.org/officeDocument/2006/relationships" xmlns:p="http://schemas.openxmlformats.org/presentationml/2006/main" type="title" preserve="1">
   <p:cSld name="Title Slide">
@@ -625,7 +1119,7 @@
           <a:p>
             <a:fld id="{0453E19A-C280-FF4D-BC3F-DE628A190351}" type="datetimeFigureOut">
               <a:rPr lang="en-US" smtClean="0"/>
-              <a:t>5/2/18</a:t>
+              <a:t>5/3/18</a:t>
             </a:fld>
             <a:endParaRPr lang="en-US"/>
           </a:p>
@@ -790,7 +1284,7 @@
           <a:p>
             <a:fld id="{0453E19A-C280-FF4D-BC3F-DE628A190351}" type="datetimeFigureOut">
               <a:rPr lang="en-US" smtClean="0"/>
-              <a:t>5/2/18</a:t>
+              <a:t>5/3/18</a:t>
             </a:fld>
             <a:endParaRPr lang="en-US"/>
           </a:p>
@@ -965,7 +1459,7 @@
           <a:p>
             <a:fld id="{0453E19A-C280-FF4D-BC3F-DE628A190351}" type="datetimeFigureOut">
               <a:rPr lang="en-US" smtClean="0"/>
-              <a:t>5/2/18</a:t>
+              <a:t>5/3/18</a:t>
             </a:fld>
             <a:endParaRPr lang="en-US"/>
           </a:p>
@@ -1130,7 +1624,7 @@
           <a:p>
             <a:fld id="{0453E19A-C280-FF4D-BC3F-DE628A190351}" type="datetimeFigureOut">
               <a:rPr lang="en-US" smtClean="0"/>
-              <a:t>5/2/18</a:t>
+              <a:t>5/3/18</a:t>
             </a:fld>
             <a:endParaRPr lang="en-US"/>
           </a:p>
@@ -1371,7 +1865,7 @@
           <a:p>
             <a:fld id="{0453E19A-C280-FF4D-BC3F-DE628A190351}" type="datetimeFigureOut">
               <a:rPr lang="en-US" smtClean="0"/>
-              <a:t>5/2/18</a:t>
+              <a:t>5/3/18</a:t>
             </a:fld>
             <a:endParaRPr lang="en-US"/>
           </a:p>
@@ -1598,7 +2092,7 @@
           <a:p>
             <a:fld id="{0453E19A-C280-FF4D-BC3F-DE628A190351}" type="datetimeFigureOut">
               <a:rPr lang="en-US" smtClean="0"/>
-              <a:t>5/2/18</a:t>
+              <a:t>5/3/18</a:t>
             </a:fld>
             <a:endParaRPr lang="en-US"/>
           </a:p>
@@ -1960,7 +2454,7 @@
           <a:p>
             <a:fld id="{0453E19A-C280-FF4D-BC3F-DE628A190351}" type="datetimeFigureOut">
               <a:rPr lang="en-US" smtClean="0"/>
-              <a:t>5/2/18</a:t>
+              <a:t>5/3/18</a:t>
             </a:fld>
             <a:endParaRPr lang="en-US"/>
           </a:p>
@@ -2073,7 +2567,7 @@
           <a:p>
             <a:fld id="{0453E19A-C280-FF4D-BC3F-DE628A190351}" type="datetimeFigureOut">
               <a:rPr lang="en-US" smtClean="0"/>
-              <a:t>5/2/18</a:t>
+              <a:t>5/3/18</a:t>
             </a:fld>
             <a:endParaRPr lang="en-US"/>
           </a:p>
@@ -2163,7 +2657,7 @@
           <a:p>
             <a:fld id="{0453E19A-C280-FF4D-BC3F-DE628A190351}" type="datetimeFigureOut">
               <a:rPr lang="en-US" smtClean="0"/>
-              <a:t>5/2/18</a:t>
+              <a:t>5/3/18</a:t>
             </a:fld>
             <a:endParaRPr lang="en-US"/>
           </a:p>
@@ -2435,7 +2929,7 @@
           <a:p>
             <a:fld id="{0453E19A-C280-FF4D-BC3F-DE628A190351}" type="datetimeFigureOut">
               <a:rPr lang="en-US" smtClean="0"/>
-              <a:t>5/2/18</a:t>
+              <a:t>5/3/18</a:t>
             </a:fld>
             <a:endParaRPr lang="en-US"/>
           </a:p>
@@ -2687,7 +3181,7 @@
           <a:p>
             <a:fld id="{0453E19A-C280-FF4D-BC3F-DE628A190351}" type="datetimeFigureOut">
               <a:rPr lang="en-US" smtClean="0"/>
-              <a:t>5/2/18</a:t>
+              <a:t>5/3/18</a:t>
             </a:fld>
             <a:endParaRPr lang="en-US"/>
           </a:p>
@@ -2895,7 +3389,7 @@
           <a:p>
             <a:fld id="{0453E19A-C280-FF4D-BC3F-DE628A190351}" type="datetimeFigureOut">
               <a:rPr lang="en-US" smtClean="0"/>
-              <a:t>5/2/18</a:t>
+              <a:t>5/3/18</a:t>
             </a:fld>
             <a:endParaRPr lang="en-US"/>
           </a:p>
@@ -6996,10 +7490,297 @@
           </a:p>
         </p:txBody>
       </p:sp>
+      <p:sp>
+        <p:nvSpPr>
+          <p:cNvPr id="3" name="TextBox 2"/>
+          <p:cNvSpPr txBox="1"/>
+          <p:nvPr/>
+        </p:nvSpPr>
+        <p:spPr>
+          <a:xfrm>
+            <a:off x="540000" y="1237957"/>
+            <a:ext cx="7311810" cy="646331"/>
+          </a:xfrm>
+          <a:prstGeom prst="rect">
+            <a:avLst/>
+          </a:prstGeom>
+          <a:noFill/>
+        </p:spPr>
+        <p:txBody>
+          <a:bodyPr wrap="none" rtlCol="0">
+            <a:spAutoFit/>
+          </a:bodyPr>
+          <a:lstStyle/>
+          <a:p>
+            <a:r>
+              <a:rPr lang="en-US" altLang="zh-CN" dirty="0"/>
+              <a:t>Core ML</a:t>
+            </a:r>
+            <a:r>
+              <a:rPr lang="zh-CN" altLang="en-US" dirty="0"/>
+              <a:t>框架可以利用训练好的模型对输入的数据进行分类处理</a:t>
+            </a:r>
+            <a:r>
+              <a:rPr lang="zh-CN" altLang="en-US" dirty="0" smtClean="0"/>
+              <a:t>。</a:t>
+            </a:r>
+            <a:endParaRPr lang="en-US" altLang="zh-CN" dirty="0" smtClean="0"/>
+          </a:p>
+          <a:p>
+            <a:r>
+              <a:rPr lang="en-US" altLang="zh-CN" dirty="0" smtClean="0"/>
+              <a:t>Vision</a:t>
+            </a:r>
+            <a:r>
+              <a:rPr lang="zh-CN" altLang="en-US" dirty="0"/>
+              <a:t>框架结合</a:t>
+            </a:r>
+            <a:r>
+              <a:rPr lang="en-US" altLang="zh-CN" dirty="0"/>
+              <a:t>Core ML</a:t>
+            </a:r>
+            <a:r>
+              <a:rPr lang="zh-CN" altLang="en-US" dirty="0"/>
+              <a:t>则使图像分析以及机器学习变得更加简单可靠</a:t>
+            </a:r>
+            <a:r>
+              <a:rPr lang="zh-CN" altLang="en-US" dirty="0" smtClean="0"/>
+              <a:t>。</a:t>
+            </a:r>
+            <a:endParaRPr lang="zh-CN" altLang="en-US" dirty="0"/>
+          </a:p>
+        </p:txBody>
+      </p:sp>
+      <p:pic>
+        <p:nvPicPr>
+          <p:cNvPr id="5" name="Picture 4"/>
+          <p:cNvPicPr>
+            <a:picLocks noChangeAspect="1"/>
+          </p:cNvPicPr>
+          <p:nvPr/>
+        </p:nvPicPr>
+        <p:blipFill>
+          <a:blip r:embed="rId3"/>
+          <a:stretch>
+            <a:fillRect/>
+          </a:stretch>
+        </p:blipFill>
+        <p:spPr>
+          <a:xfrm>
+            <a:off x="540000" y="2658794"/>
+            <a:ext cx="11023644" cy="3279762"/>
+          </a:xfrm>
+          <a:prstGeom prst="rect">
+            <a:avLst/>
+          </a:prstGeom>
+        </p:spPr>
+      </p:pic>
     </p:spTree>
     <p:extLst>
       <p:ext uri="{BB962C8B-B14F-4D97-AF65-F5344CB8AC3E}">
         <p14:creationId xmlns:p14="http://schemas.microsoft.com/office/powerpoint/2010/main" val="1638548768"/>
+      </p:ext>
+    </p:extLst>
+  </p:cSld>
+  <p:clrMapOvr>
+    <a:masterClrMapping/>
+  </p:clrMapOvr>
+  <p:timing>
+    <p:tnLst>
+      <p:par>
+        <p:cTn id="1" dur="indefinite" restart="never" nodeType="tmRoot"/>
+      </p:par>
+    </p:tnLst>
+  </p:timing>
+</p:sld>
+</file>
+
+<file path=ppt/slides/slide23.xml><?xml version="1.0" encoding="utf-8"?>
+<p:sld xmlns:a="http://schemas.openxmlformats.org/drawingml/2006/main" xmlns:r="http://schemas.openxmlformats.org/officeDocument/2006/relationships" xmlns:p="http://schemas.openxmlformats.org/presentationml/2006/main">
+  <p:cSld>
+    <p:spTree>
+      <p:nvGrpSpPr>
+        <p:cNvPr id="1" name=""/>
+        <p:cNvGrpSpPr/>
+        <p:nvPr/>
+      </p:nvGrpSpPr>
+      <p:grpSpPr>
+        <a:xfrm>
+          <a:off x="0" y="0"/>
+          <a:ext cx="0" cy="0"/>
+          <a:chOff x="0" y="0"/>
+          <a:chExt cx="0" cy="0"/>
+        </a:xfrm>
+      </p:grpSpPr>
+      <p:sp>
+        <p:nvSpPr>
+          <p:cNvPr id="2" name="TextBox 1"/>
+          <p:cNvSpPr txBox="1"/>
+          <p:nvPr/>
+        </p:nvSpPr>
+        <p:spPr>
+          <a:xfrm>
+            <a:off x="540000" y="540000"/>
+            <a:ext cx="2021707" cy="553998"/>
+          </a:xfrm>
+          <a:prstGeom prst="rect">
+            <a:avLst/>
+          </a:prstGeom>
+          <a:noFill/>
+        </p:spPr>
+        <p:txBody>
+          <a:bodyPr wrap="none" rtlCol="0">
+            <a:spAutoFit/>
+          </a:bodyPr>
+          <a:lstStyle/>
+          <a:p>
+            <a:r>
+              <a:rPr lang="en-US" altLang="zh-CN" sz="3000" b="1" dirty="0" smtClean="0">
+                <a:latin typeface="Helvetica Bold" charset="0"/>
+              </a:rPr>
+              <a:t>Demo</a:t>
+            </a:r>
+            <a:r>
+              <a:rPr lang="zh-CN" altLang="en-US" sz="3000" b="1" dirty="0" smtClean="0">
+                <a:latin typeface="Helvetica Bold" charset="0"/>
+              </a:rPr>
+              <a:t>说明</a:t>
+            </a:r>
+            <a:endParaRPr lang="en-US" altLang="zh-CN" sz="3000" b="1" dirty="0" smtClean="0">
+              <a:latin typeface="Helvetica Bold" charset="0"/>
+            </a:endParaRPr>
+          </a:p>
+        </p:txBody>
+      </p:sp>
+      <p:pic>
+        <p:nvPicPr>
+          <p:cNvPr id="4" name="Picture 3"/>
+          <p:cNvPicPr>
+            <a:picLocks noChangeAspect="1"/>
+          </p:cNvPicPr>
+          <p:nvPr/>
+        </p:nvPicPr>
+        <p:blipFill>
+          <a:blip r:embed="rId3"/>
+          <a:stretch>
+            <a:fillRect/>
+          </a:stretch>
+        </p:blipFill>
+        <p:spPr>
+          <a:xfrm>
+            <a:off x="540000" y="2462823"/>
+            <a:ext cx="11076204" cy="2249854"/>
+          </a:xfrm>
+          <a:prstGeom prst="rect">
+            <a:avLst/>
+          </a:prstGeom>
+        </p:spPr>
+      </p:pic>
+    </p:spTree>
+    <p:extLst>
+      <p:ext uri="{BB962C8B-B14F-4D97-AF65-F5344CB8AC3E}">
+        <p14:creationId xmlns:p14="http://schemas.microsoft.com/office/powerpoint/2010/main" val="1830742381"/>
+      </p:ext>
+    </p:extLst>
+  </p:cSld>
+  <p:clrMapOvr>
+    <a:masterClrMapping/>
+  </p:clrMapOvr>
+  <p:timing>
+    <p:tnLst>
+      <p:par>
+        <p:cTn id="1" dur="indefinite" restart="never" nodeType="tmRoot"/>
+      </p:par>
+    </p:tnLst>
+  </p:timing>
+</p:sld>
+</file>
+
+<file path=ppt/slides/slide24.xml><?xml version="1.0" encoding="utf-8"?>
+<p:sld xmlns:a="http://schemas.openxmlformats.org/drawingml/2006/main" xmlns:r="http://schemas.openxmlformats.org/officeDocument/2006/relationships" xmlns:p="http://schemas.openxmlformats.org/presentationml/2006/main">
+  <p:cSld>
+    <p:spTree>
+      <p:nvGrpSpPr>
+        <p:cNvPr id="1" name=""/>
+        <p:cNvGrpSpPr/>
+        <p:nvPr/>
+      </p:nvGrpSpPr>
+      <p:grpSpPr>
+        <a:xfrm>
+          <a:off x="0" y="0"/>
+          <a:ext cx="0" cy="0"/>
+          <a:chOff x="0" y="0"/>
+          <a:chExt cx="0" cy="0"/>
+        </a:xfrm>
+      </p:grpSpPr>
+      <p:sp>
+        <p:nvSpPr>
+          <p:cNvPr id="2" name="TextBox 1"/>
+          <p:cNvSpPr txBox="1"/>
+          <p:nvPr/>
+        </p:nvSpPr>
+        <p:spPr>
+          <a:xfrm>
+            <a:off x="540000" y="540000"/>
+            <a:ext cx="2021707" cy="553998"/>
+          </a:xfrm>
+          <a:prstGeom prst="rect">
+            <a:avLst/>
+          </a:prstGeom>
+          <a:noFill/>
+        </p:spPr>
+        <p:txBody>
+          <a:bodyPr wrap="none" rtlCol="0">
+            <a:spAutoFit/>
+          </a:bodyPr>
+          <a:lstStyle/>
+          <a:p>
+            <a:r>
+              <a:rPr lang="en-US" altLang="zh-CN" sz="3000" b="1" dirty="0" smtClean="0">
+                <a:latin typeface="Helvetica Bold" charset="0"/>
+              </a:rPr>
+              <a:t>Demo</a:t>
+            </a:r>
+            <a:r>
+              <a:rPr lang="zh-CN" altLang="en-US" sz="3000" b="1" dirty="0" smtClean="0">
+                <a:latin typeface="Helvetica Bold" charset="0"/>
+              </a:rPr>
+              <a:t>说明</a:t>
+            </a:r>
+            <a:endParaRPr lang="en-US" altLang="zh-CN" sz="3000" b="1" dirty="0" smtClean="0">
+              <a:latin typeface="Helvetica Bold" charset="0"/>
+            </a:endParaRPr>
+          </a:p>
+        </p:txBody>
+      </p:sp>
+      <p:pic>
+        <p:nvPicPr>
+          <p:cNvPr id="3" name="Picture 2"/>
+          <p:cNvPicPr>
+            <a:picLocks noChangeAspect="1"/>
+          </p:cNvPicPr>
+          <p:nvPr/>
+        </p:nvPicPr>
+        <p:blipFill>
+          <a:blip r:embed="rId3"/>
+          <a:stretch>
+            <a:fillRect/>
+          </a:stretch>
+        </p:blipFill>
+        <p:spPr>
+          <a:xfrm>
+            <a:off x="0" y="2519410"/>
+            <a:ext cx="12192000" cy="1959858"/>
+          </a:xfrm>
+          <a:prstGeom prst="rect">
+            <a:avLst/>
+          </a:prstGeom>
+        </p:spPr>
+      </p:pic>
+    </p:spTree>
+    <p:extLst>
+      <p:ext uri="{BB962C8B-B14F-4D97-AF65-F5344CB8AC3E}">
+        <p14:creationId xmlns:p14="http://schemas.microsoft.com/office/powerpoint/2010/main" val="1370244781"/>
       </p:ext>
     </p:extLst>
   </p:cSld>

--- a/Swift/CoreMLResearching/CoreML.pptx
+++ b/Swift/CoreMLResearching/CoreML.pptx
@@ -5,10 +5,10 @@
     <p:sldMasterId id="2147483648" r:id="rId1"/>
   </p:sldMasterIdLst>
   <p:notesMasterIdLst>
-    <p:notesMasterId r:id="rId32"/>
+    <p:notesMasterId r:id="rId39"/>
   </p:notesMasterIdLst>
   <p:handoutMasterIdLst>
-    <p:handoutMasterId r:id="rId33"/>
+    <p:handoutMasterId r:id="rId40"/>
   </p:handoutMasterIdLst>
   <p:sldIdLst>
     <p:sldId id="256" r:id="rId2"/>
@@ -40,7 +40,14 @@
     <p:sldId id="736" r:id="rId28"/>
     <p:sldId id="737" r:id="rId29"/>
     <p:sldId id="738" r:id="rId30"/>
-    <p:sldId id="259" r:id="rId31"/>
+    <p:sldId id="739" r:id="rId31"/>
+    <p:sldId id="740" r:id="rId32"/>
+    <p:sldId id="741" r:id="rId33"/>
+    <p:sldId id="742" r:id="rId34"/>
+    <p:sldId id="743" r:id="rId35"/>
+    <p:sldId id="744" r:id="rId36"/>
+    <p:sldId id="745" r:id="rId37"/>
+    <p:sldId id="259" r:id="rId38"/>
   </p:sldIdLst>
   <p:sldSz cx="12192000" cy="6858000"/>
   <p:notesSz cx="6858000" cy="9144000"/>
@@ -243,7 +250,7 @@
           <a:p>
             <a:fld id="{22E1EF51-D93F-4A6A-9F8B-BCD099D0B310}" type="datetimeFigureOut">
               <a:rPr lang="en-US" smtClean="0"/>
-              <a:t>5/7/18</a:t>
+              <a:t>5/14/18</a:t>
             </a:fld>
             <a:endParaRPr lang="en-US"/>
           </a:p>
@@ -415,7 +422,7 @@
             <a:fld id="{8B3CEE0A-F1CE-40F0-A34E-D4B8C872951B}" type="datetimeFigureOut">
               <a:rPr lang="zh-CN" altLang="en-US" smtClean="0"/>
               <a:pPr/>
-              <a:t>2018/5/7</a:t>
+              <a:t>2018/5/14</a:t>
             </a:fld>
             <a:endParaRPr lang="zh-CN" altLang="en-US"/>
           </a:p>
@@ -859,6 +866,98 @@
 </p:notes>
 </file>
 
+<file path=ppt/notesSlides/notesSlide3.xml><?xml version="1.0" encoding="utf-8"?>
+<p:notes xmlns:a="http://schemas.openxmlformats.org/drawingml/2006/main" xmlns:r="http://schemas.openxmlformats.org/officeDocument/2006/relationships" xmlns:p="http://schemas.openxmlformats.org/presentationml/2006/main">
+  <p:cSld>
+    <p:spTree>
+      <p:nvGrpSpPr>
+        <p:cNvPr id="1" name=""/>
+        <p:cNvGrpSpPr/>
+        <p:nvPr/>
+      </p:nvGrpSpPr>
+      <p:grpSpPr>
+        <a:xfrm>
+          <a:off x="0" y="0"/>
+          <a:ext cx="0" cy="0"/>
+          <a:chOff x="0" y="0"/>
+          <a:chExt cx="0" cy="0"/>
+        </a:xfrm>
+      </p:grpSpPr>
+      <p:sp>
+        <p:nvSpPr>
+          <p:cNvPr id="2" name="Slide Image Placeholder 1"/>
+          <p:cNvSpPr>
+            <a:spLocks noGrp="1" noRot="1" noChangeAspect="1"/>
+          </p:cNvSpPr>
+          <p:nvPr>
+            <p:ph type="sldImg"/>
+          </p:nvPr>
+        </p:nvSpPr>
+        <p:spPr/>
+      </p:sp>
+      <p:sp>
+        <p:nvSpPr>
+          <p:cNvPr id="3" name="Notes Placeholder 2"/>
+          <p:cNvSpPr>
+            <a:spLocks noGrp="1"/>
+          </p:cNvSpPr>
+          <p:nvPr>
+            <p:ph type="body" idx="1"/>
+          </p:nvPr>
+        </p:nvSpPr>
+        <p:spPr/>
+        <p:txBody>
+          <a:bodyPr/>
+          <a:lstStyle/>
+          <a:p>
+            <a:r>
+              <a:rPr lang="zh-CN" altLang="en-US" dirty="0" smtClean="0"/>
+              <a:t>该方法会将照片中所有人脸都提取出来，所以在训练模型前，一定要检查输入源</a:t>
+            </a:r>
+            <a:endParaRPr lang="en-US" altLang="zh-CN" dirty="0" smtClean="0"/>
+          </a:p>
+          <a:p>
+            <a:endParaRPr lang="en-US" dirty="0"/>
+          </a:p>
+        </p:txBody>
+      </p:sp>
+      <p:sp>
+        <p:nvSpPr>
+          <p:cNvPr id="4" name="Slide Number Placeholder 3"/>
+          <p:cNvSpPr>
+            <a:spLocks noGrp="1"/>
+          </p:cNvSpPr>
+          <p:nvPr>
+            <p:ph type="sldNum" sz="quarter" idx="10"/>
+          </p:nvPr>
+        </p:nvSpPr>
+        <p:spPr/>
+        <p:txBody>
+          <a:bodyPr/>
+          <a:lstStyle/>
+          <a:p>
+            <a:fld id="{847BE505-FF90-4460-BEBF-A3C15F034D8B}" type="slidenum">
+              <a:rPr lang="zh-CN" altLang="en-US" smtClean="0"/>
+              <a:pPr/>
+              <a:t>33</a:t>
+            </a:fld>
+            <a:endParaRPr lang="zh-CN" altLang="en-US"/>
+          </a:p>
+        </p:txBody>
+      </p:sp>
+    </p:spTree>
+    <p:extLst>
+      <p:ext uri="{BB962C8B-B14F-4D97-AF65-F5344CB8AC3E}">
+        <p14:creationId xmlns:p14="http://schemas.microsoft.com/office/powerpoint/2010/main" val="1290299574"/>
+      </p:ext>
+    </p:extLst>
+  </p:cSld>
+  <p:clrMapOvr>
+    <a:masterClrMapping/>
+  </p:clrMapOvr>
+</p:notes>
+</file>
+
 <file path=ppt/slideLayouts/slideLayout1.xml><?xml version="1.0" encoding="utf-8"?>
 <p:sldLayout xmlns:a="http://schemas.openxmlformats.org/drawingml/2006/main" xmlns:r="http://schemas.openxmlformats.org/officeDocument/2006/relationships" xmlns:p="http://schemas.openxmlformats.org/presentationml/2006/main" preserve="1" userDrawn="1">
   <p:cSld name="标题幻灯片">
@@ -894,7 +993,7 @@
             <a:fld id="{77ECB67A-7454-4D16-B449-CD763395622D}" type="datetimeFigureOut">
               <a:rPr lang="zh-CN" altLang="en-US" smtClean="0"/>
               <a:pPr/>
-              <a:t>2018/5/7</a:t>
+              <a:t>2018/5/14</a:t>
             </a:fld>
             <a:endParaRPr lang="zh-CN" altLang="en-US"/>
           </a:p>
@@ -1539,7 +1638,7 @@
             <a:fld id="{77ECB67A-7454-4D16-B449-CD763395622D}" type="datetimeFigureOut">
               <a:rPr lang="zh-CN" altLang="en-US" smtClean="0"/>
               <a:pPr/>
-              <a:t>2018/5/7</a:t>
+              <a:t>2018/5/14</a:t>
             </a:fld>
             <a:endParaRPr lang="zh-CN" altLang="en-US"/>
           </a:p>
@@ -1721,7 +1820,7 @@
             <a:fld id="{77ECB67A-7454-4D16-B449-CD763395622D}" type="datetimeFigureOut">
               <a:rPr lang="zh-CN" altLang="en-US" smtClean="0"/>
               <a:pPr/>
-              <a:t>2018/5/7</a:t>
+              <a:t>2018/5/14</a:t>
             </a:fld>
             <a:endParaRPr lang="zh-CN" altLang="en-US"/>
           </a:p>
@@ -1830,7 +1929,7 @@
             <a:fld id="{02B9EC9F-2977-461B-B7FE-63E63AF8C83D}" type="datetimeFigureOut">
               <a:rPr lang="zh-CN" altLang="en-US" smtClean="0"/>
               <a:pPr/>
-              <a:t>2018/5/7</a:t>
+              <a:t>2018/5/14</a:t>
             </a:fld>
             <a:endParaRPr lang="zh-CN" altLang="en-US"/>
           </a:p>
@@ -2341,7 +2440,7 @@
             <a:fld id="{77ECB67A-7454-4D16-B449-CD763395622D}" type="datetimeFigureOut">
               <a:rPr lang="zh-CN" altLang="en-US" smtClean="0"/>
               <a:pPr/>
-              <a:t>2018/5/7</a:t>
+              <a:t>2018/5/14</a:t>
             </a:fld>
             <a:endParaRPr lang="zh-CN" altLang="en-US" dirty="0"/>
           </a:p>
@@ -2831,7 +2930,7 @@
             <a:fld id="{77ECB67A-7454-4D16-B449-CD763395622D}" type="datetimeFigureOut">
               <a:rPr lang="zh-CN" altLang="en-US" smtClean="0"/>
               <a:pPr/>
-              <a:t>2018/5/7</a:t>
+              <a:t>2018/5/14</a:t>
             </a:fld>
             <a:endParaRPr lang="zh-CN" altLang="en-US"/>
           </a:p>
@@ -3079,7 +3178,7 @@
             <a:fld id="{77ECB67A-7454-4D16-B449-CD763395622D}" type="datetimeFigureOut">
               <a:rPr lang="zh-CN" altLang="en-US" smtClean="0"/>
               <a:pPr/>
-              <a:t>2018/5/7</a:t>
+              <a:t>2018/5/14</a:t>
             </a:fld>
             <a:endParaRPr lang="zh-CN" altLang="en-US"/>
           </a:p>
@@ -3448,7 +3547,7 @@
             <a:fld id="{77ECB67A-7454-4D16-B449-CD763395622D}" type="datetimeFigureOut">
               <a:rPr lang="zh-CN" altLang="en-US" smtClean="0"/>
               <a:pPr/>
-              <a:t>2018/5/7</a:t>
+              <a:t>2018/5/14</a:t>
             </a:fld>
             <a:endParaRPr lang="zh-CN" altLang="en-US"/>
           </a:p>
@@ -3568,7 +3667,7 @@
             <a:fld id="{77ECB67A-7454-4D16-B449-CD763395622D}" type="datetimeFigureOut">
               <a:rPr lang="zh-CN" altLang="en-US" smtClean="0"/>
               <a:pPr/>
-              <a:t>2018/5/7</a:t>
+              <a:t>2018/5/14</a:t>
             </a:fld>
             <a:endParaRPr lang="zh-CN" altLang="en-US"/>
           </a:p>
@@ -3665,7 +3764,7 @@
             <a:fld id="{77ECB67A-7454-4D16-B449-CD763395622D}" type="datetimeFigureOut">
               <a:rPr lang="zh-CN" altLang="en-US" smtClean="0"/>
               <a:pPr/>
-              <a:t>2018/5/7</a:t>
+              <a:t>2018/5/14</a:t>
             </a:fld>
             <a:endParaRPr lang="zh-CN" altLang="en-US"/>
           </a:p>
@@ -3944,7 +4043,7 @@
             <a:fld id="{77ECB67A-7454-4D16-B449-CD763395622D}" type="datetimeFigureOut">
               <a:rPr lang="zh-CN" altLang="en-US" smtClean="0"/>
               <a:pPr/>
-              <a:t>2018/5/7</a:t>
+              <a:t>2018/5/14</a:t>
             </a:fld>
             <a:endParaRPr lang="zh-CN" altLang="en-US"/>
           </a:p>
@@ -4203,7 +4302,7 @@
             <a:fld id="{77ECB67A-7454-4D16-B449-CD763395622D}" type="datetimeFigureOut">
               <a:rPr lang="zh-CN" altLang="en-US" smtClean="0"/>
               <a:pPr/>
-              <a:t>2018/5/7</a:t>
+              <a:t>2018/5/14</a:t>
             </a:fld>
             <a:endParaRPr lang="zh-CN" altLang="en-US"/>
           </a:p>
@@ -4418,7 +4517,7 @@
             <a:fld id="{77ECB67A-7454-4D16-B449-CD763395622D}" type="datetimeFigureOut">
               <a:rPr lang="zh-CN" altLang="en-US" smtClean="0"/>
               <a:pPr/>
-              <a:t>2018/5/7</a:t>
+              <a:t>2018/5/14</a:t>
             </a:fld>
             <a:endParaRPr lang="zh-CN" altLang="en-US"/>
           </a:p>
@@ -4938,14 +5037,7 @@
                 <a:latin typeface="微软雅黑" pitchFamily="34" charset="-122"/>
                 <a:ea typeface="微软雅黑" pitchFamily="34" charset="-122"/>
               </a:rPr>
-              <a:t>讲师姓名</a:t>
-            </a:r>
-            <a:r>
-              <a:rPr lang="zh-CN" altLang="en-US" sz="1600" b="1" dirty="0" smtClean="0">
-                <a:latin typeface="微软雅黑" pitchFamily="34" charset="-122"/>
-                <a:ea typeface="微软雅黑" pitchFamily="34" charset="-122"/>
-              </a:rPr>
-              <a:t>：关义</a:t>
+              <a:t>讲师姓名：关义</a:t>
             </a:r>
             <a:endParaRPr lang="en-US" altLang="zh-CN" sz="1600" b="1" dirty="0" smtClean="0">
               <a:latin typeface="微软雅黑" pitchFamily="34" charset="-122"/>
@@ -4966,14 +5058,7 @@
                 <a:latin typeface="微软雅黑" pitchFamily="34" charset="-122"/>
                 <a:ea typeface="微软雅黑" pitchFamily="34" charset="-122"/>
               </a:rPr>
-              <a:t>于职能部门</a:t>
-            </a:r>
-            <a:r>
-              <a:rPr lang="zh-CN" altLang="en-US" sz="1600" b="1" dirty="0" smtClean="0">
-                <a:latin typeface="微软雅黑" pitchFamily="34" charset="-122"/>
-                <a:ea typeface="微软雅黑" pitchFamily="34" charset="-122"/>
-              </a:rPr>
-              <a:t>：</a:t>
+              <a:t>于职能部门：</a:t>
             </a:r>
             <a:r>
               <a:rPr lang="en-US" altLang="zh-CN" sz="1600" b="1" dirty="0" smtClean="0">
@@ -5748,7 +5833,7 @@
           <a:p>
             <a:r>
               <a:rPr lang="zh-CN" altLang="en-US" dirty="0" smtClean="0"/>
-              <a:t>模型的使用</a:t>
+              <a:t>模型的种类</a:t>
             </a:r>
             <a:endParaRPr lang="zh-CN" altLang="en-US" dirty="0"/>
           </a:p>
@@ -5801,7 +5886,7 @@
           <a:p>
             <a:r>
               <a:rPr lang="zh-CN" altLang="en-US" dirty="0" smtClean="0"/>
-              <a:t>模型的使用</a:t>
+              <a:t>模型的种类</a:t>
             </a:r>
             <a:endParaRPr lang="zh-CN" altLang="en-US" dirty="0"/>
           </a:p>
@@ -6918,8 +7003,16 @@
           <a:lstStyle/>
           <a:p>
             <a:r>
-              <a:rPr lang="en-US" altLang="zh-CN" dirty="0" err="1" smtClean="0"/>
-              <a:t>CoreML</a:t>
+              <a:rPr lang="en-US" altLang="zh-CN" dirty="0" smtClean="0"/>
+              <a:t>Core</a:t>
+            </a:r>
+            <a:r>
+              <a:rPr lang="zh-CN" altLang="en-US" dirty="0" smtClean="0"/>
+              <a:t> </a:t>
+            </a:r>
+            <a:r>
+              <a:rPr lang="en-US" altLang="zh-CN" dirty="0" smtClean="0"/>
+              <a:t>ML</a:t>
             </a:r>
             <a:endParaRPr lang="zh-CN" altLang="en-US" dirty="0"/>
           </a:p>
@@ -7152,7 +7245,7 @@
           <a:p>
             <a:pPr algn="ctr"/>
             <a:r>
-              <a:rPr lang="en-US" altLang="zh-CN" dirty="0" smtClean="0">
+              <a:rPr lang="en-US" altLang="zh-CN" dirty="0">
                 <a:solidFill>
                   <a:sysClr val="windowText" lastClr="000000"/>
                 </a:solidFill>
@@ -7160,7 +7253,7 @@
               <a:t>Natural</a:t>
             </a:r>
             <a:r>
-              <a:rPr lang="zh-CN" altLang="en-US" dirty="0" smtClean="0">
+              <a:rPr lang="zh-CN" altLang="en-US" dirty="0">
                 <a:solidFill>
                   <a:sysClr val="windowText" lastClr="000000"/>
                 </a:solidFill>
@@ -7290,7 +7383,7 @@
         </p:nvSpPr>
         <p:spPr>
           <a:xfrm>
-            <a:off x="2666570" y="4648092"/>
+            <a:off x="2666570" y="4688858"/>
             <a:ext cx="2810107" cy="780586"/>
           </a:xfrm>
           <a:prstGeom prst="roundRect">
@@ -8099,11 +8192,7 @@
           <a:p>
             <a:r>
               <a:rPr lang="zh-CN" altLang="en-US" dirty="0" smtClean="0"/>
-              <a:t>今天，我们一起学习</a:t>
-            </a:r>
-            <a:r>
-              <a:rPr lang="zh-CN" altLang="en-US" dirty="0" smtClean="0"/>
-              <a:t>：</a:t>
+              <a:t>今天，我们一起学习：</a:t>
             </a:r>
             <a:r>
               <a:rPr lang="en-US" altLang="zh-CN" dirty="0" smtClean="0"/>
@@ -8158,11 +8247,7 @@
             </a:pPr>
             <a:r>
               <a:rPr lang="zh-CN" altLang="en-US" b="1" dirty="0" smtClean="0"/>
-              <a:t>目标</a:t>
-            </a:r>
-            <a:r>
-              <a:rPr lang="zh-CN" altLang="en-US" b="1" dirty="0" smtClean="0"/>
-              <a:t>：学习</a:t>
+              <a:t>目标：学习</a:t>
             </a:r>
             <a:r>
               <a:rPr lang="en-US" altLang="zh-CN" b="1" dirty="0" err="1" smtClean="0"/>
@@ -9304,6 +9389,926 @@
 </file>
 
 <file path=ppt/slides/slide30.xml><?xml version="1.0" encoding="utf-8"?>
+<p:sld xmlns:a="http://schemas.openxmlformats.org/drawingml/2006/main" xmlns:r="http://schemas.openxmlformats.org/officeDocument/2006/relationships" xmlns:p="http://schemas.openxmlformats.org/presentationml/2006/main">
+  <p:cSld>
+    <p:spTree>
+      <p:nvGrpSpPr>
+        <p:cNvPr id="1" name=""/>
+        <p:cNvGrpSpPr/>
+        <p:nvPr/>
+      </p:nvGrpSpPr>
+      <p:grpSpPr>
+        <a:xfrm>
+          <a:off x="0" y="0"/>
+          <a:ext cx="0" cy="0"/>
+          <a:chOff x="0" y="0"/>
+          <a:chExt cx="0" cy="0"/>
+        </a:xfrm>
+      </p:grpSpPr>
+      <p:sp>
+        <p:nvSpPr>
+          <p:cNvPr id="4" name="文本占位符 3"/>
+          <p:cNvSpPr>
+            <a:spLocks noGrp="1"/>
+          </p:cNvSpPr>
+          <p:nvPr>
+            <p:ph type="body" idx="1"/>
+          </p:nvPr>
+        </p:nvSpPr>
+        <p:spPr/>
+        <p:txBody>
+          <a:bodyPr/>
+          <a:lstStyle/>
+          <a:p>
+            <a:r>
+              <a:rPr lang="en-US" altLang="zh-CN" dirty="0" err="1" smtClean="0"/>
+              <a:t>Faceswap</a:t>
+            </a:r>
+            <a:endParaRPr lang="zh-CN" altLang="en-US" dirty="0"/>
+          </a:p>
+        </p:txBody>
+      </p:sp>
+    </p:spTree>
+    <p:extLst>
+      <p:ext uri="{BB962C8B-B14F-4D97-AF65-F5344CB8AC3E}">
+        <p14:creationId xmlns:p14="http://schemas.microsoft.com/office/powerpoint/2010/main" val="1996159210"/>
+      </p:ext>
+    </p:extLst>
+  </p:cSld>
+  <p:clrMapOvr>
+    <a:masterClrMapping/>
+  </p:clrMapOvr>
+</p:sld>
+</file>
+
+<file path=ppt/slides/slide31.xml><?xml version="1.0" encoding="utf-8"?>
+<p:sld xmlns:a="http://schemas.openxmlformats.org/drawingml/2006/main" xmlns:r="http://schemas.openxmlformats.org/officeDocument/2006/relationships" xmlns:p="http://schemas.openxmlformats.org/presentationml/2006/main">
+  <p:cSld>
+    <p:spTree>
+      <p:nvGrpSpPr>
+        <p:cNvPr id="1" name=""/>
+        <p:cNvGrpSpPr/>
+        <p:nvPr/>
+      </p:nvGrpSpPr>
+      <p:grpSpPr>
+        <a:xfrm>
+          <a:off x="0" y="0"/>
+          <a:ext cx="0" cy="0"/>
+          <a:chOff x="0" y="0"/>
+          <a:chExt cx="0" cy="0"/>
+        </a:xfrm>
+      </p:grpSpPr>
+      <p:sp>
+        <p:nvSpPr>
+          <p:cNvPr id="2" name="标题 1"/>
+          <p:cNvSpPr>
+            <a:spLocks noGrp="1"/>
+          </p:cNvSpPr>
+          <p:nvPr>
+            <p:ph type="title"/>
+          </p:nvPr>
+        </p:nvSpPr>
+        <p:spPr/>
+        <p:txBody>
+          <a:bodyPr/>
+          <a:lstStyle/>
+          <a:p>
+            <a:r>
+              <a:rPr lang="zh-CN" altLang="en-US" dirty="0" smtClean="0"/>
+              <a:t>安装</a:t>
+            </a:r>
+            <a:endParaRPr lang="zh-CN" altLang="en-US" dirty="0"/>
+          </a:p>
+        </p:txBody>
+      </p:sp>
+      <p:sp>
+        <p:nvSpPr>
+          <p:cNvPr id="5" name="TextBox 4"/>
+          <p:cNvSpPr txBox="1"/>
+          <p:nvPr/>
+        </p:nvSpPr>
+        <p:spPr>
+          <a:xfrm>
+            <a:off x="326599" y="1125718"/>
+            <a:ext cx="5306581" cy="369332"/>
+          </a:xfrm>
+          <a:prstGeom prst="rect">
+            <a:avLst/>
+          </a:prstGeom>
+          <a:noFill/>
+        </p:spPr>
+        <p:txBody>
+          <a:bodyPr wrap="none" rtlCol="0">
+            <a:spAutoFit/>
+          </a:bodyPr>
+          <a:lstStyle/>
+          <a:p>
+            <a:r>
+              <a:rPr lang="en-US" altLang="zh-CN" dirty="0" err="1" smtClean="0"/>
+              <a:t>Github</a:t>
+            </a:r>
+            <a:r>
+              <a:rPr lang="zh-CN" altLang="en-US" dirty="0" smtClean="0"/>
+              <a:t>链接：</a:t>
+            </a:r>
+            <a:r>
+              <a:rPr lang="en-US" altLang="zh-CN" dirty="0"/>
+              <a:t>https://</a:t>
+            </a:r>
+            <a:r>
+              <a:rPr lang="en-US" altLang="zh-CN" dirty="0" err="1"/>
+              <a:t>github.com</a:t>
+            </a:r>
+            <a:r>
+              <a:rPr lang="en-US" altLang="zh-CN" dirty="0"/>
+              <a:t>/</a:t>
+            </a:r>
+            <a:r>
+              <a:rPr lang="en-US" altLang="zh-CN" dirty="0" err="1"/>
+              <a:t>deepfakes</a:t>
+            </a:r>
+            <a:r>
+              <a:rPr lang="en-US" altLang="zh-CN" dirty="0"/>
+              <a:t>/</a:t>
+            </a:r>
+            <a:r>
+              <a:rPr lang="en-US" altLang="zh-CN" dirty="0" err="1"/>
+              <a:t>faceswap</a:t>
+            </a:r>
+            <a:endParaRPr lang="en-US" dirty="0"/>
+          </a:p>
+        </p:txBody>
+      </p:sp>
+      <p:sp>
+        <p:nvSpPr>
+          <p:cNvPr id="8" name="TextBox 7"/>
+          <p:cNvSpPr txBox="1"/>
+          <p:nvPr/>
+        </p:nvSpPr>
+        <p:spPr>
+          <a:xfrm>
+            <a:off x="326599" y="1828799"/>
+            <a:ext cx="6144952" cy="2308324"/>
+          </a:xfrm>
+          <a:prstGeom prst="rect">
+            <a:avLst/>
+          </a:prstGeom>
+          <a:noFill/>
+        </p:spPr>
+        <p:txBody>
+          <a:bodyPr wrap="none" rtlCol="0">
+            <a:spAutoFit/>
+          </a:bodyPr>
+          <a:lstStyle/>
+          <a:p>
+            <a:r>
+              <a:rPr lang="zh-CN" altLang="en-US" dirty="0" smtClean="0"/>
+              <a:t>安装：执行命令 </a:t>
+            </a:r>
+            <a:r>
+              <a:rPr lang="en-US" dirty="0" smtClean="0"/>
+              <a:t>python </a:t>
+            </a:r>
+            <a:r>
+              <a:rPr lang="en-US" dirty="0" err="1" smtClean="0"/>
+              <a:t>setup.py</a:t>
+            </a:r>
+            <a:endParaRPr lang="en-US" dirty="0"/>
+          </a:p>
+          <a:p>
+            <a:endParaRPr lang="en-US" dirty="0"/>
+          </a:p>
+          <a:p>
+            <a:r>
+              <a:rPr lang="zh-CN" altLang="en-US" dirty="0" smtClean="0"/>
+              <a:t>如果安装失败，依照</a:t>
+            </a:r>
+            <a:r>
+              <a:rPr lang="en-US" altLang="zh-CN" dirty="0" err="1" smtClean="0"/>
+              <a:t>requirements.txt</a:t>
+            </a:r>
+            <a:r>
+              <a:rPr lang="zh-CN" altLang="en-US" dirty="0" smtClean="0"/>
+              <a:t>中的列表安装所有程序</a:t>
+            </a:r>
+            <a:endParaRPr lang="en-US" altLang="zh-CN" dirty="0" smtClean="0"/>
+          </a:p>
+          <a:p>
+            <a:endParaRPr lang="en-US" dirty="0"/>
+          </a:p>
+          <a:p>
+            <a:r>
+              <a:rPr lang="zh-CN" altLang="en-US" dirty="0" smtClean="0"/>
+              <a:t>如有问题，详情见</a:t>
+            </a:r>
+            <a:r>
+              <a:rPr lang="en-US" altLang="zh-CN" dirty="0" err="1" smtClean="0"/>
+              <a:t>INSTALL.md</a:t>
+            </a:r>
+            <a:endParaRPr lang="en-US" altLang="zh-CN" dirty="0" smtClean="0"/>
+          </a:p>
+          <a:p>
+            <a:endParaRPr lang="en-US" dirty="0"/>
+          </a:p>
+          <a:p>
+            <a:endParaRPr lang="en-US" dirty="0"/>
+          </a:p>
+          <a:p>
+            <a:r>
+              <a:rPr lang="zh-CN" altLang="en-US" dirty="0" smtClean="0"/>
+              <a:t> </a:t>
+            </a:r>
+            <a:r>
+              <a:rPr lang="en-US" altLang="zh-CN" dirty="0" smtClean="0"/>
+              <a:t>	</a:t>
+            </a:r>
+            <a:endParaRPr lang="en-US" dirty="0"/>
+          </a:p>
+        </p:txBody>
+      </p:sp>
+    </p:spTree>
+    <p:extLst>
+      <p:ext uri="{BB962C8B-B14F-4D97-AF65-F5344CB8AC3E}">
+        <p14:creationId xmlns:p14="http://schemas.microsoft.com/office/powerpoint/2010/main" val="1788931504"/>
+      </p:ext>
+    </p:extLst>
+  </p:cSld>
+  <p:clrMapOvr>
+    <a:masterClrMapping/>
+  </p:clrMapOvr>
+</p:sld>
+</file>
+
+<file path=ppt/slides/slide32.xml><?xml version="1.0" encoding="utf-8"?>
+<p:sld xmlns:a="http://schemas.openxmlformats.org/drawingml/2006/main" xmlns:r="http://schemas.openxmlformats.org/officeDocument/2006/relationships" xmlns:p="http://schemas.openxmlformats.org/presentationml/2006/main">
+  <p:cSld>
+    <p:spTree>
+      <p:nvGrpSpPr>
+        <p:cNvPr id="1" name=""/>
+        <p:cNvGrpSpPr/>
+        <p:nvPr/>
+      </p:nvGrpSpPr>
+      <p:grpSpPr>
+        <a:xfrm>
+          <a:off x="0" y="0"/>
+          <a:ext cx="0" cy="0"/>
+          <a:chOff x="0" y="0"/>
+          <a:chExt cx="0" cy="0"/>
+        </a:xfrm>
+      </p:grpSpPr>
+      <p:sp>
+        <p:nvSpPr>
+          <p:cNvPr id="2" name="标题 1"/>
+          <p:cNvSpPr>
+            <a:spLocks noGrp="1"/>
+          </p:cNvSpPr>
+          <p:nvPr>
+            <p:ph type="title"/>
+          </p:nvPr>
+        </p:nvSpPr>
+        <p:spPr/>
+        <p:txBody>
+          <a:bodyPr/>
+          <a:lstStyle/>
+          <a:p>
+            <a:r>
+              <a:rPr lang="zh-CN" altLang="en-US" dirty="0" smtClean="0"/>
+              <a:t>使用</a:t>
+            </a:r>
+            <a:endParaRPr lang="zh-CN" altLang="en-US" dirty="0"/>
+          </a:p>
+        </p:txBody>
+      </p:sp>
+      <p:sp>
+        <p:nvSpPr>
+          <p:cNvPr id="8" name="TextBox 7"/>
+          <p:cNvSpPr txBox="1"/>
+          <p:nvPr/>
+        </p:nvSpPr>
+        <p:spPr>
+          <a:xfrm>
+            <a:off x="326599" y="1295399"/>
+            <a:ext cx="7957243" cy="1200329"/>
+          </a:xfrm>
+          <a:prstGeom prst="rect">
+            <a:avLst/>
+          </a:prstGeom>
+          <a:noFill/>
+        </p:spPr>
+        <p:txBody>
+          <a:bodyPr wrap="none" rtlCol="0">
+            <a:spAutoFit/>
+          </a:bodyPr>
+          <a:lstStyle/>
+          <a:p>
+            <a:r>
+              <a:rPr lang="zh-CN" altLang="en-US" dirty="0" smtClean="0"/>
+              <a:t>提取照片中的人脸：</a:t>
+            </a:r>
+            <a:endParaRPr lang="en-US" altLang="zh-CN" dirty="0" smtClean="0"/>
+          </a:p>
+          <a:p>
+            <a:endParaRPr lang="en-US" altLang="zh-CN" dirty="0"/>
+          </a:p>
+          <a:p>
+            <a:endParaRPr lang="en-US" altLang="zh-CN" dirty="0" smtClean="0"/>
+          </a:p>
+          <a:p>
+            <a:r>
+              <a:rPr lang="en-US" dirty="0"/>
+              <a:t>python </a:t>
+            </a:r>
+            <a:r>
+              <a:rPr lang="en-US" dirty="0" err="1"/>
+              <a:t>faceswap.py</a:t>
+            </a:r>
+            <a:r>
+              <a:rPr lang="en-US" dirty="0"/>
+              <a:t> extract -</a:t>
+            </a:r>
+            <a:r>
+              <a:rPr lang="en-US" dirty="0" err="1"/>
+              <a:t>i</a:t>
+            </a:r>
+            <a:r>
+              <a:rPr lang="en-US" dirty="0"/>
+              <a:t> </a:t>
+            </a:r>
+            <a:r>
+              <a:rPr lang="en-US" dirty="0" smtClean="0"/>
+              <a:t>~/</a:t>
+            </a:r>
+            <a:r>
+              <a:rPr lang="en-US" dirty="0" err="1" smtClean="0"/>
+              <a:t>faceswap</a:t>
+            </a:r>
+            <a:r>
+              <a:rPr lang="en-US" dirty="0" smtClean="0"/>
+              <a:t>/photo/trump -</a:t>
+            </a:r>
+            <a:r>
+              <a:rPr lang="en-US" dirty="0"/>
+              <a:t>o ~/</a:t>
+            </a:r>
+            <a:r>
+              <a:rPr lang="en-US" dirty="0" err="1" smtClean="0"/>
+              <a:t>faceswap</a:t>
+            </a:r>
+            <a:r>
+              <a:rPr lang="en-US" dirty="0" smtClean="0"/>
+              <a:t>/data/trump</a:t>
+            </a:r>
+          </a:p>
+        </p:txBody>
+      </p:sp>
+      <p:pic>
+        <p:nvPicPr>
+          <p:cNvPr id="3" name="Picture 2"/>
+          <p:cNvPicPr>
+            <a:picLocks noChangeAspect="1"/>
+          </p:cNvPicPr>
+          <p:nvPr/>
+        </p:nvPicPr>
+        <p:blipFill>
+          <a:blip r:embed="rId2"/>
+          <a:stretch>
+            <a:fillRect/>
+          </a:stretch>
+        </p:blipFill>
+        <p:spPr>
+          <a:xfrm>
+            <a:off x="1511300" y="2999158"/>
+            <a:ext cx="9169400" cy="2501900"/>
+          </a:xfrm>
+          <a:prstGeom prst="rect">
+            <a:avLst/>
+          </a:prstGeom>
+        </p:spPr>
+      </p:pic>
+    </p:spTree>
+    <p:extLst>
+      <p:ext uri="{BB962C8B-B14F-4D97-AF65-F5344CB8AC3E}">
+        <p14:creationId xmlns:p14="http://schemas.microsoft.com/office/powerpoint/2010/main" val="1332180952"/>
+      </p:ext>
+    </p:extLst>
+  </p:cSld>
+  <p:clrMapOvr>
+    <a:masterClrMapping/>
+  </p:clrMapOvr>
+</p:sld>
+</file>
+
+<file path=ppt/slides/slide33.xml><?xml version="1.0" encoding="utf-8"?>
+<p:sld xmlns:a="http://schemas.openxmlformats.org/drawingml/2006/main" xmlns:r="http://schemas.openxmlformats.org/officeDocument/2006/relationships" xmlns:p="http://schemas.openxmlformats.org/presentationml/2006/main">
+  <p:cSld>
+    <p:spTree>
+      <p:nvGrpSpPr>
+        <p:cNvPr id="1" name=""/>
+        <p:cNvGrpSpPr/>
+        <p:nvPr/>
+      </p:nvGrpSpPr>
+      <p:grpSpPr>
+        <a:xfrm>
+          <a:off x="0" y="0"/>
+          <a:ext cx="0" cy="0"/>
+          <a:chOff x="0" y="0"/>
+          <a:chExt cx="0" cy="0"/>
+        </a:xfrm>
+      </p:grpSpPr>
+      <p:sp>
+        <p:nvSpPr>
+          <p:cNvPr id="2" name="标题 1"/>
+          <p:cNvSpPr>
+            <a:spLocks noGrp="1"/>
+          </p:cNvSpPr>
+          <p:nvPr>
+            <p:ph type="title"/>
+          </p:nvPr>
+        </p:nvSpPr>
+        <p:spPr/>
+        <p:txBody>
+          <a:bodyPr/>
+          <a:lstStyle/>
+          <a:p>
+            <a:r>
+              <a:rPr lang="zh-CN" altLang="en-US" dirty="0" smtClean="0"/>
+              <a:t>使用</a:t>
+            </a:r>
+            <a:endParaRPr lang="zh-CN" altLang="en-US" dirty="0"/>
+          </a:p>
+        </p:txBody>
+      </p:sp>
+      <p:pic>
+        <p:nvPicPr>
+          <p:cNvPr id="4" name="Picture 3"/>
+          <p:cNvPicPr>
+            <a:picLocks noChangeAspect="1"/>
+          </p:cNvPicPr>
+          <p:nvPr/>
+        </p:nvPicPr>
+        <p:blipFill>
+          <a:blip r:embed="rId3">
+            <a:extLst>
+              <a:ext uri="{28A0092B-C50C-407E-A947-70E740481C1C}">
+                <a14:useLocalDpi xmlns:a14="http://schemas.microsoft.com/office/drawing/2010/main" val="0"/>
+              </a:ext>
+            </a:extLst>
+          </a:blip>
+          <a:stretch>
+            <a:fillRect/>
+          </a:stretch>
+        </p:blipFill>
+        <p:spPr>
+          <a:xfrm>
+            <a:off x="1774399" y="1301433"/>
+            <a:ext cx="3417443" cy="4328160"/>
+          </a:xfrm>
+          <a:prstGeom prst="rect">
+            <a:avLst/>
+          </a:prstGeom>
+        </p:spPr>
+      </p:pic>
+      <p:pic>
+        <p:nvPicPr>
+          <p:cNvPr id="5" name="Picture 4"/>
+          <p:cNvPicPr>
+            <a:picLocks noChangeAspect="1"/>
+          </p:cNvPicPr>
+          <p:nvPr/>
+        </p:nvPicPr>
+        <p:blipFill>
+          <a:blip r:embed="rId4">
+            <a:extLst>
+              <a:ext uri="{28A0092B-C50C-407E-A947-70E740481C1C}">
+                <a14:useLocalDpi xmlns:a14="http://schemas.microsoft.com/office/drawing/2010/main" val="0"/>
+              </a:ext>
+            </a:extLst>
+          </a:blip>
+          <a:stretch>
+            <a:fillRect/>
+          </a:stretch>
+        </p:blipFill>
+        <p:spPr>
+          <a:xfrm>
+            <a:off x="7042150" y="1839913"/>
+            <a:ext cx="3251200" cy="3251200"/>
+          </a:xfrm>
+          <a:prstGeom prst="rect">
+            <a:avLst/>
+          </a:prstGeom>
+        </p:spPr>
+      </p:pic>
+      <p:sp>
+        <p:nvSpPr>
+          <p:cNvPr id="6" name="Right Arrow 5"/>
+          <p:cNvSpPr/>
+          <p:nvPr/>
+        </p:nvSpPr>
+        <p:spPr>
+          <a:xfrm>
+            <a:off x="5191842" y="2925513"/>
+            <a:ext cx="1850308" cy="1080000"/>
+          </a:xfrm>
+          <a:prstGeom prst="rightArrow">
+            <a:avLst/>
+          </a:prstGeom>
+        </p:spPr>
+        <p:style>
+          <a:lnRef idx="1">
+            <a:schemeClr val="accent1"/>
+          </a:lnRef>
+          <a:fillRef idx="2">
+            <a:schemeClr val="accent1"/>
+          </a:fillRef>
+          <a:effectRef idx="1">
+            <a:schemeClr val="accent1"/>
+          </a:effectRef>
+          <a:fontRef idx="minor">
+            <a:schemeClr val="dk1"/>
+          </a:fontRef>
+        </p:style>
+        <p:txBody>
+          <a:bodyPr rtlCol="0" anchor="ctr"/>
+          <a:lstStyle/>
+          <a:p>
+            <a:pPr algn="ctr"/>
+            <a:endParaRPr lang="en-US"/>
+          </a:p>
+        </p:txBody>
+      </p:sp>
+    </p:spTree>
+    <p:extLst>
+      <p:ext uri="{BB962C8B-B14F-4D97-AF65-F5344CB8AC3E}">
+        <p14:creationId xmlns:p14="http://schemas.microsoft.com/office/powerpoint/2010/main" val="1044639267"/>
+      </p:ext>
+    </p:extLst>
+  </p:cSld>
+  <p:clrMapOvr>
+    <a:masterClrMapping/>
+  </p:clrMapOvr>
+</p:sld>
+</file>
+
+<file path=ppt/slides/slide34.xml><?xml version="1.0" encoding="utf-8"?>
+<p:sld xmlns:a="http://schemas.openxmlformats.org/drawingml/2006/main" xmlns:r="http://schemas.openxmlformats.org/officeDocument/2006/relationships" xmlns:p="http://schemas.openxmlformats.org/presentationml/2006/main">
+  <p:cSld>
+    <p:spTree>
+      <p:nvGrpSpPr>
+        <p:cNvPr id="1" name=""/>
+        <p:cNvGrpSpPr/>
+        <p:nvPr/>
+      </p:nvGrpSpPr>
+      <p:grpSpPr>
+        <a:xfrm>
+          <a:off x="0" y="0"/>
+          <a:ext cx="0" cy="0"/>
+          <a:chOff x="0" y="0"/>
+          <a:chExt cx="0" cy="0"/>
+        </a:xfrm>
+      </p:grpSpPr>
+      <p:sp>
+        <p:nvSpPr>
+          <p:cNvPr id="2" name="标题 1"/>
+          <p:cNvSpPr>
+            <a:spLocks noGrp="1"/>
+          </p:cNvSpPr>
+          <p:nvPr>
+            <p:ph type="title"/>
+          </p:nvPr>
+        </p:nvSpPr>
+        <p:spPr/>
+        <p:txBody>
+          <a:bodyPr/>
+          <a:lstStyle/>
+          <a:p>
+            <a:r>
+              <a:rPr lang="zh-CN" altLang="en-US" dirty="0" smtClean="0"/>
+              <a:t>模型训练</a:t>
+            </a:r>
+            <a:endParaRPr lang="zh-CN" altLang="en-US" dirty="0"/>
+          </a:p>
+        </p:txBody>
+      </p:sp>
+      <p:sp>
+        <p:nvSpPr>
+          <p:cNvPr id="3" name="TextBox 2"/>
+          <p:cNvSpPr txBox="1"/>
+          <p:nvPr/>
+        </p:nvSpPr>
+        <p:spPr>
+          <a:xfrm>
+            <a:off x="326599" y="1314450"/>
+            <a:ext cx="9943941" cy="369332"/>
+          </a:xfrm>
+          <a:prstGeom prst="rect">
+            <a:avLst/>
+          </a:prstGeom>
+          <a:noFill/>
+        </p:spPr>
+        <p:txBody>
+          <a:bodyPr wrap="none" rtlCol="0">
+            <a:spAutoFit/>
+          </a:bodyPr>
+          <a:lstStyle/>
+          <a:p>
+            <a:r>
+              <a:rPr lang="en-US" dirty="0" smtClean="0"/>
+              <a:t>python</a:t>
+            </a:r>
+            <a:r>
+              <a:rPr lang="en-US" altLang="zh-CN" dirty="0" smtClean="0"/>
+              <a:t>3</a:t>
+            </a:r>
+            <a:r>
+              <a:rPr lang="en-US" dirty="0" smtClean="0"/>
+              <a:t> </a:t>
+            </a:r>
+            <a:r>
+              <a:rPr lang="en-US" dirty="0" err="1"/>
+              <a:t>faceswap.py</a:t>
+            </a:r>
+            <a:r>
+              <a:rPr lang="en-US" dirty="0"/>
+              <a:t> train -A ~/</a:t>
+            </a:r>
+            <a:r>
+              <a:rPr lang="en-US" dirty="0" err="1"/>
+              <a:t>faceswap</a:t>
+            </a:r>
+            <a:r>
+              <a:rPr lang="en-US" dirty="0"/>
+              <a:t>/data/trump -B ~/</a:t>
+            </a:r>
+            <a:r>
+              <a:rPr lang="en-US" dirty="0" err="1"/>
+              <a:t>faceswap</a:t>
+            </a:r>
+            <a:r>
+              <a:rPr lang="en-US" dirty="0"/>
+              <a:t>/data/cage -m ~/</a:t>
+            </a:r>
+            <a:r>
+              <a:rPr lang="en-US" dirty="0" err="1"/>
+              <a:t>faceswap</a:t>
+            </a:r>
+            <a:r>
+              <a:rPr lang="en-US" dirty="0"/>
+              <a:t>/models/</a:t>
+            </a:r>
+          </a:p>
+        </p:txBody>
+      </p:sp>
+      <p:pic>
+        <p:nvPicPr>
+          <p:cNvPr id="7" name="Picture 6"/>
+          <p:cNvPicPr>
+            <a:picLocks noChangeAspect="1"/>
+          </p:cNvPicPr>
+          <p:nvPr/>
+        </p:nvPicPr>
+        <p:blipFill>
+          <a:blip r:embed="rId2"/>
+          <a:stretch>
+            <a:fillRect/>
+          </a:stretch>
+        </p:blipFill>
+        <p:spPr>
+          <a:xfrm>
+            <a:off x="1530350" y="2206263"/>
+            <a:ext cx="9131300" cy="3556000"/>
+          </a:xfrm>
+          <a:prstGeom prst="rect">
+            <a:avLst/>
+          </a:prstGeom>
+        </p:spPr>
+      </p:pic>
+    </p:spTree>
+    <p:extLst>
+      <p:ext uri="{BB962C8B-B14F-4D97-AF65-F5344CB8AC3E}">
+        <p14:creationId xmlns:p14="http://schemas.microsoft.com/office/powerpoint/2010/main" val="261958617"/>
+      </p:ext>
+    </p:extLst>
+  </p:cSld>
+  <p:clrMapOvr>
+    <a:masterClrMapping/>
+  </p:clrMapOvr>
+</p:sld>
+</file>
+
+<file path=ppt/slides/slide35.xml><?xml version="1.0" encoding="utf-8"?>
+<p:sld xmlns:a="http://schemas.openxmlformats.org/drawingml/2006/main" xmlns:r="http://schemas.openxmlformats.org/officeDocument/2006/relationships" xmlns:p="http://schemas.openxmlformats.org/presentationml/2006/main">
+  <p:cSld>
+    <p:spTree>
+      <p:nvGrpSpPr>
+        <p:cNvPr id="1" name=""/>
+        <p:cNvGrpSpPr/>
+        <p:nvPr/>
+      </p:nvGrpSpPr>
+      <p:grpSpPr>
+        <a:xfrm>
+          <a:off x="0" y="0"/>
+          <a:ext cx="0" cy="0"/>
+          <a:chOff x="0" y="0"/>
+          <a:chExt cx="0" cy="0"/>
+        </a:xfrm>
+      </p:grpSpPr>
+      <p:sp>
+        <p:nvSpPr>
+          <p:cNvPr id="2" name="标题 1"/>
+          <p:cNvSpPr>
+            <a:spLocks noGrp="1"/>
+          </p:cNvSpPr>
+          <p:nvPr>
+            <p:ph type="title"/>
+          </p:nvPr>
+        </p:nvSpPr>
+        <p:spPr/>
+        <p:txBody>
+          <a:bodyPr/>
+          <a:lstStyle/>
+          <a:p>
+            <a:r>
+              <a:rPr lang="zh-CN" altLang="en-US" dirty="0" smtClean="0"/>
+              <a:t>模型训练</a:t>
+            </a:r>
+            <a:endParaRPr lang="zh-CN" altLang="en-US" dirty="0"/>
+          </a:p>
+        </p:txBody>
+      </p:sp>
+      <p:pic>
+        <p:nvPicPr>
+          <p:cNvPr id="4" name="Picture 3"/>
+          <p:cNvPicPr>
+            <a:picLocks noChangeAspect="1"/>
+          </p:cNvPicPr>
+          <p:nvPr/>
+        </p:nvPicPr>
+        <p:blipFill>
+          <a:blip r:embed="rId2">
+            <a:extLst>
+              <a:ext uri="{28A0092B-C50C-407E-A947-70E740481C1C}">
+                <a14:useLocalDpi xmlns:a14="http://schemas.microsoft.com/office/drawing/2010/main" val="0"/>
+              </a:ext>
+            </a:extLst>
+          </a:blip>
+          <a:stretch>
+            <a:fillRect/>
+          </a:stretch>
+        </p:blipFill>
+        <p:spPr>
+          <a:xfrm>
+            <a:off x="1666875" y="1258886"/>
+            <a:ext cx="8858250" cy="5167313"/>
+          </a:xfrm>
+          <a:prstGeom prst="rect">
+            <a:avLst/>
+          </a:prstGeom>
+        </p:spPr>
+      </p:pic>
+    </p:spTree>
+    <p:extLst>
+      <p:ext uri="{BB962C8B-B14F-4D97-AF65-F5344CB8AC3E}">
+        <p14:creationId xmlns:p14="http://schemas.microsoft.com/office/powerpoint/2010/main" val="2051528403"/>
+      </p:ext>
+    </p:extLst>
+  </p:cSld>
+  <p:clrMapOvr>
+    <a:masterClrMapping/>
+  </p:clrMapOvr>
+</p:sld>
+</file>
+
+<file path=ppt/slides/slide36.xml><?xml version="1.0" encoding="utf-8"?>
+<p:sld xmlns:a="http://schemas.openxmlformats.org/drawingml/2006/main" xmlns:r="http://schemas.openxmlformats.org/officeDocument/2006/relationships" xmlns:p="http://schemas.openxmlformats.org/presentationml/2006/main">
+  <p:cSld>
+    <p:spTree>
+      <p:nvGrpSpPr>
+        <p:cNvPr id="1" name=""/>
+        <p:cNvGrpSpPr/>
+        <p:nvPr/>
+      </p:nvGrpSpPr>
+      <p:grpSpPr>
+        <a:xfrm>
+          <a:off x="0" y="0"/>
+          <a:ext cx="0" cy="0"/>
+          <a:chOff x="0" y="0"/>
+          <a:chExt cx="0" cy="0"/>
+        </a:xfrm>
+      </p:grpSpPr>
+      <p:sp>
+        <p:nvSpPr>
+          <p:cNvPr id="2" name="标题 1"/>
+          <p:cNvSpPr>
+            <a:spLocks noGrp="1"/>
+          </p:cNvSpPr>
+          <p:nvPr>
+            <p:ph type="title"/>
+          </p:nvPr>
+        </p:nvSpPr>
+        <p:spPr/>
+        <p:txBody>
+          <a:bodyPr/>
+          <a:lstStyle/>
+          <a:p>
+            <a:r>
+              <a:rPr lang="zh-CN" altLang="en-US" dirty="0" smtClean="0"/>
+              <a:t>换脸</a:t>
+            </a:r>
+            <a:endParaRPr lang="zh-CN" altLang="en-US" dirty="0"/>
+          </a:p>
+        </p:txBody>
+      </p:sp>
+      <p:sp>
+        <p:nvSpPr>
+          <p:cNvPr id="3" name="TextBox 2"/>
+          <p:cNvSpPr txBox="1"/>
+          <p:nvPr/>
+        </p:nvSpPr>
+        <p:spPr>
+          <a:xfrm>
+            <a:off x="326599" y="1047750"/>
+            <a:ext cx="10167271" cy="369332"/>
+          </a:xfrm>
+          <a:prstGeom prst="rect">
+            <a:avLst/>
+          </a:prstGeom>
+          <a:noFill/>
+        </p:spPr>
+        <p:txBody>
+          <a:bodyPr wrap="none" rtlCol="0">
+            <a:spAutoFit/>
+          </a:bodyPr>
+          <a:lstStyle/>
+          <a:p>
+            <a:r>
+              <a:rPr lang="en-US" dirty="0" smtClean="0"/>
+              <a:t>python</a:t>
+            </a:r>
+            <a:r>
+              <a:rPr lang="en-US" altLang="zh-CN" dirty="0" smtClean="0"/>
+              <a:t>3</a:t>
+            </a:r>
+            <a:r>
+              <a:rPr lang="en-US" dirty="0" smtClean="0"/>
+              <a:t> </a:t>
+            </a:r>
+            <a:r>
+              <a:rPr lang="en-US" dirty="0" err="1"/>
+              <a:t>faceswap.py</a:t>
+            </a:r>
+            <a:r>
+              <a:rPr lang="en-US" dirty="0"/>
+              <a:t> convert -</a:t>
+            </a:r>
+            <a:r>
+              <a:rPr lang="en-US" dirty="0" err="1"/>
+              <a:t>i</a:t>
+            </a:r>
+            <a:r>
+              <a:rPr lang="en-US" dirty="0"/>
+              <a:t> ~/</a:t>
+            </a:r>
+            <a:r>
+              <a:rPr lang="en-US" dirty="0" err="1"/>
+              <a:t>faceswap</a:t>
+            </a:r>
+            <a:r>
+              <a:rPr lang="en-US" dirty="0"/>
+              <a:t>/photo/trump/ -o ~/</a:t>
+            </a:r>
+            <a:r>
+              <a:rPr lang="en-US" dirty="0" err="1"/>
+              <a:t>faceswap</a:t>
+            </a:r>
+            <a:r>
+              <a:rPr lang="en-US" dirty="0"/>
+              <a:t>/output/ -m ~/</a:t>
+            </a:r>
+            <a:r>
+              <a:rPr lang="en-US" dirty="0" err="1"/>
+              <a:t>faceswap</a:t>
+            </a:r>
+            <a:r>
+              <a:rPr lang="en-US" dirty="0"/>
+              <a:t>/models/</a:t>
+            </a:r>
+          </a:p>
+        </p:txBody>
+      </p:sp>
+    </p:spTree>
+    <p:extLst>
+      <p:ext uri="{BB962C8B-B14F-4D97-AF65-F5344CB8AC3E}">
+        <p14:creationId xmlns:p14="http://schemas.microsoft.com/office/powerpoint/2010/main" val="1586795797"/>
+      </p:ext>
+    </p:extLst>
+  </p:cSld>
+  <p:clrMapOvr>
+    <a:masterClrMapping/>
+  </p:clrMapOvr>
+</p:sld>
+</file>
+
+<file path=ppt/slides/slide37.xml><?xml version="1.0" encoding="utf-8"?>
 <p:sld xmlns:a="http://schemas.openxmlformats.org/drawingml/2006/main" xmlns:r="http://schemas.openxmlformats.org/officeDocument/2006/relationships" xmlns:p="http://schemas.openxmlformats.org/presentationml/2006/main">
   <p:cSld>
     <p:spTree>
